--- a/CSC543FinalProject/CSC 543 - Spring 2021 - Final Project - Bob Elward.pptx
+++ b/CSC543FinalProject/CSC 543 - Spring 2021 - Final Project - Bob Elward.pptx
@@ -125,7 +125,7 @@
 <file path=ppt/revisionInfo.xml><?xml version="1.0" encoding="utf-8"?>
 <p1510:revInfo xmlns:a="http://schemas.openxmlformats.org/drawingml/2006/main" xmlns:r="http://schemas.openxmlformats.org/officeDocument/2006/relationships" xmlns:p1510="http://schemas.microsoft.com/office/powerpoint/2015/10/main">
   <p1510:revLst>
-    <p1510:client id="{607681AF-7AAC-4B91-A1BC-14E95AC55DD5}" v="12" dt="2021-04-20T14:54:00.859"/>
+    <p1510:client id="{607681AF-7AAC-4B91-A1BC-14E95AC55DD5}" v="13" dt="2021-04-20T20:17:51.591"/>
   </p1510:revLst>
 </p1510:revInfo>
 </file>
@@ -135,7 +135,7 @@
   <pc:docChgLst>
     <pc:chgData name="Bob E" userId="3e98a89c1d755d3b" providerId="LiveId" clId="{607681AF-7AAC-4B91-A1BC-14E95AC55DD5}"/>
     <pc:docChg chg="undo custSel addSld delSld modSld">
-      <pc:chgData name="Bob E" userId="3e98a89c1d755d3b" providerId="LiveId" clId="{607681AF-7AAC-4B91-A1BC-14E95AC55DD5}" dt="2021-04-20T15:57:56.973" v="1902" actId="5793"/>
+      <pc:chgData name="Bob E" userId="3e98a89c1d755d3b" providerId="LiveId" clId="{607681AF-7AAC-4B91-A1BC-14E95AC55DD5}" dt="2021-04-20T20:17:33.347" v="1928"/>
       <pc:docMkLst>
         <pc:docMk/>
       </pc:docMkLst>
@@ -193,13 +193,13 @@
         </pc:spChg>
       </pc:sldChg>
       <pc:sldChg chg="modSp mod">
-        <pc:chgData name="Bob E" userId="3e98a89c1d755d3b" providerId="LiveId" clId="{607681AF-7AAC-4B91-A1BC-14E95AC55DD5}" dt="2021-04-20T14:47:36.792" v="1478" actId="115"/>
+        <pc:chgData name="Bob E" userId="3e98a89c1d755d3b" providerId="LiveId" clId="{607681AF-7AAC-4B91-A1BC-14E95AC55DD5}" dt="2021-04-20T20:17:33.347" v="1928"/>
         <pc:sldMkLst>
           <pc:docMk/>
           <pc:sldMk cId="434758405" sldId="272"/>
         </pc:sldMkLst>
         <pc:spChg chg="mod">
-          <ac:chgData name="Bob E" userId="3e98a89c1d755d3b" providerId="LiveId" clId="{607681AF-7AAC-4B91-A1BC-14E95AC55DD5}" dt="2021-04-20T14:47:36.792" v="1478" actId="115"/>
+          <ac:chgData name="Bob E" userId="3e98a89c1d755d3b" providerId="LiveId" clId="{607681AF-7AAC-4B91-A1BC-14E95AC55DD5}" dt="2021-04-20T20:17:33.347" v="1928"/>
           <ac:spMkLst>
             <pc:docMk/>
             <pc:sldMk cId="434758405" sldId="272"/>
@@ -1115,7 +1115,7 @@
           <a:p>
             <a:fld id="{EA0C0817-A112-4847-8014-A94B7D2A4EA3}" type="datetime1">
               <a:rPr lang="en-US" smtClean="0"/>
-              <a:t>4/19/2021</a:t>
+              <a:t>4/20/2021</a:t>
             </a:fld>
             <a:endParaRPr lang="en-US" dirty="0"/>
           </a:p>
@@ -1317,7 +1317,7 @@
           <a:p>
             <a:fld id="{7332B432-ACDA-4023-A761-2BAB76577B62}" type="datetime1">
               <a:rPr lang="en-US" smtClean="0"/>
-              <a:t>4/19/2021</a:t>
+              <a:t>4/20/2021</a:t>
             </a:fld>
             <a:endParaRPr lang="en-US" dirty="0"/>
           </a:p>
@@ -1916,7 +1916,7 @@
           <a:p>
             <a:fld id="{D9C646AA-F36E-4540-911D-FFFC0A0EF24A}" type="datetime1">
               <a:rPr lang="en-US" smtClean="0"/>
-              <a:t>4/19/2021</a:t>
+              <a:t>4/20/2021</a:t>
             </a:fld>
             <a:endParaRPr lang="en-US" dirty="0"/>
           </a:p>
@@ -2236,7 +2236,7 @@
           <a:p>
             <a:fld id="{69186D26-FA5F-4637-B602-B7C2DC34CFD4}" type="datetime1">
               <a:rPr lang="en-US" smtClean="0"/>
-              <a:t>4/19/2021</a:t>
+              <a:t>4/20/2021</a:t>
             </a:fld>
             <a:endParaRPr lang="en-US" dirty="0"/>
           </a:p>
@@ -2673,7 +2673,7 @@
           <a:p>
             <a:fld id="{8A7F15D8-96D1-4781-BC50-CA8A088B2FE4}" type="datetime1">
               <a:rPr lang="en-US" smtClean="0"/>
-              <a:t>4/19/2021</a:t>
+              <a:t>4/20/2021</a:t>
             </a:fld>
             <a:endParaRPr lang="en-US" dirty="0"/>
           </a:p>
@@ -2791,7 +2791,7 @@
           <a:p>
             <a:fld id="{F9A96C99-B8F8-4528-BD05-0E16E943DC09}" type="datetime1">
               <a:rPr lang="en-US" smtClean="0"/>
-              <a:t>4/19/2021</a:t>
+              <a:t>4/20/2021</a:t>
             </a:fld>
             <a:endParaRPr lang="en-US" dirty="0"/>
           </a:p>
@@ -2886,7 +2886,7 @@
           <a:p>
             <a:fld id="{03636942-C211-4B28-8DBD-C953E00AF71B}" type="datetime1">
               <a:rPr lang="en-US" smtClean="0"/>
-              <a:t>4/19/2021</a:t>
+              <a:t>4/20/2021</a:t>
             </a:fld>
             <a:endParaRPr lang="en-US" dirty="0"/>
           </a:p>
@@ -3303,7 +3303,7 @@
           <a:p>
             <a:fld id="{7E8D12A6-918A-48BD-8CB9-CA713993B0EA}" type="datetime1">
               <a:rPr lang="en-US" smtClean="0"/>
-              <a:t>4/19/2021</a:t>
+              <a:t>4/20/2021</a:t>
             </a:fld>
             <a:endParaRPr lang="en-US" dirty="0"/>
           </a:p>
@@ -3565,7 +3565,7 @@
             <a:fld id="{E778CE86-875F-4587-BCF6-FA054AFC0D53}" type="datetime1">
               <a:rPr lang="en-US" smtClean="0"/>
               <a:pPr/>
-              <a:t>4/19/2021</a:t>
+              <a:t>4/20/2021</a:t>
             </a:fld>
             <a:endParaRPr lang="en-US" dirty="0"/>
           </a:p>
@@ -4081,7 +4081,7 @@
           <a:p>
             <a:fld id="{F6FA2B21-3FCD-4721-B95C-427943F61125}" type="datetime1">
               <a:rPr lang="en-US" smtClean="0"/>
-              <a:t>4/19/2021</a:t>
+              <a:t>4/20/2021</a:t>
             </a:fld>
             <a:endParaRPr lang="en-US" dirty="0"/>
           </a:p>
@@ -5102,7 +5102,7 @@
         <p:spPr/>
         <p:txBody>
           <a:bodyPr>
-            <a:normAutofit/>
+            <a:normAutofit lnSpcReduction="10000"/>
           </a:bodyPr>
           <a:lstStyle/>
           <a:p>
@@ -5167,6 +5167,19 @@
               <a:rPr lang="en-US" sz="1800" dirty="0"/>
               <a:t>iOS</a:t>
             </a:r>
+          </a:p>
+          <a:p>
+            <a:r>
+              <a:rPr lang="en-US" sz="2000" dirty="0"/>
+              <a:t>GitHub Repository: </a:t>
+            </a:r>
+            <a:r>
+              <a:rPr lang="en-US" sz="2000" dirty="0">
+                <a:hlinkClick r:id="rId2"/>
+              </a:rPr>
+              <a:t>https://github.com/belward1/CSC543FinalProject</a:t>
+            </a:r>
+            <a:endParaRPr lang="en-US" sz="2000" dirty="0"/>
           </a:p>
         </p:txBody>
       </p:sp>
@@ -7746,21 +7759,21 @@
 </file>
 
 <file path=customXml/item2.xml><?xml version="1.0" encoding="utf-8"?>
+<p:properties xmlns:p="http://schemas.microsoft.com/office/2006/metadata/properties" xmlns:xsi="http://www.w3.org/2001/XMLSchema-instance" xmlns:pc="http://schemas.microsoft.com/office/infopath/2007/PartnerControls">
+  <documentManagement>
+    <Status xmlns="71af3243-3dd4-4a8d-8c0d-dd76da1f02a5">Not started</Status>
+    <MediaServiceKeyPoints xmlns="71af3243-3dd4-4a8d-8c0d-dd76da1f02a5" xsi:nil="true"/>
+  </documentManagement>
+</p:properties>
+</file>
+
+<file path=customXml/item3.xml><?xml version="1.0" encoding="utf-8"?>
 <?mso-contentType ?>
 <FormTemplates xmlns="http://schemas.microsoft.com/sharepoint/v3/contenttype/forms">
   <Display>DocumentLibraryForm</Display>
   <Edit>DocumentLibraryForm</Edit>
   <New>DocumentLibraryForm</New>
 </FormTemplates>
-</file>
-
-<file path=customXml/item3.xml><?xml version="1.0" encoding="utf-8"?>
-<p:properties xmlns:p="http://schemas.microsoft.com/office/2006/metadata/properties" xmlns:xsi="http://www.w3.org/2001/XMLSchema-instance" xmlns:pc="http://schemas.microsoft.com/office/infopath/2007/PartnerControls">
-  <documentManagement>
-    <Status xmlns="71af3243-3dd4-4a8d-8c0d-dd76da1f02a5">Not started</Status>
-    <MediaServiceKeyPoints xmlns="71af3243-3dd4-4a8d-8c0d-dd76da1f02a5" xsi:nil="true"/>
-  </documentManagement>
-</p:properties>
 </file>
 
 <file path=customXml/itemProps1.xml><?xml version="1.0" encoding="utf-8"?>
@@ -7783,14 +7796,6 @@
 </file>
 
 <file path=customXml/itemProps2.xml><?xml version="1.0" encoding="utf-8"?>
-<ds:datastoreItem xmlns:ds="http://schemas.openxmlformats.org/officeDocument/2006/customXml" ds:itemID="{CDB58277-F8DF-46FF-84EC-EF41B835E69F}">
-  <ds:schemaRefs>
-    <ds:schemaRef ds:uri="http://schemas.microsoft.com/sharepoint/v3/contenttype/forms"/>
-  </ds:schemaRefs>
-</ds:datastoreItem>
-</file>
-
-<file path=customXml/itemProps3.xml><?xml version="1.0" encoding="utf-8"?>
 <ds:datastoreItem xmlns:ds="http://schemas.openxmlformats.org/officeDocument/2006/customXml" ds:itemID="{137651BA-F45C-4845-9AB3-E0A65B39F5E1}">
   <ds:schemaRefs>
     <ds:schemaRef ds:uri="http://schemas.microsoft.com/office/2006/metadata/properties"/>
@@ -7798,4 +7803,12 @@
     <ds:schemaRef ds:uri="71af3243-3dd4-4a8d-8c0d-dd76da1f02a5"/>
   </ds:schemaRefs>
 </ds:datastoreItem>
+</file>
+
+<file path=customXml/itemProps3.xml><?xml version="1.0" encoding="utf-8"?>
+<ds:datastoreItem xmlns:ds="http://schemas.openxmlformats.org/officeDocument/2006/customXml" ds:itemID="{CDB58277-F8DF-46FF-84EC-EF41B835E69F}">
+  <ds:schemaRefs>
+    <ds:schemaRef ds:uri="http://schemas.microsoft.com/sharepoint/v3/contenttype/forms"/>
+  </ds:schemaRefs>
+</ds:datastoreItem>
 </file>
--- a/CSC543FinalProject/CSC 543 - Spring 2021 - Final Project - Bob Elward.pptx
+++ b/CSC543FinalProject/CSC 543 - Spring 2021 - Final Project - Bob Elward.pptx
@@ -4,6 +4,9 @@
   <p:sldMasterIdLst>
     <p:sldMasterId id="2147483673" r:id="rId4"/>
   </p:sldMasterIdLst>
+  <p:notesMasterIdLst>
+    <p:notesMasterId r:id="rId16"/>
+  </p:notesMasterIdLst>
   <p:sldIdLst>
     <p:sldId id="257" r:id="rId5"/>
     <p:sldId id="272" r:id="rId6"/>
@@ -135,7 +138,7 @@
   <pc:docChgLst>
     <pc:chgData name="Bob E" userId="3e98a89c1d755d3b" providerId="LiveId" clId="{607681AF-7AAC-4B91-A1BC-14E95AC55DD5}"/>
     <pc:docChg chg="undo custSel addSld delSld modSld">
-      <pc:chgData name="Bob E" userId="3e98a89c1d755d3b" providerId="LiveId" clId="{607681AF-7AAC-4B91-A1BC-14E95AC55DD5}" dt="2021-04-20T20:17:33.347" v="1928"/>
+      <pc:chgData name="Bob E" userId="3e98a89c1d755d3b" providerId="LiveId" clId="{607681AF-7AAC-4B91-A1BC-14E95AC55DD5}" dt="2021-04-20T20:38:03.508" v="2216" actId="20577"/>
       <pc:docMkLst>
         <pc:docMk/>
       </pc:docMkLst>
@@ -169,8 +172,8 @@
           </ac:spMkLst>
         </pc:spChg>
       </pc:sldChg>
-      <pc:sldChg chg="modSp mod">
-        <pc:chgData name="Bob E" userId="3e98a89c1d755d3b" providerId="LiveId" clId="{607681AF-7AAC-4B91-A1BC-14E95AC55DD5}" dt="2021-04-20T03:10:20.377" v="567" actId="113"/>
+      <pc:sldChg chg="modSp mod modNotesTx">
+        <pc:chgData name="Bob E" userId="3e98a89c1d755d3b" providerId="LiveId" clId="{607681AF-7AAC-4B91-A1BC-14E95AC55DD5}" dt="2021-04-20T20:38:03.508" v="2216" actId="20577"/>
         <pc:sldMkLst>
           <pc:docMk/>
           <pc:sldMk cId="3056102889" sldId="271"/>
@@ -369,7 +372,7 @@
         </pc:spChg>
       </pc:sldChg>
       <pc:sldChg chg="modSp new mod">
-        <pc:chgData name="Bob E" userId="3e98a89c1d755d3b" providerId="LiveId" clId="{607681AF-7AAC-4B91-A1BC-14E95AC55DD5}" dt="2021-04-20T15:57:56.973" v="1902" actId="5793"/>
+        <pc:chgData name="Bob E" userId="3e98a89c1d755d3b" providerId="LiveId" clId="{607681AF-7AAC-4B91-A1BC-14E95AC55DD5}" dt="2021-04-20T20:25:11.008" v="2034" actId="20577"/>
         <pc:sldMkLst>
           <pc:docMk/>
           <pc:sldMk cId="2739083090" sldId="279"/>
@@ -383,7 +386,7 @@
           </ac:spMkLst>
         </pc:spChg>
         <pc:spChg chg="mod">
-          <ac:chgData name="Bob E" userId="3e98a89c1d755d3b" providerId="LiveId" clId="{607681AF-7AAC-4B91-A1BC-14E95AC55DD5}" dt="2021-04-20T15:57:56.973" v="1902" actId="5793"/>
+          <ac:chgData name="Bob E" userId="3e98a89c1d755d3b" providerId="LiveId" clId="{607681AF-7AAC-4B91-A1BC-14E95AC55DD5}" dt="2021-04-20T20:25:11.008" v="2034" actId="20577"/>
           <ac:spMkLst>
             <pc:docMk/>
             <pc:sldMk cId="2739083090" sldId="279"/>
@@ -644,6 +647,490 @@
     </pc:docChg>
   </pc:docChgLst>
 </pc:chgInfo>
+</file>
+
+<file path=ppt/notesMasters/notesMaster1.xml><?xml version="1.0" encoding="utf-8"?>
+<p:notesMaster xmlns:a="http://schemas.openxmlformats.org/drawingml/2006/main" xmlns:r="http://schemas.openxmlformats.org/officeDocument/2006/relationships" xmlns:p="http://schemas.openxmlformats.org/presentationml/2006/main">
+  <p:cSld>
+    <p:bg>
+      <p:bgRef idx="1001">
+        <a:schemeClr val="bg1"/>
+      </p:bgRef>
+    </p:bg>
+    <p:spTree>
+      <p:nvGrpSpPr>
+        <p:cNvPr id="1" name=""/>
+        <p:cNvGrpSpPr/>
+        <p:nvPr/>
+      </p:nvGrpSpPr>
+      <p:grpSpPr>
+        <a:xfrm>
+          <a:off x="0" y="0"/>
+          <a:ext cx="0" cy="0"/>
+          <a:chOff x="0" y="0"/>
+          <a:chExt cx="0" cy="0"/>
+        </a:xfrm>
+      </p:grpSpPr>
+      <p:sp>
+        <p:nvSpPr>
+          <p:cNvPr id="2" name="Header Placeholder 1"/>
+          <p:cNvSpPr>
+            <a:spLocks noGrp="1"/>
+          </p:cNvSpPr>
+          <p:nvPr>
+            <p:ph type="hdr" sz="quarter"/>
+          </p:nvPr>
+        </p:nvSpPr>
+        <p:spPr>
+          <a:xfrm>
+            <a:off x="0" y="0"/>
+            <a:ext cx="2971800" cy="458788"/>
+          </a:xfrm>
+          <a:prstGeom prst="rect">
+            <a:avLst/>
+          </a:prstGeom>
+        </p:spPr>
+        <p:txBody>
+          <a:bodyPr vert="horz" lIns="91440" tIns="45720" rIns="91440" bIns="45720" rtlCol="0"/>
+          <a:lstStyle>
+            <a:lvl1pPr algn="l">
+              <a:defRPr sz="1200"/>
+            </a:lvl1pPr>
+          </a:lstStyle>
+          <a:p>
+            <a:endParaRPr lang="en-US"/>
+          </a:p>
+        </p:txBody>
+      </p:sp>
+      <p:sp>
+        <p:nvSpPr>
+          <p:cNvPr id="3" name="Date Placeholder 2"/>
+          <p:cNvSpPr>
+            <a:spLocks noGrp="1"/>
+          </p:cNvSpPr>
+          <p:nvPr>
+            <p:ph type="dt" idx="1"/>
+          </p:nvPr>
+        </p:nvSpPr>
+        <p:spPr>
+          <a:xfrm>
+            <a:off x="3884613" y="0"/>
+            <a:ext cx="2971800" cy="458788"/>
+          </a:xfrm>
+          <a:prstGeom prst="rect">
+            <a:avLst/>
+          </a:prstGeom>
+        </p:spPr>
+        <p:txBody>
+          <a:bodyPr vert="horz" lIns="91440" tIns="45720" rIns="91440" bIns="45720" rtlCol="0"/>
+          <a:lstStyle>
+            <a:lvl1pPr algn="r">
+              <a:defRPr sz="1200"/>
+            </a:lvl1pPr>
+          </a:lstStyle>
+          <a:p>
+            <a:fld id="{CD27170E-8BB0-4CD4-BA71-D1448A6E6CE9}" type="datetimeFigureOut">
+              <a:rPr lang="en-US" smtClean="0"/>
+              <a:t>4/20/2021</a:t>
+            </a:fld>
+            <a:endParaRPr lang="en-US"/>
+          </a:p>
+        </p:txBody>
+      </p:sp>
+      <p:sp>
+        <p:nvSpPr>
+          <p:cNvPr id="4" name="Slide Image Placeholder 3"/>
+          <p:cNvSpPr>
+            <a:spLocks noGrp="1" noRot="1" noChangeAspect="1"/>
+          </p:cNvSpPr>
+          <p:nvPr>
+            <p:ph type="sldImg" idx="2"/>
+          </p:nvPr>
+        </p:nvSpPr>
+        <p:spPr>
+          <a:xfrm>
+            <a:off x="685800" y="1143000"/>
+            <a:ext cx="5486400" cy="3086100"/>
+          </a:xfrm>
+          <a:prstGeom prst="rect">
+            <a:avLst/>
+          </a:prstGeom>
+          <a:noFill/>
+          <a:ln w="12700">
+            <a:solidFill>
+              <a:prstClr val="black"/>
+            </a:solidFill>
+          </a:ln>
+        </p:spPr>
+        <p:txBody>
+          <a:bodyPr vert="horz" lIns="91440" tIns="45720" rIns="91440" bIns="45720" rtlCol="0" anchor="ctr"/>
+          <a:lstStyle/>
+          <a:p>
+            <a:endParaRPr lang="en-US"/>
+          </a:p>
+        </p:txBody>
+      </p:sp>
+      <p:sp>
+        <p:nvSpPr>
+          <p:cNvPr id="5" name="Notes Placeholder 4"/>
+          <p:cNvSpPr>
+            <a:spLocks noGrp="1"/>
+          </p:cNvSpPr>
+          <p:nvPr>
+            <p:ph type="body" sz="quarter" idx="3"/>
+          </p:nvPr>
+        </p:nvSpPr>
+        <p:spPr>
+          <a:xfrm>
+            <a:off x="685800" y="4400550"/>
+            <a:ext cx="5486400" cy="3600450"/>
+          </a:xfrm>
+          <a:prstGeom prst="rect">
+            <a:avLst/>
+          </a:prstGeom>
+        </p:spPr>
+        <p:txBody>
+          <a:bodyPr vert="horz" lIns="91440" tIns="45720" rIns="91440" bIns="45720" rtlCol="0"/>
+          <a:lstStyle/>
+          <a:p>
+            <a:pPr lvl="0"/>
+            <a:r>
+              <a:rPr lang="en-US"/>
+              <a:t>Click to edit Master text styles</a:t>
+            </a:r>
+          </a:p>
+          <a:p>
+            <a:pPr lvl="1"/>
+            <a:r>
+              <a:rPr lang="en-US"/>
+              <a:t>Second level</a:t>
+            </a:r>
+          </a:p>
+          <a:p>
+            <a:pPr lvl="2"/>
+            <a:r>
+              <a:rPr lang="en-US"/>
+              <a:t>Third level</a:t>
+            </a:r>
+          </a:p>
+          <a:p>
+            <a:pPr lvl="3"/>
+            <a:r>
+              <a:rPr lang="en-US"/>
+              <a:t>Fourth level</a:t>
+            </a:r>
+          </a:p>
+          <a:p>
+            <a:pPr lvl="4"/>
+            <a:r>
+              <a:rPr lang="en-US"/>
+              <a:t>Fifth level</a:t>
+            </a:r>
+          </a:p>
+        </p:txBody>
+      </p:sp>
+      <p:sp>
+        <p:nvSpPr>
+          <p:cNvPr id="6" name="Footer Placeholder 5"/>
+          <p:cNvSpPr>
+            <a:spLocks noGrp="1"/>
+          </p:cNvSpPr>
+          <p:nvPr>
+            <p:ph type="ftr" sz="quarter" idx="4"/>
+          </p:nvPr>
+        </p:nvSpPr>
+        <p:spPr>
+          <a:xfrm>
+            <a:off x="0" y="8685213"/>
+            <a:ext cx="2971800" cy="458787"/>
+          </a:xfrm>
+          <a:prstGeom prst="rect">
+            <a:avLst/>
+          </a:prstGeom>
+        </p:spPr>
+        <p:txBody>
+          <a:bodyPr vert="horz" lIns="91440" tIns="45720" rIns="91440" bIns="45720" rtlCol="0" anchor="b"/>
+          <a:lstStyle>
+            <a:lvl1pPr algn="l">
+              <a:defRPr sz="1200"/>
+            </a:lvl1pPr>
+          </a:lstStyle>
+          <a:p>
+            <a:endParaRPr lang="en-US"/>
+          </a:p>
+        </p:txBody>
+      </p:sp>
+      <p:sp>
+        <p:nvSpPr>
+          <p:cNvPr id="7" name="Slide Number Placeholder 6"/>
+          <p:cNvSpPr>
+            <a:spLocks noGrp="1"/>
+          </p:cNvSpPr>
+          <p:nvPr>
+            <p:ph type="sldNum" sz="quarter" idx="5"/>
+          </p:nvPr>
+        </p:nvSpPr>
+        <p:spPr>
+          <a:xfrm>
+            <a:off x="3884613" y="8685213"/>
+            <a:ext cx="2971800" cy="458787"/>
+          </a:xfrm>
+          <a:prstGeom prst="rect">
+            <a:avLst/>
+          </a:prstGeom>
+        </p:spPr>
+        <p:txBody>
+          <a:bodyPr vert="horz" lIns="91440" tIns="45720" rIns="91440" bIns="45720" rtlCol="0" anchor="b"/>
+          <a:lstStyle>
+            <a:lvl1pPr algn="r">
+              <a:defRPr sz="1200"/>
+            </a:lvl1pPr>
+          </a:lstStyle>
+          <a:p>
+            <a:fld id="{7999D50B-95D5-4E7F-99F4-B57E9A424C34}" type="slidenum">
+              <a:rPr lang="en-US" smtClean="0"/>
+              <a:t>‹#›</a:t>
+            </a:fld>
+            <a:endParaRPr lang="en-US"/>
+          </a:p>
+        </p:txBody>
+      </p:sp>
+    </p:spTree>
+    <p:extLst>
+      <p:ext uri="{BB962C8B-B14F-4D97-AF65-F5344CB8AC3E}">
+        <p14:creationId xmlns:p14="http://schemas.microsoft.com/office/powerpoint/2010/main" val="2099018279"/>
+      </p:ext>
+    </p:extLst>
+  </p:cSld>
+  <p:clrMap bg1="lt1" tx1="dk1" bg2="lt2" tx2="dk2" accent1="accent1" accent2="accent2" accent3="accent3" accent4="accent4" accent5="accent5" accent6="accent6" hlink="hlink" folHlink="folHlink"/>
+  <p:notesStyle>
+    <a:lvl1pPr marL="0" algn="l" defTabSz="914400" rtl="0" eaLnBrk="1" latinLnBrk="0" hangingPunct="1">
+      <a:defRPr sz="1200" kern="1200">
+        <a:solidFill>
+          <a:schemeClr val="tx1"/>
+        </a:solidFill>
+        <a:latin typeface="+mn-lt"/>
+        <a:ea typeface="+mn-ea"/>
+        <a:cs typeface="+mn-cs"/>
+      </a:defRPr>
+    </a:lvl1pPr>
+    <a:lvl2pPr marL="457200" algn="l" defTabSz="914400" rtl="0" eaLnBrk="1" latinLnBrk="0" hangingPunct="1">
+      <a:defRPr sz="1200" kern="1200">
+        <a:solidFill>
+          <a:schemeClr val="tx1"/>
+        </a:solidFill>
+        <a:latin typeface="+mn-lt"/>
+        <a:ea typeface="+mn-ea"/>
+        <a:cs typeface="+mn-cs"/>
+      </a:defRPr>
+    </a:lvl2pPr>
+    <a:lvl3pPr marL="914400" algn="l" defTabSz="914400" rtl="0" eaLnBrk="1" latinLnBrk="0" hangingPunct="1">
+      <a:defRPr sz="1200" kern="1200">
+        <a:solidFill>
+          <a:schemeClr val="tx1"/>
+        </a:solidFill>
+        <a:latin typeface="+mn-lt"/>
+        <a:ea typeface="+mn-ea"/>
+        <a:cs typeface="+mn-cs"/>
+      </a:defRPr>
+    </a:lvl3pPr>
+    <a:lvl4pPr marL="1371600" algn="l" defTabSz="914400" rtl="0" eaLnBrk="1" latinLnBrk="0" hangingPunct="1">
+      <a:defRPr sz="1200" kern="1200">
+        <a:solidFill>
+          <a:schemeClr val="tx1"/>
+        </a:solidFill>
+        <a:latin typeface="+mn-lt"/>
+        <a:ea typeface="+mn-ea"/>
+        <a:cs typeface="+mn-cs"/>
+      </a:defRPr>
+    </a:lvl4pPr>
+    <a:lvl5pPr marL="1828800" algn="l" defTabSz="914400" rtl="0" eaLnBrk="1" latinLnBrk="0" hangingPunct="1">
+      <a:defRPr sz="1200" kern="1200">
+        <a:solidFill>
+          <a:schemeClr val="tx1"/>
+        </a:solidFill>
+        <a:latin typeface="+mn-lt"/>
+        <a:ea typeface="+mn-ea"/>
+        <a:cs typeface="+mn-cs"/>
+      </a:defRPr>
+    </a:lvl5pPr>
+    <a:lvl6pPr marL="2286000" algn="l" defTabSz="914400" rtl="0" eaLnBrk="1" latinLnBrk="0" hangingPunct="1">
+      <a:defRPr sz="1200" kern="1200">
+        <a:solidFill>
+          <a:schemeClr val="tx1"/>
+        </a:solidFill>
+        <a:latin typeface="+mn-lt"/>
+        <a:ea typeface="+mn-ea"/>
+        <a:cs typeface="+mn-cs"/>
+      </a:defRPr>
+    </a:lvl6pPr>
+    <a:lvl7pPr marL="2743200" algn="l" defTabSz="914400" rtl="0" eaLnBrk="1" latinLnBrk="0" hangingPunct="1">
+      <a:defRPr sz="1200" kern="1200">
+        <a:solidFill>
+          <a:schemeClr val="tx1"/>
+        </a:solidFill>
+        <a:latin typeface="+mn-lt"/>
+        <a:ea typeface="+mn-ea"/>
+        <a:cs typeface="+mn-cs"/>
+      </a:defRPr>
+    </a:lvl7pPr>
+    <a:lvl8pPr marL="3200400" algn="l" defTabSz="914400" rtl="0" eaLnBrk="1" latinLnBrk="0" hangingPunct="1">
+      <a:defRPr sz="1200" kern="1200">
+        <a:solidFill>
+          <a:schemeClr val="tx1"/>
+        </a:solidFill>
+        <a:latin typeface="+mn-lt"/>
+        <a:ea typeface="+mn-ea"/>
+        <a:cs typeface="+mn-cs"/>
+      </a:defRPr>
+    </a:lvl8pPr>
+    <a:lvl9pPr marL="3657600" algn="l" defTabSz="914400" rtl="0" eaLnBrk="1" latinLnBrk="0" hangingPunct="1">
+      <a:defRPr sz="1200" kern="1200">
+        <a:solidFill>
+          <a:schemeClr val="tx1"/>
+        </a:solidFill>
+        <a:latin typeface="+mn-lt"/>
+        <a:ea typeface="+mn-ea"/>
+        <a:cs typeface="+mn-cs"/>
+      </a:defRPr>
+    </a:lvl9pPr>
+  </p:notesStyle>
+</p:notesMaster>
+</file>
+
+<file path=ppt/notesSlides/notesSlide1.xml><?xml version="1.0" encoding="utf-8"?>
+<p:notes xmlns:a="http://schemas.openxmlformats.org/drawingml/2006/main" xmlns:r="http://schemas.openxmlformats.org/officeDocument/2006/relationships" xmlns:p="http://schemas.openxmlformats.org/presentationml/2006/main">
+  <p:cSld>
+    <p:spTree>
+      <p:nvGrpSpPr>
+        <p:cNvPr id="1" name=""/>
+        <p:cNvGrpSpPr/>
+        <p:nvPr/>
+      </p:nvGrpSpPr>
+      <p:grpSpPr>
+        <a:xfrm>
+          <a:off x="0" y="0"/>
+          <a:ext cx="0" cy="0"/>
+          <a:chOff x="0" y="0"/>
+          <a:chExt cx="0" cy="0"/>
+        </a:xfrm>
+      </p:grpSpPr>
+      <p:sp>
+        <p:nvSpPr>
+          <p:cNvPr id="2" name="Slide Image Placeholder 1"/>
+          <p:cNvSpPr>
+            <a:spLocks noGrp="1" noRot="1" noChangeAspect="1"/>
+          </p:cNvSpPr>
+          <p:nvPr>
+            <p:ph type="sldImg"/>
+          </p:nvPr>
+        </p:nvSpPr>
+        <p:spPr/>
+      </p:sp>
+      <p:sp>
+        <p:nvSpPr>
+          <p:cNvPr id="3" name="Notes Placeholder 2"/>
+          <p:cNvSpPr>
+            <a:spLocks noGrp="1"/>
+          </p:cNvSpPr>
+          <p:nvPr>
+            <p:ph type="body" idx="1"/>
+          </p:nvPr>
+        </p:nvSpPr>
+        <p:spPr/>
+        <p:txBody>
+          <a:bodyPr/>
+          <a:lstStyle/>
+          <a:p>
+            <a:r>
+              <a:rPr lang="en-US" dirty="0"/>
+              <a:t>Visual Studio Stuff:</a:t>
+            </a:r>
+          </a:p>
+          <a:p>
+            <a:pPr marL="0" indent="0">
+              <a:buFontTx/>
+              <a:buNone/>
+            </a:pPr>
+            <a:r>
+              <a:rPr lang="en-US" dirty="0"/>
+              <a:t>- C# Interactive Window (REPL*): View &gt; Other Windows &gt; C# Interactive</a:t>
+            </a:r>
+          </a:p>
+          <a:p>
+            <a:pPr marL="0" indent="0">
+              <a:buFontTx/>
+              <a:buNone/>
+            </a:pPr>
+            <a:r>
+              <a:rPr lang="en-US" dirty="0"/>
+              <a:t>- Command line: Tools &gt; Command Line &gt; Developer Command Prompt</a:t>
+            </a:r>
+          </a:p>
+          <a:p>
+            <a:pPr marL="0" indent="0">
+              <a:buFontTx/>
+              <a:buNone/>
+            </a:pPr>
+            <a:endParaRPr lang="en-US" dirty="0"/>
+          </a:p>
+          <a:p>
+            <a:pPr marL="0" indent="0">
+              <a:buFontTx/>
+              <a:buNone/>
+            </a:pPr>
+            <a:r>
+              <a:rPr lang="en-US" dirty="0"/>
+              <a:t>*</a:t>
+            </a:r>
+            <a:r>
+              <a:rPr lang="en-US" b="0" i="0" dirty="0">
+                <a:solidFill>
+                  <a:srgbClr val="333333"/>
+                </a:solidFill>
+                <a:effectLst/>
+                <a:latin typeface="Helvetica Neue"/>
+              </a:rPr>
+              <a:t>The term “REPL” is an acronym for Read, Evaluate, Print and Loop because that’s precisely what the computer does..!</a:t>
+            </a:r>
+            <a:endParaRPr lang="en-US" dirty="0"/>
+          </a:p>
+        </p:txBody>
+      </p:sp>
+      <p:sp>
+        <p:nvSpPr>
+          <p:cNvPr id="4" name="Slide Number Placeholder 3"/>
+          <p:cNvSpPr>
+            <a:spLocks noGrp="1"/>
+          </p:cNvSpPr>
+          <p:nvPr>
+            <p:ph type="sldNum" sz="quarter" idx="5"/>
+          </p:nvPr>
+        </p:nvSpPr>
+        <p:spPr/>
+        <p:txBody>
+          <a:bodyPr/>
+          <a:lstStyle/>
+          <a:p>
+            <a:fld id="{7999D50B-95D5-4E7F-99F4-B57E9A424C34}" type="slidenum">
+              <a:rPr lang="en-US" smtClean="0"/>
+              <a:t>6</a:t>
+            </a:fld>
+            <a:endParaRPr lang="en-US"/>
+          </a:p>
+        </p:txBody>
+      </p:sp>
+    </p:spTree>
+    <p:extLst>
+      <p:ext uri="{BB962C8B-B14F-4D97-AF65-F5344CB8AC3E}">
+        <p14:creationId xmlns:p14="http://schemas.microsoft.com/office/powerpoint/2010/main" val="622305251"/>
+      </p:ext>
+    </p:extLst>
+  </p:cSld>
+  <p:clrMapOvr>
+    <a:masterClrMapping/>
+  </p:clrMapOvr>
+</p:notes>
 </file>
 
 <file path=ppt/slideLayouts/slideLayout1.xml><?xml version="1.0" encoding="utf-8"?>
@@ -4915,17 +5402,25 @@
           <a:p>
             <a:r>
               <a:rPr lang="en-US" b="1" dirty="0"/>
-              <a:t>This example demonstrates performance tuning related to controlling the number of parallel tasks.</a:t>
-            </a:r>
-          </a:p>
-          <a:p>
+              <a:t>This example simulates a workload by sleeping for 1 </a:t>
+            </a:r>
+            <a:r>
+              <a:rPr lang="en-US" b="1" dirty="0" err="1"/>
+              <a:t>ms.</a:t>
+            </a:r>
             <a:endParaRPr lang="en-US" b="1" dirty="0"/>
           </a:p>
           <a:p>
+            <a:endParaRPr lang="en-US" b="1" dirty="0"/>
+          </a:p>
+          <a:p>
             <a:r>
               <a:rPr lang="en-US" b="1" dirty="0"/>
-              <a:t>You can tune the performance…</a:t>
-            </a:r>
+              <a:t>It then shows multiple performance tuning options controlling the number of parallel tasks.</a:t>
+            </a:r>
+          </a:p>
+          <a:p>
+            <a:endParaRPr lang="en-US" b="1" dirty="0"/>
           </a:p>
         </p:txBody>
       </p:sp>
@@ -7537,6 +8032,301 @@
 </a:theme>
 </file>
 
+<file path=ppt/theme/theme2.xml><?xml version="1.0" encoding="utf-8"?>
+<a:theme xmlns:a="http://schemas.openxmlformats.org/drawingml/2006/main" name="Office Theme">
+  <a:themeElements>
+    <a:clrScheme name="Office">
+      <a:dk1>
+        <a:sysClr val="windowText" lastClr="000000"/>
+      </a:dk1>
+      <a:lt1>
+        <a:sysClr val="window" lastClr="FFFFFF"/>
+      </a:lt1>
+      <a:dk2>
+        <a:srgbClr val="44546A"/>
+      </a:dk2>
+      <a:lt2>
+        <a:srgbClr val="E7E6E6"/>
+      </a:lt2>
+      <a:accent1>
+        <a:srgbClr val="4472C4"/>
+      </a:accent1>
+      <a:accent2>
+        <a:srgbClr val="ED7D31"/>
+      </a:accent2>
+      <a:accent3>
+        <a:srgbClr val="A5A5A5"/>
+      </a:accent3>
+      <a:accent4>
+        <a:srgbClr val="FFC000"/>
+      </a:accent4>
+      <a:accent5>
+        <a:srgbClr val="5B9BD5"/>
+      </a:accent5>
+      <a:accent6>
+        <a:srgbClr val="70AD47"/>
+      </a:accent6>
+      <a:hlink>
+        <a:srgbClr val="0563C1"/>
+      </a:hlink>
+      <a:folHlink>
+        <a:srgbClr val="954F72"/>
+      </a:folHlink>
+    </a:clrScheme>
+    <a:fontScheme name="Office">
+      <a:majorFont>
+        <a:latin typeface="Calibri Light" panose="020F0302020204030204"/>
+        <a:ea typeface=""/>
+        <a:cs typeface=""/>
+        <a:font script="Jpan" typeface="游ゴシック Light"/>
+        <a:font script="Hang" typeface="맑은 고딕"/>
+        <a:font script="Hans" typeface="等线 Light"/>
+        <a:font script="Hant" typeface="新細明體"/>
+        <a:font script="Arab" typeface="Times New Roman"/>
+        <a:font script="Hebr" typeface="Times New Roman"/>
+        <a:font script="Thai" typeface="Angsana New"/>
+        <a:font script="Ethi" typeface="Nyala"/>
+        <a:font script="Beng" typeface="Vrinda"/>
+        <a:font script="Gujr" typeface="Shruti"/>
+        <a:font script="Khmr" typeface="MoolBoran"/>
+        <a:font script="Knda" typeface="Tunga"/>
+        <a:font script="Guru" typeface="Raavi"/>
+        <a:font script="Cans" typeface="Euphemia"/>
+        <a:font script="Cher" typeface="Plantagenet Cherokee"/>
+        <a:font script="Yiii" typeface="Microsoft Yi Baiti"/>
+        <a:font script="Tibt" typeface="Microsoft Himalaya"/>
+        <a:font script="Thaa" typeface="MV Boli"/>
+        <a:font script="Deva" typeface="Mangal"/>
+        <a:font script="Telu" typeface="Gautami"/>
+        <a:font script="Taml" typeface="Latha"/>
+        <a:font script="Syrc" typeface="Estrangelo Edessa"/>
+        <a:font script="Orya" typeface="Kalinga"/>
+        <a:font script="Mlym" typeface="Kartika"/>
+        <a:font script="Laoo" typeface="DokChampa"/>
+        <a:font script="Sinh" typeface="Iskoola Pota"/>
+        <a:font script="Mong" typeface="Mongolian Baiti"/>
+        <a:font script="Viet" typeface="Times New Roman"/>
+        <a:font script="Uigh" typeface="Microsoft Uighur"/>
+        <a:font script="Geor" typeface="Sylfaen"/>
+        <a:font script="Armn" typeface="Arial"/>
+        <a:font script="Bugi" typeface="Leelawadee UI"/>
+        <a:font script="Bopo" typeface="Microsoft JhengHei"/>
+        <a:font script="Java" typeface="Javanese Text"/>
+        <a:font script="Lisu" typeface="Segoe UI"/>
+        <a:font script="Mymr" typeface="Myanmar Text"/>
+        <a:font script="Nkoo" typeface="Ebrima"/>
+        <a:font script="Olck" typeface="Nirmala UI"/>
+        <a:font script="Osma" typeface="Ebrima"/>
+        <a:font script="Phag" typeface="Phagspa"/>
+        <a:font script="Syrn" typeface="Estrangelo Edessa"/>
+        <a:font script="Syrj" typeface="Estrangelo Edessa"/>
+        <a:font script="Syre" typeface="Estrangelo Edessa"/>
+        <a:font script="Sora" typeface="Nirmala UI"/>
+        <a:font script="Tale" typeface="Microsoft Tai Le"/>
+        <a:font script="Talu" typeface="Microsoft New Tai Lue"/>
+        <a:font script="Tfng" typeface="Ebrima"/>
+      </a:majorFont>
+      <a:minorFont>
+        <a:latin typeface="Calibri" panose="020F0502020204030204"/>
+        <a:ea typeface=""/>
+        <a:cs typeface=""/>
+        <a:font script="Jpan" typeface="游ゴシック"/>
+        <a:font script="Hang" typeface="맑은 고딕"/>
+        <a:font script="Hans" typeface="等线"/>
+        <a:font script="Hant" typeface="新細明體"/>
+        <a:font script="Arab" typeface="Arial"/>
+        <a:font script="Hebr" typeface="Arial"/>
+        <a:font script="Thai" typeface="Cordia New"/>
+        <a:font script="Ethi" typeface="Nyala"/>
+        <a:font script="Beng" typeface="Vrinda"/>
+        <a:font script="Gujr" typeface="Shruti"/>
+        <a:font script="Khmr" typeface="DaunPenh"/>
+        <a:font script="Knda" typeface="Tunga"/>
+        <a:font script="Guru" typeface="Raavi"/>
+        <a:font script="Cans" typeface="Euphemia"/>
+        <a:font script="Cher" typeface="Plantagenet Cherokee"/>
+        <a:font script="Yiii" typeface="Microsoft Yi Baiti"/>
+        <a:font script="Tibt" typeface="Microsoft Himalaya"/>
+        <a:font script="Thaa" typeface="MV Boli"/>
+        <a:font script="Deva" typeface="Mangal"/>
+        <a:font script="Telu" typeface="Gautami"/>
+        <a:font script="Taml" typeface="Latha"/>
+        <a:font script="Syrc" typeface="Estrangelo Edessa"/>
+        <a:font script="Orya" typeface="Kalinga"/>
+        <a:font script="Mlym" typeface="Kartika"/>
+        <a:font script="Laoo" typeface="DokChampa"/>
+        <a:font script="Sinh" typeface="Iskoola Pota"/>
+        <a:font script="Mong" typeface="Mongolian Baiti"/>
+        <a:font script="Viet" typeface="Arial"/>
+        <a:font script="Uigh" typeface="Microsoft Uighur"/>
+        <a:font script="Geor" typeface="Sylfaen"/>
+        <a:font script="Armn" typeface="Arial"/>
+        <a:font script="Bugi" typeface="Leelawadee UI"/>
+        <a:font script="Bopo" typeface="Microsoft JhengHei"/>
+        <a:font script="Java" typeface="Javanese Text"/>
+        <a:font script="Lisu" typeface="Segoe UI"/>
+        <a:font script="Mymr" typeface="Myanmar Text"/>
+        <a:font script="Nkoo" typeface="Ebrima"/>
+        <a:font script="Olck" typeface="Nirmala UI"/>
+        <a:font script="Osma" typeface="Ebrima"/>
+        <a:font script="Phag" typeface="Phagspa"/>
+        <a:font script="Syrn" typeface="Estrangelo Edessa"/>
+        <a:font script="Syrj" typeface="Estrangelo Edessa"/>
+        <a:font script="Syre" typeface="Estrangelo Edessa"/>
+        <a:font script="Sora" typeface="Nirmala UI"/>
+        <a:font script="Tale" typeface="Microsoft Tai Le"/>
+        <a:font script="Talu" typeface="Microsoft New Tai Lue"/>
+        <a:font script="Tfng" typeface="Ebrima"/>
+      </a:minorFont>
+    </a:fontScheme>
+    <a:fmtScheme name="Office">
+      <a:fillStyleLst>
+        <a:solidFill>
+          <a:schemeClr val="phClr"/>
+        </a:solidFill>
+        <a:gradFill rotWithShape="1">
+          <a:gsLst>
+            <a:gs pos="0">
+              <a:schemeClr val="phClr">
+                <a:lumMod val="110000"/>
+                <a:satMod val="105000"/>
+                <a:tint val="67000"/>
+              </a:schemeClr>
+            </a:gs>
+            <a:gs pos="50000">
+              <a:schemeClr val="phClr">
+                <a:lumMod val="105000"/>
+                <a:satMod val="103000"/>
+                <a:tint val="73000"/>
+              </a:schemeClr>
+            </a:gs>
+            <a:gs pos="100000">
+              <a:schemeClr val="phClr">
+                <a:lumMod val="105000"/>
+                <a:satMod val="109000"/>
+                <a:tint val="81000"/>
+              </a:schemeClr>
+            </a:gs>
+          </a:gsLst>
+          <a:lin ang="5400000" scaled="0"/>
+        </a:gradFill>
+        <a:gradFill rotWithShape="1">
+          <a:gsLst>
+            <a:gs pos="0">
+              <a:schemeClr val="phClr">
+                <a:satMod val="103000"/>
+                <a:lumMod val="102000"/>
+                <a:tint val="94000"/>
+              </a:schemeClr>
+            </a:gs>
+            <a:gs pos="50000">
+              <a:schemeClr val="phClr">
+                <a:satMod val="110000"/>
+                <a:lumMod val="100000"/>
+                <a:shade val="100000"/>
+              </a:schemeClr>
+            </a:gs>
+            <a:gs pos="100000">
+              <a:schemeClr val="phClr">
+                <a:lumMod val="99000"/>
+                <a:satMod val="120000"/>
+                <a:shade val="78000"/>
+              </a:schemeClr>
+            </a:gs>
+          </a:gsLst>
+          <a:lin ang="5400000" scaled="0"/>
+        </a:gradFill>
+      </a:fillStyleLst>
+      <a:lnStyleLst>
+        <a:ln w="6350" cap="flat" cmpd="sng" algn="ctr">
+          <a:solidFill>
+            <a:schemeClr val="phClr"/>
+          </a:solidFill>
+          <a:prstDash val="solid"/>
+          <a:miter lim="800000"/>
+        </a:ln>
+        <a:ln w="12700" cap="flat" cmpd="sng" algn="ctr">
+          <a:solidFill>
+            <a:schemeClr val="phClr"/>
+          </a:solidFill>
+          <a:prstDash val="solid"/>
+          <a:miter lim="800000"/>
+        </a:ln>
+        <a:ln w="19050" cap="flat" cmpd="sng" algn="ctr">
+          <a:solidFill>
+            <a:schemeClr val="phClr"/>
+          </a:solidFill>
+          <a:prstDash val="solid"/>
+          <a:miter lim="800000"/>
+        </a:ln>
+      </a:lnStyleLst>
+      <a:effectStyleLst>
+        <a:effectStyle>
+          <a:effectLst/>
+        </a:effectStyle>
+        <a:effectStyle>
+          <a:effectLst/>
+        </a:effectStyle>
+        <a:effectStyle>
+          <a:effectLst>
+            <a:outerShdw blurRad="57150" dist="19050" dir="5400000" algn="ctr" rotWithShape="0">
+              <a:srgbClr val="000000">
+                <a:alpha val="63000"/>
+              </a:srgbClr>
+            </a:outerShdw>
+          </a:effectLst>
+        </a:effectStyle>
+      </a:effectStyleLst>
+      <a:bgFillStyleLst>
+        <a:solidFill>
+          <a:schemeClr val="phClr"/>
+        </a:solidFill>
+        <a:solidFill>
+          <a:schemeClr val="phClr">
+            <a:tint val="95000"/>
+            <a:satMod val="170000"/>
+          </a:schemeClr>
+        </a:solidFill>
+        <a:gradFill rotWithShape="1">
+          <a:gsLst>
+            <a:gs pos="0">
+              <a:schemeClr val="phClr">
+                <a:tint val="93000"/>
+                <a:satMod val="150000"/>
+                <a:shade val="98000"/>
+                <a:lumMod val="102000"/>
+              </a:schemeClr>
+            </a:gs>
+            <a:gs pos="50000">
+              <a:schemeClr val="phClr">
+                <a:tint val="98000"/>
+                <a:satMod val="130000"/>
+                <a:shade val="90000"/>
+                <a:lumMod val="103000"/>
+              </a:schemeClr>
+            </a:gs>
+            <a:gs pos="100000">
+              <a:schemeClr val="phClr">
+                <a:shade val="63000"/>
+                <a:satMod val="120000"/>
+              </a:schemeClr>
+            </a:gs>
+          </a:gsLst>
+          <a:lin ang="5400000" scaled="0"/>
+        </a:gradFill>
+      </a:bgFillStyleLst>
+    </a:fmtScheme>
+  </a:themeElements>
+  <a:objectDefaults/>
+  <a:extraClrSchemeLst/>
+  <a:extLst>
+    <a:ext uri="{05A4C25C-085E-4340-85A3-A5531E510DB2}">
+      <thm15:themeFamily xmlns:thm15="http://schemas.microsoft.com/office/thememl/2012/main" name="Office Theme" id="{62F939B6-93AF-4DB8-9C6B-D6C7DFDC589F}" vid="{4A3C46E8-61CC-4603-A589-7422A47A8E4A}"/>
+    </a:ext>
+  </a:extLst>
+</a:theme>
+</file>
+
 <file path=customXml/item1.xml><?xml version="1.0" encoding="utf-8"?>
 <ct:contentTypeSchema xmlns:ct="http://schemas.microsoft.com/office/2006/metadata/contentType" xmlns:ma="http://schemas.microsoft.com/office/2006/metadata/properties/metaAttributes" ct:_="" ma:_="" ma:contentTypeName="Document" ma:contentTypeID="0x01010079F111ED35F8CC479449609E8A0923A6" ma:contentTypeVersion="12" ma:contentTypeDescription="Create a new document." ma:contentTypeScope="" ma:versionID="a410dd7f93c95333ffa1b60ed6adedd1">
   <xsd:schema xmlns:xsd="http://www.w3.org/2001/XMLSchema" xmlns:xs="http://www.w3.org/2001/XMLSchema" xmlns:p="http://schemas.microsoft.com/office/2006/metadata/properties" xmlns:ns2="71af3243-3dd4-4a8d-8c0d-dd76da1f02a5" xmlns:ns3="16c05727-aa75-4e4a-9b5f-8a80a1165891" targetNamespace="http://schemas.microsoft.com/office/2006/metadata/properties" ma:root="true" ma:fieldsID="a936d9baba76aa3866493feff160faab" ns2:_="" ns3:_="">
@@ -7759,21 +8549,21 @@
 </file>
 
 <file path=customXml/item2.xml><?xml version="1.0" encoding="utf-8"?>
+<?mso-contentType ?>
+<FormTemplates xmlns="http://schemas.microsoft.com/sharepoint/v3/contenttype/forms">
+  <Display>DocumentLibraryForm</Display>
+  <Edit>DocumentLibraryForm</Edit>
+  <New>DocumentLibraryForm</New>
+</FormTemplates>
+</file>
+
+<file path=customXml/item3.xml><?xml version="1.0" encoding="utf-8"?>
 <p:properties xmlns:p="http://schemas.microsoft.com/office/2006/metadata/properties" xmlns:xsi="http://www.w3.org/2001/XMLSchema-instance" xmlns:pc="http://schemas.microsoft.com/office/infopath/2007/PartnerControls">
   <documentManagement>
     <Status xmlns="71af3243-3dd4-4a8d-8c0d-dd76da1f02a5">Not started</Status>
     <MediaServiceKeyPoints xmlns="71af3243-3dd4-4a8d-8c0d-dd76da1f02a5" xsi:nil="true"/>
   </documentManagement>
 </p:properties>
-</file>
-
-<file path=customXml/item3.xml><?xml version="1.0" encoding="utf-8"?>
-<?mso-contentType ?>
-<FormTemplates xmlns="http://schemas.microsoft.com/sharepoint/v3/contenttype/forms">
-  <Display>DocumentLibraryForm</Display>
-  <Edit>DocumentLibraryForm</Edit>
-  <New>DocumentLibraryForm</New>
-</FormTemplates>
 </file>
 
 <file path=customXml/itemProps1.xml><?xml version="1.0" encoding="utf-8"?>
@@ -7796,6 +8586,14 @@
 </file>
 
 <file path=customXml/itemProps2.xml><?xml version="1.0" encoding="utf-8"?>
+<ds:datastoreItem xmlns:ds="http://schemas.openxmlformats.org/officeDocument/2006/customXml" ds:itemID="{CDB58277-F8DF-46FF-84EC-EF41B835E69F}">
+  <ds:schemaRefs>
+    <ds:schemaRef ds:uri="http://schemas.microsoft.com/sharepoint/v3/contenttype/forms"/>
+  </ds:schemaRefs>
+</ds:datastoreItem>
+</file>
+
+<file path=customXml/itemProps3.xml><?xml version="1.0" encoding="utf-8"?>
 <ds:datastoreItem xmlns:ds="http://schemas.openxmlformats.org/officeDocument/2006/customXml" ds:itemID="{137651BA-F45C-4845-9AB3-E0A65B39F5E1}">
   <ds:schemaRefs>
     <ds:schemaRef ds:uri="http://schemas.microsoft.com/office/2006/metadata/properties"/>
@@ -7803,12 +8601,4 @@
     <ds:schemaRef ds:uri="71af3243-3dd4-4a8d-8c0d-dd76da1f02a5"/>
   </ds:schemaRefs>
 </ds:datastoreItem>
-</file>
-
-<file path=customXml/itemProps3.xml><?xml version="1.0" encoding="utf-8"?>
-<ds:datastoreItem xmlns:ds="http://schemas.openxmlformats.org/officeDocument/2006/customXml" ds:itemID="{CDB58277-F8DF-46FF-84EC-EF41B835E69F}">
-  <ds:schemaRefs>
-    <ds:schemaRef ds:uri="http://schemas.microsoft.com/sharepoint/v3/contenttype/forms"/>
-  </ds:schemaRefs>
-</ds:datastoreItem>
 </file>
--- a/CSC543FinalProject/CSC 543 - Spring 2021 - Final Project - Bob Elward.pptx
+++ b/CSC543FinalProject/CSC 543 - Spring 2021 - Final Project - Bob Elward.pptx
@@ -4,21 +4,24 @@
   <p:sldMasterIdLst>
     <p:sldMasterId id="2147483673" r:id="rId4"/>
   </p:sldMasterIdLst>
-  <p:notesMasterIdLst>
-    <p:notesMasterId r:id="rId16"/>
-  </p:notesMasterIdLst>
   <p:sldIdLst>
     <p:sldId id="257" r:id="rId5"/>
     <p:sldId id="272" r:id="rId6"/>
-    <p:sldId id="269" r:id="rId7"/>
-    <p:sldId id="267" r:id="rId8"/>
-    <p:sldId id="278" r:id="rId9"/>
-    <p:sldId id="271" r:id="rId10"/>
-    <p:sldId id="277" r:id="rId11"/>
-    <p:sldId id="273" r:id="rId12"/>
-    <p:sldId id="275" r:id="rId13"/>
-    <p:sldId id="279" r:id="rId14"/>
-    <p:sldId id="276" r:id="rId15"/>
+    <p:sldId id="285" r:id="rId7"/>
+    <p:sldId id="269" r:id="rId8"/>
+    <p:sldId id="267" r:id="rId9"/>
+    <p:sldId id="278" r:id="rId10"/>
+    <p:sldId id="286" r:id="rId11"/>
+    <p:sldId id="271" r:id="rId12"/>
+    <p:sldId id="277" r:id="rId13"/>
+    <p:sldId id="282" r:id="rId14"/>
+    <p:sldId id="279" r:id="rId15"/>
+    <p:sldId id="273" r:id="rId16"/>
+    <p:sldId id="275" r:id="rId17"/>
+    <p:sldId id="283" r:id="rId18"/>
+    <p:sldId id="284" r:id="rId19"/>
+    <p:sldId id="276" r:id="rId20"/>
+    <p:sldId id="281" r:id="rId21"/>
   </p:sldIdLst>
   <p:sldSz cx="12192000" cy="6858000"/>
   <p:notesSz cx="6858000" cy="9144000"/>
@@ -128,7 +131,7 @@
 <file path=ppt/revisionInfo.xml><?xml version="1.0" encoding="utf-8"?>
 <p1510:revInfo xmlns:a="http://schemas.openxmlformats.org/drawingml/2006/main" xmlns:r="http://schemas.openxmlformats.org/officeDocument/2006/relationships" xmlns:p1510="http://schemas.microsoft.com/office/powerpoint/2015/10/main">
   <p1510:revLst>
-    <p1510:client id="{607681AF-7AAC-4B91-A1BC-14E95AC55DD5}" v="13" dt="2021-04-20T20:17:51.591"/>
+    <p1510:client id="{607681AF-7AAC-4B91-A1BC-14E95AC55DD5}" v="45" dt="2021-04-26T20:04:44.550"/>
   </p1510:revLst>
 </p1510:revInfo>
 </file>
@@ -137,1000 +140,121 @@
 <pc:chgInfo xmlns:a="http://schemas.openxmlformats.org/drawingml/2006/main" xmlns:r="http://schemas.openxmlformats.org/officeDocument/2006/relationships" xmlns:ac="http://schemas.microsoft.com/office/drawing/2013/main/command" xmlns:pc="http://schemas.microsoft.com/office/powerpoint/2013/main/command">
   <pc:docChgLst>
     <pc:chgData name="Bob E" userId="3e98a89c1d755d3b" providerId="LiveId" clId="{607681AF-7AAC-4B91-A1BC-14E95AC55DD5}"/>
-    <pc:docChg chg="undo custSel addSld delSld modSld">
-      <pc:chgData name="Bob E" userId="3e98a89c1d755d3b" providerId="LiveId" clId="{607681AF-7AAC-4B91-A1BC-14E95AC55DD5}" dt="2021-04-20T20:38:03.508" v="2216" actId="20577"/>
+    <pc:docChg chg="custSel addSld delSld modSld sldOrd">
+      <pc:chgData name="Bob E" userId="3e98a89c1d755d3b" providerId="LiveId" clId="{607681AF-7AAC-4B91-A1BC-14E95AC55DD5}" dt="2021-04-26T21:30:15.790" v="675"/>
       <pc:docMkLst>
         <pc:docMk/>
       </pc:docMkLst>
-      <pc:sldChg chg="modSp mod">
-        <pc:chgData name="Bob E" userId="3e98a89c1d755d3b" providerId="LiveId" clId="{607681AF-7AAC-4B91-A1BC-14E95AC55DD5}" dt="2021-04-20T14:47:59.439" v="1479" actId="113"/>
+      <pc:sldChg chg="modSp mod ord">
+        <pc:chgData name="Bob E" userId="3e98a89c1d755d3b" providerId="LiveId" clId="{607681AF-7AAC-4B91-A1BC-14E95AC55DD5}" dt="2021-04-26T21:30:15.790" v="675"/>
         <pc:sldMkLst>
           <pc:docMk/>
-          <pc:sldMk cId="2879498837" sldId="267"/>
+          <pc:sldMk cId="787778358" sldId="282"/>
         </pc:sldMkLst>
         <pc:spChg chg="mod">
-          <ac:chgData name="Bob E" userId="3e98a89c1d755d3b" providerId="LiveId" clId="{607681AF-7AAC-4B91-A1BC-14E95AC55DD5}" dt="2021-04-20T14:47:59.439" v="1479" actId="113"/>
+          <ac:chgData name="Bob E" userId="3e98a89c1d755d3b" providerId="LiveId" clId="{607681AF-7AAC-4B91-A1BC-14E95AC55DD5}" dt="2021-04-26T21:21:37.977" v="452" actId="27636"/>
           <ac:spMkLst>
             <pc:docMk/>
-            <pc:sldMk cId="2879498837" sldId="267"/>
-            <ac:spMk id="3" creationId="{49F8B2BF-9EF6-405E-AB29-5929962501F9}"/>
+            <pc:sldMk cId="787778358" sldId="282"/>
+            <ac:spMk id="3" creationId="{744DE119-C9E2-4C9C-8D9F-E99A95CF9765}"/>
           </ac:spMkLst>
         </pc:spChg>
       </pc:sldChg>
-      <pc:sldChg chg="modSp mod">
-        <pc:chgData name="Bob E" userId="3e98a89c1d755d3b" providerId="LiveId" clId="{607681AF-7AAC-4B91-A1BC-14E95AC55DD5}" dt="2021-04-20T02:52:52.225" v="53" actId="20577"/>
+      <pc:sldChg chg="addSp modSp mod">
+        <pc:chgData name="Bob E" userId="3e98a89c1d755d3b" providerId="LiveId" clId="{607681AF-7AAC-4B91-A1BC-14E95AC55DD5}" dt="2021-04-24T03:44:18.304" v="358" actId="1076"/>
         <pc:sldMkLst>
           <pc:docMk/>
-          <pc:sldMk cId="1784674450" sldId="269"/>
+          <pc:sldMk cId="2830509313" sldId="284"/>
         </pc:sldMkLst>
         <pc:spChg chg="mod">
-          <ac:chgData name="Bob E" userId="3e98a89c1d755d3b" providerId="LiveId" clId="{607681AF-7AAC-4B91-A1BC-14E95AC55DD5}" dt="2021-04-20T02:52:52.225" v="53" actId="20577"/>
+          <ac:chgData name="Bob E" userId="3e98a89c1d755d3b" providerId="LiveId" clId="{607681AF-7AAC-4B91-A1BC-14E95AC55DD5}" dt="2021-04-24T03:44:10.685" v="357" actId="20577"/>
           <ac:spMkLst>
             <pc:docMk/>
-            <pc:sldMk cId="1784674450" sldId="269"/>
-            <ac:spMk id="3" creationId="{230180E4-A9C7-4733-B4AB-D1546D5F16AE}"/>
+            <pc:sldMk cId="2830509313" sldId="284"/>
+            <ac:spMk id="3" creationId="{1C6ACF19-E1CD-4FF8-B8D2-7CF157CE3EA5}"/>
           </ac:spMkLst>
         </pc:spChg>
-      </pc:sldChg>
-      <pc:sldChg chg="modSp mod modNotesTx">
-        <pc:chgData name="Bob E" userId="3e98a89c1d755d3b" providerId="LiveId" clId="{607681AF-7AAC-4B91-A1BC-14E95AC55DD5}" dt="2021-04-20T20:38:03.508" v="2216" actId="20577"/>
-        <pc:sldMkLst>
-          <pc:docMk/>
-          <pc:sldMk cId="3056102889" sldId="271"/>
-        </pc:sldMkLst>
-        <pc:spChg chg="mod">
-          <ac:chgData name="Bob E" userId="3e98a89c1d755d3b" providerId="LiveId" clId="{607681AF-7AAC-4B91-A1BC-14E95AC55DD5}" dt="2021-04-20T03:09:58.392" v="566" actId="113"/>
-          <ac:spMkLst>
-            <pc:docMk/>
-            <pc:sldMk cId="3056102889" sldId="271"/>
-            <ac:spMk id="4" creationId="{8A16A1E7-B170-4215-8D61-C074646FE01B}"/>
-          </ac:spMkLst>
-        </pc:spChg>
-        <pc:spChg chg="mod">
-          <ac:chgData name="Bob E" userId="3e98a89c1d755d3b" providerId="LiveId" clId="{607681AF-7AAC-4B91-A1BC-14E95AC55DD5}" dt="2021-04-20T03:10:20.377" v="567" actId="113"/>
-          <ac:spMkLst>
-            <pc:docMk/>
-            <pc:sldMk cId="3056102889" sldId="271"/>
-            <ac:spMk id="6" creationId="{0089E472-2D9C-40F6-A8C2-01D341DBD25C}"/>
-          </ac:spMkLst>
-        </pc:spChg>
-      </pc:sldChg>
-      <pc:sldChg chg="modSp mod">
-        <pc:chgData name="Bob E" userId="3e98a89c1d755d3b" providerId="LiveId" clId="{607681AF-7AAC-4B91-A1BC-14E95AC55DD5}" dt="2021-04-20T20:17:33.347" v="1928"/>
-        <pc:sldMkLst>
-          <pc:docMk/>
-          <pc:sldMk cId="434758405" sldId="272"/>
-        </pc:sldMkLst>
-        <pc:spChg chg="mod">
-          <ac:chgData name="Bob E" userId="3e98a89c1d755d3b" providerId="LiveId" clId="{607681AF-7AAC-4B91-A1BC-14E95AC55DD5}" dt="2021-04-20T20:17:33.347" v="1928"/>
-          <ac:spMkLst>
-            <pc:docMk/>
-            <pc:sldMk cId="434758405" sldId="272"/>
-            <ac:spMk id="3" creationId="{3C650AA7-245A-451B-B604-B9C5108457AB}"/>
-          </ac:spMkLst>
-        </pc:spChg>
-      </pc:sldChg>
-      <pc:sldChg chg="modSp add del mod">
-        <pc:chgData name="Bob E" userId="3e98a89c1d755d3b" providerId="LiveId" clId="{607681AF-7AAC-4B91-A1BC-14E95AC55DD5}" dt="2021-04-20T14:37:31.064" v="1126" actId="20577"/>
-        <pc:sldMkLst>
-          <pc:docMk/>
-          <pc:sldMk cId="3960028411" sldId="273"/>
-        </pc:sldMkLst>
-        <pc:spChg chg="mod">
-          <ac:chgData name="Bob E" userId="3e98a89c1d755d3b" providerId="LiveId" clId="{607681AF-7AAC-4B91-A1BC-14E95AC55DD5}" dt="2021-04-20T14:37:31.064" v="1126" actId="20577"/>
-          <ac:spMkLst>
-            <pc:docMk/>
-            <pc:sldMk cId="3960028411" sldId="273"/>
-            <ac:spMk id="3" creationId="{2763850A-8E65-4294-96B6-193BFD56EC77}"/>
-          </ac:spMkLst>
-        </pc:spChg>
-      </pc:sldChg>
-      <pc:sldChg chg="modSp del mod">
-        <pc:chgData name="Bob E" userId="3e98a89c1d755d3b" providerId="LiveId" clId="{607681AF-7AAC-4B91-A1BC-14E95AC55DD5}" dt="2021-04-20T03:25:52.959" v="721" actId="47"/>
-        <pc:sldMkLst>
-          <pc:docMk/>
-          <pc:sldMk cId="438271121" sldId="274"/>
-        </pc:sldMkLst>
-        <pc:spChg chg="mod">
-          <ac:chgData name="Bob E" userId="3e98a89c1d755d3b" providerId="LiveId" clId="{607681AF-7AAC-4B91-A1BC-14E95AC55DD5}" dt="2021-04-20T03:15:57.059" v="690" actId="20577"/>
-          <ac:spMkLst>
-            <pc:docMk/>
-            <pc:sldMk cId="438271121" sldId="274"/>
-            <ac:spMk id="3" creationId="{F0823412-A03D-4996-8812-ECD93D584DFD}"/>
-          </ac:spMkLst>
-        </pc:spChg>
-      </pc:sldChg>
-      <pc:sldChg chg="modSp add mod">
-        <pc:chgData name="Bob E" userId="3e98a89c1d755d3b" providerId="LiveId" clId="{607681AF-7AAC-4B91-A1BC-14E95AC55DD5}" dt="2021-04-20T14:54:00.858" v="1524" actId="1035"/>
-        <pc:sldMkLst>
-          <pc:docMk/>
-          <pc:sldMk cId="3380235699" sldId="275"/>
-        </pc:sldMkLst>
-        <pc:spChg chg="mod">
-          <ac:chgData name="Bob E" userId="3e98a89c1d755d3b" providerId="LiveId" clId="{607681AF-7AAC-4B91-A1BC-14E95AC55DD5}" dt="2021-04-20T14:53:38.439" v="1515" actId="20577"/>
-          <ac:spMkLst>
-            <pc:docMk/>
-            <pc:sldMk cId="3380235699" sldId="275"/>
-            <ac:spMk id="3" creationId="{F0823412-A03D-4996-8812-ECD93D584DFD}"/>
-          </ac:spMkLst>
-        </pc:spChg>
-        <pc:picChg chg="mod">
-          <ac:chgData name="Bob E" userId="3e98a89c1d755d3b" providerId="LiveId" clId="{607681AF-7AAC-4B91-A1BC-14E95AC55DD5}" dt="2021-04-20T14:54:00.858" v="1524" actId="1035"/>
+        <pc:picChg chg="add mod">
+          <ac:chgData name="Bob E" userId="3e98a89c1d755d3b" providerId="LiveId" clId="{607681AF-7AAC-4B91-A1BC-14E95AC55DD5}" dt="2021-04-24T03:44:18.304" v="358" actId="1076"/>
           <ac:picMkLst>
             <pc:docMk/>
-            <pc:sldMk cId="3380235699" sldId="275"/>
-            <ac:picMk id="1026" creationId="{D3043118-8501-4E33-BED8-58A1490DE737}"/>
+            <pc:sldMk cId="2830509313" sldId="284"/>
+            <ac:picMk id="5" creationId="{4DF9F099-1636-4D2B-9B95-E0F477FDB6FD}"/>
           </ac:picMkLst>
         </pc:picChg>
       </pc:sldChg>
-      <pc:sldChg chg="addSp delSp modSp new mod modClrScheme chgLayout">
-        <pc:chgData name="Bob E" userId="3e98a89c1d755d3b" providerId="LiveId" clId="{607681AF-7AAC-4B91-A1BC-14E95AC55DD5}" dt="2021-04-20T15:50:35.583" v="1536" actId="1076"/>
+      <pc:sldChg chg="addSp delSp modSp new mod">
+        <pc:chgData name="Bob E" userId="3e98a89c1d755d3b" providerId="LiveId" clId="{607681AF-7AAC-4B91-A1BC-14E95AC55DD5}" dt="2021-04-26T20:05:10.548" v="419"/>
         <pc:sldMkLst>
           <pc:docMk/>
-          <pc:sldMk cId="413717029" sldId="276"/>
+          <pc:sldMk cId="2846210679" sldId="285"/>
         </pc:sldMkLst>
-        <pc:spChg chg="mod ord">
-          <ac:chgData name="Bob E" userId="3e98a89c1d755d3b" providerId="LiveId" clId="{607681AF-7AAC-4B91-A1BC-14E95AC55DD5}" dt="2021-04-20T15:49:20.440" v="1532" actId="26606"/>
+        <pc:spChg chg="mod">
+          <ac:chgData name="Bob E" userId="3e98a89c1d755d3b" providerId="LiveId" clId="{607681AF-7AAC-4B91-A1BC-14E95AC55DD5}" dt="2021-04-26T20:01:52.712" v="389" actId="20577"/>
           <ac:spMkLst>
             <pc:docMk/>
-            <pc:sldMk cId="413717029" sldId="276"/>
-            <ac:spMk id="2" creationId="{ABF328F9-2F63-45B0-8ED2-135FB1656FE4}"/>
+            <pc:sldMk cId="2846210679" sldId="285"/>
+            <ac:spMk id="2" creationId="{3586AC00-70B6-435A-80D8-4128CD18660F}"/>
           </ac:spMkLst>
         </pc:spChg>
-        <pc:spChg chg="add del">
-          <ac:chgData name="Bob E" userId="3e98a89c1d755d3b" providerId="LiveId" clId="{607681AF-7AAC-4B91-A1BC-14E95AC55DD5}" dt="2021-04-20T15:49:20.440" v="1532" actId="26606"/>
+        <pc:spChg chg="del">
+          <ac:chgData name="Bob E" userId="3e98a89c1d755d3b" providerId="LiveId" clId="{607681AF-7AAC-4B91-A1BC-14E95AC55DD5}" dt="2021-04-26T20:03:00.296" v="391" actId="478"/>
           <ac:spMkLst>
             <pc:docMk/>
-            <pc:sldMk cId="413717029" sldId="276"/>
-            <ac:spMk id="3" creationId="{EC479594-C57A-4A19-AEC4-02F7D4AA5DF6}"/>
+            <pc:sldMk cId="2846210679" sldId="285"/>
+            <ac:spMk id="3" creationId="{110E76E9-92E7-47EB-97FE-FF27888B4604}"/>
           </ac:spMkLst>
         </pc:spChg>
-        <pc:spChg chg="add del mod">
-          <ac:chgData name="Bob E" userId="3e98a89c1d755d3b" providerId="LiveId" clId="{607681AF-7AAC-4B91-A1BC-14E95AC55DD5}" dt="2021-04-20T15:49:15.711" v="1527" actId="26606"/>
+        <pc:spChg chg="add mod">
+          <ac:chgData name="Bob E" userId="3e98a89c1d755d3b" providerId="LiveId" clId="{607681AF-7AAC-4B91-A1BC-14E95AC55DD5}" dt="2021-04-26T20:05:10.548" v="419"/>
           <ac:spMkLst>
             <pc:docMk/>
-            <pc:sldMk cId="413717029" sldId="276"/>
-            <ac:spMk id="10" creationId="{22ABE08B-2F7E-4381-8453-7B359AB6E879}"/>
-          </ac:spMkLst>
-        </pc:spChg>
-        <pc:spChg chg="add del mod">
-          <ac:chgData name="Bob E" userId="3e98a89c1d755d3b" providerId="LiveId" clId="{607681AF-7AAC-4B91-A1BC-14E95AC55DD5}" dt="2021-04-20T15:49:17.335" v="1529" actId="26606"/>
-          <ac:spMkLst>
-            <pc:docMk/>
-            <pc:sldMk cId="413717029" sldId="276"/>
-            <ac:spMk id="12" creationId="{269B690D-0668-43C5-A938-FDFDED1D235A}"/>
-          </ac:spMkLst>
-        </pc:spChg>
-        <pc:spChg chg="add del mod">
-          <ac:chgData name="Bob E" userId="3e98a89c1d755d3b" providerId="LiveId" clId="{607681AF-7AAC-4B91-A1BC-14E95AC55DD5}" dt="2021-04-20T15:49:20.439" v="1531" actId="26606"/>
-          <ac:spMkLst>
-            <pc:docMk/>
-            <pc:sldMk cId="413717029" sldId="276"/>
-            <ac:spMk id="14" creationId="{22ABE08B-2F7E-4381-8453-7B359AB6E879}"/>
+            <pc:sldMk cId="2846210679" sldId="285"/>
+            <ac:spMk id="4" creationId="{586318B1-D1B6-41AF-BBAF-C5D79AB2F4F6}"/>
           </ac:spMkLst>
         </pc:spChg>
         <pc:picChg chg="add mod">
-          <ac:chgData name="Bob E" userId="3e98a89c1d755d3b" providerId="LiveId" clId="{607681AF-7AAC-4B91-A1BC-14E95AC55DD5}" dt="2021-04-20T15:50:35.583" v="1536" actId="1076"/>
+          <ac:chgData name="Bob E" userId="3e98a89c1d755d3b" providerId="LiveId" clId="{607681AF-7AAC-4B91-A1BC-14E95AC55DD5}" dt="2021-04-26T20:04:30.877" v="395" actId="14100"/>
           <ac:picMkLst>
             <pc:docMk/>
-            <pc:sldMk cId="413717029" sldId="276"/>
-            <ac:picMk id="5" creationId="{DC77C3F0-9D52-43DA-AC9D-8205E88E1C5B}"/>
+            <pc:sldMk cId="2846210679" sldId="285"/>
+            <ac:picMk id="1026" creationId="{18D10FDE-B2FE-42A4-BF68-FC805D327059}"/>
           </ac:picMkLst>
         </pc:picChg>
       </pc:sldChg>
       <pc:sldChg chg="new del">
-        <pc:chgData name="Bob E" userId="3e98a89c1d755d3b" providerId="LiveId" clId="{607681AF-7AAC-4B91-A1BC-14E95AC55DD5}" dt="2021-04-20T13:53:14.948" v="859" actId="47"/>
+        <pc:chgData name="Bob E" userId="3e98a89c1d755d3b" providerId="LiveId" clId="{607681AF-7AAC-4B91-A1BC-14E95AC55DD5}" dt="2021-04-24T03:36:19.885" v="334" actId="47"/>
         <pc:sldMkLst>
           <pc:docMk/>
-          <pc:sldMk cId="197480031" sldId="277"/>
+          <pc:sldMk cId="4292932155" sldId="285"/>
         </pc:sldMkLst>
       </pc:sldChg>
       <pc:sldChg chg="modSp new mod">
-        <pc:chgData name="Bob E" userId="3e98a89c1d755d3b" providerId="LiveId" clId="{607681AF-7AAC-4B91-A1BC-14E95AC55DD5}" dt="2021-04-20T14:38:48.799" v="1217" actId="113"/>
+        <pc:chgData name="Bob E" userId="3e98a89c1d755d3b" providerId="LiveId" clId="{607681AF-7AAC-4B91-A1BC-14E95AC55DD5}" dt="2021-04-26T21:29:37.474" v="671" actId="113"/>
         <pc:sldMkLst>
           <pc:docMk/>
-          <pc:sldMk cId="3876481716" sldId="277"/>
+          <pc:sldMk cId="61770106" sldId="286"/>
         </pc:sldMkLst>
         <pc:spChg chg="mod">
-          <ac:chgData name="Bob E" userId="3e98a89c1d755d3b" providerId="LiveId" clId="{607681AF-7AAC-4B91-A1BC-14E95AC55DD5}" dt="2021-04-20T13:55:31.341" v="942" actId="20577"/>
+          <ac:chgData name="Bob E" userId="3e98a89c1d755d3b" providerId="LiveId" clId="{607681AF-7AAC-4B91-A1BC-14E95AC55DD5}" dt="2021-04-26T21:20:34.315" v="441" actId="20577"/>
           <ac:spMkLst>
             <pc:docMk/>
-            <pc:sldMk cId="3876481716" sldId="277"/>
-            <ac:spMk id="2" creationId="{B7E12A10-F3FA-4B0D-B40D-8BA702AF0BCD}"/>
+            <pc:sldMk cId="61770106" sldId="286"/>
+            <ac:spMk id="2" creationId="{5797ADAB-359A-4B42-8086-DC7CD98495EB}"/>
           </ac:spMkLst>
         </pc:spChg>
         <pc:spChg chg="mod">
-          <ac:chgData name="Bob E" userId="3e98a89c1d755d3b" providerId="LiveId" clId="{607681AF-7AAC-4B91-A1BC-14E95AC55DD5}" dt="2021-04-20T14:38:48.799" v="1217" actId="113"/>
+          <ac:chgData name="Bob E" userId="3e98a89c1d755d3b" providerId="LiveId" clId="{607681AF-7AAC-4B91-A1BC-14E95AC55DD5}" dt="2021-04-26T21:29:37.474" v="671" actId="113"/>
           <ac:spMkLst>
             <pc:docMk/>
-            <pc:sldMk cId="3876481716" sldId="277"/>
-            <ac:spMk id="3" creationId="{71388D8B-84E2-4EFE-94D1-E35B5594DDCA}"/>
-          </ac:spMkLst>
-        </pc:spChg>
-      </pc:sldChg>
-      <pc:sldChg chg="modSp new mod">
-        <pc:chgData name="Bob E" userId="3e98a89c1d755d3b" providerId="LiveId" clId="{607681AF-7AAC-4B91-A1BC-14E95AC55DD5}" dt="2021-04-20T14:46:58.628" v="1476" actId="20577"/>
-        <pc:sldMkLst>
-          <pc:docMk/>
-          <pc:sldMk cId="2562673997" sldId="278"/>
-        </pc:sldMkLst>
-        <pc:spChg chg="mod">
-          <ac:chgData name="Bob E" userId="3e98a89c1d755d3b" providerId="LiveId" clId="{607681AF-7AAC-4B91-A1BC-14E95AC55DD5}" dt="2021-04-20T14:46:58.628" v="1476" actId="20577"/>
-          <ac:spMkLst>
-            <pc:docMk/>
-            <pc:sldMk cId="2562673997" sldId="278"/>
-            <ac:spMk id="2" creationId="{B4C45FCC-8377-47BF-9DD9-A257527C5242}"/>
-          </ac:spMkLst>
-        </pc:spChg>
-        <pc:spChg chg="mod">
-          <ac:chgData name="Bob E" userId="3e98a89c1d755d3b" providerId="LiveId" clId="{607681AF-7AAC-4B91-A1BC-14E95AC55DD5}" dt="2021-04-20T14:46:23.796" v="1472" actId="113"/>
-          <ac:spMkLst>
-            <pc:docMk/>
-            <pc:sldMk cId="2562673997" sldId="278"/>
-            <ac:spMk id="3" creationId="{7CC217A8-626C-4E8A-B751-D6E948722E4C}"/>
-          </ac:spMkLst>
-        </pc:spChg>
-      </pc:sldChg>
-      <pc:sldChg chg="modSp new mod">
-        <pc:chgData name="Bob E" userId="3e98a89c1d755d3b" providerId="LiveId" clId="{607681AF-7AAC-4B91-A1BC-14E95AC55DD5}" dt="2021-04-20T20:25:11.008" v="2034" actId="20577"/>
-        <pc:sldMkLst>
-          <pc:docMk/>
-          <pc:sldMk cId="2739083090" sldId="279"/>
-        </pc:sldMkLst>
-        <pc:spChg chg="mod">
-          <ac:chgData name="Bob E" userId="3e98a89c1d755d3b" providerId="LiveId" clId="{607681AF-7AAC-4B91-A1BC-14E95AC55DD5}" dt="2021-04-20T15:51:59.635" v="1577" actId="20577"/>
-          <ac:spMkLst>
-            <pc:docMk/>
-            <pc:sldMk cId="2739083090" sldId="279"/>
-            <ac:spMk id="2" creationId="{7AA7E1B4-124E-4ED9-A8F0-601B3B7E9CFC}"/>
-          </ac:spMkLst>
-        </pc:spChg>
-        <pc:spChg chg="mod">
-          <ac:chgData name="Bob E" userId="3e98a89c1d755d3b" providerId="LiveId" clId="{607681AF-7AAC-4B91-A1BC-14E95AC55DD5}" dt="2021-04-20T20:25:11.008" v="2034" actId="20577"/>
-          <ac:spMkLst>
-            <pc:docMk/>
-            <pc:sldMk cId="2739083090" sldId="279"/>
-            <ac:spMk id="3" creationId="{E36C5A03-D166-4139-B05A-A0EBE4D1CB63}"/>
-          </ac:spMkLst>
-        </pc:spChg>
-      </pc:sldChg>
-    </pc:docChg>
-  </pc:docChgLst>
-  <pc:docChgLst>
-    <pc:chgData name="Bob E" userId="3e98a89c1d755d3b" providerId="LiveId" clId="{FC774245-0593-4971-B91E-F3DA18729079}"/>
-    <pc:docChg chg="undo custSel addSld delSld modSld sldOrd">
-      <pc:chgData name="Bob E" userId="3e98a89c1d755d3b" providerId="LiveId" clId="{FC774245-0593-4971-B91E-F3DA18729079}" dt="2021-04-13T03:43:40.711" v="2200" actId="20577"/>
-      <pc:docMkLst>
-        <pc:docMk/>
-      </pc:docMkLst>
-      <pc:sldChg chg="del">
-        <pc:chgData name="Bob E" userId="3e98a89c1d755d3b" providerId="LiveId" clId="{FC774245-0593-4971-B91E-F3DA18729079}" dt="2021-04-13T02:45:35.318" v="2125" actId="47"/>
-        <pc:sldMkLst>
-          <pc:docMk/>
-          <pc:sldMk cId="183243182" sldId="261"/>
-        </pc:sldMkLst>
-      </pc:sldChg>
-      <pc:sldChg chg="del">
-        <pc:chgData name="Bob E" userId="3e98a89c1d755d3b" providerId="LiveId" clId="{FC774245-0593-4971-B91E-F3DA18729079}" dt="2021-04-13T02:45:35.318" v="2125" actId="47"/>
-        <pc:sldMkLst>
-          <pc:docMk/>
-          <pc:sldMk cId="3430591051" sldId="262"/>
-        </pc:sldMkLst>
-      </pc:sldChg>
-      <pc:sldChg chg="del ord">
-        <pc:chgData name="Bob E" userId="3e98a89c1d755d3b" providerId="LiveId" clId="{FC774245-0593-4971-B91E-F3DA18729079}" dt="2021-04-13T02:45:35.318" v="2125" actId="47"/>
-        <pc:sldMkLst>
-          <pc:docMk/>
-          <pc:sldMk cId="2058792544" sldId="263"/>
-        </pc:sldMkLst>
-      </pc:sldChg>
-      <pc:sldChg chg="del">
-        <pc:chgData name="Bob E" userId="3e98a89c1d755d3b" providerId="LiveId" clId="{FC774245-0593-4971-B91E-F3DA18729079}" dt="2021-04-13T02:45:35.318" v="2125" actId="47"/>
-        <pc:sldMkLst>
-          <pc:docMk/>
-          <pc:sldMk cId="2679465925" sldId="264"/>
-        </pc:sldMkLst>
-      </pc:sldChg>
-      <pc:sldChg chg="new del">
-        <pc:chgData name="Bob E" userId="3e98a89c1d755d3b" providerId="LiveId" clId="{FC774245-0593-4971-B91E-F3DA18729079}" dt="2021-04-13T02:18:55.456" v="1545" actId="47"/>
-        <pc:sldMkLst>
-          <pc:docMk/>
-          <pc:sldMk cId="1104396017" sldId="265"/>
-        </pc:sldMkLst>
-      </pc:sldChg>
-      <pc:sldChg chg="modSp new del mod ord">
-        <pc:chgData name="Bob E" userId="3e98a89c1d755d3b" providerId="LiveId" clId="{FC774245-0593-4971-B91E-F3DA18729079}" dt="2021-04-13T02:13:10.369" v="1499" actId="47"/>
-        <pc:sldMkLst>
-          <pc:docMk/>
-          <pc:sldMk cId="3339313508" sldId="266"/>
-        </pc:sldMkLst>
-        <pc:spChg chg="mod">
-          <ac:chgData name="Bob E" userId="3e98a89c1d755d3b" providerId="LiveId" clId="{FC774245-0593-4971-B91E-F3DA18729079}" dt="2021-04-13T01:44:04.577" v="236" actId="20577"/>
-          <ac:spMkLst>
-            <pc:docMk/>
-            <pc:sldMk cId="3339313508" sldId="266"/>
-            <ac:spMk id="2" creationId="{D9AD72B6-59AE-42F3-8BC7-7140A0B30E85}"/>
-          </ac:spMkLst>
-        </pc:spChg>
-        <pc:spChg chg="mod">
-          <ac:chgData name="Bob E" userId="3e98a89c1d755d3b" providerId="LiveId" clId="{FC774245-0593-4971-B91E-F3DA18729079}" dt="2021-04-13T01:50:13.937" v="395" actId="113"/>
-          <ac:spMkLst>
-            <pc:docMk/>
-            <pc:sldMk cId="3339313508" sldId="266"/>
-            <ac:spMk id="3" creationId="{FA166D58-D4AF-4CB9-8B84-1DA4212EC7EF}"/>
-          </ac:spMkLst>
-        </pc:spChg>
-      </pc:sldChg>
-      <pc:sldChg chg="modSp new mod">
-        <pc:chgData name="Bob E" userId="3e98a89c1d755d3b" providerId="LiveId" clId="{FC774245-0593-4971-B91E-F3DA18729079}" dt="2021-04-13T02:18:14.833" v="1543" actId="20577"/>
-        <pc:sldMkLst>
-          <pc:docMk/>
-          <pc:sldMk cId="2879498837" sldId="267"/>
-        </pc:sldMkLst>
-        <pc:spChg chg="mod">
-          <ac:chgData name="Bob E" userId="3e98a89c1d755d3b" providerId="LiveId" clId="{FC774245-0593-4971-B91E-F3DA18729079}" dt="2021-04-13T01:45:59.227" v="278" actId="20577"/>
-          <ac:spMkLst>
-            <pc:docMk/>
-            <pc:sldMk cId="2879498837" sldId="267"/>
-            <ac:spMk id="2" creationId="{9C3BF11D-EEE1-42AF-A8AC-06927C1C09A5}"/>
-          </ac:spMkLst>
-        </pc:spChg>
-        <pc:spChg chg="mod">
-          <ac:chgData name="Bob E" userId="3e98a89c1d755d3b" providerId="LiveId" clId="{FC774245-0593-4971-B91E-F3DA18729079}" dt="2021-04-13T02:18:14.833" v="1543" actId="20577"/>
-          <ac:spMkLst>
-            <pc:docMk/>
-            <pc:sldMk cId="2879498837" sldId="267"/>
-            <ac:spMk id="3" creationId="{49F8B2BF-9EF6-405E-AB29-5929962501F9}"/>
-          </ac:spMkLst>
-        </pc:spChg>
-      </pc:sldChg>
-      <pc:sldChg chg="modSp new del mod">
-        <pc:chgData name="Bob E" userId="3e98a89c1d755d3b" providerId="LiveId" clId="{FC774245-0593-4971-B91E-F3DA18729079}" dt="2021-04-13T02:13:12.339" v="1500" actId="47"/>
-        <pc:sldMkLst>
-          <pc:docMk/>
-          <pc:sldMk cId="2062563006" sldId="268"/>
-        </pc:sldMkLst>
-        <pc:spChg chg="mod">
-          <ac:chgData name="Bob E" userId="3e98a89c1d755d3b" providerId="LiveId" clId="{FC774245-0593-4971-B91E-F3DA18729079}" dt="2021-04-13T01:54:48.230" v="431" actId="20577"/>
-          <ac:spMkLst>
-            <pc:docMk/>
-            <pc:sldMk cId="2062563006" sldId="268"/>
-            <ac:spMk id="2" creationId="{90B7B255-5688-433B-A63E-3893B43DE1FA}"/>
-          </ac:spMkLst>
-        </pc:spChg>
-        <pc:spChg chg="mod">
-          <ac:chgData name="Bob E" userId="3e98a89c1d755d3b" providerId="LiveId" clId="{FC774245-0593-4971-B91E-F3DA18729079}" dt="2021-04-13T02:06:34.219" v="1157" actId="20577"/>
-          <ac:spMkLst>
-            <pc:docMk/>
-            <pc:sldMk cId="2062563006" sldId="268"/>
-            <ac:spMk id="3" creationId="{C7A55446-E6DE-4FA2-896B-9398CA1FD60F}"/>
-          </ac:spMkLst>
-        </pc:spChg>
-      </pc:sldChg>
-      <pc:sldChg chg="modSp new mod">
-        <pc:chgData name="Bob E" userId="3e98a89c1d755d3b" providerId="LiveId" clId="{FC774245-0593-4971-B91E-F3DA18729079}" dt="2021-04-13T03:11:35.350" v="2129" actId="20577"/>
-        <pc:sldMkLst>
-          <pc:docMk/>
-          <pc:sldMk cId="1784674450" sldId="269"/>
-        </pc:sldMkLst>
-        <pc:spChg chg="mod">
-          <ac:chgData name="Bob E" userId="3e98a89c1d755d3b" providerId="LiveId" clId="{FC774245-0593-4971-B91E-F3DA18729079}" dt="2021-04-13T02:09:51.762" v="1160"/>
-          <ac:spMkLst>
-            <pc:docMk/>
-            <pc:sldMk cId="1784674450" sldId="269"/>
-            <ac:spMk id="2" creationId="{3EFC642B-5DA3-45EF-908B-CC1F95652283}"/>
-          </ac:spMkLst>
-        </pc:spChg>
-        <pc:spChg chg="mod">
-          <ac:chgData name="Bob E" userId="3e98a89c1d755d3b" providerId="LiveId" clId="{FC774245-0593-4971-B91E-F3DA18729079}" dt="2021-04-13T03:11:35.350" v="2129" actId="20577"/>
-          <ac:spMkLst>
-            <pc:docMk/>
-            <pc:sldMk cId="1784674450" sldId="269"/>
-            <ac:spMk id="3" creationId="{230180E4-A9C7-4733-B4AB-D1546D5F16AE}"/>
-          </ac:spMkLst>
-        </pc:spChg>
-      </pc:sldChg>
-      <pc:sldChg chg="modSp new del mod">
-        <pc:chgData name="Bob E" userId="3e98a89c1d755d3b" providerId="LiveId" clId="{FC774245-0593-4971-B91E-F3DA18729079}" dt="2021-04-13T02:30:46.099" v="1793" actId="47"/>
-        <pc:sldMkLst>
-          <pc:docMk/>
-          <pc:sldMk cId="790885643" sldId="270"/>
-        </pc:sldMkLst>
-        <pc:spChg chg="mod">
-          <ac:chgData name="Bob E" userId="3e98a89c1d755d3b" providerId="LiveId" clId="{FC774245-0593-4971-B91E-F3DA18729079}" dt="2021-04-13T02:19:22.111" v="1573" actId="20577"/>
-          <ac:spMkLst>
-            <pc:docMk/>
-            <pc:sldMk cId="790885643" sldId="270"/>
-            <ac:spMk id="2" creationId="{F32E7422-B332-4E26-B9CC-7900B6536387}"/>
-          </ac:spMkLst>
-        </pc:spChg>
-      </pc:sldChg>
-      <pc:sldChg chg="modSp new mod">
-        <pc:chgData name="Bob E" userId="3e98a89c1d755d3b" providerId="LiveId" clId="{FC774245-0593-4971-B91E-F3DA18729079}" dt="2021-04-13T02:29:54.328" v="1792" actId="692"/>
-        <pc:sldMkLst>
-          <pc:docMk/>
-          <pc:sldMk cId="3056102889" sldId="271"/>
-        </pc:sldMkLst>
-        <pc:spChg chg="mod">
-          <ac:chgData name="Bob E" userId="3e98a89c1d755d3b" providerId="LiveId" clId="{FC774245-0593-4971-B91E-F3DA18729079}" dt="2021-04-13T02:21:03.297" v="1643" actId="20577"/>
-          <ac:spMkLst>
-            <pc:docMk/>
-            <pc:sldMk cId="3056102889" sldId="271"/>
-            <ac:spMk id="2" creationId="{A71192EF-6ED8-47E0-906A-BC57CD1E9C04}"/>
-          </ac:spMkLst>
-        </pc:spChg>
-        <pc:spChg chg="mod">
-          <ac:chgData name="Bob E" userId="3e98a89c1d755d3b" providerId="LiveId" clId="{FC774245-0593-4971-B91E-F3DA18729079}" dt="2021-04-13T02:21:09.233" v="1647" actId="20577"/>
-          <ac:spMkLst>
-            <pc:docMk/>
-            <pc:sldMk cId="3056102889" sldId="271"/>
-            <ac:spMk id="3" creationId="{AD2CC37C-F3D7-486E-8526-054D492DC6E2}"/>
-          </ac:spMkLst>
-        </pc:spChg>
-        <pc:spChg chg="mod">
-          <ac:chgData name="Bob E" userId="3e98a89c1d755d3b" providerId="LiveId" clId="{FC774245-0593-4971-B91E-F3DA18729079}" dt="2021-04-13T02:29:42.444" v="1791" actId="692"/>
-          <ac:spMkLst>
-            <pc:docMk/>
-            <pc:sldMk cId="3056102889" sldId="271"/>
-            <ac:spMk id="4" creationId="{8A16A1E7-B170-4215-8D61-C074646FE01B}"/>
-          </ac:spMkLst>
-        </pc:spChg>
-        <pc:spChg chg="mod">
-          <ac:chgData name="Bob E" userId="3e98a89c1d755d3b" providerId="LiveId" clId="{FC774245-0593-4971-B91E-F3DA18729079}" dt="2021-04-13T02:21:14.824" v="1653" actId="20577"/>
-          <ac:spMkLst>
-            <pc:docMk/>
-            <pc:sldMk cId="3056102889" sldId="271"/>
-            <ac:spMk id="5" creationId="{80510B19-D9D0-480C-9628-54A1635D38CA}"/>
-          </ac:spMkLst>
-        </pc:spChg>
-        <pc:spChg chg="mod">
-          <ac:chgData name="Bob E" userId="3e98a89c1d755d3b" providerId="LiveId" clId="{FC774245-0593-4971-B91E-F3DA18729079}" dt="2021-04-13T02:29:54.328" v="1792" actId="692"/>
-          <ac:spMkLst>
-            <pc:docMk/>
-            <pc:sldMk cId="3056102889" sldId="271"/>
-            <ac:spMk id="6" creationId="{0089E472-2D9C-40F6-A8C2-01D341DBD25C}"/>
-          </ac:spMkLst>
-        </pc:spChg>
-      </pc:sldChg>
-      <pc:sldChg chg="modSp add mod">
-        <pc:chgData name="Bob E" userId="3e98a89c1d755d3b" providerId="LiveId" clId="{FC774245-0593-4971-B91E-F3DA18729079}" dt="2021-04-13T02:36:46.797" v="2124" actId="403"/>
-        <pc:sldMkLst>
-          <pc:docMk/>
-          <pc:sldMk cId="434758405" sldId="272"/>
-        </pc:sldMkLst>
-        <pc:spChg chg="mod">
-          <ac:chgData name="Bob E" userId="3e98a89c1d755d3b" providerId="LiveId" clId="{FC774245-0593-4971-B91E-F3DA18729079}" dt="2021-04-13T02:36:46.797" v="2124" actId="403"/>
-          <ac:spMkLst>
-            <pc:docMk/>
-            <pc:sldMk cId="434758405" sldId="272"/>
-            <ac:spMk id="3" creationId="{3C650AA7-245A-451B-B604-B9C5108457AB}"/>
-          </ac:spMkLst>
-        </pc:spChg>
-      </pc:sldChg>
-      <pc:sldChg chg="new del">
-        <pc:chgData name="Bob E" userId="3e98a89c1d755d3b" providerId="LiveId" clId="{FC774245-0593-4971-B91E-F3DA18729079}" dt="2021-04-13T02:31:26.398" v="1795" actId="47"/>
-        <pc:sldMkLst>
-          <pc:docMk/>
-          <pc:sldMk cId="2037410962" sldId="272"/>
-        </pc:sldMkLst>
-      </pc:sldChg>
-      <pc:sldChg chg="modSp new mod">
-        <pc:chgData name="Bob E" userId="3e98a89c1d755d3b" providerId="LiveId" clId="{FC774245-0593-4971-B91E-F3DA18729079}" dt="2021-04-13T03:14:01.864" v="2169" actId="20577"/>
-        <pc:sldMkLst>
-          <pc:docMk/>
-          <pc:sldMk cId="3960028411" sldId="273"/>
-        </pc:sldMkLst>
-        <pc:spChg chg="mod">
-          <ac:chgData name="Bob E" userId="3e98a89c1d755d3b" providerId="LiveId" clId="{FC774245-0593-4971-B91E-F3DA18729079}" dt="2021-04-13T03:14:01.864" v="2169" actId="20577"/>
-          <ac:spMkLst>
-            <pc:docMk/>
-            <pc:sldMk cId="3960028411" sldId="273"/>
-            <ac:spMk id="2" creationId="{C6A11083-0C73-4CB2-9203-BD2242664A6B}"/>
-          </ac:spMkLst>
-        </pc:spChg>
-      </pc:sldChg>
-      <pc:sldChg chg="modSp new mod">
-        <pc:chgData name="Bob E" userId="3e98a89c1d755d3b" providerId="LiveId" clId="{FC774245-0593-4971-B91E-F3DA18729079}" dt="2021-04-13T03:43:40.711" v="2200" actId="20577"/>
-        <pc:sldMkLst>
-          <pc:docMk/>
-          <pc:sldMk cId="438271121" sldId="274"/>
-        </pc:sldMkLst>
-        <pc:spChg chg="mod">
-          <ac:chgData name="Bob E" userId="3e98a89c1d755d3b" providerId="LiveId" clId="{FC774245-0593-4971-B91E-F3DA18729079}" dt="2021-04-13T03:43:40.711" v="2200" actId="20577"/>
-          <ac:spMkLst>
-            <pc:docMk/>
-            <pc:sldMk cId="438271121" sldId="274"/>
-            <ac:spMk id="2" creationId="{8F54A00E-658C-4811-9C80-0A7AF54D6FB3}"/>
+            <pc:sldMk cId="61770106" sldId="286"/>
+            <ac:spMk id="3" creationId="{9F2B14E6-F391-4132-9B7B-8C540A64788E}"/>
           </ac:spMkLst>
         </pc:spChg>
       </pc:sldChg>
     </pc:docChg>
   </pc:docChgLst>
 </pc:chgInfo>
-</file>
-
-<file path=ppt/notesMasters/notesMaster1.xml><?xml version="1.0" encoding="utf-8"?>
-<p:notesMaster xmlns:a="http://schemas.openxmlformats.org/drawingml/2006/main" xmlns:r="http://schemas.openxmlformats.org/officeDocument/2006/relationships" xmlns:p="http://schemas.openxmlformats.org/presentationml/2006/main">
-  <p:cSld>
-    <p:bg>
-      <p:bgRef idx="1001">
-        <a:schemeClr val="bg1"/>
-      </p:bgRef>
-    </p:bg>
-    <p:spTree>
-      <p:nvGrpSpPr>
-        <p:cNvPr id="1" name=""/>
-        <p:cNvGrpSpPr/>
-        <p:nvPr/>
-      </p:nvGrpSpPr>
-      <p:grpSpPr>
-        <a:xfrm>
-          <a:off x="0" y="0"/>
-          <a:ext cx="0" cy="0"/>
-          <a:chOff x="0" y="0"/>
-          <a:chExt cx="0" cy="0"/>
-        </a:xfrm>
-      </p:grpSpPr>
-      <p:sp>
-        <p:nvSpPr>
-          <p:cNvPr id="2" name="Header Placeholder 1"/>
-          <p:cNvSpPr>
-            <a:spLocks noGrp="1"/>
-          </p:cNvSpPr>
-          <p:nvPr>
-            <p:ph type="hdr" sz="quarter"/>
-          </p:nvPr>
-        </p:nvSpPr>
-        <p:spPr>
-          <a:xfrm>
-            <a:off x="0" y="0"/>
-            <a:ext cx="2971800" cy="458788"/>
-          </a:xfrm>
-          <a:prstGeom prst="rect">
-            <a:avLst/>
-          </a:prstGeom>
-        </p:spPr>
-        <p:txBody>
-          <a:bodyPr vert="horz" lIns="91440" tIns="45720" rIns="91440" bIns="45720" rtlCol="0"/>
-          <a:lstStyle>
-            <a:lvl1pPr algn="l">
-              <a:defRPr sz="1200"/>
-            </a:lvl1pPr>
-          </a:lstStyle>
-          <a:p>
-            <a:endParaRPr lang="en-US"/>
-          </a:p>
-        </p:txBody>
-      </p:sp>
-      <p:sp>
-        <p:nvSpPr>
-          <p:cNvPr id="3" name="Date Placeholder 2"/>
-          <p:cNvSpPr>
-            <a:spLocks noGrp="1"/>
-          </p:cNvSpPr>
-          <p:nvPr>
-            <p:ph type="dt" idx="1"/>
-          </p:nvPr>
-        </p:nvSpPr>
-        <p:spPr>
-          <a:xfrm>
-            <a:off x="3884613" y="0"/>
-            <a:ext cx="2971800" cy="458788"/>
-          </a:xfrm>
-          <a:prstGeom prst="rect">
-            <a:avLst/>
-          </a:prstGeom>
-        </p:spPr>
-        <p:txBody>
-          <a:bodyPr vert="horz" lIns="91440" tIns="45720" rIns="91440" bIns="45720" rtlCol="0"/>
-          <a:lstStyle>
-            <a:lvl1pPr algn="r">
-              <a:defRPr sz="1200"/>
-            </a:lvl1pPr>
-          </a:lstStyle>
-          <a:p>
-            <a:fld id="{CD27170E-8BB0-4CD4-BA71-D1448A6E6CE9}" type="datetimeFigureOut">
-              <a:rPr lang="en-US" smtClean="0"/>
-              <a:t>4/20/2021</a:t>
-            </a:fld>
-            <a:endParaRPr lang="en-US"/>
-          </a:p>
-        </p:txBody>
-      </p:sp>
-      <p:sp>
-        <p:nvSpPr>
-          <p:cNvPr id="4" name="Slide Image Placeholder 3"/>
-          <p:cNvSpPr>
-            <a:spLocks noGrp="1" noRot="1" noChangeAspect="1"/>
-          </p:cNvSpPr>
-          <p:nvPr>
-            <p:ph type="sldImg" idx="2"/>
-          </p:nvPr>
-        </p:nvSpPr>
-        <p:spPr>
-          <a:xfrm>
-            <a:off x="685800" y="1143000"/>
-            <a:ext cx="5486400" cy="3086100"/>
-          </a:xfrm>
-          <a:prstGeom prst="rect">
-            <a:avLst/>
-          </a:prstGeom>
-          <a:noFill/>
-          <a:ln w="12700">
-            <a:solidFill>
-              <a:prstClr val="black"/>
-            </a:solidFill>
-          </a:ln>
-        </p:spPr>
-        <p:txBody>
-          <a:bodyPr vert="horz" lIns="91440" tIns="45720" rIns="91440" bIns="45720" rtlCol="0" anchor="ctr"/>
-          <a:lstStyle/>
-          <a:p>
-            <a:endParaRPr lang="en-US"/>
-          </a:p>
-        </p:txBody>
-      </p:sp>
-      <p:sp>
-        <p:nvSpPr>
-          <p:cNvPr id="5" name="Notes Placeholder 4"/>
-          <p:cNvSpPr>
-            <a:spLocks noGrp="1"/>
-          </p:cNvSpPr>
-          <p:nvPr>
-            <p:ph type="body" sz="quarter" idx="3"/>
-          </p:nvPr>
-        </p:nvSpPr>
-        <p:spPr>
-          <a:xfrm>
-            <a:off x="685800" y="4400550"/>
-            <a:ext cx="5486400" cy="3600450"/>
-          </a:xfrm>
-          <a:prstGeom prst="rect">
-            <a:avLst/>
-          </a:prstGeom>
-        </p:spPr>
-        <p:txBody>
-          <a:bodyPr vert="horz" lIns="91440" tIns="45720" rIns="91440" bIns="45720" rtlCol="0"/>
-          <a:lstStyle/>
-          <a:p>
-            <a:pPr lvl="0"/>
-            <a:r>
-              <a:rPr lang="en-US"/>
-              <a:t>Click to edit Master text styles</a:t>
-            </a:r>
-          </a:p>
-          <a:p>
-            <a:pPr lvl="1"/>
-            <a:r>
-              <a:rPr lang="en-US"/>
-              <a:t>Second level</a:t>
-            </a:r>
-          </a:p>
-          <a:p>
-            <a:pPr lvl="2"/>
-            <a:r>
-              <a:rPr lang="en-US"/>
-              <a:t>Third level</a:t>
-            </a:r>
-          </a:p>
-          <a:p>
-            <a:pPr lvl="3"/>
-            <a:r>
-              <a:rPr lang="en-US"/>
-              <a:t>Fourth level</a:t>
-            </a:r>
-          </a:p>
-          <a:p>
-            <a:pPr lvl="4"/>
-            <a:r>
-              <a:rPr lang="en-US"/>
-              <a:t>Fifth level</a:t>
-            </a:r>
-          </a:p>
-        </p:txBody>
-      </p:sp>
-      <p:sp>
-        <p:nvSpPr>
-          <p:cNvPr id="6" name="Footer Placeholder 5"/>
-          <p:cNvSpPr>
-            <a:spLocks noGrp="1"/>
-          </p:cNvSpPr>
-          <p:nvPr>
-            <p:ph type="ftr" sz="quarter" idx="4"/>
-          </p:nvPr>
-        </p:nvSpPr>
-        <p:spPr>
-          <a:xfrm>
-            <a:off x="0" y="8685213"/>
-            <a:ext cx="2971800" cy="458787"/>
-          </a:xfrm>
-          <a:prstGeom prst="rect">
-            <a:avLst/>
-          </a:prstGeom>
-        </p:spPr>
-        <p:txBody>
-          <a:bodyPr vert="horz" lIns="91440" tIns="45720" rIns="91440" bIns="45720" rtlCol="0" anchor="b"/>
-          <a:lstStyle>
-            <a:lvl1pPr algn="l">
-              <a:defRPr sz="1200"/>
-            </a:lvl1pPr>
-          </a:lstStyle>
-          <a:p>
-            <a:endParaRPr lang="en-US"/>
-          </a:p>
-        </p:txBody>
-      </p:sp>
-      <p:sp>
-        <p:nvSpPr>
-          <p:cNvPr id="7" name="Slide Number Placeholder 6"/>
-          <p:cNvSpPr>
-            <a:spLocks noGrp="1"/>
-          </p:cNvSpPr>
-          <p:nvPr>
-            <p:ph type="sldNum" sz="quarter" idx="5"/>
-          </p:nvPr>
-        </p:nvSpPr>
-        <p:spPr>
-          <a:xfrm>
-            <a:off x="3884613" y="8685213"/>
-            <a:ext cx="2971800" cy="458787"/>
-          </a:xfrm>
-          <a:prstGeom prst="rect">
-            <a:avLst/>
-          </a:prstGeom>
-        </p:spPr>
-        <p:txBody>
-          <a:bodyPr vert="horz" lIns="91440" tIns="45720" rIns="91440" bIns="45720" rtlCol="0" anchor="b"/>
-          <a:lstStyle>
-            <a:lvl1pPr algn="r">
-              <a:defRPr sz="1200"/>
-            </a:lvl1pPr>
-          </a:lstStyle>
-          <a:p>
-            <a:fld id="{7999D50B-95D5-4E7F-99F4-B57E9A424C34}" type="slidenum">
-              <a:rPr lang="en-US" smtClean="0"/>
-              <a:t>‹#›</a:t>
-            </a:fld>
-            <a:endParaRPr lang="en-US"/>
-          </a:p>
-        </p:txBody>
-      </p:sp>
-    </p:spTree>
-    <p:extLst>
-      <p:ext uri="{BB962C8B-B14F-4D97-AF65-F5344CB8AC3E}">
-        <p14:creationId xmlns:p14="http://schemas.microsoft.com/office/powerpoint/2010/main" val="2099018279"/>
-      </p:ext>
-    </p:extLst>
-  </p:cSld>
-  <p:clrMap bg1="lt1" tx1="dk1" bg2="lt2" tx2="dk2" accent1="accent1" accent2="accent2" accent3="accent3" accent4="accent4" accent5="accent5" accent6="accent6" hlink="hlink" folHlink="folHlink"/>
-  <p:notesStyle>
-    <a:lvl1pPr marL="0" algn="l" defTabSz="914400" rtl="0" eaLnBrk="1" latinLnBrk="0" hangingPunct="1">
-      <a:defRPr sz="1200" kern="1200">
-        <a:solidFill>
-          <a:schemeClr val="tx1"/>
-        </a:solidFill>
-        <a:latin typeface="+mn-lt"/>
-        <a:ea typeface="+mn-ea"/>
-        <a:cs typeface="+mn-cs"/>
-      </a:defRPr>
-    </a:lvl1pPr>
-    <a:lvl2pPr marL="457200" algn="l" defTabSz="914400" rtl="0" eaLnBrk="1" latinLnBrk="0" hangingPunct="1">
-      <a:defRPr sz="1200" kern="1200">
-        <a:solidFill>
-          <a:schemeClr val="tx1"/>
-        </a:solidFill>
-        <a:latin typeface="+mn-lt"/>
-        <a:ea typeface="+mn-ea"/>
-        <a:cs typeface="+mn-cs"/>
-      </a:defRPr>
-    </a:lvl2pPr>
-    <a:lvl3pPr marL="914400" algn="l" defTabSz="914400" rtl="0" eaLnBrk="1" latinLnBrk="0" hangingPunct="1">
-      <a:defRPr sz="1200" kern="1200">
-        <a:solidFill>
-          <a:schemeClr val="tx1"/>
-        </a:solidFill>
-        <a:latin typeface="+mn-lt"/>
-        <a:ea typeface="+mn-ea"/>
-        <a:cs typeface="+mn-cs"/>
-      </a:defRPr>
-    </a:lvl3pPr>
-    <a:lvl4pPr marL="1371600" algn="l" defTabSz="914400" rtl="0" eaLnBrk="1" latinLnBrk="0" hangingPunct="1">
-      <a:defRPr sz="1200" kern="1200">
-        <a:solidFill>
-          <a:schemeClr val="tx1"/>
-        </a:solidFill>
-        <a:latin typeface="+mn-lt"/>
-        <a:ea typeface="+mn-ea"/>
-        <a:cs typeface="+mn-cs"/>
-      </a:defRPr>
-    </a:lvl4pPr>
-    <a:lvl5pPr marL="1828800" algn="l" defTabSz="914400" rtl="0" eaLnBrk="1" latinLnBrk="0" hangingPunct="1">
-      <a:defRPr sz="1200" kern="1200">
-        <a:solidFill>
-          <a:schemeClr val="tx1"/>
-        </a:solidFill>
-        <a:latin typeface="+mn-lt"/>
-        <a:ea typeface="+mn-ea"/>
-        <a:cs typeface="+mn-cs"/>
-      </a:defRPr>
-    </a:lvl5pPr>
-    <a:lvl6pPr marL="2286000" algn="l" defTabSz="914400" rtl="0" eaLnBrk="1" latinLnBrk="0" hangingPunct="1">
-      <a:defRPr sz="1200" kern="1200">
-        <a:solidFill>
-          <a:schemeClr val="tx1"/>
-        </a:solidFill>
-        <a:latin typeface="+mn-lt"/>
-        <a:ea typeface="+mn-ea"/>
-        <a:cs typeface="+mn-cs"/>
-      </a:defRPr>
-    </a:lvl6pPr>
-    <a:lvl7pPr marL="2743200" algn="l" defTabSz="914400" rtl="0" eaLnBrk="1" latinLnBrk="0" hangingPunct="1">
-      <a:defRPr sz="1200" kern="1200">
-        <a:solidFill>
-          <a:schemeClr val="tx1"/>
-        </a:solidFill>
-        <a:latin typeface="+mn-lt"/>
-        <a:ea typeface="+mn-ea"/>
-        <a:cs typeface="+mn-cs"/>
-      </a:defRPr>
-    </a:lvl7pPr>
-    <a:lvl8pPr marL="3200400" algn="l" defTabSz="914400" rtl="0" eaLnBrk="1" latinLnBrk="0" hangingPunct="1">
-      <a:defRPr sz="1200" kern="1200">
-        <a:solidFill>
-          <a:schemeClr val="tx1"/>
-        </a:solidFill>
-        <a:latin typeface="+mn-lt"/>
-        <a:ea typeface="+mn-ea"/>
-        <a:cs typeface="+mn-cs"/>
-      </a:defRPr>
-    </a:lvl8pPr>
-    <a:lvl9pPr marL="3657600" algn="l" defTabSz="914400" rtl="0" eaLnBrk="1" latinLnBrk="0" hangingPunct="1">
-      <a:defRPr sz="1200" kern="1200">
-        <a:solidFill>
-          <a:schemeClr val="tx1"/>
-        </a:solidFill>
-        <a:latin typeface="+mn-lt"/>
-        <a:ea typeface="+mn-ea"/>
-        <a:cs typeface="+mn-cs"/>
-      </a:defRPr>
-    </a:lvl9pPr>
-  </p:notesStyle>
-</p:notesMaster>
-</file>
-
-<file path=ppt/notesSlides/notesSlide1.xml><?xml version="1.0" encoding="utf-8"?>
-<p:notes xmlns:a="http://schemas.openxmlformats.org/drawingml/2006/main" xmlns:r="http://schemas.openxmlformats.org/officeDocument/2006/relationships" xmlns:p="http://schemas.openxmlformats.org/presentationml/2006/main">
-  <p:cSld>
-    <p:spTree>
-      <p:nvGrpSpPr>
-        <p:cNvPr id="1" name=""/>
-        <p:cNvGrpSpPr/>
-        <p:nvPr/>
-      </p:nvGrpSpPr>
-      <p:grpSpPr>
-        <a:xfrm>
-          <a:off x="0" y="0"/>
-          <a:ext cx="0" cy="0"/>
-          <a:chOff x="0" y="0"/>
-          <a:chExt cx="0" cy="0"/>
-        </a:xfrm>
-      </p:grpSpPr>
-      <p:sp>
-        <p:nvSpPr>
-          <p:cNvPr id="2" name="Slide Image Placeholder 1"/>
-          <p:cNvSpPr>
-            <a:spLocks noGrp="1" noRot="1" noChangeAspect="1"/>
-          </p:cNvSpPr>
-          <p:nvPr>
-            <p:ph type="sldImg"/>
-          </p:nvPr>
-        </p:nvSpPr>
-        <p:spPr/>
-      </p:sp>
-      <p:sp>
-        <p:nvSpPr>
-          <p:cNvPr id="3" name="Notes Placeholder 2"/>
-          <p:cNvSpPr>
-            <a:spLocks noGrp="1"/>
-          </p:cNvSpPr>
-          <p:nvPr>
-            <p:ph type="body" idx="1"/>
-          </p:nvPr>
-        </p:nvSpPr>
-        <p:spPr/>
-        <p:txBody>
-          <a:bodyPr/>
-          <a:lstStyle/>
-          <a:p>
-            <a:r>
-              <a:rPr lang="en-US" dirty="0"/>
-              <a:t>Visual Studio Stuff:</a:t>
-            </a:r>
-          </a:p>
-          <a:p>
-            <a:pPr marL="0" indent="0">
-              <a:buFontTx/>
-              <a:buNone/>
-            </a:pPr>
-            <a:r>
-              <a:rPr lang="en-US" dirty="0"/>
-              <a:t>- C# Interactive Window (REPL*): View &gt; Other Windows &gt; C# Interactive</a:t>
-            </a:r>
-          </a:p>
-          <a:p>
-            <a:pPr marL="0" indent="0">
-              <a:buFontTx/>
-              <a:buNone/>
-            </a:pPr>
-            <a:r>
-              <a:rPr lang="en-US" dirty="0"/>
-              <a:t>- Command line: Tools &gt; Command Line &gt; Developer Command Prompt</a:t>
-            </a:r>
-          </a:p>
-          <a:p>
-            <a:pPr marL="0" indent="0">
-              <a:buFontTx/>
-              <a:buNone/>
-            </a:pPr>
-            <a:endParaRPr lang="en-US" dirty="0"/>
-          </a:p>
-          <a:p>
-            <a:pPr marL="0" indent="0">
-              <a:buFontTx/>
-              <a:buNone/>
-            </a:pPr>
-            <a:r>
-              <a:rPr lang="en-US" dirty="0"/>
-              <a:t>*</a:t>
-            </a:r>
-            <a:r>
-              <a:rPr lang="en-US" b="0" i="0" dirty="0">
-                <a:solidFill>
-                  <a:srgbClr val="333333"/>
-                </a:solidFill>
-                <a:effectLst/>
-                <a:latin typeface="Helvetica Neue"/>
-              </a:rPr>
-              <a:t>The term “REPL” is an acronym for Read, Evaluate, Print and Loop because that’s precisely what the computer does..!</a:t>
-            </a:r>
-            <a:endParaRPr lang="en-US" dirty="0"/>
-          </a:p>
-        </p:txBody>
-      </p:sp>
-      <p:sp>
-        <p:nvSpPr>
-          <p:cNvPr id="4" name="Slide Number Placeholder 3"/>
-          <p:cNvSpPr>
-            <a:spLocks noGrp="1"/>
-          </p:cNvSpPr>
-          <p:nvPr>
-            <p:ph type="sldNum" sz="quarter" idx="5"/>
-          </p:nvPr>
-        </p:nvSpPr>
-        <p:spPr/>
-        <p:txBody>
-          <a:bodyPr/>
-          <a:lstStyle/>
-          <a:p>
-            <a:fld id="{7999D50B-95D5-4E7F-99F4-B57E9A424C34}" type="slidenum">
-              <a:rPr lang="en-US" smtClean="0"/>
-              <a:t>6</a:t>
-            </a:fld>
-            <a:endParaRPr lang="en-US"/>
-          </a:p>
-        </p:txBody>
-      </p:sp>
-    </p:spTree>
-    <p:extLst>
-      <p:ext uri="{BB962C8B-B14F-4D97-AF65-F5344CB8AC3E}">
-        <p14:creationId xmlns:p14="http://schemas.microsoft.com/office/powerpoint/2010/main" val="622305251"/>
-      </p:ext>
-    </p:extLst>
-  </p:cSld>
-  <p:clrMapOvr>
-    <a:masterClrMapping/>
-  </p:clrMapOvr>
-</p:notes>
 </file>
 
 <file path=ppt/slideLayouts/slideLayout1.xml><?xml version="1.0" encoding="utf-8"?>
@@ -1602,7 +726,7 @@
           <a:p>
             <a:fld id="{EA0C0817-A112-4847-8014-A94B7D2A4EA3}" type="datetime1">
               <a:rPr lang="en-US" smtClean="0"/>
-              <a:t>4/20/2021</a:t>
+              <a:t>4/23/2021</a:t>
             </a:fld>
             <a:endParaRPr lang="en-US" dirty="0"/>
           </a:p>
@@ -1804,7 +928,7 @@
           <a:p>
             <a:fld id="{7332B432-ACDA-4023-A761-2BAB76577B62}" type="datetime1">
               <a:rPr lang="en-US" smtClean="0"/>
-              <a:t>4/20/2021</a:t>
+              <a:t>4/23/2021</a:t>
             </a:fld>
             <a:endParaRPr lang="en-US" dirty="0"/>
           </a:p>
@@ -2403,7 +1527,7 @@
           <a:p>
             <a:fld id="{D9C646AA-F36E-4540-911D-FFFC0A0EF24A}" type="datetime1">
               <a:rPr lang="en-US" smtClean="0"/>
-              <a:t>4/20/2021</a:t>
+              <a:t>4/23/2021</a:t>
             </a:fld>
             <a:endParaRPr lang="en-US" dirty="0"/>
           </a:p>
@@ -2723,7 +1847,7 @@
           <a:p>
             <a:fld id="{69186D26-FA5F-4637-B602-B7C2DC34CFD4}" type="datetime1">
               <a:rPr lang="en-US" smtClean="0"/>
-              <a:t>4/20/2021</a:t>
+              <a:t>4/23/2021</a:t>
             </a:fld>
             <a:endParaRPr lang="en-US" dirty="0"/>
           </a:p>
@@ -3160,7 +2284,7 @@
           <a:p>
             <a:fld id="{8A7F15D8-96D1-4781-BC50-CA8A088B2FE4}" type="datetime1">
               <a:rPr lang="en-US" smtClean="0"/>
-              <a:t>4/20/2021</a:t>
+              <a:t>4/23/2021</a:t>
             </a:fld>
             <a:endParaRPr lang="en-US" dirty="0"/>
           </a:p>
@@ -3278,7 +2402,7 @@
           <a:p>
             <a:fld id="{F9A96C99-B8F8-4528-BD05-0E16E943DC09}" type="datetime1">
               <a:rPr lang="en-US" smtClean="0"/>
-              <a:t>4/20/2021</a:t>
+              <a:t>4/23/2021</a:t>
             </a:fld>
             <a:endParaRPr lang="en-US" dirty="0"/>
           </a:p>
@@ -3373,7 +2497,7 @@
           <a:p>
             <a:fld id="{03636942-C211-4B28-8DBD-C953E00AF71B}" type="datetime1">
               <a:rPr lang="en-US" smtClean="0"/>
-              <a:t>4/20/2021</a:t>
+              <a:t>4/23/2021</a:t>
             </a:fld>
             <a:endParaRPr lang="en-US" dirty="0"/>
           </a:p>
@@ -3790,7 +2914,7 @@
           <a:p>
             <a:fld id="{7E8D12A6-918A-48BD-8CB9-CA713993B0EA}" type="datetime1">
               <a:rPr lang="en-US" smtClean="0"/>
-              <a:t>4/20/2021</a:t>
+              <a:t>4/23/2021</a:t>
             </a:fld>
             <a:endParaRPr lang="en-US" dirty="0"/>
           </a:p>
@@ -4052,7 +3176,7 @@
             <a:fld id="{E778CE86-875F-4587-BCF6-FA054AFC0D53}" type="datetime1">
               <a:rPr lang="en-US" smtClean="0"/>
               <a:pPr/>
-              <a:t>4/20/2021</a:t>
+              <a:t>4/23/2021</a:t>
             </a:fld>
             <a:endParaRPr lang="en-US" dirty="0"/>
           </a:p>
@@ -4568,7 +3692,7 @@
           <a:p>
             <a:fld id="{F6FA2B21-3FCD-4721-B95C-427943F61125}" type="datetime1">
               <a:rPr lang="en-US" smtClean="0"/>
-              <a:t>4/20/2021</a:t>
+              <a:t>4/23/2021</a:t>
             </a:fld>
             <a:endParaRPr lang="en-US" dirty="0"/>
           </a:p>
@@ -5352,6 +4476,301 @@
           <p:cNvPr id="2" name="Title 1">
             <a:extLst>
               <a:ext uri="{FF2B5EF4-FFF2-40B4-BE49-F238E27FC236}">
+                <a16:creationId xmlns:a16="http://schemas.microsoft.com/office/drawing/2014/main" id="{835451C7-C4E7-48E9-8BAE-F5F97200CCD4}"/>
+              </a:ext>
+            </a:extLst>
+          </p:cNvPr>
+          <p:cNvSpPr>
+            <a:spLocks noGrp="1"/>
+          </p:cNvSpPr>
+          <p:nvPr>
+            <p:ph type="title"/>
+          </p:nvPr>
+        </p:nvSpPr>
+        <p:spPr/>
+        <p:txBody>
+          <a:bodyPr/>
+          <a:lstStyle/>
+          <a:p>
+            <a:r>
+              <a:rPr lang="en-US" dirty="0"/>
+              <a:t>Delegate, Anonymous Method and Lambda Expression</a:t>
+            </a:r>
+          </a:p>
+        </p:txBody>
+      </p:sp>
+      <p:sp>
+        <p:nvSpPr>
+          <p:cNvPr id="3" name="Content Placeholder 2">
+            <a:extLst>
+              <a:ext uri="{FF2B5EF4-FFF2-40B4-BE49-F238E27FC236}">
+                <a16:creationId xmlns:a16="http://schemas.microsoft.com/office/drawing/2014/main" id="{744DE119-C9E2-4C9C-8D9F-E99A95CF9765}"/>
+              </a:ext>
+            </a:extLst>
+          </p:cNvPr>
+          <p:cNvSpPr>
+            <a:spLocks noGrp="1"/>
+          </p:cNvSpPr>
+          <p:nvPr>
+            <p:ph idx="1"/>
+          </p:nvPr>
+        </p:nvSpPr>
+        <p:spPr>
+          <a:xfrm>
+            <a:off x="1066800" y="2103120"/>
+            <a:ext cx="10058400" cy="4112286"/>
+          </a:xfrm>
+        </p:spPr>
+        <p:txBody>
+          <a:bodyPr>
+            <a:normAutofit fontScale="92500" lnSpcReduction="10000"/>
+          </a:bodyPr>
+          <a:lstStyle/>
+          <a:p>
+            <a:r>
+              <a:rPr lang="en-US" b="1" dirty="0" err="1"/>
+              <a:t>Parallel.For</a:t>
+            </a:r>
+            <a:r>
+              <a:rPr lang="en-US" b="1" dirty="0"/>
+              <a:t> third parameter: Action&lt;int&gt;</a:t>
+            </a:r>
+          </a:p>
+          <a:p>
+            <a:pPr lvl="1"/>
+            <a:r>
+              <a:rPr lang="en-US" b="1" dirty="0"/>
+              <a:t>Named Delegate: </a:t>
+            </a:r>
+            <a:br>
+              <a:rPr lang="en-US" dirty="0"/>
+            </a:br>
+            <a:r>
+              <a:rPr lang="en-US" dirty="0" err="1"/>
+              <a:t>Parallel.For</a:t>
+            </a:r>
+            <a:r>
+              <a:rPr lang="en-US" dirty="0"/>
+              <a:t>(0, n, </a:t>
+            </a:r>
+            <a:r>
+              <a:rPr lang="en-US" dirty="0" err="1"/>
+              <a:t>DoWork</a:t>
+            </a:r>
+            <a:r>
+              <a:rPr lang="en-US" dirty="0"/>
+              <a:t>);</a:t>
+            </a:r>
+            <a:br>
+              <a:rPr lang="en-US" dirty="0"/>
+            </a:br>
+            <a:br>
+              <a:rPr lang="en-US" dirty="0"/>
+            </a:br>
+            <a:r>
+              <a:rPr lang="en-US" dirty="0"/>
+              <a:t>public void </a:t>
+            </a:r>
+            <a:r>
+              <a:rPr lang="en-US" dirty="0" err="1"/>
+              <a:t>DoWork</a:t>
+            </a:r>
+            <a:r>
+              <a:rPr lang="en-US" dirty="0"/>
+              <a:t>(int </a:t>
+            </a:r>
+            <a:r>
+              <a:rPr lang="en-US" dirty="0" err="1"/>
+              <a:t>i</a:t>
+            </a:r>
+            <a:r>
+              <a:rPr lang="en-US" dirty="0"/>
+              <a:t>)</a:t>
+            </a:r>
+            <a:br>
+              <a:rPr lang="en-US" dirty="0"/>
+            </a:br>
+            <a:r>
+              <a:rPr lang="en-US" dirty="0"/>
+              <a:t>{</a:t>
+            </a:r>
+            <a:br>
+              <a:rPr lang="en-US" dirty="0"/>
+            </a:br>
+            <a:r>
+              <a:rPr lang="en-US" dirty="0"/>
+              <a:t>    // … do work</a:t>
+            </a:r>
+            <a:br>
+              <a:rPr lang="en-US" dirty="0"/>
+            </a:br>
+            <a:r>
+              <a:rPr lang="en-US" dirty="0"/>
+              <a:t>}</a:t>
+            </a:r>
+          </a:p>
+          <a:p>
+            <a:pPr lvl="1"/>
+            <a:r>
+              <a:rPr lang="en-US" b="1" dirty="0"/>
+              <a:t>Anonymous Method:</a:t>
+            </a:r>
+            <a:br>
+              <a:rPr lang="en-US" b="1" dirty="0"/>
+            </a:br>
+            <a:r>
+              <a:rPr lang="en-US" dirty="0" err="1"/>
+              <a:t>Parallel.For</a:t>
+            </a:r>
+            <a:r>
+              <a:rPr lang="en-US" dirty="0"/>
+              <a:t>(0, n, delegate(int </a:t>
+            </a:r>
+            <a:r>
+              <a:rPr lang="en-US" dirty="0" err="1"/>
+              <a:t>i</a:t>
+            </a:r>
+            <a:r>
+              <a:rPr lang="en-US" dirty="0"/>
+              <a:t>)</a:t>
+            </a:r>
+            <a:br>
+              <a:rPr lang="en-US" dirty="0"/>
+            </a:br>
+            <a:r>
+              <a:rPr lang="en-US" dirty="0"/>
+              <a:t>                            {</a:t>
+            </a:r>
+            <a:br>
+              <a:rPr lang="en-US" dirty="0"/>
+            </a:br>
+            <a:r>
+              <a:rPr lang="en-US" dirty="0"/>
+              <a:t>                                 // … do work</a:t>
+            </a:r>
+            <a:br>
+              <a:rPr lang="en-US" dirty="0"/>
+            </a:br>
+            <a:r>
+              <a:rPr lang="en-US" dirty="0"/>
+              <a:t>                            }</a:t>
+            </a:r>
+            <a:br>
+              <a:rPr lang="en-US" dirty="0"/>
+            </a:br>
+            <a:r>
+              <a:rPr lang="en-US" dirty="0"/>
+              <a:t>                   );</a:t>
+            </a:r>
+          </a:p>
+          <a:p>
+            <a:pPr lvl="1"/>
+            <a:r>
+              <a:rPr lang="en-US" b="1" dirty="0"/>
+              <a:t>Lambda Expression:</a:t>
+            </a:r>
+            <a:br>
+              <a:rPr lang="en-US" b="1" dirty="0"/>
+            </a:br>
+            <a:r>
+              <a:rPr lang="en-US" dirty="0" err="1"/>
+              <a:t>Parallel.For</a:t>
+            </a:r>
+            <a:r>
+              <a:rPr lang="en-US" dirty="0"/>
+              <a:t>(0, n, (</a:t>
+            </a:r>
+            <a:r>
+              <a:rPr lang="en-US" dirty="0" err="1"/>
+              <a:t>i</a:t>
+            </a:r>
+            <a:r>
+              <a:rPr lang="en-US" dirty="0"/>
+              <a:t>) =&gt; </a:t>
+            </a:r>
+            <a:br>
+              <a:rPr lang="en-US" dirty="0"/>
+            </a:br>
+            <a:r>
+              <a:rPr lang="en-US" dirty="0"/>
+              <a:t>                            {</a:t>
+            </a:r>
+            <a:br>
+              <a:rPr lang="en-US" dirty="0"/>
+            </a:br>
+            <a:r>
+              <a:rPr lang="en-US" dirty="0"/>
+              <a:t>                                 // … do work</a:t>
+            </a:r>
+            <a:br>
+              <a:rPr lang="en-US" dirty="0"/>
+            </a:br>
+            <a:r>
+              <a:rPr lang="en-US" dirty="0"/>
+              <a:t>                            }</a:t>
+            </a:r>
+            <a:br>
+              <a:rPr lang="en-US" dirty="0"/>
+            </a:br>
+            <a:r>
+              <a:rPr lang="en-US" dirty="0"/>
+              <a:t>                   );</a:t>
+            </a:r>
+          </a:p>
+          <a:p>
+            <a:r>
+              <a:rPr lang="en-US" dirty="0"/>
+              <a:t>See: </a:t>
+            </a:r>
+            <a:r>
+              <a:rPr lang="en-US" dirty="0">
+                <a:hlinkClick r:id="rId2"/>
+              </a:rPr>
+              <a:t>Lambda Expressions in PLINQ and TPL | Microsoft Docs</a:t>
+            </a:r>
+            <a:endParaRPr lang="en-US" dirty="0"/>
+          </a:p>
+          <a:p>
+            <a:pPr lvl="1"/>
+            <a:endParaRPr lang="en-US" dirty="0"/>
+          </a:p>
+        </p:txBody>
+      </p:sp>
+    </p:spTree>
+    <p:extLst>
+      <p:ext uri="{BB962C8B-B14F-4D97-AF65-F5344CB8AC3E}">
+        <p14:creationId xmlns:p14="http://schemas.microsoft.com/office/powerpoint/2010/main" val="787778358"/>
+      </p:ext>
+    </p:extLst>
+  </p:cSld>
+  <p:clrMapOvr>
+    <a:masterClrMapping/>
+  </p:clrMapOvr>
+</p:sld>
+</file>
+
+<file path=ppt/slides/slide11.xml><?xml version="1.0" encoding="utf-8"?>
+<p:sld xmlns:a="http://schemas.openxmlformats.org/drawingml/2006/main" xmlns:r="http://schemas.openxmlformats.org/officeDocument/2006/relationships" xmlns:p="http://schemas.openxmlformats.org/presentationml/2006/main">
+  <p:cSld>
+    <p:spTree>
+      <p:nvGrpSpPr>
+        <p:cNvPr id="1" name=""/>
+        <p:cNvGrpSpPr/>
+        <p:nvPr/>
+      </p:nvGrpSpPr>
+      <p:grpSpPr>
+        <a:xfrm>
+          <a:off x="0" y="0"/>
+          <a:ext cx="0" cy="0"/>
+          <a:chOff x="0" y="0"/>
+          <a:chExt cx="0" cy="0"/>
+        </a:xfrm>
+      </p:grpSpPr>
+      <p:sp>
+        <p:nvSpPr>
+          <p:cNvPr id="2" name="Title 1">
+            <a:extLst>
+              <a:ext uri="{FF2B5EF4-FFF2-40B4-BE49-F238E27FC236}">
                 <a16:creationId xmlns:a16="http://schemas.microsoft.com/office/drawing/2014/main" id="{7AA7E1B4-124E-4ED9-A8F0-601B3B7E9CFC}"/>
               </a:ext>
             </a:extLst>
@@ -5374,7 +4793,7 @@
             </a:r>
             <a:r>
               <a:rPr lang="en-US" dirty="0"/>
-              <a:t>(…) Simulate Work</a:t>
+              <a:t>(…) Simulated Work</a:t>
             </a:r>
           </a:p>
         </p:txBody>
@@ -5402,25 +4821,41 @@
           <a:p>
             <a:r>
               <a:rPr lang="en-US" b="1" dirty="0"/>
-              <a:t>This example simulates a workload by sleeping for 1 </a:t>
-            </a:r>
-            <a:r>
-              <a:rPr lang="en-US" b="1" dirty="0" err="1"/>
-              <a:t>ms.</a:t>
-            </a:r>
+              <a:t>This example demonstrates the value of parallelizing work loads.  </a:t>
+            </a:r>
+          </a:p>
+          <a:p>
             <a:endParaRPr lang="en-US" b="1" dirty="0"/>
           </a:p>
           <a:p>
+            <a:r>
+              <a:rPr lang="en-US" b="1" dirty="0"/>
+              <a:t>You get value from parallelism by having a workload where most of the processing will be spent in the task you are parallelizing, i.e., Amdahl’s Law </a:t>
+            </a:r>
+            <a:r>
+              <a:rPr lang="en-US" b="1" dirty="0">
+                <a:solidFill>
+                  <a:srgbClr val="FF0000"/>
+                </a:solidFill>
+                <a:sym typeface="Wingdings" panose="05000000000000000000" pitchFamily="2" charset="2"/>
+              </a:rPr>
+              <a:t></a:t>
+            </a:r>
+            <a:r>
+              <a:rPr lang="en-US" b="1" dirty="0">
+                <a:sym typeface="Wingdings" panose="05000000000000000000" pitchFamily="2" charset="2"/>
+              </a:rPr>
+              <a:t> !</a:t>
+            </a:r>
+          </a:p>
+          <a:p>
             <a:endParaRPr lang="en-US" b="1" dirty="0"/>
           </a:p>
           <a:p>
             <a:r>
               <a:rPr lang="en-US" b="1" dirty="0"/>
-              <a:t>It then shows multiple performance tuning options controlling the number of parallel tasks.</a:t>
-            </a:r>
-          </a:p>
-          <a:p>
-            <a:endParaRPr lang="en-US" b="1" dirty="0"/>
+              <a:t>Also demonstrated is various tuning parameters. But be careful and test when overriding .NET’s default tunning.</a:t>
+            </a:r>
           </a:p>
         </p:txBody>
       </p:sp>
@@ -5437,7 +4872,1220 @@
 </p:sld>
 </file>
 
-<file path=ppt/slides/slide11.xml><?xml version="1.0" encoding="utf-8"?>
+<file path=ppt/slides/slide12.xml><?xml version="1.0" encoding="utf-8"?>
+<p:sld xmlns:a="http://schemas.openxmlformats.org/drawingml/2006/main" xmlns:r="http://schemas.openxmlformats.org/officeDocument/2006/relationships" xmlns:p="http://schemas.openxmlformats.org/presentationml/2006/main">
+  <p:cSld>
+    <p:spTree>
+      <p:nvGrpSpPr>
+        <p:cNvPr id="1" name=""/>
+        <p:cNvGrpSpPr/>
+        <p:nvPr/>
+      </p:nvGrpSpPr>
+      <p:grpSpPr>
+        <a:xfrm>
+          <a:off x="0" y="0"/>
+          <a:ext cx="0" cy="0"/>
+          <a:chOff x="0" y="0"/>
+          <a:chExt cx="0" cy="0"/>
+        </a:xfrm>
+      </p:grpSpPr>
+      <p:sp>
+        <p:nvSpPr>
+          <p:cNvPr id="2" name="Title 1">
+            <a:extLst>
+              <a:ext uri="{FF2B5EF4-FFF2-40B4-BE49-F238E27FC236}">
+                <a16:creationId xmlns:a16="http://schemas.microsoft.com/office/drawing/2014/main" id="{C6A11083-0C73-4CB2-9203-BD2242664A6B}"/>
+              </a:ext>
+            </a:extLst>
+          </p:cNvPr>
+          <p:cNvSpPr>
+            <a:spLocks noGrp="1"/>
+          </p:cNvSpPr>
+          <p:nvPr>
+            <p:ph type="title"/>
+          </p:nvPr>
+        </p:nvSpPr>
+        <p:spPr/>
+        <p:txBody>
+          <a:bodyPr/>
+          <a:lstStyle/>
+          <a:p>
+            <a:r>
+              <a:rPr lang="en-US" dirty="0" err="1"/>
+              <a:t>Parallel.ForEach</a:t>
+            </a:r>
+            <a:r>
+              <a:rPr lang="en-US" dirty="0"/>
+              <a:t>(…) with </a:t>
+            </a:r>
+            <a:r>
+              <a:rPr lang="en-US" dirty="0" err="1"/>
+              <a:t>ThreadLocal</a:t>
+            </a:r>
+            <a:endParaRPr lang="en-US" dirty="0"/>
+          </a:p>
+        </p:txBody>
+      </p:sp>
+      <p:sp>
+        <p:nvSpPr>
+          <p:cNvPr id="3" name="Content Placeholder 2">
+            <a:extLst>
+              <a:ext uri="{FF2B5EF4-FFF2-40B4-BE49-F238E27FC236}">
+                <a16:creationId xmlns:a16="http://schemas.microsoft.com/office/drawing/2014/main" id="{2763850A-8E65-4294-96B6-193BFD56EC77}"/>
+              </a:ext>
+            </a:extLst>
+          </p:cNvPr>
+          <p:cNvSpPr>
+            <a:spLocks noGrp="1"/>
+          </p:cNvSpPr>
+          <p:nvPr>
+            <p:ph idx="1"/>
+          </p:nvPr>
+        </p:nvSpPr>
+        <p:spPr>
+          <a:xfrm>
+            <a:off x="1066799" y="2103120"/>
+            <a:ext cx="10693079" cy="3849624"/>
+          </a:xfrm>
+        </p:spPr>
+        <p:txBody>
+          <a:bodyPr/>
+          <a:lstStyle/>
+          <a:p>
+            <a:r>
+              <a:rPr lang="en-US" b="1" i="0" dirty="0">
+                <a:solidFill>
+                  <a:srgbClr val="171717"/>
+                </a:solidFill>
+                <a:effectLst/>
+                <a:latin typeface="Segoe UI" panose="020B0502040204020203" pitchFamily="34" charset="0"/>
+              </a:rPr>
+              <a:t>The </a:t>
+            </a:r>
+            <a:r>
+              <a:rPr lang="en-US" b="1" dirty="0" err="1">
+                <a:solidFill>
+                  <a:srgbClr val="171717"/>
+                </a:solidFill>
+                <a:latin typeface="Segoe UI" panose="020B0502040204020203" pitchFamily="34" charset="0"/>
+              </a:rPr>
+              <a:t>P</a:t>
+            </a:r>
+            <a:r>
+              <a:rPr lang="en-US" b="1" i="0" dirty="0" err="1">
+                <a:solidFill>
+                  <a:srgbClr val="171717"/>
+                </a:solidFill>
+                <a:effectLst/>
+                <a:latin typeface="Segoe UI" panose="020B0502040204020203" pitchFamily="34" charset="0"/>
+              </a:rPr>
+              <a:t>arallel.ForEach</a:t>
+            </a:r>
+            <a:r>
+              <a:rPr lang="en-US" b="1" i="0" dirty="0">
+                <a:solidFill>
+                  <a:srgbClr val="171717"/>
+                </a:solidFill>
+                <a:effectLst/>
+                <a:latin typeface="Segoe UI" panose="020B0502040204020203" pitchFamily="34" charset="0"/>
+              </a:rPr>
+              <a:t> method has 20 overloads.</a:t>
+            </a:r>
+          </a:p>
+          <a:p>
+            <a:endParaRPr lang="en-US" b="1" dirty="0">
+              <a:solidFill>
+                <a:srgbClr val="171717"/>
+              </a:solidFill>
+              <a:latin typeface="Segoe UI" panose="020B0502040204020203" pitchFamily="34" charset="0"/>
+            </a:endParaRPr>
+          </a:p>
+          <a:p>
+            <a:r>
+              <a:rPr lang="en-US" b="1" dirty="0">
+                <a:solidFill>
+                  <a:srgbClr val="171717"/>
+                </a:solidFill>
+                <a:latin typeface="Segoe UI" panose="020B0502040204020203" pitchFamily="34" charset="0"/>
+              </a:rPr>
+              <a:t>We’ll look at one that allows for </a:t>
+            </a:r>
+            <a:r>
+              <a:rPr lang="en-US" b="1" dirty="0" err="1">
+                <a:solidFill>
+                  <a:srgbClr val="171717"/>
+                </a:solidFill>
+                <a:latin typeface="Segoe UI" panose="020B0502040204020203" pitchFamily="34" charset="0"/>
+              </a:rPr>
+              <a:t>ThreadLocal</a:t>
+            </a:r>
+            <a:r>
+              <a:rPr lang="en-US" b="1" dirty="0">
+                <a:solidFill>
+                  <a:srgbClr val="171717"/>
+                </a:solidFill>
+                <a:latin typeface="Segoe UI" panose="020B0502040204020203" pitchFamily="34" charset="0"/>
+              </a:rPr>
+              <a:t> state:</a:t>
+            </a:r>
+          </a:p>
+          <a:p>
+            <a:endParaRPr lang="en-US" b="1" i="0" dirty="0">
+              <a:solidFill>
+                <a:srgbClr val="171717"/>
+              </a:solidFill>
+              <a:effectLst/>
+              <a:latin typeface="Segoe UI" panose="020B0502040204020203" pitchFamily="34" charset="0"/>
+            </a:endParaRPr>
+          </a:p>
+          <a:p>
+            <a:r>
+              <a:rPr lang="en-US" b="1" i="0" dirty="0" err="1">
+                <a:solidFill>
+                  <a:srgbClr val="171717"/>
+                </a:solidFill>
+                <a:effectLst/>
+                <a:latin typeface="Segoe UI" panose="020B0502040204020203" pitchFamily="34" charset="0"/>
+              </a:rPr>
+              <a:t>Parallel.ForEach</a:t>
+            </a:r>
+            <a:r>
+              <a:rPr lang="en-US" b="1" i="0" dirty="0">
+                <a:solidFill>
+                  <a:srgbClr val="171717"/>
+                </a:solidFill>
+                <a:effectLst/>
+                <a:latin typeface="Segoe UI" panose="020B0502040204020203" pitchFamily="34" charset="0"/>
+              </a:rPr>
+              <a:t>&lt;</a:t>
+            </a:r>
+            <a:r>
+              <a:rPr lang="en-US" b="1" i="0" dirty="0" err="1">
+                <a:solidFill>
+                  <a:srgbClr val="171717"/>
+                </a:solidFill>
+                <a:effectLst/>
+                <a:latin typeface="Segoe UI" panose="020B0502040204020203" pitchFamily="34" charset="0"/>
+              </a:rPr>
+              <a:t>TSource,TLocal</a:t>
+            </a:r>
+            <a:r>
+              <a:rPr lang="en-US" b="1" i="0" dirty="0">
+                <a:solidFill>
+                  <a:srgbClr val="171717"/>
+                </a:solidFill>
+                <a:effectLst/>
+                <a:latin typeface="Segoe UI" panose="020B0502040204020203" pitchFamily="34" charset="0"/>
+              </a:rPr>
+              <a:t>&gt;(</a:t>
+            </a:r>
+            <a:r>
+              <a:rPr lang="en-US" b="1" i="0" dirty="0" err="1">
+                <a:solidFill>
+                  <a:srgbClr val="171717"/>
+                </a:solidFill>
+                <a:effectLst/>
+                <a:latin typeface="Segoe UI" panose="020B0502040204020203" pitchFamily="34" charset="0"/>
+              </a:rPr>
+              <a:t>IEnumerable</a:t>
+            </a:r>
+            <a:r>
+              <a:rPr lang="en-US" b="1" i="0" dirty="0">
+                <a:solidFill>
+                  <a:srgbClr val="171717"/>
+                </a:solidFill>
+                <a:effectLst/>
+                <a:latin typeface="Segoe UI" panose="020B0502040204020203" pitchFamily="34" charset="0"/>
+              </a:rPr>
+              <a:t>&lt;</a:t>
+            </a:r>
+            <a:r>
+              <a:rPr lang="en-US" b="1" i="0" dirty="0" err="1">
+                <a:solidFill>
+                  <a:srgbClr val="171717"/>
+                </a:solidFill>
+                <a:effectLst/>
+                <a:latin typeface="Segoe UI" panose="020B0502040204020203" pitchFamily="34" charset="0"/>
+              </a:rPr>
+              <a:t>TSource</a:t>
+            </a:r>
+            <a:r>
+              <a:rPr lang="en-US" b="1" i="0" dirty="0">
+                <a:solidFill>
+                  <a:srgbClr val="171717"/>
+                </a:solidFill>
+                <a:effectLst/>
+                <a:latin typeface="Segoe UI" panose="020B0502040204020203" pitchFamily="34" charset="0"/>
+              </a:rPr>
+              <a:t>&gt;                                                  </a:t>
+            </a:r>
+            <a:r>
+              <a:rPr lang="en-US" b="1" i="0" dirty="0">
+                <a:solidFill>
+                  <a:srgbClr val="00B050"/>
+                </a:solidFill>
+                <a:effectLst/>
+                <a:latin typeface="Segoe UI" panose="020B0502040204020203" pitchFamily="34" charset="0"/>
+              </a:rPr>
+              <a:t>// Source</a:t>
+            </a:r>
+            <a:br>
+              <a:rPr lang="en-US" b="1" i="0" dirty="0">
+                <a:solidFill>
+                  <a:srgbClr val="171717"/>
+                </a:solidFill>
+                <a:effectLst/>
+                <a:latin typeface="Segoe UI" panose="020B0502040204020203" pitchFamily="34" charset="0"/>
+              </a:rPr>
+            </a:br>
+            <a:r>
+              <a:rPr lang="en-US" b="1" i="0" dirty="0">
+                <a:solidFill>
+                  <a:srgbClr val="171717"/>
+                </a:solidFill>
+                <a:effectLst/>
+                <a:latin typeface="Segoe UI" panose="020B0502040204020203" pitchFamily="34" charset="0"/>
+              </a:rPr>
+              <a:t>                                                         , </a:t>
+            </a:r>
+            <a:r>
+              <a:rPr lang="en-US" b="1" i="0" dirty="0" err="1">
+                <a:solidFill>
+                  <a:srgbClr val="171717"/>
+                </a:solidFill>
+                <a:effectLst/>
+                <a:latin typeface="Segoe UI" panose="020B0502040204020203" pitchFamily="34" charset="0"/>
+              </a:rPr>
+              <a:t>Func</a:t>
+            </a:r>
+            <a:r>
+              <a:rPr lang="en-US" b="1" i="0" dirty="0">
+                <a:solidFill>
+                  <a:srgbClr val="171717"/>
+                </a:solidFill>
+                <a:effectLst/>
+                <a:latin typeface="Segoe UI" panose="020B0502040204020203" pitchFamily="34" charset="0"/>
+              </a:rPr>
+              <a:t>&lt;</a:t>
+            </a:r>
+            <a:r>
+              <a:rPr lang="en-US" b="1" i="0" dirty="0" err="1">
+                <a:solidFill>
+                  <a:srgbClr val="171717"/>
+                </a:solidFill>
+                <a:effectLst/>
+                <a:latin typeface="Segoe UI" panose="020B0502040204020203" pitchFamily="34" charset="0"/>
+              </a:rPr>
+              <a:t>TLocal</a:t>
+            </a:r>
+            <a:r>
+              <a:rPr lang="en-US" b="1" i="0" dirty="0">
+                <a:solidFill>
+                  <a:srgbClr val="171717"/>
+                </a:solidFill>
+                <a:effectLst/>
+                <a:latin typeface="Segoe UI" panose="020B0502040204020203" pitchFamily="34" charset="0"/>
+              </a:rPr>
+              <a:t>&gt;                                                                  </a:t>
+            </a:r>
+            <a:r>
+              <a:rPr lang="en-US" b="1" i="0" dirty="0">
+                <a:solidFill>
+                  <a:srgbClr val="00B050"/>
+                </a:solidFill>
+                <a:effectLst/>
+                <a:latin typeface="Segoe UI" panose="020B0502040204020203" pitchFamily="34" charset="0"/>
+              </a:rPr>
+              <a:t>// Initialize the local state</a:t>
+            </a:r>
+            <a:br>
+              <a:rPr lang="en-US" b="1" i="0" dirty="0">
+                <a:solidFill>
+                  <a:srgbClr val="171717"/>
+                </a:solidFill>
+                <a:effectLst/>
+                <a:latin typeface="Segoe UI" panose="020B0502040204020203" pitchFamily="34" charset="0"/>
+              </a:rPr>
+            </a:br>
+            <a:r>
+              <a:rPr lang="en-US" b="1" i="0" dirty="0">
+                <a:solidFill>
+                  <a:srgbClr val="171717"/>
+                </a:solidFill>
+                <a:effectLst/>
+                <a:latin typeface="Segoe UI" panose="020B0502040204020203" pitchFamily="34" charset="0"/>
+              </a:rPr>
+              <a:t>                                                         , </a:t>
+            </a:r>
+            <a:r>
+              <a:rPr lang="en-US" b="1" i="0" dirty="0" err="1">
+                <a:solidFill>
+                  <a:srgbClr val="171717"/>
+                </a:solidFill>
+                <a:effectLst/>
+                <a:latin typeface="Segoe UI" panose="020B0502040204020203" pitchFamily="34" charset="0"/>
+              </a:rPr>
+              <a:t>Func</a:t>
+            </a:r>
+            <a:r>
+              <a:rPr lang="en-US" b="1" i="0" dirty="0">
+                <a:solidFill>
+                  <a:srgbClr val="171717"/>
+                </a:solidFill>
+                <a:effectLst/>
+                <a:latin typeface="Segoe UI" panose="020B0502040204020203" pitchFamily="34" charset="0"/>
+              </a:rPr>
+              <a:t>&lt;</a:t>
+            </a:r>
+            <a:r>
+              <a:rPr lang="en-US" b="1" i="0" dirty="0" err="1">
+                <a:solidFill>
+                  <a:srgbClr val="171717"/>
+                </a:solidFill>
+                <a:effectLst/>
+                <a:latin typeface="Segoe UI" panose="020B0502040204020203" pitchFamily="34" charset="0"/>
+              </a:rPr>
+              <a:t>TSource,ParallelLoopState,TLocal,TLocal</a:t>
+            </a:r>
+            <a:r>
+              <a:rPr lang="en-US" b="1" i="0" dirty="0">
+                <a:solidFill>
+                  <a:srgbClr val="171717"/>
+                </a:solidFill>
+                <a:effectLst/>
+                <a:latin typeface="Segoe UI" panose="020B0502040204020203" pitchFamily="34" charset="0"/>
+              </a:rPr>
+              <a:t>&gt;        </a:t>
+            </a:r>
+            <a:r>
+              <a:rPr lang="en-US" b="1" i="0" dirty="0">
+                <a:solidFill>
+                  <a:srgbClr val="00B050"/>
+                </a:solidFill>
+                <a:effectLst/>
+                <a:latin typeface="Segoe UI" panose="020B0502040204020203" pitchFamily="34" charset="0"/>
+              </a:rPr>
+              <a:t>// Body – once per iteration</a:t>
+            </a:r>
+            <a:br>
+              <a:rPr lang="en-US" b="1" i="0" dirty="0">
+                <a:solidFill>
+                  <a:srgbClr val="171717"/>
+                </a:solidFill>
+                <a:effectLst/>
+                <a:latin typeface="Segoe UI" panose="020B0502040204020203" pitchFamily="34" charset="0"/>
+              </a:rPr>
+            </a:br>
+            <a:r>
+              <a:rPr lang="en-US" b="1" i="0" dirty="0">
+                <a:solidFill>
+                  <a:srgbClr val="171717"/>
+                </a:solidFill>
+                <a:effectLst/>
+                <a:latin typeface="Segoe UI" panose="020B0502040204020203" pitchFamily="34" charset="0"/>
+              </a:rPr>
+              <a:t>                                                         , Action&lt;</a:t>
+            </a:r>
+            <a:r>
+              <a:rPr lang="en-US" b="1" i="0" dirty="0" err="1">
+                <a:solidFill>
+                  <a:srgbClr val="171717"/>
+                </a:solidFill>
+                <a:effectLst/>
+                <a:latin typeface="Segoe UI" panose="020B0502040204020203" pitchFamily="34" charset="0"/>
+              </a:rPr>
+              <a:t>TLocal</a:t>
+            </a:r>
+            <a:r>
+              <a:rPr lang="en-US" b="1" i="0" dirty="0">
+                <a:solidFill>
+                  <a:srgbClr val="171717"/>
+                </a:solidFill>
+                <a:effectLst/>
+                <a:latin typeface="Segoe UI" panose="020B0502040204020203" pitchFamily="34" charset="0"/>
+              </a:rPr>
+              <a:t>&gt;                                                              </a:t>
+            </a:r>
+            <a:r>
+              <a:rPr lang="en-US" b="1" i="0" dirty="0">
+                <a:solidFill>
+                  <a:srgbClr val="00B050"/>
+                </a:solidFill>
+                <a:effectLst/>
+                <a:latin typeface="Segoe UI" panose="020B0502040204020203" pitchFamily="34" charset="0"/>
+              </a:rPr>
+              <a:t>// Finalize the local state</a:t>
+            </a:r>
+            <a:br>
+              <a:rPr lang="en-US" b="1" i="0" dirty="0">
+                <a:solidFill>
+                  <a:srgbClr val="171717"/>
+                </a:solidFill>
+                <a:effectLst/>
+                <a:latin typeface="Segoe UI" panose="020B0502040204020203" pitchFamily="34" charset="0"/>
+              </a:rPr>
+            </a:br>
+            <a:r>
+              <a:rPr lang="en-US" b="1" i="0" dirty="0">
+                <a:solidFill>
+                  <a:srgbClr val="171717"/>
+                </a:solidFill>
+                <a:effectLst/>
+                <a:latin typeface="Segoe UI" panose="020B0502040204020203" pitchFamily="34" charset="0"/>
+              </a:rPr>
+              <a:t>                                                          );</a:t>
+            </a:r>
+          </a:p>
+          <a:p>
+            <a:endParaRPr lang="en-US" b="1" dirty="0">
+              <a:solidFill>
+                <a:srgbClr val="171717"/>
+              </a:solidFill>
+              <a:latin typeface="Segoe UI" panose="020B0502040204020203" pitchFamily="34" charset="0"/>
+            </a:endParaRPr>
+          </a:p>
+          <a:p>
+            <a:r>
+              <a:rPr lang="en-US" b="1" i="0" dirty="0">
+                <a:solidFill>
+                  <a:srgbClr val="171717"/>
+                </a:solidFill>
+                <a:effectLst/>
+                <a:latin typeface="Segoe UI" panose="020B0502040204020203" pitchFamily="34" charset="0"/>
+              </a:rPr>
+              <a:t>This example will sum the elements in an array.</a:t>
+            </a:r>
+          </a:p>
+          <a:p>
+            <a:endParaRPr lang="en-US" dirty="0"/>
+          </a:p>
+        </p:txBody>
+      </p:sp>
+    </p:spTree>
+    <p:extLst>
+      <p:ext uri="{BB962C8B-B14F-4D97-AF65-F5344CB8AC3E}">
+        <p14:creationId xmlns:p14="http://schemas.microsoft.com/office/powerpoint/2010/main" val="3960028411"/>
+      </p:ext>
+    </p:extLst>
+  </p:cSld>
+  <p:clrMapOvr>
+    <a:masterClrMapping/>
+  </p:clrMapOvr>
+</p:sld>
+</file>
+
+<file path=ppt/slides/slide13.xml><?xml version="1.0" encoding="utf-8"?>
+<p:sld xmlns:a="http://schemas.openxmlformats.org/drawingml/2006/main" xmlns:r="http://schemas.openxmlformats.org/officeDocument/2006/relationships" xmlns:p="http://schemas.openxmlformats.org/presentationml/2006/main">
+  <p:cSld>
+    <p:spTree>
+      <p:nvGrpSpPr>
+        <p:cNvPr id="1" name=""/>
+        <p:cNvGrpSpPr/>
+        <p:nvPr/>
+      </p:nvGrpSpPr>
+      <p:grpSpPr>
+        <a:xfrm>
+          <a:off x="0" y="0"/>
+          <a:ext cx="0" cy="0"/>
+          <a:chOff x="0" y="0"/>
+          <a:chExt cx="0" cy="0"/>
+        </a:xfrm>
+      </p:grpSpPr>
+      <p:sp>
+        <p:nvSpPr>
+          <p:cNvPr id="2" name="Title 1">
+            <a:extLst>
+              <a:ext uri="{FF2B5EF4-FFF2-40B4-BE49-F238E27FC236}">
+                <a16:creationId xmlns:a16="http://schemas.microsoft.com/office/drawing/2014/main" id="{8F54A00E-658C-4811-9C80-0A7AF54D6FB3}"/>
+              </a:ext>
+            </a:extLst>
+          </p:cNvPr>
+          <p:cNvSpPr>
+            <a:spLocks noGrp="1"/>
+          </p:cNvSpPr>
+          <p:nvPr>
+            <p:ph type="title"/>
+          </p:nvPr>
+        </p:nvSpPr>
+        <p:spPr/>
+        <p:txBody>
+          <a:bodyPr/>
+          <a:lstStyle/>
+          <a:p>
+            <a:r>
+              <a:rPr lang="en-US" dirty="0"/>
+              <a:t>Parallel Dot Product</a:t>
+            </a:r>
+          </a:p>
+        </p:txBody>
+      </p:sp>
+      <p:sp>
+        <p:nvSpPr>
+          <p:cNvPr id="3" name="Content Placeholder 2">
+            <a:extLst>
+              <a:ext uri="{FF2B5EF4-FFF2-40B4-BE49-F238E27FC236}">
+                <a16:creationId xmlns:a16="http://schemas.microsoft.com/office/drawing/2014/main" id="{F0823412-A03D-4996-8812-ECD93D584DFD}"/>
+              </a:ext>
+            </a:extLst>
+          </p:cNvPr>
+          <p:cNvSpPr>
+            <a:spLocks noGrp="1"/>
+          </p:cNvSpPr>
+          <p:nvPr>
+            <p:ph idx="1"/>
+          </p:nvPr>
+        </p:nvSpPr>
+        <p:spPr/>
+        <p:txBody>
+          <a:bodyPr>
+            <a:normAutofit fontScale="92500" lnSpcReduction="20000"/>
+          </a:bodyPr>
+          <a:lstStyle/>
+          <a:p>
+            <a:r>
+              <a:rPr lang="en-US" b="1" dirty="0"/>
+              <a:t>A real-world calculation found in engineering and mathematics</a:t>
+            </a:r>
+          </a:p>
+          <a:p>
+            <a:endParaRPr lang="en-US" b="1" dirty="0"/>
+          </a:p>
+          <a:p>
+            <a:r>
+              <a:rPr lang="en-US" b="1" dirty="0"/>
+              <a:t>Dot Product:</a:t>
+            </a:r>
+          </a:p>
+          <a:p>
+            <a:pPr lvl="1"/>
+            <a:r>
+              <a:rPr lang="en-US" b="1" dirty="0"/>
+              <a:t>Geometric: A • B = |A| * |B| * cos(</a:t>
+            </a:r>
+            <a:r>
+              <a:rPr lang="el-GR" b="1" dirty="0"/>
+              <a:t>θ</a:t>
+            </a:r>
+            <a:r>
+              <a:rPr lang="en-US" b="1" dirty="0"/>
+              <a:t>)</a:t>
+            </a:r>
+          </a:p>
+          <a:p>
+            <a:pPr lvl="1"/>
+            <a:r>
+              <a:rPr lang="en-US" b="1" dirty="0"/>
+              <a:t>Mathematical: Σ ( a</a:t>
+            </a:r>
+            <a:r>
+              <a:rPr lang="en-US" b="1" baseline="-25000" dirty="0"/>
+              <a:t>i</a:t>
+            </a:r>
+            <a:r>
+              <a:rPr lang="en-US" b="1" dirty="0"/>
+              <a:t> * b</a:t>
+            </a:r>
+            <a:r>
+              <a:rPr lang="en-US" b="1" baseline="-25000" dirty="0"/>
+              <a:t>i</a:t>
+            </a:r>
+            <a:r>
+              <a:rPr lang="en-US" b="1" dirty="0"/>
+              <a:t> )</a:t>
+            </a:r>
+          </a:p>
+          <a:p>
+            <a:pPr lvl="1"/>
+            <a:endParaRPr lang="en-US" b="1" dirty="0"/>
+          </a:p>
+          <a:p>
+            <a:pPr lvl="1"/>
+            <a:endParaRPr lang="en-US" b="1" dirty="0"/>
+          </a:p>
+          <a:p>
+            <a:r>
+              <a:rPr lang="en-US" b="1" dirty="0"/>
+              <a:t>Example shows three (3) alternatives:</a:t>
+            </a:r>
+          </a:p>
+          <a:p>
+            <a:pPr lvl="1"/>
+            <a:r>
+              <a:rPr lang="en-US" b="1" dirty="0"/>
+              <a:t>Sequential</a:t>
+            </a:r>
+          </a:p>
+          <a:p>
+            <a:pPr lvl="1"/>
+            <a:r>
+              <a:rPr lang="en-US" b="1" dirty="0" err="1"/>
+              <a:t>Parallel.For</a:t>
+            </a:r>
+            <a:endParaRPr lang="en-US" b="1" dirty="0"/>
+          </a:p>
+          <a:p>
+            <a:pPr lvl="1"/>
+            <a:r>
+              <a:rPr lang="en-US" b="1" dirty="0" err="1"/>
+              <a:t>Parallel.ForEach</a:t>
+            </a:r>
+            <a:r>
+              <a:rPr lang="en-US" b="1" dirty="0"/>
+              <a:t> w/ range Partitioner</a:t>
+            </a:r>
+          </a:p>
+          <a:p>
+            <a:pPr lvl="1"/>
+            <a:endParaRPr lang="en-US" b="1" dirty="0"/>
+          </a:p>
+          <a:p>
+            <a:r>
+              <a:rPr lang="en-US" b="1" dirty="0"/>
+              <a:t>Partitioner:</a:t>
+            </a:r>
+          </a:p>
+          <a:p>
+            <a:pPr lvl="1"/>
+            <a:r>
+              <a:rPr lang="en-US" b="1" dirty="0"/>
+              <a:t>Range partitioning</a:t>
+            </a:r>
+          </a:p>
+          <a:p>
+            <a:pPr lvl="1"/>
+            <a:r>
+              <a:rPr lang="en-US" b="1" dirty="0"/>
+              <a:t>Chunk partitioning – can dynamically adjust the chunk sizes</a:t>
+            </a:r>
+          </a:p>
+          <a:p>
+            <a:pPr lvl="1"/>
+            <a:r>
+              <a:rPr lang="en-US" b="1" dirty="0"/>
+              <a:t>See: </a:t>
+            </a:r>
+            <a:r>
+              <a:rPr lang="en-US" dirty="0">
+                <a:hlinkClick r:id="rId2"/>
+              </a:rPr>
+              <a:t>Custom Partitioners for PLINQ and TPL | Microsoft Docs</a:t>
+            </a:r>
+            <a:endParaRPr lang="en-US" b="1" dirty="0"/>
+          </a:p>
+          <a:p>
+            <a:endParaRPr lang="en-US" dirty="0"/>
+          </a:p>
+        </p:txBody>
+      </p:sp>
+      <p:pic>
+        <p:nvPicPr>
+          <p:cNvPr id="1026" name="Picture 2" descr="See the source image">
+            <a:extLst>
+              <a:ext uri="{FF2B5EF4-FFF2-40B4-BE49-F238E27FC236}">
+                <a16:creationId xmlns:a16="http://schemas.microsoft.com/office/drawing/2014/main" id="{D3043118-8501-4E33-BED8-58A1490DE737}"/>
+              </a:ext>
+            </a:extLst>
+          </p:cNvPr>
+          <p:cNvPicPr>
+            <a:picLocks noChangeAspect="1" noChangeArrowheads="1"/>
+          </p:cNvPicPr>
+          <p:nvPr/>
+        </p:nvPicPr>
+        <p:blipFill>
+          <a:blip r:embed="rId3">
+            <a:extLst>
+              <a:ext uri="{28A0092B-C50C-407E-A947-70E740481C1C}">
+                <a14:useLocalDpi xmlns:a14="http://schemas.microsoft.com/office/drawing/2010/main" val="0"/>
+              </a:ext>
+            </a:extLst>
+          </a:blip>
+          <a:srcRect/>
+          <a:stretch>
+            <a:fillRect/>
+          </a:stretch>
+        </p:blipFill>
+        <p:spPr bwMode="auto">
+          <a:xfrm>
+            <a:off x="4575797" y="2658703"/>
+            <a:ext cx="1246269" cy="944390"/>
+          </a:xfrm>
+          <a:prstGeom prst="rect">
+            <a:avLst/>
+          </a:prstGeom>
+          <a:noFill/>
+          <a:extLst>
+            <a:ext uri="{909E8E84-426E-40DD-AFC4-6F175D3DCCD1}">
+              <a14:hiddenFill xmlns:a14="http://schemas.microsoft.com/office/drawing/2010/main">
+                <a:solidFill>
+                  <a:srgbClr val="FFFFFF"/>
+                </a:solidFill>
+              </a14:hiddenFill>
+            </a:ext>
+          </a:extLst>
+        </p:spPr>
+      </p:pic>
+    </p:spTree>
+    <p:extLst>
+      <p:ext uri="{BB962C8B-B14F-4D97-AF65-F5344CB8AC3E}">
+        <p14:creationId xmlns:p14="http://schemas.microsoft.com/office/powerpoint/2010/main" val="3380235699"/>
+      </p:ext>
+    </p:extLst>
+  </p:cSld>
+  <p:clrMapOvr>
+    <a:masterClrMapping/>
+  </p:clrMapOvr>
+</p:sld>
+</file>
+
+<file path=ppt/slides/slide14.xml><?xml version="1.0" encoding="utf-8"?>
+<p:sld xmlns:a="http://schemas.openxmlformats.org/drawingml/2006/main" xmlns:r="http://schemas.openxmlformats.org/officeDocument/2006/relationships" xmlns:p="http://schemas.openxmlformats.org/presentationml/2006/main">
+  <p:cSld>
+    <p:spTree>
+      <p:nvGrpSpPr>
+        <p:cNvPr id="1" name=""/>
+        <p:cNvGrpSpPr/>
+        <p:nvPr/>
+      </p:nvGrpSpPr>
+      <p:grpSpPr>
+        <a:xfrm>
+          <a:off x="0" y="0"/>
+          <a:ext cx="0" cy="0"/>
+          <a:chOff x="0" y="0"/>
+          <a:chExt cx="0" cy="0"/>
+        </a:xfrm>
+      </p:grpSpPr>
+      <p:sp>
+        <p:nvSpPr>
+          <p:cNvPr id="2" name="Title 1">
+            <a:extLst>
+              <a:ext uri="{FF2B5EF4-FFF2-40B4-BE49-F238E27FC236}">
+                <a16:creationId xmlns:a16="http://schemas.microsoft.com/office/drawing/2014/main" id="{8F54A00E-658C-4811-9C80-0A7AF54D6FB3}"/>
+              </a:ext>
+            </a:extLst>
+          </p:cNvPr>
+          <p:cNvSpPr>
+            <a:spLocks noGrp="1"/>
+          </p:cNvSpPr>
+          <p:nvPr>
+            <p:ph type="title"/>
+          </p:nvPr>
+        </p:nvSpPr>
+        <p:spPr/>
+        <p:txBody>
+          <a:bodyPr/>
+          <a:lstStyle/>
+          <a:p>
+            <a:r>
+              <a:rPr lang="en-US" dirty="0"/>
+              <a:t>Parallel Matrix Multiplication</a:t>
+            </a:r>
+          </a:p>
+        </p:txBody>
+      </p:sp>
+      <p:sp>
+        <p:nvSpPr>
+          <p:cNvPr id="3" name="Content Placeholder 2">
+            <a:extLst>
+              <a:ext uri="{FF2B5EF4-FFF2-40B4-BE49-F238E27FC236}">
+                <a16:creationId xmlns:a16="http://schemas.microsoft.com/office/drawing/2014/main" id="{F0823412-A03D-4996-8812-ECD93D584DFD}"/>
+              </a:ext>
+            </a:extLst>
+          </p:cNvPr>
+          <p:cNvSpPr>
+            <a:spLocks noGrp="1"/>
+          </p:cNvSpPr>
+          <p:nvPr>
+            <p:ph idx="1"/>
+          </p:nvPr>
+        </p:nvSpPr>
+        <p:spPr/>
+        <p:txBody>
+          <a:bodyPr>
+            <a:normAutofit fontScale="85000" lnSpcReduction="20000"/>
+          </a:bodyPr>
+          <a:lstStyle/>
+          <a:p>
+            <a:r>
+              <a:rPr lang="en-US" b="1" dirty="0"/>
+              <a:t>A real-world calculation found in engineering and mathematics</a:t>
+            </a:r>
+          </a:p>
+          <a:p>
+            <a:endParaRPr lang="en-US" b="1" dirty="0"/>
+          </a:p>
+          <a:p>
+            <a:endParaRPr lang="en-US" b="1" dirty="0"/>
+          </a:p>
+          <a:p>
+            <a:endParaRPr lang="en-US" b="1" dirty="0"/>
+          </a:p>
+          <a:p>
+            <a:endParaRPr lang="en-US" b="1" dirty="0"/>
+          </a:p>
+          <a:p>
+            <a:endParaRPr lang="en-US" b="1" dirty="0"/>
+          </a:p>
+          <a:p>
+            <a:endParaRPr lang="en-US" b="1" dirty="0"/>
+          </a:p>
+          <a:p>
+            <a:endParaRPr lang="en-US" b="1" dirty="0"/>
+          </a:p>
+          <a:p>
+            <a:endParaRPr lang="en-US" b="1" dirty="0"/>
+          </a:p>
+          <a:p>
+            <a:endParaRPr lang="en-US" b="1" dirty="0"/>
+          </a:p>
+          <a:p>
+            <a:r>
+              <a:rPr lang="en-US" dirty="0"/>
+              <a:t>Image Reference: </a:t>
+            </a:r>
+            <a:br>
+              <a:rPr lang="en-US" dirty="0"/>
+            </a:br>
+            <a:r>
+              <a:rPr lang="en-US" dirty="0">
+                <a:hlinkClick r:id="rId2"/>
+              </a:rPr>
+              <a:t>More efficient matrix multiplication (</a:t>
+            </a:r>
+            <a:r>
+              <a:rPr lang="en-US" dirty="0" err="1">
+                <a:hlinkClick r:id="rId2"/>
+              </a:rPr>
+              <a:t>fastai</a:t>
+            </a:r>
+            <a:r>
+              <a:rPr lang="en-US" dirty="0">
+                <a:hlinkClick r:id="rId2"/>
+              </a:rPr>
+              <a:t> PartII-Lesson08) | by </a:t>
+            </a:r>
+            <a:r>
+              <a:rPr lang="en-US" dirty="0" err="1">
+                <a:hlinkClick r:id="rId2"/>
+              </a:rPr>
+              <a:t>bigablecat</a:t>
+            </a:r>
+            <a:r>
+              <a:rPr lang="en-US" dirty="0">
+                <a:hlinkClick r:id="rId2"/>
+              </a:rPr>
+              <a:t> | AI³ | Theory, Practice, Business | Medium</a:t>
+            </a:r>
+            <a:endParaRPr lang="en-US" dirty="0"/>
+          </a:p>
+          <a:p>
+            <a:r>
+              <a:rPr lang="en-US" dirty="0"/>
+              <a:t>See: </a:t>
+            </a:r>
+            <a:r>
+              <a:rPr lang="en-US" dirty="0">
+                <a:hlinkClick r:id="rId3"/>
+              </a:rPr>
+              <a:t>Matrix multiplication - Wikipedia</a:t>
+            </a:r>
+            <a:endParaRPr lang="en-US" dirty="0"/>
+          </a:p>
+        </p:txBody>
+      </p:sp>
+      <p:pic>
+        <p:nvPicPr>
+          <p:cNvPr id="4" name="Picture 2">
+            <a:extLst>
+              <a:ext uri="{FF2B5EF4-FFF2-40B4-BE49-F238E27FC236}">
+                <a16:creationId xmlns:a16="http://schemas.microsoft.com/office/drawing/2014/main" id="{298DF299-3648-4DA4-9C8F-5C06A67ED2C9}"/>
+              </a:ext>
+            </a:extLst>
+          </p:cNvPr>
+          <p:cNvPicPr>
+            <a:picLocks noChangeAspect="1" noChangeArrowheads="1"/>
+          </p:cNvPicPr>
+          <p:nvPr/>
+        </p:nvPicPr>
+        <p:blipFill>
+          <a:blip r:embed="rId4">
+            <a:extLst>
+              <a:ext uri="{28A0092B-C50C-407E-A947-70E740481C1C}">
+                <a14:useLocalDpi xmlns:a14="http://schemas.microsoft.com/office/drawing/2010/main" val="0"/>
+              </a:ext>
+            </a:extLst>
+          </a:blip>
+          <a:srcRect/>
+          <a:stretch>
+            <a:fillRect/>
+          </a:stretch>
+        </p:blipFill>
+        <p:spPr bwMode="auto">
+          <a:xfrm>
+            <a:off x="1334530" y="2501393"/>
+            <a:ext cx="7558261" cy="2553866"/>
+          </a:xfrm>
+          <a:prstGeom prst="rect">
+            <a:avLst/>
+          </a:prstGeom>
+          <a:noFill/>
+          <a:extLst>
+            <a:ext uri="{909E8E84-426E-40DD-AFC4-6F175D3DCCD1}">
+              <a14:hiddenFill xmlns:a14="http://schemas.microsoft.com/office/drawing/2010/main">
+                <a:solidFill>
+                  <a:srgbClr val="FFFFFF"/>
+                </a:solidFill>
+              </a14:hiddenFill>
+            </a:ext>
+          </a:extLst>
+        </p:spPr>
+      </p:pic>
+    </p:spTree>
+    <p:extLst>
+      <p:ext uri="{BB962C8B-B14F-4D97-AF65-F5344CB8AC3E}">
+        <p14:creationId xmlns:p14="http://schemas.microsoft.com/office/powerpoint/2010/main" val="2619302613"/>
+      </p:ext>
+    </p:extLst>
+  </p:cSld>
+  <p:clrMapOvr>
+    <a:masterClrMapping/>
+  </p:clrMapOvr>
+</p:sld>
+</file>
+
+<file path=ppt/slides/slide15.xml><?xml version="1.0" encoding="utf-8"?>
+<p:sld xmlns:a="http://schemas.openxmlformats.org/drawingml/2006/main" xmlns:r="http://schemas.openxmlformats.org/officeDocument/2006/relationships" xmlns:p="http://schemas.openxmlformats.org/presentationml/2006/main">
+  <p:cSld>
+    <p:spTree>
+      <p:nvGrpSpPr>
+        <p:cNvPr id="1" name=""/>
+        <p:cNvGrpSpPr/>
+        <p:nvPr/>
+      </p:nvGrpSpPr>
+      <p:grpSpPr>
+        <a:xfrm>
+          <a:off x="0" y="0"/>
+          <a:ext cx="0" cy="0"/>
+          <a:chOff x="0" y="0"/>
+          <a:chExt cx="0" cy="0"/>
+        </a:xfrm>
+      </p:grpSpPr>
+      <p:sp>
+        <p:nvSpPr>
+          <p:cNvPr id="2" name="Title 1">
+            <a:extLst>
+              <a:ext uri="{FF2B5EF4-FFF2-40B4-BE49-F238E27FC236}">
+                <a16:creationId xmlns:a16="http://schemas.microsoft.com/office/drawing/2014/main" id="{E4CAC82F-39A7-4B63-8C6D-3D2F326D4C15}"/>
+              </a:ext>
+            </a:extLst>
+          </p:cNvPr>
+          <p:cNvSpPr>
+            <a:spLocks noGrp="1"/>
+          </p:cNvSpPr>
+          <p:nvPr>
+            <p:ph type="title"/>
+          </p:nvPr>
+        </p:nvSpPr>
+        <p:spPr/>
+        <p:txBody>
+          <a:bodyPr/>
+          <a:lstStyle/>
+          <a:p>
+            <a:r>
+              <a:rPr lang="en-US" dirty="0"/>
+              <a:t>Parallel Pi Calculation</a:t>
+            </a:r>
+          </a:p>
+        </p:txBody>
+      </p:sp>
+      <p:sp>
+        <p:nvSpPr>
+          <p:cNvPr id="3" name="Content Placeholder 2">
+            <a:extLst>
+              <a:ext uri="{FF2B5EF4-FFF2-40B4-BE49-F238E27FC236}">
+                <a16:creationId xmlns:a16="http://schemas.microsoft.com/office/drawing/2014/main" id="{1C6ACF19-E1CD-4FF8-B8D2-7CF157CE3EA5}"/>
+              </a:ext>
+            </a:extLst>
+          </p:cNvPr>
+          <p:cNvSpPr>
+            <a:spLocks noGrp="1"/>
+          </p:cNvSpPr>
+          <p:nvPr>
+            <p:ph idx="1"/>
+          </p:nvPr>
+        </p:nvSpPr>
+        <p:spPr/>
+        <p:txBody>
+          <a:bodyPr/>
+          <a:lstStyle/>
+          <a:p>
+            <a:r>
+              <a:rPr lang="en-US" b="1" dirty="0"/>
+              <a:t>Definition of Pi (See: </a:t>
+            </a:r>
+            <a:r>
+              <a:rPr lang="en-US" dirty="0">
+                <a:hlinkClick r:id="rId2"/>
+              </a:rPr>
+              <a:t>Pi – Wikipedia</a:t>
+            </a:r>
+            <a:r>
+              <a:rPr lang="en-US" b="1" dirty="0"/>
+              <a:t>): </a:t>
+            </a:r>
+            <a:r>
+              <a:rPr lang="el-GR" b="1" dirty="0"/>
+              <a:t>Π</a:t>
+            </a:r>
+            <a:r>
+              <a:rPr lang="en-US" b="1" dirty="0"/>
+              <a:t> = Circumference / Diameter</a:t>
+            </a:r>
+          </a:p>
+          <a:p>
+            <a:r>
+              <a:rPr lang="en-US" b="1" dirty="0"/>
+              <a:t>The value can be calculated using infinite series:</a:t>
+            </a:r>
+            <a:br>
+              <a:rPr lang="en-US" b="1" dirty="0"/>
+            </a:br>
+            <a:r>
+              <a:rPr lang="en-US" b="1" dirty="0"/>
+              <a:t>(See: </a:t>
+            </a:r>
+            <a:r>
+              <a:rPr lang="en-US" dirty="0">
+                <a:hlinkClick r:id="rId3"/>
+              </a:rPr>
+              <a:t>5 Ways to Calculate Pi - </a:t>
+            </a:r>
+            <a:r>
+              <a:rPr lang="en-US" dirty="0" err="1">
+                <a:hlinkClick r:id="rId3"/>
+              </a:rPr>
+              <a:t>wikiHow</a:t>
+            </a:r>
+            <a:r>
+              <a:rPr lang="en-US" b="1" dirty="0"/>
+              <a:t>)</a:t>
+            </a:r>
+          </a:p>
+          <a:p>
+            <a:pPr lvl="1"/>
+            <a:r>
+              <a:rPr lang="en-US" b="1" dirty="0"/>
+              <a:t>Gregory-Leibniz series:</a:t>
+            </a:r>
+            <a:br>
+              <a:rPr lang="en-US" b="1" dirty="0"/>
+            </a:br>
+            <a:r>
+              <a:rPr lang="el-GR" b="1" dirty="0"/>
+              <a:t>Π</a:t>
+            </a:r>
+            <a:r>
+              <a:rPr lang="en-US" b="1" dirty="0"/>
+              <a:t> = (4/1) – (4/3) + (4/5) – (4/7) + (4/9) – (4/11) + (4/13) – (4/15) … </a:t>
+            </a:r>
+          </a:p>
+          <a:p>
+            <a:pPr lvl="1"/>
+            <a:r>
+              <a:rPr lang="en-US" b="1" dirty="0" err="1"/>
+              <a:t>Nilakantha</a:t>
+            </a:r>
+            <a:r>
+              <a:rPr lang="en-US" b="1" dirty="0"/>
+              <a:t> series:</a:t>
+            </a:r>
+            <a:br>
+              <a:rPr lang="en-US" b="1" dirty="0"/>
+            </a:br>
+            <a:r>
+              <a:rPr lang="el-GR" b="1" dirty="0"/>
+              <a:t>Π</a:t>
+            </a:r>
+            <a:r>
+              <a:rPr lang="en-US" b="1" dirty="0"/>
+              <a:t> = 3 + 4/(2*3*4) – 4/(4*5*6) + 4/(6*7*8) – 4/(8*9*10) + 4/(10*11*12) – 4/(12*13*14) …</a:t>
+            </a:r>
+          </a:p>
+          <a:p>
+            <a:r>
+              <a:rPr lang="en-US" b="1" dirty="0"/>
+              <a:t>More complex series:</a:t>
+            </a:r>
+            <a:br>
+              <a:rPr lang="en-US" b="1" dirty="0"/>
+            </a:br>
+            <a:r>
+              <a:rPr lang="en-US" b="1" dirty="0"/>
+              <a:t>(See: </a:t>
+            </a:r>
+            <a:r>
+              <a:rPr lang="en-US" dirty="0">
+                <a:hlinkClick r:id="rId4"/>
+              </a:rPr>
+              <a:t>Pi (Ramanujan's formula) Calculator - High accuracy calculation (casio.com)</a:t>
+            </a:r>
+            <a:r>
+              <a:rPr lang="en-US" b="1" dirty="0"/>
+              <a:t>)</a:t>
+            </a:r>
+          </a:p>
+          <a:p>
+            <a:pPr lvl="1"/>
+            <a:r>
+              <a:rPr lang="en-US" b="1" dirty="0"/>
+              <a:t> </a:t>
+            </a:r>
+          </a:p>
+        </p:txBody>
+      </p:sp>
+      <p:pic>
+        <p:nvPicPr>
+          <p:cNvPr id="5" name="Picture 4">
+            <a:extLst>
+              <a:ext uri="{FF2B5EF4-FFF2-40B4-BE49-F238E27FC236}">
+                <a16:creationId xmlns:a16="http://schemas.microsoft.com/office/drawing/2014/main" id="{4DF9F099-1636-4D2B-9B95-E0F477FDB6FD}"/>
+              </a:ext>
+            </a:extLst>
+          </p:cNvPr>
+          <p:cNvPicPr>
+            <a:picLocks noChangeAspect="1"/>
+          </p:cNvPicPr>
+          <p:nvPr/>
+        </p:nvPicPr>
+        <p:blipFill>
+          <a:blip r:embed="rId5"/>
+          <a:stretch>
+            <a:fillRect/>
+          </a:stretch>
+        </p:blipFill>
+        <p:spPr>
+          <a:xfrm>
+            <a:off x="1597066" y="4623218"/>
+            <a:ext cx="2727255" cy="1736131"/>
+          </a:xfrm>
+          <a:prstGeom prst="rect">
+            <a:avLst/>
+          </a:prstGeom>
+        </p:spPr>
+      </p:pic>
+    </p:spTree>
+    <p:extLst>
+      <p:ext uri="{BB962C8B-B14F-4D97-AF65-F5344CB8AC3E}">
+        <p14:creationId xmlns:p14="http://schemas.microsoft.com/office/powerpoint/2010/main" val="2830509313"/>
+      </p:ext>
+    </p:extLst>
+  </p:cSld>
+  <p:clrMapOvr>
+    <a:masterClrMapping/>
+  </p:clrMapOvr>
+</p:sld>
+</file>
+
+<file path=ppt/slides/slide16.xml><?xml version="1.0" encoding="utf-8"?>
 <p:sld xmlns:a="http://schemas.openxmlformats.org/drawingml/2006/main" xmlns:r="http://schemas.openxmlformats.org/officeDocument/2006/relationships" xmlns:p="http://schemas.openxmlformats.org/presentationml/2006/main">
   <p:cSld>
     <p:spTree>
@@ -5533,6 +6181,763 @@
 </p:sld>
 </file>
 
+<file path=ppt/slides/slide17.xml><?xml version="1.0" encoding="utf-8"?>
+<p:sld xmlns:a="http://schemas.openxmlformats.org/drawingml/2006/main" xmlns:r="http://schemas.openxmlformats.org/officeDocument/2006/relationships" xmlns:p="http://schemas.openxmlformats.org/presentationml/2006/main">
+  <p:cSld>
+    <p:spTree>
+      <p:nvGrpSpPr>
+        <p:cNvPr id="1" name=""/>
+        <p:cNvGrpSpPr/>
+        <p:nvPr/>
+      </p:nvGrpSpPr>
+      <p:grpSpPr>
+        <a:xfrm>
+          <a:off x="0" y="0"/>
+          <a:ext cx="0" cy="0"/>
+          <a:chOff x="0" y="0"/>
+          <a:chExt cx="0" cy="0"/>
+        </a:xfrm>
+      </p:grpSpPr>
+      <p:sp>
+        <p:nvSpPr>
+          <p:cNvPr id="2" name="Title 1">
+            <a:extLst>
+              <a:ext uri="{FF2B5EF4-FFF2-40B4-BE49-F238E27FC236}">
+                <a16:creationId xmlns:a16="http://schemas.microsoft.com/office/drawing/2014/main" id="{8A0CA0C9-5135-4121-9A4F-A8B6F98E2E14}"/>
+              </a:ext>
+            </a:extLst>
+          </p:cNvPr>
+          <p:cNvSpPr>
+            <a:spLocks noGrp="1"/>
+          </p:cNvSpPr>
+          <p:nvPr>
+            <p:ph type="title"/>
+          </p:nvPr>
+        </p:nvSpPr>
+        <p:spPr/>
+        <p:txBody>
+          <a:bodyPr/>
+          <a:lstStyle/>
+          <a:p>
+            <a:r>
+              <a:rPr lang="en-US" dirty="0"/>
+              <a:t>Books</a:t>
+            </a:r>
+          </a:p>
+        </p:txBody>
+      </p:sp>
+      <p:sp>
+        <p:nvSpPr>
+          <p:cNvPr id="4" name="Content Placeholder 2">
+            <a:extLst>
+              <a:ext uri="{FF2B5EF4-FFF2-40B4-BE49-F238E27FC236}">
+                <a16:creationId xmlns:a16="http://schemas.microsoft.com/office/drawing/2014/main" id="{72A6EEA7-3DFE-418E-AF6C-19A291525633}"/>
+              </a:ext>
+            </a:extLst>
+          </p:cNvPr>
+          <p:cNvSpPr txBox="1">
+            <a:spLocks/>
+          </p:cNvSpPr>
+          <p:nvPr/>
+        </p:nvSpPr>
+        <p:spPr>
+          <a:xfrm>
+            <a:off x="1066800" y="2103120"/>
+            <a:ext cx="5605305" cy="3849624"/>
+          </a:xfrm>
+          <a:prstGeom prst="rect">
+            <a:avLst/>
+          </a:prstGeom>
+        </p:spPr>
+        <p:txBody>
+          <a:bodyPr vert="horz" lIns="91440" tIns="45720" rIns="91440" bIns="45720" rtlCol="0">
+            <a:normAutofit lnSpcReduction="10000"/>
+          </a:bodyPr>
+          <a:lstStyle>
+            <a:lvl1pPr marL="182880" indent="-182880" algn="l" defTabSz="914400" rtl="0" eaLnBrk="1" latinLnBrk="0" hangingPunct="1">
+              <a:lnSpc>
+                <a:spcPct val="110000"/>
+              </a:lnSpc>
+              <a:spcBef>
+                <a:spcPts val="900"/>
+              </a:spcBef>
+              <a:spcAft>
+                <a:spcPts val="0"/>
+              </a:spcAft>
+              <a:buClr>
+                <a:schemeClr val="tx1">
+                  <a:lumMod val="85000"/>
+                  <a:lumOff val="15000"/>
+                </a:schemeClr>
+              </a:buClr>
+              <a:buFont typeface="Garamond" pitchFamily="18" charset="0"/>
+              <a:buChar char="◦"/>
+              <a:defRPr sz="1500" kern="1200">
+                <a:solidFill>
+                  <a:schemeClr val="tx1"/>
+                </a:solidFill>
+                <a:latin typeface="+mn-lt"/>
+                <a:ea typeface="+mn-ea"/>
+                <a:cs typeface="+mn-cs"/>
+              </a:defRPr>
+            </a:lvl1pPr>
+            <a:lvl2pPr marL="457200" indent="-182880" algn="l" defTabSz="914400" rtl="0" eaLnBrk="1" latinLnBrk="0" hangingPunct="1">
+              <a:lnSpc>
+                <a:spcPct val="100000"/>
+              </a:lnSpc>
+              <a:spcBef>
+                <a:spcPts val="500"/>
+              </a:spcBef>
+              <a:buClr>
+                <a:schemeClr val="tx1">
+                  <a:lumMod val="85000"/>
+                  <a:lumOff val="15000"/>
+                </a:schemeClr>
+              </a:buClr>
+              <a:buFont typeface="Garamond" pitchFamily="18" charset="0"/>
+              <a:buChar char="◦"/>
+              <a:defRPr sz="1300" kern="1200">
+                <a:solidFill>
+                  <a:schemeClr val="tx1"/>
+                </a:solidFill>
+                <a:latin typeface="+mn-lt"/>
+                <a:ea typeface="+mn-ea"/>
+                <a:cs typeface="+mn-cs"/>
+              </a:defRPr>
+            </a:lvl2pPr>
+            <a:lvl3pPr marL="731520" indent="-182880" algn="l" defTabSz="914400" rtl="0" eaLnBrk="1" latinLnBrk="0" hangingPunct="1">
+              <a:lnSpc>
+                <a:spcPct val="100000"/>
+              </a:lnSpc>
+              <a:spcBef>
+                <a:spcPts val="500"/>
+              </a:spcBef>
+              <a:buClr>
+                <a:schemeClr val="tx1">
+                  <a:lumMod val="85000"/>
+                  <a:lumOff val="15000"/>
+                </a:schemeClr>
+              </a:buClr>
+              <a:buFont typeface="Garamond" pitchFamily="18" charset="0"/>
+              <a:buChar char="◦"/>
+              <a:defRPr sz="1200" kern="1200">
+                <a:solidFill>
+                  <a:schemeClr val="tx1"/>
+                </a:solidFill>
+                <a:latin typeface="+mn-lt"/>
+                <a:ea typeface="+mn-ea"/>
+                <a:cs typeface="+mn-cs"/>
+              </a:defRPr>
+            </a:lvl3pPr>
+            <a:lvl4pPr marL="1005840" indent="-182880" algn="l" defTabSz="914400" rtl="0" eaLnBrk="1" latinLnBrk="0" hangingPunct="1">
+              <a:lnSpc>
+                <a:spcPct val="100000"/>
+              </a:lnSpc>
+              <a:spcBef>
+                <a:spcPts val="500"/>
+              </a:spcBef>
+              <a:buClr>
+                <a:schemeClr val="tx1">
+                  <a:lumMod val="85000"/>
+                  <a:lumOff val="15000"/>
+                </a:schemeClr>
+              </a:buClr>
+              <a:buFont typeface="Garamond" pitchFamily="18" charset="0"/>
+              <a:buChar char="◦"/>
+              <a:defRPr sz="1200" kern="1200">
+                <a:solidFill>
+                  <a:schemeClr val="tx1"/>
+                </a:solidFill>
+                <a:latin typeface="+mn-lt"/>
+                <a:ea typeface="+mn-ea"/>
+                <a:cs typeface="+mn-cs"/>
+              </a:defRPr>
+            </a:lvl4pPr>
+            <a:lvl5pPr marL="1280160" indent="-182880" algn="l" defTabSz="914400" rtl="0" eaLnBrk="1" latinLnBrk="0" hangingPunct="1">
+              <a:lnSpc>
+                <a:spcPct val="100000"/>
+              </a:lnSpc>
+              <a:spcBef>
+                <a:spcPts val="500"/>
+              </a:spcBef>
+              <a:buClr>
+                <a:schemeClr val="tx1">
+                  <a:lumMod val="85000"/>
+                  <a:lumOff val="15000"/>
+                </a:schemeClr>
+              </a:buClr>
+              <a:buFont typeface="Garamond" pitchFamily="18" charset="0"/>
+              <a:buChar char="◦"/>
+              <a:defRPr sz="1200" kern="1200">
+                <a:solidFill>
+                  <a:schemeClr val="tx1"/>
+                </a:solidFill>
+                <a:latin typeface="+mn-lt"/>
+                <a:ea typeface="+mn-ea"/>
+                <a:cs typeface="+mn-cs"/>
+              </a:defRPr>
+            </a:lvl5pPr>
+            <a:lvl6pPr marL="1600000" indent="-228600" algn="l" defTabSz="914400" rtl="0" eaLnBrk="1" latinLnBrk="0" hangingPunct="1">
+              <a:lnSpc>
+                <a:spcPct val="100000"/>
+              </a:lnSpc>
+              <a:spcBef>
+                <a:spcPts val="500"/>
+              </a:spcBef>
+              <a:buClr>
+                <a:schemeClr val="tx1">
+                  <a:lumMod val="85000"/>
+                  <a:lumOff val="15000"/>
+                </a:schemeClr>
+              </a:buClr>
+              <a:buFont typeface="Garamond" pitchFamily="18" charset="0"/>
+              <a:buChar char="◦"/>
+              <a:defRPr sz="1400" kern="1200">
+                <a:solidFill>
+                  <a:schemeClr val="tx1"/>
+                </a:solidFill>
+                <a:latin typeface="+mn-lt"/>
+                <a:ea typeface="+mn-ea"/>
+                <a:cs typeface="+mn-cs"/>
+              </a:defRPr>
+            </a:lvl6pPr>
+            <a:lvl7pPr marL="1900000" indent="-228600" algn="l" defTabSz="914400" rtl="0" eaLnBrk="1" latinLnBrk="0" hangingPunct="1">
+              <a:lnSpc>
+                <a:spcPct val="100000"/>
+              </a:lnSpc>
+              <a:spcBef>
+                <a:spcPts val="500"/>
+              </a:spcBef>
+              <a:buClr>
+                <a:schemeClr val="tx1">
+                  <a:lumMod val="85000"/>
+                  <a:lumOff val="15000"/>
+                </a:schemeClr>
+              </a:buClr>
+              <a:buFont typeface="Garamond" pitchFamily="18" charset="0"/>
+              <a:buChar char="◦"/>
+              <a:defRPr sz="1400" kern="1200">
+                <a:solidFill>
+                  <a:schemeClr val="tx1"/>
+                </a:solidFill>
+                <a:latin typeface="+mn-lt"/>
+                <a:ea typeface="+mn-ea"/>
+                <a:cs typeface="+mn-cs"/>
+              </a:defRPr>
+            </a:lvl7pPr>
+            <a:lvl8pPr marL="2200000" indent="-228600" algn="l" defTabSz="914400" rtl="0" eaLnBrk="1" latinLnBrk="0" hangingPunct="1">
+              <a:lnSpc>
+                <a:spcPct val="100000"/>
+              </a:lnSpc>
+              <a:spcBef>
+                <a:spcPts val="500"/>
+              </a:spcBef>
+              <a:buClr>
+                <a:schemeClr val="tx1">
+                  <a:lumMod val="85000"/>
+                  <a:lumOff val="15000"/>
+                </a:schemeClr>
+              </a:buClr>
+              <a:buFont typeface="Garamond" pitchFamily="18" charset="0"/>
+              <a:buChar char="◦"/>
+              <a:defRPr sz="1400" kern="1200">
+                <a:solidFill>
+                  <a:schemeClr val="tx1"/>
+                </a:solidFill>
+                <a:latin typeface="+mn-lt"/>
+                <a:ea typeface="+mn-ea"/>
+                <a:cs typeface="+mn-cs"/>
+              </a:defRPr>
+            </a:lvl8pPr>
+            <a:lvl9pPr marL="2500000" indent="-228600" algn="l" defTabSz="914400" rtl="0" eaLnBrk="1" latinLnBrk="0" hangingPunct="1">
+              <a:lnSpc>
+                <a:spcPct val="100000"/>
+              </a:lnSpc>
+              <a:spcBef>
+                <a:spcPts val="500"/>
+              </a:spcBef>
+              <a:buClr>
+                <a:schemeClr val="tx1">
+                  <a:lumMod val="85000"/>
+                  <a:lumOff val="15000"/>
+                </a:schemeClr>
+              </a:buClr>
+              <a:buFont typeface="Garamond" pitchFamily="18" charset="0"/>
+              <a:buChar char="◦"/>
+              <a:defRPr sz="1400" kern="1200">
+                <a:solidFill>
+                  <a:schemeClr val="tx1"/>
+                </a:solidFill>
+                <a:latin typeface="+mn-lt"/>
+                <a:ea typeface="+mn-ea"/>
+                <a:cs typeface="+mn-cs"/>
+              </a:defRPr>
+            </a:lvl9pPr>
+          </a:lstStyle>
+          <a:p>
+            <a:r>
+              <a:rPr lang="en-US" b="1" dirty="0"/>
+              <a:t>Concurrency in C# Cookbook</a:t>
+            </a:r>
+            <a:br>
+              <a:rPr lang="en-US" b="1" dirty="0"/>
+            </a:br>
+            <a:r>
+              <a:rPr lang="en-US" b="1" dirty="0"/>
+              <a:t>Asynchronous, Parallel, and Multithreaded Programming</a:t>
+            </a:r>
+            <a:br>
+              <a:rPr lang="en-US" dirty="0"/>
+            </a:br>
+            <a:r>
+              <a:rPr lang="en-US" dirty="0"/>
+              <a:t>Second Edition, 2019</a:t>
+            </a:r>
+            <a:br>
+              <a:rPr lang="en-US" dirty="0"/>
+            </a:br>
+            <a:r>
+              <a:rPr lang="en-US" dirty="0"/>
+              <a:t>Stephen Cleary</a:t>
+            </a:r>
+            <a:br>
+              <a:rPr lang="en-US" dirty="0"/>
+            </a:br>
+            <a:r>
+              <a:rPr lang="en-US" dirty="0"/>
+              <a:t>ISBN-13: 978-1-492-05450-4</a:t>
+            </a:r>
+            <a:br>
+              <a:rPr lang="en-US" dirty="0"/>
+            </a:br>
+            <a:r>
+              <a:rPr lang="en-US" dirty="0"/>
+              <a:t>O'Reilly Media, Sebastopol, CA 95472, USA</a:t>
+            </a:r>
+            <a:br>
+              <a:rPr lang="en-US" dirty="0"/>
+            </a:br>
+            <a:r>
+              <a:rPr lang="en-US" dirty="0"/>
+              <a:t>Copyright Stephen Cleary</a:t>
+            </a:r>
+          </a:p>
+          <a:p>
+            <a:r>
+              <a:rPr lang="en-US" b="1" dirty="0"/>
+              <a:t>Pro C# 7 With .NET and .NET Core</a:t>
+            </a:r>
+            <a:br>
+              <a:rPr lang="en-US" dirty="0"/>
+            </a:br>
+            <a:r>
+              <a:rPr lang="en-US" dirty="0"/>
+              <a:t>Eighth Edition, 2017</a:t>
+            </a:r>
+            <a:br>
+              <a:rPr lang="en-US" dirty="0"/>
+            </a:br>
+            <a:r>
+              <a:rPr lang="en-US" dirty="0"/>
+              <a:t>Andrew </a:t>
+            </a:r>
+            <a:r>
+              <a:rPr lang="en-US" dirty="0" err="1"/>
+              <a:t>Troelsen</a:t>
+            </a:r>
+            <a:r>
+              <a:rPr lang="en-US" dirty="0"/>
+              <a:t> and Philip </a:t>
+            </a:r>
+            <a:r>
+              <a:rPr lang="en-US" dirty="0" err="1"/>
+              <a:t>Japikse</a:t>
+            </a:r>
+            <a:br>
+              <a:rPr lang="en-US" dirty="0"/>
+            </a:br>
+            <a:r>
+              <a:rPr lang="en-US" dirty="0"/>
+              <a:t>ISBN-13: 978-1-4842-3017-6 (Paperback)</a:t>
+            </a:r>
+            <a:br>
+              <a:rPr lang="en-US" dirty="0"/>
+            </a:br>
+            <a:r>
+              <a:rPr lang="en-US" dirty="0"/>
+              <a:t>               978-1-4842-3018-3 (Electronic)</a:t>
+            </a:r>
+            <a:br>
+              <a:rPr lang="en-US" dirty="0"/>
+            </a:br>
+            <a:r>
+              <a:rPr lang="en-US" dirty="0" err="1"/>
+              <a:t>Apress</a:t>
+            </a:r>
+            <a:r>
+              <a:rPr lang="en-US" dirty="0"/>
+              <a:t> Media, LLC, California, USA</a:t>
+            </a:r>
+            <a:br>
+              <a:rPr lang="en-US" dirty="0"/>
+            </a:br>
+            <a:r>
+              <a:rPr lang="en-US" dirty="0"/>
+              <a:t>Springer </a:t>
+            </a:r>
+            <a:r>
+              <a:rPr lang="en-US" dirty="0" err="1"/>
+              <a:t>Science+Business</a:t>
+            </a:r>
+            <a:r>
+              <a:rPr lang="en-US" dirty="0"/>
+              <a:t> Media New York, USA</a:t>
+            </a:r>
+            <a:br>
+              <a:rPr lang="en-US" dirty="0"/>
+            </a:br>
+            <a:r>
+              <a:rPr lang="en-US" dirty="0"/>
+              <a:t>Copyright 2017 by Andrew </a:t>
+            </a:r>
+            <a:r>
+              <a:rPr lang="en-US" dirty="0" err="1"/>
+              <a:t>Troelsen</a:t>
+            </a:r>
+            <a:r>
+              <a:rPr lang="en-US" dirty="0"/>
+              <a:t> and Philip </a:t>
+            </a:r>
+            <a:r>
+              <a:rPr lang="en-US" dirty="0" err="1"/>
+              <a:t>Japikse</a:t>
+            </a:r>
+            <a:endParaRPr lang="en-US" dirty="0"/>
+          </a:p>
+          <a:p>
+            <a:endParaRPr lang="en-US" dirty="0"/>
+          </a:p>
+          <a:p>
+            <a:endParaRPr lang="en-US" dirty="0"/>
+          </a:p>
+        </p:txBody>
+      </p:sp>
+      <p:sp>
+        <p:nvSpPr>
+          <p:cNvPr id="8" name="Content Placeholder 2">
+            <a:extLst>
+              <a:ext uri="{FF2B5EF4-FFF2-40B4-BE49-F238E27FC236}">
+                <a16:creationId xmlns:a16="http://schemas.microsoft.com/office/drawing/2014/main" id="{3E674AE1-E49C-42B7-9DD8-CD3C33C019A9}"/>
+              </a:ext>
+            </a:extLst>
+          </p:cNvPr>
+          <p:cNvSpPr txBox="1">
+            <a:spLocks/>
+          </p:cNvSpPr>
+          <p:nvPr/>
+        </p:nvSpPr>
+        <p:spPr>
+          <a:xfrm>
+            <a:off x="6963508" y="2103120"/>
+            <a:ext cx="4431323" cy="3849624"/>
+          </a:xfrm>
+          <a:prstGeom prst="rect">
+            <a:avLst/>
+          </a:prstGeom>
+        </p:spPr>
+        <p:txBody>
+          <a:bodyPr vert="horz" lIns="91440" tIns="45720" rIns="91440" bIns="45720" rtlCol="0">
+            <a:normAutofit/>
+          </a:bodyPr>
+          <a:lstStyle>
+            <a:lvl1pPr marL="182880" indent="-182880" algn="l" defTabSz="914400" rtl="0" eaLnBrk="1" latinLnBrk="0" hangingPunct="1">
+              <a:lnSpc>
+                <a:spcPct val="110000"/>
+              </a:lnSpc>
+              <a:spcBef>
+                <a:spcPts val="900"/>
+              </a:spcBef>
+              <a:spcAft>
+                <a:spcPts val="0"/>
+              </a:spcAft>
+              <a:buClr>
+                <a:schemeClr val="tx1">
+                  <a:lumMod val="85000"/>
+                  <a:lumOff val="15000"/>
+                </a:schemeClr>
+              </a:buClr>
+              <a:buFont typeface="Garamond" pitchFamily="18" charset="0"/>
+              <a:buChar char="◦"/>
+              <a:defRPr sz="1500" kern="1200">
+                <a:solidFill>
+                  <a:schemeClr val="tx1"/>
+                </a:solidFill>
+                <a:latin typeface="+mn-lt"/>
+                <a:ea typeface="+mn-ea"/>
+                <a:cs typeface="+mn-cs"/>
+              </a:defRPr>
+            </a:lvl1pPr>
+            <a:lvl2pPr marL="457200" indent="-182880" algn="l" defTabSz="914400" rtl="0" eaLnBrk="1" latinLnBrk="0" hangingPunct="1">
+              <a:lnSpc>
+                <a:spcPct val="100000"/>
+              </a:lnSpc>
+              <a:spcBef>
+                <a:spcPts val="500"/>
+              </a:spcBef>
+              <a:buClr>
+                <a:schemeClr val="tx1">
+                  <a:lumMod val="85000"/>
+                  <a:lumOff val="15000"/>
+                </a:schemeClr>
+              </a:buClr>
+              <a:buFont typeface="Garamond" pitchFamily="18" charset="0"/>
+              <a:buChar char="◦"/>
+              <a:defRPr sz="1300" kern="1200">
+                <a:solidFill>
+                  <a:schemeClr val="tx1"/>
+                </a:solidFill>
+                <a:latin typeface="+mn-lt"/>
+                <a:ea typeface="+mn-ea"/>
+                <a:cs typeface="+mn-cs"/>
+              </a:defRPr>
+            </a:lvl2pPr>
+            <a:lvl3pPr marL="731520" indent="-182880" algn="l" defTabSz="914400" rtl="0" eaLnBrk="1" latinLnBrk="0" hangingPunct="1">
+              <a:lnSpc>
+                <a:spcPct val="100000"/>
+              </a:lnSpc>
+              <a:spcBef>
+                <a:spcPts val="500"/>
+              </a:spcBef>
+              <a:buClr>
+                <a:schemeClr val="tx1">
+                  <a:lumMod val="85000"/>
+                  <a:lumOff val="15000"/>
+                </a:schemeClr>
+              </a:buClr>
+              <a:buFont typeface="Garamond" pitchFamily="18" charset="0"/>
+              <a:buChar char="◦"/>
+              <a:defRPr sz="1200" kern="1200">
+                <a:solidFill>
+                  <a:schemeClr val="tx1"/>
+                </a:solidFill>
+                <a:latin typeface="+mn-lt"/>
+                <a:ea typeface="+mn-ea"/>
+                <a:cs typeface="+mn-cs"/>
+              </a:defRPr>
+            </a:lvl3pPr>
+            <a:lvl4pPr marL="1005840" indent="-182880" algn="l" defTabSz="914400" rtl="0" eaLnBrk="1" latinLnBrk="0" hangingPunct="1">
+              <a:lnSpc>
+                <a:spcPct val="100000"/>
+              </a:lnSpc>
+              <a:spcBef>
+                <a:spcPts val="500"/>
+              </a:spcBef>
+              <a:buClr>
+                <a:schemeClr val="tx1">
+                  <a:lumMod val="85000"/>
+                  <a:lumOff val="15000"/>
+                </a:schemeClr>
+              </a:buClr>
+              <a:buFont typeface="Garamond" pitchFamily="18" charset="0"/>
+              <a:buChar char="◦"/>
+              <a:defRPr sz="1200" kern="1200">
+                <a:solidFill>
+                  <a:schemeClr val="tx1"/>
+                </a:solidFill>
+                <a:latin typeface="+mn-lt"/>
+                <a:ea typeface="+mn-ea"/>
+                <a:cs typeface="+mn-cs"/>
+              </a:defRPr>
+            </a:lvl4pPr>
+            <a:lvl5pPr marL="1280160" indent="-182880" algn="l" defTabSz="914400" rtl="0" eaLnBrk="1" latinLnBrk="0" hangingPunct="1">
+              <a:lnSpc>
+                <a:spcPct val="100000"/>
+              </a:lnSpc>
+              <a:spcBef>
+                <a:spcPts val="500"/>
+              </a:spcBef>
+              <a:buClr>
+                <a:schemeClr val="tx1">
+                  <a:lumMod val="85000"/>
+                  <a:lumOff val="15000"/>
+                </a:schemeClr>
+              </a:buClr>
+              <a:buFont typeface="Garamond" pitchFamily="18" charset="0"/>
+              <a:buChar char="◦"/>
+              <a:defRPr sz="1200" kern="1200">
+                <a:solidFill>
+                  <a:schemeClr val="tx1"/>
+                </a:solidFill>
+                <a:latin typeface="+mn-lt"/>
+                <a:ea typeface="+mn-ea"/>
+                <a:cs typeface="+mn-cs"/>
+              </a:defRPr>
+            </a:lvl5pPr>
+            <a:lvl6pPr marL="1600000" indent="-228600" algn="l" defTabSz="914400" rtl="0" eaLnBrk="1" latinLnBrk="0" hangingPunct="1">
+              <a:lnSpc>
+                <a:spcPct val="100000"/>
+              </a:lnSpc>
+              <a:spcBef>
+                <a:spcPts val="500"/>
+              </a:spcBef>
+              <a:buClr>
+                <a:schemeClr val="tx1">
+                  <a:lumMod val="85000"/>
+                  <a:lumOff val="15000"/>
+                </a:schemeClr>
+              </a:buClr>
+              <a:buFont typeface="Garamond" pitchFamily="18" charset="0"/>
+              <a:buChar char="◦"/>
+              <a:defRPr sz="1400" kern="1200">
+                <a:solidFill>
+                  <a:schemeClr val="tx1"/>
+                </a:solidFill>
+                <a:latin typeface="+mn-lt"/>
+                <a:ea typeface="+mn-ea"/>
+                <a:cs typeface="+mn-cs"/>
+              </a:defRPr>
+            </a:lvl6pPr>
+            <a:lvl7pPr marL="1900000" indent="-228600" algn="l" defTabSz="914400" rtl="0" eaLnBrk="1" latinLnBrk="0" hangingPunct="1">
+              <a:lnSpc>
+                <a:spcPct val="100000"/>
+              </a:lnSpc>
+              <a:spcBef>
+                <a:spcPts val="500"/>
+              </a:spcBef>
+              <a:buClr>
+                <a:schemeClr val="tx1">
+                  <a:lumMod val="85000"/>
+                  <a:lumOff val="15000"/>
+                </a:schemeClr>
+              </a:buClr>
+              <a:buFont typeface="Garamond" pitchFamily="18" charset="0"/>
+              <a:buChar char="◦"/>
+              <a:defRPr sz="1400" kern="1200">
+                <a:solidFill>
+                  <a:schemeClr val="tx1"/>
+                </a:solidFill>
+                <a:latin typeface="+mn-lt"/>
+                <a:ea typeface="+mn-ea"/>
+                <a:cs typeface="+mn-cs"/>
+              </a:defRPr>
+            </a:lvl7pPr>
+            <a:lvl8pPr marL="2200000" indent="-228600" algn="l" defTabSz="914400" rtl="0" eaLnBrk="1" latinLnBrk="0" hangingPunct="1">
+              <a:lnSpc>
+                <a:spcPct val="100000"/>
+              </a:lnSpc>
+              <a:spcBef>
+                <a:spcPts val="500"/>
+              </a:spcBef>
+              <a:buClr>
+                <a:schemeClr val="tx1">
+                  <a:lumMod val="85000"/>
+                  <a:lumOff val="15000"/>
+                </a:schemeClr>
+              </a:buClr>
+              <a:buFont typeface="Garamond" pitchFamily="18" charset="0"/>
+              <a:buChar char="◦"/>
+              <a:defRPr sz="1400" kern="1200">
+                <a:solidFill>
+                  <a:schemeClr val="tx1"/>
+                </a:solidFill>
+                <a:latin typeface="+mn-lt"/>
+                <a:ea typeface="+mn-ea"/>
+                <a:cs typeface="+mn-cs"/>
+              </a:defRPr>
+            </a:lvl8pPr>
+            <a:lvl9pPr marL="2500000" indent="-228600" algn="l" defTabSz="914400" rtl="0" eaLnBrk="1" latinLnBrk="0" hangingPunct="1">
+              <a:lnSpc>
+                <a:spcPct val="100000"/>
+              </a:lnSpc>
+              <a:spcBef>
+                <a:spcPts val="500"/>
+              </a:spcBef>
+              <a:buClr>
+                <a:schemeClr val="tx1">
+                  <a:lumMod val="85000"/>
+                  <a:lumOff val="15000"/>
+                </a:schemeClr>
+              </a:buClr>
+              <a:buFont typeface="Garamond" pitchFamily="18" charset="0"/>
+              <a:buChar char="◦"/>
+              <a:defRPr sz="1400" kern="1200">
+                <a:solidFill>
+                  <a:schemeClr val="tx1"/>
+                </a:solidFill>
+                <a:latin typeface="+mn-lt"/>
+                <a:ea typeface="+mn-ea"/>
+                <a:cs typeface="+mn-cs"/>
+              </a:defRPr>
+            </a:lvl9pPr>
+          </a:lstStyle>
+          <a:p>
+            <a:r>
+              <a:rPr lang="en-US" b="1" dirty="0"/>
+              <a:t>C# 9 and .NET 5</a:t>
+            </a:r>
+            <a:br>
+              <a:rPr lang="en-US" b="1" dirty="0"/>
+            </a:br>
+            <a:r>
+              <a:rPr lang="en-US" dirty="0"/>
+              <a:t>Fifth Edition, 2020</a:t>
+            </a:r>
+            <a:br>
+              <a:rPr lang="en-US" dirty="0"/>
+            </a:br>
+            <a:r>
+              <a:rPr lang="en-US" dirty="0"/>
+              <a:t>Mark J. Price</a:t>
+            </a:r>
+            <a:br>
+              <a:rPr lang="en-US" dirty="0"/>
+            </a:br>
+            <a:r>
+              <a:rPr lang="en-US" dirty="0"/>
+              <a:t>ISBN-13: 978-1-80056-810-5</a:t>
+            </a:r>
+            <a:br>
+              <a:rPr lang="en-US" dirty="0"/>
+            </a:br>
+            <a:r>
+              <a:rPr lang="en-US" dirty="0" err="1"/>
+              <a:t>Packt</a:t>
+            </a:r>
+            <a:r>
+              <a:rPr lang="en-US" dirty="0"/>
+              <a:t> Publishing Ltd., Birmingham B3 2PB, UK</a:t>
+            </a:r>
+            <a:br>
+              <a:rPr lang="en-US" dirty="0"/>
+            </a:br>
+            <a:r>
+              <a:rPr lang="en-US" dirty="0"/>
+              <a:t>Copyright 2020 </a:t>
+            </a:r>
+            <a:r>
+              <a:rPr lang="en-US" dirty="0" err="1"/>
+              <a:t>Packt</a:t>
+            </a:r>
+            <a:r>
+              <a:rPr lang="en-US" dirty="0"/>
+              <a:t> Publishing</a:t>
+            </a:r>
+          </a:p>
+        </p:txBody>
+      </p:sp>
+    </p:spTree>
+    <p:extLst>
+      <p:ext uri="{BB962C8B-B14F-4D97-AF65-F5344CB8AC3E}">
+        <p14:creationId xmlns:p14="http://schemas.microsoft.com/office/powerpoint/2010/main" val="1934120175"/>
+      </p:ext>
+    </p:extLst>
+  </p:cSld>
+  <p:clrMapOvr>
+    <a:masterClrMapping/>
+  </p:clrMapOvr>
+</p:sld>
+</file>
+
 <file path=ppt/slides/slide2.xml><?xml version="1.0" encoding="utf-8"?>
 <p:sld xmlns:a="http://schemas.openxmlformats.org/drawingml/2006/main" xmlns:r="http://schemas.openxmlformats.org/officeDocument/2006/relationships" xmlns:p="http://schemas.openxmlformats.org/presentationml/2006/main">
   <p:cSld>
@@ -5713,7 +7118,7 @@
           <p:cNvPr id="2" name="Title 1">
             <a:extLst>
               <a:ext uri="{FF2B5EF4-FFF2-40B4-BE49-F238E27FC236}">
-                <a16:creationId xmlns:a16="http://schemas.microsoft.com/office/drawing/2014/main" id="{3EFC642B-5DA3-45EF-908B-CC1F95652283}"/>
+                <a16:creationId xmlns:a16="http://schemas.microsoft.com/office/drawing/2014/main" id="{3586AC00-70B6-435A-80D8-4128CD18660F}"/>
               </a:ext>
             </a:extLst>
           </p:cNvPr>
@@ -5731,249 +7136,96 @@
           <a:p>
             <a:r>
               <a:rPr lang="en-US" dirty="0"/>
-              <a:t>Threads, Tasks and Thread Pools</a:t>
+              <a:t>Parallel Programming in .NET</a:t>
             </a:r>
           </a:p>
         </p:txBody>
       </p:sp>
-      <p:sp>
-        <p:nvSpPr>
-          <p:cNvPr id="3" name="Content Placeholder 2">
+      <p:pic>
+        <p:nvPicPr>
+          <p:cNvPr id="1026" name="Picture 2" descr=".NET Parallel Programming Architecture">
             <a:extLst>
               <a:ext uri="{FF2B5EF4-FFF2-40B4-BE49-F238E27FC236}">
-                <a16:creationId xmlns:a16="http://schemas.microsoft.com/office/drawing/2014/main" id="{230180E4-A9C7-4733-B4AB-D1546D5F16AE}"/>
+                <a16:creationId xmlns:a16="http://schemas.microsoft.com/office/drawing/2014/main" id="{18D10FDE-B2FE-42A4-BF68-FC805D327059}"/>
               </a:ext>
             </a:extLst>
           </p:cNvPr>
-          <p:cNvSpPr>
-            <a:spLocks noGrp="1"/>
-          </p:cNvSpPr>
-          <p:nvPr>
-            <p:ph idx="1"/>
-          </p:nvPr>
-        </p:nvSpPr>
-        <p:spPr/>
+          <p:cNvPicPr>
+            <a:picLocks noChangeAspect="1" noChangeArrowheads="1"/>
+          </p:cNvPicPr>
+          <p:nvPr/>
+        </p:nvPicPr>
+        <p:blipFill>
+          <a:blip r:embed="rId2">
+            <a:extLst>
+              <a:ext uri="{28A0092B-C50C-407E-A947-70E740481C1C}">
+                <a14:useLocalDpi xmlns:a14="http://schemas.microsoft.com/office/drawing/2010/main" val="0"/>
+              </a:ext>
+            </a:extLst>
+          </a:blip>
+          <a:srcRect/>
+          <a:stretch>
+            <a:fillRect/>
+          </a:stretch>
+        </p:blipFill>
+        <p:spPr bwMode="auto">
+          <a:xfrm>
+            <a:off x="1066801" y="1903662"/>
+            <a:ext cx="7403960" cy="3955389"/>
+          </a:xfrm>
+          <a:prstGeom prst="rect">
+            <a:avLst/>
+          </a:prstGeom>
+          <a:noFill/>
+          <a:extLst>
+            <a:ext uri="{909E8E84-426E-40DD-AFC4-6F175D3DCCD1}">
+              <a14:hiddenFill xmlns:a14="http://schemas.microsoft.com/office/drawing/2010/main">
+                <a:solidFill>
+                  <a:srgbClr val="FFFFFF"/>
+                </a:solidFill>
+              </a14:hiddenFill>
+            </a:ext>
+          </a:extLst>
+        </p:spPr>
+      </p:pic>
+      <p:sp>
+        <p:nvSpPr>
+          <p:cNvPr id="4" name="TextBox 3">
+            <a:extLst>
+              <a:ext uri="{FF2B5EF4-FFF2-40B4-BE49-F238E27FC236}">
+                <a16:creationId xmlns:a16="http://schemas.microsoft.com/office/drawing/2014/main" id="{586318B1-D1B6-41AF-BBAF-C5D79AB2F4F6}"/>
+              </a:ext>
+            </a:extLst>
+          </p:cNvPr>
+          <p:cNvSpPr txBox="1"/>
+          <p:nvPr/>
+        </p:nvSpPr>
+        <p:spPr>
+          <a:xfrm>
+            <a:off x="1066800" y="5948623"/>
+            <a:ext cx="10343605" cy="369332"/>
+          </a:xfrm>
+          <a:prstGeom prst="rect">
+            <a:avLst/>
+          </a:prstGeom>
+          <a:noFill/>
+        </p:spPr>
         <p:txBody>
-          <a:bodyPr>
-            <a:normAutofit lnSpcReduction="10000"/>
+          <a:bodyPr wrap="square" rtlCol="0">
+            <a:spAutoFit/>
           </a:bodyPr>
           <a:lstStyle/>
           <a:p>
-            <a:pPr algn="l">
-              <a:buFont typeface="Arial" panose="020B0604020202020204" pitchFamily="34" charset="0"/>
-              <a:buChar char="•"/>
-            </a:pPr>
-            <a:r>
-              <a:rPr lang="en-US" b="1" i="0" dirty="0">
-                <a:solidFill>
-                  <a:srgbClr val="3A4145"/>
-                </a:solidFill>
-                <a:effectLst/>
-                <a:latin typeface="Merriweather"/>
-              </a:rPr>
-              <a:t>Tasks are a higher-level concept:</a:t>
-            </a:r>
-            <a:r>
-              <a:rPr lang="en-US" b="0" i="0" dirty="0">
-                <a:solidFill>
-                  <a:srgbClr val="3A4145"/>
-                </a:solidFill>
-                <a:effectLst/>
-                <a:latin typeface="Merriweather"/>
-              </a:rPr>
-              <a:t> tasks are basically a promise to run a method and return when it is done.</a:t>
-            </a:r>
-          </a:p>
-          <a:p>
-            <a:pPr algn="l">
-              <a:buFont typeface="Arial" panose="020B0604020202020204" pitchFamily="34" charset="0"/>
-              <a:buChar char="•"/>
-            </a:pPr>
-            <a:r>
-              <a:rPr lang="en-US" b="1" i="0" dirty="0">
-                <a:solidFill>
-                  <a:srgbClr val="3A4145"/>
-                </a:solidFill>
-                <a:effectLst/>
-                <a:latin typeface="Merriweather"/>
-              </a:rPr>
-              <a:t>Threads are a lower-level concept:</a:t>
-            </a:r>
-            <a:r>
-              <a:rPr lang="en-US" b="0" i="0" dirty="0">
-                <a:solidFill>
-                  <a:srgbClr val="3A4145"/>
-                </a:solidFill>
-                <a:effectLst/>
-                <a:latin typeface="Merriweather"/>
-              </a:rPr>
-              <a:t> Threads are a part of your operating system, and the thread class is a way to manage them.</a:t>
-            </a:r>
-          </a:p>
-          <a:p>
-            <a:pPr algn="l">
-              <a:buFont typeface="Arial" panose="020B0604020202020204" pitchFamily="34" charset="0"/>
-              <a:buChar char="•"/>
-            </a:pPr>
-            <a:r>
-              <a:rPr lang="en-US" b="1" i="0" dirty="0">
-                <a:solidFill>
-                  <a:srgbClr val="3A4145"/>
-                </a:solidFill>
-                <a:effectLst/>
-                <a:latin typeface="Merriweather"/>
-              </a:rPr>
-              <a:t>Leveraging the thread pool:</a:t>
-            </a:r>
-            <a:r>
-              <a:rPr lang="en-US" b="0" i="0" dirty="0">
-                <a:solidFill>
-                  <a:srgbClr val="3A4145"/>
-                </a:solidFill>
-                <a:effectLst/>
-                <a:latin typeface="Merriweather"/>
-              </a:rPr>
-              <a:t> tasks use the thread pool, which is a "pool" of threads that can be used and reused. Creating threads can be expensive, which is why we have the thread pool.</a:t>
-            </a:r>
-          </a:p>
-          <a:p>
-            <a:pPr algn="l">
-              <a:buFont typeface="Arial" panose="020B0604020202020204" pitchFamily="34" charset="0"/>
-              <a:buChar char="•"/>
-            </a:pPr>
-            <a:r>
-              <a:rPr lang="en-US" b="1" i="0" dirty="0">
-                <a:solidFill>
-                  <a:srgbClr val="3A4145"/>
-                </a:solidFill>
-                <a:effectLst/>
-                <a:latin typeface="Merriweather"/>
-              </a:rPr>
-              <a:t>Threads do not naturally return anything:</a:t>
-            </a:r>
-            <a:r>
-              <a:rPr lang="en-US" b="0" i="0" dirty="0">
-                <a:solidFill>
-                  <a:srgbClr val="3A4145"/>
-                </a:solidFill>
-                <a:effectLst/>
-                <a:latin typeface="Merriweather"/>
-              </a:rPr>
-              <a:t> Tasks are able to return an object when they are completed. Which makes them great for executing a method and returning the result asynchronously.</a:t>
-            </a:r>
-          </a:p>
-          <a:p>
-            <a:pPr algn="l">
-              <a:buFont typeface="Arial" panose="020B0604020202020204" pitchFamily="34" charset="0"/>
-              <a:buChar char="•"/>
-            </a:pPr>
-            <a:r>
-              <a:rPr lang="en-US" b="1" i="0" dirty="0">
-                <a:solidFill>
-                  <a:srgbClr val="3A4145"/>
-                </a:solidFill>
-                <a:effectLst/>
-                <a:latin typeface="Merriweather"/>
-              </a:rPr>
-              <a:t>Cancellation tokens:</a:t>
-            </a:r>
-            <a:r>
-              <a:rPr lang="en-US" b="0" i="0" dirty="0">
-                <a:solidFill>
-                  <a:srgbClr val="3A4145"/>
-                </a:solidFill>
-                <a:effectLst/>
-                <a:latin typeface="Merriweather"/>
-              </a:rPr>
-              <a:t> Tasks can use cancellation tokens so that they can be requested to be canceled. This token can be passed along to other tasks which will be canceled as well.</a:t>
-            </a:r>
-          </a:p>
-          <a:p>
-            <a:pPr algn="l">
-              <a:buFont typeface="Arial" panose="020B0604020202020204" pitchFamily="34" charset="0"/>
-              <a:buChar char="•"/>
-            </a:pPr>
-            <a:r>
-              <a:rPr lang="en-US" b="1" i="0" dirty="0">
-                <a:solidFill>
-                  <a:srgbClr val="3A4145"/>
-                </a:solidFill>
-                <a:effectLst/>
-                <a:latin typeface="Merriweather"/>
-              </a:rPr>
-              <a:t>Tasks support async/await:</a:t>
-            </a:r>
-            <a:r>
-              <a:rPr lang="en-US" b="0" i="0" dirty="0">
-                <a:solidFill>
-                  <a:srgbClr val="3A4145"/>
-                </a:solidFill>
-                <a:effectLst/>
-                <a:latin typeface="Merriweather"/>
-              </a:rPr>
-              <a:t> async/await is a simple way to wait for an asynchronous method to finish without blocking the parent method.</a:t>
-            </a:r>
-          </a:p>
-          <a:p>
-            <a:pPr>
-              <a:buFont typeface="Arial" panose="020B0604020202020204" pitchFamily="34" charset="0"/>
-              <a:buChar char="•"/>
-            </a:pPr>
-            <a:r>
-              <a:rPr lang="en-US" b="1" i="0" dirty="0">
-                <a:solidFill>
-                  <a:srgbClr val="3A4145"/>
-                </a:solidFill>
-                <a:effectLst/>
-                <a:latin typeface="Merriweather"/>
-              </a:rPr>
-              <a:t>Exceptions:</a:t>
-            </a:r>
-            <a:r>
-              <a:rPr lang="en-US" b="0" i="0" dirty="0">
-                <a:solidFill>
-                  <a:srgbClr val="3A4145"/>
-                </a:solidFill>
-                <a:effectLst/>
-                <a:latin typeface="Merriweather"/>
-              </a:rPr>
-              <a:t> Threads cannot cascade an Exception to its parent method. A Task does cascade exceptions to the parent method and are caught via a </a:t>
-            </a:r>
-            <a:r>
-              <a:rPr lang="en-US" b="0" i="0" dirty="0" err="1">
-                <a:solidFill>
-                  <a:srgbClr val="3A4145"/>
-                </a:solidFill>
-                <a:effectLst/>
-                <a:latin typeface="Merriweather"/>
-              </a:rPr>
-              <a:t>AggregateException</a:t>
-            </a:r>
-            <a:r>
-              <a:rPr lang="en-US" b="0" i="0" dirty="0">
-                <a:solidFill>
-                  <a:srgbClr val="3A4145"/>
-                </a:solidFill>
-                <a:effectLst/>
-                <a:latin typeface="Merriweather"/>
-              </a:rPr>
-              <a:t>.</a:t>
-            </a:r>
-          </a:p>
-          <a:p>
-            <a:pPr algn="l">
-              <a:buFont typeface="Arial" panose="020B0604020202020204" pitchFamily="34" charset="0"/>
-              <a:buChar char="•"/>
-            </a:pPr>
-            <a:endParaRPr lang="en-US" b="0" i="0" dirty="0">
-              <a:solidFill>
-                <a:srgbClr val="3A4145"/>
-              </a:solidFill>
-              <a:effectLst/>
-              <a:latin typeface="Merriweather"/>
-            </a:endParaRPr>
-          </a:p>
-          <a:p>
+            <a:r>
+              <a:rPr lang="en-US" dirty="0"/>
+              <a:t>Source: </a:t>
+            </a:r>
+            <a:r>
+              <a:rPr lang="nl-NL" dirty="0">
+                <a:hlinkClick r:id="rId3"/>
+              </a:rPr>
+              <a:t>Parallel Programming in .NET | Microsoft Docs</a:t>
+            </a:r>
             <a:endParaRPr lang="en-US" dirty="0"/>
           </a:p>
         </p:txBody>
@@ -5981,7 +7233,7 @@
     </p:spTree>
     <p:extLst>
       <p:ext uri="{BB962C8B-B14F-4D97-AF65-F5344CB8AC3E}">
-        <p14:creationId xmlns:p14="http://schemas.microsoft.com/office/powerpoint/2010/main" val="1784674450"/>
+        <p14:creationId xmlns:p14="http://schemas.microsoft.com/office/powerpoint/2010/main" val="2846210679"/>
       </p:ext>
     </p:extLst>
   </p:cSld>
@@ -6013,7 +7265,7 @@
           <p:cNvPr id="2" name="Title 1">
             <a:extLst>
               <a:ext uri="{FF2B5EF4-FFF2-40B4-BE49-F238E27FC236}">
-                <a16:creationId xmlns:a16="http://schemas.microsoft.com/office/drawing/2014/main" id="{9C3BF11D-EEE1-42AF-A8AC-06927C1C09A5}"/>
+                <a16:creationId xmlns:a16="http://schemas.microsoft.com/office/drawing/2014/main" id="{3EFC642B-5DA3-45EF-908B-CC1F95652283}"/>
               </a:ext>
             </a:extLst>
           </p:cNvPr>
@@ -6031,7 +7283,7 @@
           <a:p>
             <a:r>
               <a:rPr lang="en-US" dirty="0"/>
-              <a:t>Task Parallel Library (TPL)</a:t>
+              <a:t>Threads, Tasks and Thread Pools</a:t>
             </a:r>
           </a:p>
         </p:txBody>
@@ -6041,7 +7293,7 @@
           <p:cNvPr id="3" name="Content Placeholder 2">
             <a:extLst>
               <a:ext uri="{FF2B5EF4-FFF2-40B4-BE49-F238E27FC236}">
-                <a16:creationId xmlns:a16="http://schemas.microsoft.com/office/drawing/2014/main" id="{49F8B2BF-9EF6-405E-AB29-5929962501F9}"/>
+                <a16:creationId xmlns:a16="http://schemas.microsoft.com/office/drawing/2014/main" id="{230180E4-A9C7-4733-B4AB-D1546D5F16AE}"/>
               </a:ext>
             </a:extLst>
           </p:cNvPr>
@@ -6054,137 +7306,234 @@
         </p:nvSpPr>
         <p:spPr/>
         <p:txBody>
-          <a:bodyPr/>
+          <a:bodyPr>
+            <a:normAutofit lnSpcReduction="10000"/>
+          </a:bodyPr>
           <a:lstStyle/>
           <a:p>
+            <a:pPr algn="l">
+              <a:buFont typeface="Arial" panose="020B0604020202020204" pitchFamily="34" charset="0"/>
+              <a:buChar char="•"/>
+            </a:pPr>
             <a:r>
               <a:rPr lang="en-US" b="1" i="0" dirty="0">
                 <a:solidFill>
-                  <a:srgbClr val="171717"/>
+                  <a:srgbClr val="3A4145"/>
                 </a:solidFill>
                 <a:effectLst/>
-                <a:latin typeface="Segoe UI" panose="020B0502040204020203" pitchFamily="34" charset="0"/>
-              </a:rPr>
-              <a:t>Starting with .NET Framework 4, the TPL is the preferred way to write multithreaded and parallel code.</a:t>
-            </a:r>
-          </a:p>
-          <a:p>
-            <a:r>
-              <a:rPr lang="en-US" b="1" dirty="0">
-                <a:solidFill>
-                  <a:srgbClr val="171717"/>
-                </a:solidFill>
-                <a:latin typeface="Segoe UI" panose="020B0502040204020203" pitchFamily="34" charset="0"/>
-              </a:rPr>
-              <a:t>According to Microsoft:</a:t>
-            </a:r>
-            <a:br>
-              <a:rPr lang="en-US" b="1" dirty="0">
-                <a:solidFill>
-                  <a:srgbClr val="171717"/>
-                </a:solidFill>
-                <a:latin typeface="Segoe UI" panose="020B0502040204020203" pitchFamily="34" charset="0"/>
-              </a:rPr>
-            </a:br>
-            <a:br>
-              <a:rPr lang="en-US" b="1" dirty="0">
-                <a:solidFill>
-                  <a:srgbClr val="171717"/>
-                </a:solidFill>
-                <a:latin typeface="Segoe UI" panose="020B0502040204020203" pitchFamily="34" charset="0"/>
-              </a:rPr>
-            </a:br>
-            <a:r>
-              <a:rPr lang="en-US" b="1" dirty="0">
-                <a:solidFill>
-                  <a:srgbClr val="171717"/>
-                </a:solidFill>
-                <a:latin typeface="Segoe UI" panose="020B0502040204020203" pitchFamily="34" charset="0"/>
-              </a:rPr>
-              <a:t>“</a:t>
-            </a:r>
+                <a:latin typeface="Merriweather"/>
+              </a:rPr>
+              <a:t>Tasks are a higher-level concept:</a:t>
+            </a:r>
+            <a:r>
+              <a:rPr lang="en-US" b="0" i="0" dirty="0">
+                <a:solidFill>
+                  <a:srgbClr val="3A4145"/>
+                </a:solidFill>
+                <a:effectLst/>
+                <a:latin typeface="Merriweather"/>
+              </a:rPr>
+              <a:t> tasks are basically a promise to run a method and return when it is done.</a:t>
+            </a:r>
+          </a:p>
+          <a:p>
+            <a:pPr algn="l">
+              <a:buFont typeface="Arial" panose="020B0604020202020204" pitchFamily="34" charset="0"/>
+              <a:buChar char="•"/>
+            </a:pPr>
             <a:r>
               <a:rPr lang="en-US" b="1" i="0" dirty="0">
                 <a:solidFill>
-                  <a:srgbClr val="171717"/>
+                  <a:srgbClr val="3A4145"/>
                 </a:solidFill>
                 <a:effectLst/>
-                <a:latin typeface="Segoe UI" panose="020B0502040204020203" pitchFamily="34" charset="0"/>
-              </a:rPr>
-              <a:t>The purpose of the TPL is to make developers more productive by simplifying the process of adding parallelism and concurrency to applications. The TPL scales the degree of concurrency dynamically to most efficiently use all the processors that are available. In addition, the TPL handles the partitioning of the work, the scheduling of threads on the </a:t>
-            </a:r>
-            <a:r>
-              <a:rPr lang="en-US" b="1" i="0" u="none" strike="noStrike" dirty="0" err="1">
-                <a:solidFill>
-                  <a:srgbClr val="344529"/>
+                <a:latin typeface="Merriweather"/>
+              </a:rPr>
+              <a:t>Threads are a lower-level concept:</a:t>
+            </a:r>
+            <a:r>
+              <a:rPr lang="en-US" b="0" i="0" dirty="0">
+                <a:solidFill>
+                  <a:srgbClr val="3A4145"/>
                 </a:solidFill>
                 <a:effectLst/>
-                <a:latin typeface="Segoe UI" panose="020B0502040204020203" pitchFamily="34" charset="0"/>
-                <a:hlinkClick r:id="rId2">
-                  <a:extLst>
-                    <a:ext uri="{A12FA001-AC4F-418D-AE19-62706E023703}">
-                      <ahyp:hlinkClr xmlns:ahyp="http://schemas.microsoft.com/office/drawing/2018/hyperlinkcolor" val="tx"/>
-                    </a:ext>
-                  </a:extLst>
-                </a:hlinkClick>
-              </a:rPr>
-              <a:t>ThreadPool</a:t>
-            </a:r>
+                <a:latin typeface="Merriweather"/>
+              </a:rPr>
+              <a:t> Threads are a part of your operating system, and the thread class is a way to manage them.</a:t>
+            </a:r>
+          </a:p>
+          <a:p>
+            <a:pPr algn="l">
+              <a:buFont typeface="Arial" panose="020B0604020202020204" pitchFamily="34" charset="0"/>
+              <a:buChar char="•"/>
+            </a:pPr>
             <a:r>
               <a:rPr lang="en-US" b="1" i="0" dirty="0">
                 <a:solidFill>
-                  <a:srgbClr val="171717"/>
+                  <a:srgbClr val="3A4145"/>
                 </a:solidFill>
                 <a:effectLst/>
-                <a:latin typeface="Segoe UI" panose="020B0502040204020203" pitchFamily="34" charset="0"/>
-              </a:rPr>
-              <a:t>, cancellation support, state management, and other low-level details. </a:t>
-            </a:r>
-            <a:br>
+                <a:latin typeface="Merriweather"/>
+              </a:rPr>
+              <a:t>Leveraging the thread pool:</a:t>
+            </a:r>
+            <a:r>
+              <a:rPr lang="en-US" b="0" i="0" dirty="0">
+                <a:solidFill>
+                  <a:srgbClr val="3A4145"/>
+                </a:solidFill>
+                <a:effectLst/>
+                <a:latin typeface="Merriweather"/>
+              </a:rPr>
+              <a:t> tasks use the thread pool, which is a "pool" of threads that can be used and reused. Creating threads can be expensive, which is why we have the thread pool.</a:t>
+            </a:r>
+          </a:p>
+          <a:p>
+            <a:pPr algn="l">
+              <a:buFont typeface="Arial" panose="020B0604020202020204" pitchFamily="34" charset="0"/>
+              <a:buChar char="•"/>
+            </a:pPr>
+            <a:r>
               <a:rPr lang="en-US" b="1" i="0" dirty="0">
                 <a:solidFill>
-                  <a:srgbClr val="171717"/>
+                  <a:srgbClr val="3A4145"/>
                 </a:solidFill>
                 <a:effectLst/>
-                <a:latin typeface="Segoe UI" panose="020B0502040204020203" pitchFamily="34" charset="0"/>
-              </a:rPr>
-            </a:br>
-            <a:br>
+                <a:latin typeface="Merriweather"/>
+              </a:rPr>
+              <a:t>Threads do not naturally return anything:</a:t>
+            </a:r>
+            <a:r>
+              <a:rPr lang="en-US" b="0" i="0" dirty="0">
+                <a:solidFill>
+                  <a:srgbClr val="3A4145"/>
+                </a:solidFill>
+                <a:effectLst/>
+                <a:latin typeface="Merriweather"/>
+              </a:rPr>
+              <a:t> Tasks are able to return an object when they are completed. Which makes them great for executing a method and returning the result asynchronously.</a:t>
+            </a:r>
+          </a:p>
+          <a:p>
+            <a:pPr algn="l">
+              <a:buFont typeface="Arial" panose="020B0604020202020204" pitchFamily="34" charset="0"/>
+              <a:buChar char="•"/>
+            </a:pPr>
+            <a:r>
               <a:rPr lang="en-US" b="1" i="0" dirty="0">
                 <a:solidFill>
-                  <a:srgbClr val="171717"/>
+                  <a:srgbClr val="3A4145"/>
                 </a:solidFill>
                 <a:effectLst/>
-                <a:latin typeface="Segoe UI" panose="020B0502040204020203" pitchFamily="34" charset="0"/>
-              </a:rPr>
-            </a:br>
-            <a:r>
-              <a:rPr lang="en-US" b="1" i="0" u="sng" dirty="0">
-                <a:solidFill>
-                  <a:srgbClr val="171717"/>
+                <a:latin typeface="Merriweather"/>
+              </a:rPr>
+              <a:t>Cancellation tokens:</a:t>
+            </a:r>
+            <a:r>
+              <a:rPr lang="en-US" b="0" i="0" dirty="0">
+                <a:solidFill>
+                  <a:srgbClr val="3A4145"/>
                 </a:solidFill>
                 <a:effectLst/>
-                <a:latin typeface="Segoe UI" panose="020B0502040204020203" pitchFamily="34" charset="0"/>
-              </a:rPr>
-              <a:t>By using TPL, you can maximize the performance of your code while focusing on the work that your program is designed to accomplish.</a:t>
-            </a:r>
-            <a:r>
-              <a:rPr lang="en-US" b="1" dirty="0">
-                <a:solidFill>
-                  <a:srgbClr val="171717"/>
-                </a:solidFill>
-                <a:latin typeface="Segoe UI" panose="020B0502040204020203" pitchFamily="34" charset="0"/>
-              </a:rPr>
-              <a:t>”</a:t>
-            </a:r>
-            <a:endParaRPr lang="en-US" b="1" dirty="0"/>
+                <a:latin typeface="Merriweather"/>
+              </a:rPr>
+              <a:t> Tasks can use cancellation tokens so that they can be requested to be canceled. This token can be passed along to other tasks which will be canceled as well.</a:t>
+            </a:r>
+          </a:p>
+          <a:p>
+            <a:pPr algn="l">
+              <a:buFont typeface="Arial" panose="020B0604020202020204" pitchFamily="34" charset="0"/>
+              <a:buChar char="•"/>
+            </a:pPr>
+            <a:r>
+              <a:rPr lang="en-US" b="1" i="0" dirty="0">
+                <a:solidFill>
+                  <a:srgbClr val="3A4145"/>
+                </a:solidFill>
+                <a:effectLst/>
+                <a:latin typeface="Merriweather"/>
+              </a:rPr>
+              <a:t>Tasks support async/await:</a:t>
+            </a:r>
+            <a:r>
+              <a:rPr lang="en-US" b="0" i="0" dirty="0">
+                <a:solidFill>
+                  <a:srgbClr val="3A4145"/>
+                </a:solidFill>
+                <a:effectLst/>
+                <a:latin typeface="Merriweather"/>
+              </a:rPr>
+              <a:t> async/await is a simple way to wait for an asynchronous method to finish without blocking the parent method.</a:t>
+            </a:r>
+          </a:p>
+          <a:p>
+            <a:pPr>
+              <a:buFont typeface="Arial" panose="020B0604020202020204" pitchFamily="34" charset="0"/>
+              <a:buChar char="•"/>
+            </a:pPr>
+            <a:r>
+              <a:rPr lang="en-US" b="1" i="0" dirty="0">
+                <a:solidFill>
+                  <a:srgbClr val="3A4145"/>
+                </a:solidFill>
+                <a:effectLst/>
+                <a:latin typeface="Merriweather"/>
+              </a:rPr>
+              <a:t>Exceptions:</a:t>
+            </a:r>
+            <a:r>
+              <a:rPr lang="en-US" b="0" i="0" dirty="0">
+                <a:solidFill>
+                  <a:srgbClr val="3A4145"/>
+                </a:solidFill>
+                <a:effectLst/>
+                <a:latin typeface="Merriweather"/>
+              </a:rPr>
+              <a:t> Threads cannot cascade an Exception to its parent method. A Task does cascade exceptions to the parent method and are caught via a </a:t>
+            </a:r>
+            <a:r>
+              <a:rPr lang="en-US" b="0" i="0" dirty="0" err="1">
+                <a:solidFill>
+                  <a:srgbClr val="3A4145"/>
+                </a:solidFill>
+                <a:effectLst/>
+                <a:latin typeface="Merriweather"/>
+              </a:rPr>
+              <a:t>AggregateException</a:t>
+            </a:r>
+            <a:r>
+              <a:rPr lang="en-US" b="0" i="0" dirty="0">
+                <a:solidFill>
+                  <a:srgbClr val="3A4145"/>
+                </a:solidFill>
+                <a:effectLst/>
+                <a:latin typeface="Merriweather"/>
+              </a:rPr>
+              <a:t>.</a:t>
+            </a:r>
+          </a:p>
+          <a:p>
+            <a:pPr algn="l">
+              <a:buFont typeface="Arial" panose="020B0604020202020204" pitchFamily="34" charset="0"/>
+              <a:buChar char="•"/>
+            </a:pPr>
+            <a:endParaRPr lang="en-US" b="0" i="0" dirty="0">
+              <a:solidFill>
+                <a:srgbClr val="3A4145"/>
+              </a:solidFill>
+              <a:effectLst/>
+              <a:latin typeface="Merriweather"/>
+            </a:endParaRPr>
+          </a:p>
+          <a:p>
+            <a:endParaRPr lang="en-US" dirty="0"/>
           </a:p>
         </p:txBody>
       </p:sp>
     </p:spTree>
     <p:extLst>
       <p:ext uri="{BB962C8B-B14F-4D97-AF65-F5344CB8AC3E}">
-        <p14:creationId xmlns:p14="http://schemas.microsoft.com/office/powerpoint/2010/main" val="2879498837"/>
+        <p14:creationId xmlns:p14="http://schemas.microsoft.com/office/powerpoint/2010/main" val="1784674450"/>
       </p:ext>
     </p:extLst>
   </p:cSld>
@@ -6216,7 +7565,7 @@
           <p:cNvPr id="2" name="Title 1">
             <a:extLst>
               <a:ext uri="{FF2B5EF4-FFF2-40B4-BE49-F238E27FC236}">
-                <a16:creationId xmlns:a16="http://schemas.microsoft.com/office/drawing/2014/main" id="{B4C45FCC-8377-47BF-9DD9-A257527C5242}"/>
+                <a16:creationId xmlns:a16="http://schemas.microsoft.com/office/drawing/2014/main" id="{9C3BF11D-EEE1-42AF-A8AC-06927C1C09A5}"/>
               </a:ext>
             </a:extLst>
           </p:cNvPr>
@@ -6233,12 +7582,8 @@
           <a:lstStyle/>
           <a:p>
             <a:r>
-              <a:rPr lang="en-US" dirty="0" err="1"/>
-              <a:t>JCiP</a:t>
-            </a:r>
-            <a:r>
-              <a:rPr lang="en-US" dirty="0"/>
-              <a:t> Annotations</a:t>
+              <a:rPr lang="en-US" dirty="0"/>
+              <a:t>Task Parallel Library (TPL)</a:t>
             </a:r>
           </a:p>
         </p:txBody>
@@ -6248,7 +7593,7 @@
           <p:cNvPr id="3" name="Content Placeholder 2">
             <a:extLst>
               <a:ext uri="{FF2B5EF4-FFF2-40B4-BE49-F238E27FC236}">
-                <a16:creationId xmlns:a16="http://schemas.microsoft.com/office/drawing/2014/main" id="{7CC217A8-626C-4E8A-B751-D6E948722E4C}"/>
+                <a16:creationId xmlns:a16="http://schemas.microsoft.com/office/drawing/2014/main" id="{49F8B2BF-9EF6-405E-AB29-5929962501F9}"/>
               </a:ext>
             </a:extLst>
           </p:cNvPr>
@@ -6265,92 +7610,133 @@
           <a:lstStyle/>
           <a:p>
             <a:r>
-              <a:rPr lang="en-US" b="1" dirty="0"/>
-              <a:t>Coded C# .NET versions of the Java annotations:</a:t>
-            </a:r>
-          </a:p>
-          <a:p>
-            <a:pPr lvl="1"/>
-            <a:r>
-              <a:rPr lang="en-US" b="1" dirty="0" err="1"/>
-              <a:t>GuardedBy</a:t>
+              <a:rPr lang="en-US" b="1" i="0" dirty="0">
+                <a:solidFill>
+                  <a:srgbClr val="171717"/>
+                </a:solidFill>
+                <a:effectLst/>
+                <a:latin typeface="Segoe UI" panose="020B0502040204020203" pitchFamily="34" charset="0"/>
+              </a:rPr>
+              <a:t>Starting with .NET Framework 4, the TPL is the preferred way to write multithreaded and parallel code.</a:t>
+            </a:r>
+          </a:p>
+          <a:p>
+            <a:r>
+              <a:rPr lang="en-US" b="1" dirty="0">
+                <a:solidFill>
+                  <a:srgbClr val="171717"/>
+                </a:solidFill>
+                <a:latin typeface="Segoe UI" panose="020B0502040204020203" pitchFamily="34" charset="0"/>
+              </a:rPr>
+              <a:t>According to Microsoft:</a:t>
+            </a:r>
+            <a:br>
+              <a:rPr lang="en-US" b="1" dirty="0">
+                <a:solidFill>
+                  <a:srgbClr val="171717"/>
+                </a:solidFill>
+                <a:latin typeface="Segoe UI" panose="020B0502040204020203" pitchFamily="34" charset="0"/>
+              </a:rPr>
+            </a:br>
+            <a:br>
+              <a:rPr lang="en-US" b="1" dirty="0">
+                <a:solidFill>
+                  <a:srgbClr val="171717"/>
+                </a:solidFill>
+                <a:latin typeface="Segoe UI" panose="020B0502040204020203" pitchFamily="34" charset="0"/>
+              </a:rPr>
+            </a:br>
+            <a:r>
+              <a:rPr lang="en-US" b="1" dirty="0">
+                <a:solidFill>
+                  <a:srgbClr val="171717"/>
+                </a:solidFill>
+                <a:latin typeface="Segoe UI" panose="020B0502040204020203" pitchFamily="34" charset="0"/>
+              </a:rPr>
+              <a:t>“</a:t>
+            </a:r>
+            <a:r>
+              <a:rPr lang="en-US" b="1" i="0" dirty="0">
+                <a:solidFill>
+                  <a:srgbClr val="171717"/>
+                </a:solidFill>
+                <a:effectLst/>
+                <a:latin typeface="Segoe UI" panose="020B0502040204020203" pitchFamily="34" charset="0"/>
+              </a:rPr>
+              <a:t>The purpose of the TPL is to make developers more productive by simplifying the process of adding parallelism and concurrency to applications. The TPL scales the degree of concurrency dynamically to most efficiently use all the processors that are available. In addition, the TPL handles the partitioning of the work, the scheduling of threads on the </a:t>
+            </a:r>
+            <a:r>
+              <a:rPr lang="en-US" b="1" i="0" u="none" strike="noStrike" dirty="0" err="1">
+                <a:solidFill>
+                  <a:srgbClr val="344529"/>
+                </a:solidFill>
+                <a:effectLst/>
+                <a:latin typeface="Segoe UI" panose="020B0502040204020203" pitchFamily="34" charset="0"/>
+                <a:hlinkClick r:id="rId2">
+                  <a:extLst>
+                    <a:ext uri="{A12FA001-AC4F-418D-AE19-62706E023703}">
+                      <ahyp:hlinkClr xmlns:ahyp="http://schemas.microsoft.com/office/drawing/2018/hyperlinkcolor" val="tx"/>
+                    </a:ext>
+                  </a:extLst>
+                </a:hlinkClick>
+              </a:rPr>
+              <a:t>ThreadPool</a:t>
+            </a:r>
+            <a:r>
+              <a:rPr lang="en-US" b="1" i="0" dirty="0">
+                <a:solidFill>
+                  <a:srgbClr val="171717"/>
+                </a:solidFill>
+                <a:effectLst/>
+                <a:latin typeface="Segoe UI" panose="020B0502040204020203" pitchFamily="34" charset="0"/>
+              </a:rPr>
+              <a:t>, cancellation support, state management, and other low-level details. </a:t>
+            </a:r>
+            <a:br>
+              <a:rPr lang="en-US" b="1" i="0" dirty="0">
+                <a:solidFill>
+                  <a:srgbClr val="171717"/>
+                </a:solidFill>
+                <a:effectLst/>
+                <a:latin typeface="Segoe UI" panose="020B0502040204020203" pitchFamily="34" charset="0"/>
+              </a:rPr>
+            </a:br>
+            <a:br>
+              <a:rPr lang="en-US" b="1" i="0" dirty="0">
+                <a:solidFill>
+                  <a:srgbClr val="171717"/>
+                </a:solidFill>
+                <a:effectLst/>
+                <a:latin typeface="Segoe UI" panose="020B0502040204020203" pitchFamily="34" charset="0"/>
+              </a:rPr>
+            </a:br>
+            <a:r>
+              <a:rPr lang="en-US" b="1" i="0" u="sng" dirty="0">
+                <a:solidFill>
+                  <a:srgbClr val="171717"/>
+                </a:solidFill>
+                <a:effectLst/>
+                <a:latin typeface="Segoe UI" panose="020B0502040204020203" pitchFamily="34" charset="0"/>
+              </a:rPr>
+              <a:t>By using TPL, you can maximize the performance of your code while focusing on the work that your program is designed to accomplish.</a:t>
+            </a:r>
+            <a:r>
+              <a:rPr lang="en-US" b="1" dirty="0">
+                <a:solidFill>
+                  <a:srgbClr val="171717"/>
+                </a:solidFill>
+                <a:latin typeface="Segoe UI" panose="020B0502040204020203" pitchFamily="34" charset="0"/>
+              </a:rPr>
+              <a:t>”</a:t>
             </a:r>
             <a:endParaRPr lang="en-US" b="1" dirty="0"/>
-          </a:p>
-          <a:p>
-            <a:pPr lvl="1"/>
-            <a:r>
-              <a:rPr lang="en-US" b="1" dirty="0"/>
-              <a:t>Immutable</a:t>
-            </a:r>
-          </a:p>
-          <a:p>
-            <a:pPr lvl="1"/>
-            <a:r>
-              <a:rPr lang="en-US" b="1" dirty="0" err="1"/>
-              <a:t>NotThreadSafe</a:t>
-            </a:r>
-            <a:endParaRPr lang="en-US" b="1" dirty="0"/>
-          </a:p>
-          <a:p>
-            <a:pPr lvl="1"/>
-            <a:r>
-              <a:rPr lang="en-US" b="1" dirty="0" err="1"/>
-              <a:t>ThreadSafe</a:t>
-            </a:r>
-            <a:endParaRPr lang="en-US" b="1" dirty="0"/>
-          </a:p>
-          <a:p>
-            <a:pPr lvl="1"/>
-            <a:endParaRPr lang="en-US" dirty="0"/>
-          </a:p>
-          <a:p>
-            <a:r>
-              <a:rPr lang="en-US" dirty="0"/>
-              <a:t>See:</a:t>
-            </a:r>
-          </a:p>
-          <a:p>
-            <a:pPr lvl="1"/>
-            <a:r>
-              <a:rPr lang="en-US" dirty="0"/>
-              <a:t>Java Concurrency in Practice</a:t>
-            </a:r>
-            <a:br>
-              <a:rPr lang="en-US" dirty="0"/>
-            </a:br>
-            <a:r>
-              <a:rPr lang="en-US" dirty="0"/>
-              <a:t>Brian Goetz, et al</a:t>
-            </a:r>
-            <a:br>
-              <a:rPr lang="en-US" dirty="0"/>
-            </a:br>
-            <a:r>
-              <a:rPr lang="en-US" dirty="0"/>
-              <a:t>Addison-Wesley</a:t>
-            </a:r>
-            <a:br>
-              <a:rPr lang="en-US" dirty="0"/>
-            </a:br>
-            <a:r>
-              <a:rPr lang="en-US" dirty="0"/>
-              <a:t>Copyright © 2006 Pearson Education, Inc.</a:t>
-            </a:r>
-            <a:br>
-              <a:rPr lang="en-US" dirty="0"/>
-            </a:br>
-            <a:r>
-              <a:rPr lang="en-US" dirty="0"/>
-              <a:t>ISBN-10: 0-321-34960-1</a:t>
-            </a:r>
           </a:p>
         </p:txBody>
       </p:sp>
     </p:spTree>
     <p:extLst>
       <p:ext uri="{BB962C8B-B14F-4D97-AF65-F5344CB8AC3E}">
-        <p14:creationId xmlns:p14="http://schemas.microsoft.com/office/powerpoint/2010/main" val="2562673997"/>
+        <p14:creationId xmlns:p14="http://schemas.microsoft.com/office/powerpoint/2010/main" val="2879498837"/>
       </p:ext>
     </p:extLst>
   </p:cSld>
@@ -6382,7 +7768,7 @@
           <p:cNvPr id="2" name="Title 1">
             <a:extLst>
               <a:ext uri="{FF2B5EF4-FFF2-40B4-BE49-F238E27FC236}">
-                <a16:creationId xmlns:a16="http://schemas.microsoft.com/office/drawing/2014/main" id="{A71192EF-6ED8-47E0-906A-BC57CD1E9C04}"/>
+                <a16:creationId xmlns:a16="http://schemas.microsoft.com/office/drawing/2014/main" id="{B4C45FCC-8377-47BF-9DD9-A257527C5242}"/>
               </a:ext>
             </a:extLst>
           </p:cNvPr>
@@ -6399,18 +7785,22 @@
           <a:lstStyle/>
           <a:p>
             <a:r>
-              <a:rPr lang="en-US" dirty="0"/>
-              <a:t>Loops</a:t>
+              <a:rPr lang="en-US" dirty="0" err="1"/>
+              <a:t>JCiP</a:t>
+            </a:r>
+            <a:r>
+              <a:rPr lang="en-US" dirty="0"/>
+              <a:t> Annotations</a:t>
             </a:r>
           </a:p>
         </p:txBody>
       </p:sp>
       <p:sp>
         <p:nvSpPr>
-          <p:cNvPr id="3" name="Text Placeholder 2">
+          <p:cNvPr id="3" name="Content Placeholder 2">
             <a:extLst>
               <a:ext uri="{FF2B5EF4-FFF2-40B4-BE49-F238E27FC236}">
-                <a16:creationId xmlns:a16="http://schemas.microsoft.com/office/drawing/2014/main" id="{AD2CC37C-F3D7-486E-8526-054D492DC6E2}"/>
+                <a16:creationId xmlns:a16="http://schemas.microsoft.com/office/drawing/2014/main" id="{7CC217A8-626C-4E8A-B751-D6E948722E4C}"/>
               </a:ext>
             </a:extLst>
           </p:cNvPr>
@@ -6418,7 +7808,7 @@
             <a:spLocks noGrp="1"/>
           </p:cNvSpPr>
           <p:nvPr>
-            <p:ph type="body" idx="1"/>
+            <p:ph idx="1"/>
           </p:nvPr>
         </p:nvSpPr>
         <p:spPr/>
@@ -6427,301 +7817,92 @@
           <a:lstStyle/>
           <a:p>
             <a:r>
-              <a:rPr lang="en-US" dirty="0"/>
-              <a:t>Sequential Loop:</a:t>
-            </a:r>
-          </a:p>
-        </p:txBody>
-      </p:sp>
-      <p:sp>
-        <p:nvSpPr>
-          <p:cNvPr id="4" name="Content Placeholder 3">
-            <a:extLst>
-              <a:ext uri="{FF2B5EF4-FFF2-40B4-BE49-F238E27FC236}">
-                <a16:creationId xmlns:a16="http://schemas.microsoft.com/office/drawing/2014/main" id="{8A16A1E7-B170-4215-8D61-C074646FE01B}"/>
-              </a:ext>
-            </a:extLst>
-          </p:cNvPr>
-          <p:cNvSpPr>
-            <a:spLocks noGrp="1"/>
-          </p:cNvSpPr>
-          <p:nvPr>
-            <p:ph sz="half" idx="2"/>
-          </p:nvPr>
-        </p:nvSpPr>
-        <p:spPr>
-          <a:ln>
-            <a:solidFill>
-              <a:schemeClr val="accent1"/>
-            </a:solidFill>
-          </a:ln>
-        </p:spPr>
-        <p:txBody>
-          <a:bodyPr/>
-          <a:lstStyle/>
-          <a:p>
-            <a:pPr marL="0" indent="0">
-              <a:buNone/>
-            </a:pPr>
-            <a:r>
-              <a:rPr lang="en-US" b="1" dirty="0">
-                <a:latin typeface="Arial Nova Cond Light" panose="020B0604020202020204" pitchFamily="34" charset="0"/>
-                <a:cs typeface="Arial" panose="020B0604020202020204" pitchFamily="34" charset="0"/>
-              </a:rPr>
-              <a:t>int n = 10;</a:t>
-            </a:r>
-          </a:p>
-          <a:p>
-            <a:pPr marL="0" indent="0">
-              <a:buNone/>
-            </a:pPr>
-            <a:r>
-              <a:rPr lang="en-US" b="1" dirty="0">
-                <a:latin typeface="Arial Nova Cond Light" panose="020B0604020202020204" pitchFamily="34" charset="0"/>
-                <a:cs typeface="Arial" panose="020B0604020202020204" pitchFamily="34" charset="0"/>
-              </a:rPr>
-              <a:t>for (int </a:t>
-            </a:r>
-            <a:r>
-              <a:rPr lang="en-US" b="1" dirty="0" err="1">
-                <a:latin typeface="Arial Nova Cond Light" panose="020B0604020202020204" pitchFamily="34" charset="0"/>
-                <a:cs typeface="Arial" panose="020B0604020202020204" pitchFamily="34" charset="0"/>
-              </a:rPr>
-              <a:t>i</a:t>
-            </a:r>
-            <a:r>
-              <a:rPr lang="en-US" b="1" dirty="0">
-                <a:latin typeface="Arial Nova Cond Light" panose="020B0604020202020204" pitchFamily="34" charset="0"/>
-                <a:cs typeface="Arial" panose="020B0604020202020204" pitchFamily="34" charset="0"/>
-              </a:rPr>
-              <a:t> = 0; </a:t>
-            </a:r>
-            <a:r>
-              <a:rPr lang="en-US" b="1" dirty="0" err="1">
-                <a:latin typeface="Arial Nova Cond Light" panose="020B0604020202020204" pitchFamily="34" charset="0"/>
-                <a:cs typeface="Arial" panose="020B0604020202020204" pitchFamily="34" charset="0"/>
-              </a:rPr>
-              <a:t>i</a:t>
-            </a:r>
-            <a:r>
-              <a:rPr lang="en-US" b="1" dirty="0">
-                <a:latin typeface="Arial Nova Cond Light" panose="020B0604020202020204" pitchFamily="34" charset="0"/>
-                <a:cs typeface="Arial" panose="020B0604020202020204" pitchFamily="34" charset="0"/>
-              </a:rPr>
-              <a:t> &lt; n; </a:t>
-            </a:r>
-            <a:r>
-              <a:rPr lang="en-US" b="1" dirty="0" err="1">
-                <a:latin typeface="Arial Nova Cond Light" panose="020B0604020202020204" pitchFamily="34" charset="0"/>
-                <a:cs typeface="Arial" panose="020B0604020202020204" pitchFamily="34" charset="0"/>
-              </a:rPr>
-              <a:t>i</a:t>
-            </a:r>
-            <a:r>
-              <a:rPr lang="en-US" b="1" dirty="0">
-                <a:latin typeface="Arial Nova Cond Light" panose="020B0604020202020204" pitchFamily="34" charset="0"/>
-                <a:cs typeface="Arial" panose="020B0604020202020204" pitchFamily="34" charset="0"/>
-              </a:rPr>
-              <a:t>++)</a:t>
-            </a:r>
-          </a:p>
-          <a:p>
-            <a:pPr marL="0" indent="0">
-              <a:buNone/>
-            </a:pPr>
-            <a:r>
-              <a:rPr lang="en-US" b="1" dirty="0">
-                <a:latin typeface="Arial Nova Cond Light" panose="020B0604020202020204" pitchFamily="34" charset="0"/>
-                <a:cs typeface="Arial" panose="020B0604020202020204" pitchFamily="34" charset="0"/>
-              </a:rPr>
-              <a:t>{</a:t>
-            </a:r>
-          </a:p>
-          <a:p>
-            <a:pPr marL="0" indent="0">
-              <a:buNone/>
-            </a:pPr>
-            <a:r>
-              <a:rPr lang="en-US" b="1" dirty="0">
-                <a:latin typeface="Arial Nova Cond Light" panose="020B0604020202020204" pitchFamily="34" charset="0"/>
-                <a:cs typeface="Arial" panose="020B0604020202020204" pitchFamily="34" charset="0"/>
-              </a:rPr>
-              <a:t>	// … do work 	</a:t>
-            </a:r>
-          </a:p>
-          <a:p>
-            <a:pPr marL="0" indent="0">
-              <a:buNone/>
-            </a:pPr>
-            <a:r>
-              <a:rPr lang="en-US" b="1" dirty="0">
-                <a:latin typeface="Arial Nova Cond Light" panose="020B0604020202020204" pitchFamily="34" charset="0"/>
-                <a:cs typeface="Arial" panose="020B0604020202020204" pitchFamily="34" charset="0"/>
-              </a:rPr>
-              <a:t>}</a:t>
-            </a:r>
-          </a:p>
-        </p:txBody>
-      </p:sp>
-      <p:sp>
-        <p:nvSpPr>
-          <p:cNvPr id="5" name="Text Placeholder 4">
-            <a:extLst>
-              <a:ext uri="{FF2B5EF4-FFF2-40B4-BE49-F238E27FC236}">
-                <a16:creationId xmlns:a16="http://schemas.microsoft.com/office/drawing/2014/main" id="{80510B19-D9D0-480C-9628-54A1635D38CA}"/>
-              </a:ext>
-            </a:extLst>
-          </p:cNvPr>
-          <p:cNvSpPr>
-            <a:spLocks noGrp="1"/>
-          </p:cNvSpPr>
-          <p:nvPr>
-            <p:ph type="body" sz="quarter" idx="3"/>
-          </p:nvPr>
-        </p:nvSpPr>
-        <p:spPr/>
-        <p:txBody>
-          <a:bodyPr/>
-          <a:lstStyle/>
-          <a:p>
-            <a:r>
-              <a:rPr lang="en-US" dirty="0"/>
-              <a:t>Parallel Loop:</a:t>
-            </a:r>
-          </a:p>
-        </p:txBody>
-      </p:sp>
-      <p:sp>
-        <p:nvSpPr>
-          <p:cNvPr id="6" name="Content Placeholder 5">
-            <a:extLst>
-              <a:ext uri="{FF2B5EF4-FFF2-40B4-BE49-F238E27FC236}">
-                <a16:creationId xmlns:a16="http://schemas.microsoft.com/office/drawing/2014/main" id="{0089E472-2D9C-40F6-A8C2-01D341DBD25C}"/>
-              </a:ext>
-            </a:extLst>
-          </p:cNvPr>
-          <p:cNvSpPr>
-            <a:spLocks noGrp="1"/>
-          </p:cNvSpPr>
-          <p:nvPr>
-            <p:ph sz="quarter" idx="4"/>
-          </p:nvPr>
-        </p:nvSpPr>
-        <p:spPr>
-          <a:ln>
-            <a:solidFill>
-              <a:schemeClr val="accent1"/>
-            </a:solidFill>
-          </a:ln>
-        </p:spPr>
-        <p:txBody>
-          <a:bodyPr/>
-          <a:lstStyle/>
-          <a:p>
-            <a:pPr marL="0" indent="0">
-              <a:buNone/>
-            </a:pPr>
-            <a:r>
-              <a:rPr lang="en-US" b="1" dirty="0">
-                <a:latin typeface="Arial Nova Cond Light" panose="020B0604020202020204" pitchFamily="34" charset="0"/>
-                <a:cs typeface="Arial" panose="020B0604020202020204" pitchFamily="34" charset="0"/>
-              </a:rPr>
-              <a:t>int n = 10;</a:t>
-            </a:r>
-          </a:p>
-          <a:p>
-            <a:pPr marL="0" indent="0">
-              <a:buNone/>
-            </a:pPr>
-            <a:r>
-              <a:rPr lang="en-US" b="1" dirty="0" err="1">
-                <a:latin typeface="Arial Nova Cond Light" panose="020B0604020202020204" pitchFamily="34" charset="0"/>
-                <a:cs typeface="Arial" panose="020B0604020202020204" pitchFamily="34" charset="0"/>
-              </a:rPr>
-              <a:t>Parallel.For</a:t>
-            </a:r>
-            <a:r>
-              <a:rPr lang="en-US" b="1" dirty="0">
-                <a:latin typeface="Arial Nova Cond Light" panose="020B0604020202020204" pitchFamily="34" charset="0"/>
-                <a:cs typeface="Arial" panose="020B0604020202020204" pitchFamily="34" charset="0"/>
-              </a:rPr>
-              <a:t> (0, n, </a:t>
-            </a:r>
-            <a:r>
-              <a:rPr lang="en-US" b="1" dirty="0" err="1">
-                <a:latin typeface="Arial Nova Cond Light" panose="020B0604020202020204" pitchFamily="34" charset="0"/>
-                <a:cs typeface="Arial" panose="020B0604020202020204" pitchFamily="34" charset="0"/>
-              </a:rPr>
-              <a:t>i</a:t>
-            </a:r>
-            <a:r>
-              <a:rPr lang="en-US" b="1" dirty="0">
-                <a:latin typeface="Arial Nova Cond Light" panose="020B0604020202020204" pitchFamily="34" charset="0"/>
-                <a:cs typeface="Arial" panose="020B0604020202020204" pitchFamily="34" charset="0"/>
-              </a:rPr>
-              <a:t> =&gt;</a:t>
-            </a:r>
-          </a:p>
-          <a:p>
-            <a:pPr marL="0" indent="0">
-              <a:buNone/>
-            </a:pPr>
-            <a:r>
-              <a:rPr lang="en-US" b="1" dirty="0">
-                <a:latin typeface="Arial Nova Cond Light" panose="020B0604020202020204" pitchFamily="34" charset="0"/>
-                <a:cs typeface="Arial" panose="020B0604020202020204" pitchFamily="34" charset="0"/>
-              </a:rPr>
-              <a:t>{</a:t>
-            </a:r>
-          </a:p>
-          <a:p>
-            <a:pPr marL="0" indent="0">
-              <a:buNone/>
-            </a:pPr>
-            <a:r>
-              <a:rPr lang="en-US" b="1" dirty="0">
-                <a:latin typeface="Arial Nova Cond Light" panose="020B0604020202020204" pitchFamily="34" charset="0"/>
-                <a:cs typeface="Arial" panose="020B0604020202020204" pitchFamily="34" charset="0"/>
-              </a:rPr>
-              <a:t>	// … do work 	</a:t>
-            </a:r>
-          </a:p>
-          <a:p>
-            <a:pPr marL="0" indent="0">
-              <a:buNone/>
-            </a:pPr>
-            <a:r>
-              <a:rPr lang="en-US" b="1" dirty="0">
-                <a:latin typeface="Arial Nova Cond Light" panose="020B0604020202020204" pitchFamily="34" charset="0"/>
-                <a:cs typeface="Arial" panose="020B0604020202020204" pitchFamily="34" charset="0"/>
-              </a:rPr>
-              <a:t>}</a:t>
-            </a:r>
-          </a:p>
-          <a:p>
-            <a:pPr marL="0" indent="0">
-              <a:buNone/>
-            </a:pPr>
-            <a:r>
-              <a:rPr lang="en-US" b="1" dirty="0">
-                <a:latin typeface="Arial Nova Cond Light" panose="020B0604020202020204" pitchFamily="34" charset="0"/>
-                <a:cs typeface="Arial" panose="020B0604020202020204" pitchFamily="34" charset="0"/>
-              </a:rPr>
-              <a:t>);</a:t>
-            </a:r>
-          </a:p>
-          <a:p>
-            <a:pPr marL="0" indent="0">
-              <a:buNone/>
-            </a:pPr>
+              <a:rPr lang="en-US" b="1" dirty="0"/>
+              <a:t>Coded C# .NET versions of the Java annotations:</a:t>
+            </a:r>
+          </a:p>
+          <a:p>
+            <a:pPr lvl="1"/>
+            <a:r>
+              <a:rPr lang="en-US" b="1" dirty="0" err="1"/>
+              <a:t>GuardedBy</a:t>
+            </a:r>
+            <a:endParaRPr lang="en-US" b="1" dirty="0"/>
+          </a:p>
+          <a:p>
+            <a:pPr lvl="1"/>
+            <a:r>
+              <a:rPr lang="en-US" b="1" dirty="0"/>
+              <a:t>Immutable</a:t>
+            </a:r>
+          </a:p>
+          <a:p>
+            <a:pPr lvl="1"/>
+            <a:r>
+              <a:rPr lang="en-US" b="1" dirty="0" err="1"/>
+              <a:t>NotThreadSafe</a:t>
+            </a:r>
+            <a:endParaRPr lang="en-US" b="1" dirty="0"/>
+          </a:p>
+          <a:p>
+            <a:pPr lvl="1"/>
+            <a:r>
+              <a:rPr lang="en-US" b="1" dirty="0" err="1"/>
+              <a:t>ThreadSafe</a:t>
+            </a:r>
+            <a:endParaRPr lang="en-US" b="1" dirty="0"/>
+          </a:p>
+          <a:p>
+            <a:pPr lvl="1"/>
             <a:endParaRPr lang="en-US" dirty="0"/>
+          </a:p>
+          <a:p>
+            <a:r>
+              <a:rPr lang="en-US" dirty="0"/>
+              <a:t>See:</a:t>
+            </a:r>
+          </a:p>
+          <a:p>
+            <a:pPr lvl="1"/>
+            <a:r>
+              <a:rPr lang="en-US" dirty="0"/>
+              <a:t>Java Concurrency in Practice</a:t>
+            </a:r>
+            <a:br>
+              <a:rPr lang="en-US" dirty="0"/>
+            </a:br>
+            <a:r>
+              <a:rPr lang="en-US" dirty="0"/>
+              <a:t>Brian Goetz, et al</a:t>
+            </a:r>
+            <a:br>
+              <a:rPr lang="en-US" dirty="0"/>
+            </a:br>
+            <a:r>
+              <a:rPr lang="en-US" dirty="0"/>
+              <a:t>Addison-Wesley</a:t>
+            </a:r>
+            <a:br>
+              <a:rPr lang="en-US" dirty="0"/>
+            </a:br>
+            <a:r>
+              <a:rPr lang="en-US" dirty="0"/>
+              <a:t>Copyright © 2006 Pearson Education, Inc.</a:t>
+            </a:r>
+            <a:br>
+              <a:rPr lang="en-US" dirty="0"/>
+            </a:br>
+            <a:r>
+              <a:rPr lang="en-US" dirty="0"/>
+              <a:t>ISBN-10: 0-321-34960-1</a:t>
+            </a:r>
           </a:p>
         </p:txBody>
       </p:sp>
     </p:spTree>
     <p:extLst>
       <p:ext uri="{BB962C8B-B14F-4D97-AF65-F5344CB8AC3E}">
-        <p14:creationId xmlns:p14="http://schemas.microsoft.com/office/powerpoint/2010/main" val="3056102889"/>
+        <p14:creationId xmlns:p14="http://schemas.microsoft.com/office/powerpoint/2010/main" val="2562673997"/>
       </p:ext>
     </p:extLst>
   </p:cSld>
@@ -6753,7 +7934,7 @@
           <p:cNvPr id="2" name="Title 1">
             <a:extLst>
               <a:ext uri="{FF2B5EF4-FFF2-40B4-BE49-F238E27FC236}">
-                <a16:creationId xmlns:a16="http://schemas.microsoft.com/office/drawing/2014/main" id="{B7E12A10-F3FA-4B0D-B40D-8BA702AF0BCD}"/>
+                <a16:creationId xmlns:a16="http://schemas.microsoft.com/office/drawing/2014/main" id="{5797ADAB-359A-4B42-8086-DC7CD98495EB}"/>
               </a:ext>
             </a:extLst>
           </p:cNvPr>
@@ -6771,7 +7952,7 @@
           <a:p>
             <a:r>
               <a:rPr lang="en-US" dirty="0" err="1"/>
-              <a:t>Parallel.For</a:t>
+              <a:t>Parallel.Invoke</a:t>
             </a:r>
             <a:r>
               <a:rPr lang="en-US" dirty="0"/>
@@ -6785,7 +7966,7 @@
           <p:cNvPr id="3" name="Content Placeholder 2">
             <a:extLst>
               <a:ext uri="{FF2B5EF4-FFF2-40B4-BE49-F238E27FC236}">
-                <a16:creationId xmlns:a16="http://schemas.microsoft.com/office/drawing/2014/main" id="{71388D8B-84E2-4EFE-94D1-E35B5594DDCA}"/>
+                <a16:creationId xmlns:a16="http://schemas.microsoft.com/office/drawing/2014/main" id="{9F2B14E6-F391-4132-9B7B-8C540A64788E}"/>
               </a:ext>
             </a:extLst>
           </p:cNvPr>
@@ -6812,15 +7993,6 @@
               <a:t>The </a:t>
             </a:r>
             <a:r>
-              <a:rPr lang="en-US" b="1" dirty="0" err="1">
-                <a:solidFill>
-                  <a:srgbClr val="171717"/>
-                </a:solidFill>
-                <a:latin typeface="Segoe UI" panose="020B0502040204020203" pitchFamily="34" charset="0"/>
-              </a:rPr>
-              <a:t>P</a:t>
-            </a:r>
-            <a:r>
               <a:rPr lang="en-US" b="1" i="0" dirty="0" err="1">
                 <a:solidFill>
                   <a:srgbClr val="171717"/>
@@ -6828,7 +8000,7 @@
                 <a:effectLst/>
                 <a:latin typeface="Segoe UI" panose="020B0502040204020203" pitchFamily="34" charset="0"/>
               </a:rPr>
-              <a:t>arallel.For</a:t>
+              <a:t>Parallel.Invoke</a:t>
             </a:r>
             <a:r>
               <a:rPr lang="en-US" b="1" i="0" dirty="0">
@@ -6838,32 +8010,48 @@
                 <a:effectLst/>
                 <a:latin typeface="Segoe UI" panose="020B0502040204020203" pitchFamily="34" charset="0"/>
               </a:rPr>
-              <a:t> method has 12 overloads.</a:t>
-            </a:r>
-          </a:p>
-          <a:p>
-            <a:endParaRPr lang="en-US" b="1" dirty="0"/>
-          </a:p>
-          <a:p>
-            <a:r>
-              <a:rPr lang="en-US" b="1" i="0" dirty="0">
+              <a:t> method has a single signature.</a:t>
+            </a:r>
+          </a:p>
+          <a:p>
+            <a:endParaRPr lang="en-US" b="1" i="0" dirty="0">
+              <a:solidFill>
+                <a:srgbClr val="171717"/>
+              </a:solidFill>
+              <a:effectLst/>
+              <a:latin typeface="Segoe UI" panose="020B0502040204020203" pitchFamily="34" charset="0"/>
+            </a:endParaRPr>
+          </a:p>
+          <a:p>
+            <a:r>
+              <a:rPr lang="en-US" b="1" i="0" dirty="0" err="1">
                 <a:solidFill>
                   <a:srgbClr val="171717"/>
                 </a:solidFill>
                 <a:effectLst/>
                 <a:latin typeface="Segoe UI" panose="020B0502040204020203" pitchFamily="34" charset="0"/>
               </a:rPr>
-              <a:t>For(Int32                       </a:t>
+              <a:t>Parallel.Invoke</a:t>
             </a:r>
             <a:r>
               <a:rPr lang="en-US" b="1" i="0" dirty="0">
                 <a:solidFill>
-                  <a:srgbClr val="00B050"/>
+                  <a:srgbClr val="171717"/>
                 </a:solidFill>
                 <a:effectLst/>
                 <a:latin typeface="Segoe UI" panose="020B0502040204020203" pitchFamily="34" charset="0"/>
               </a:rPr>
-              <a:t>// From inclusive</a:t>
+              <a:t>(Action[]                        </a:t>
+            </a:r>
+            <a:r>
+              <a:rPr lang="en-US" b="1" i="0" dirty="0">
+                <a:solidFill>
+                  <a:srgbClr val="00B050"/>
+                </a:solidFill>
+                <a:effectLst/>
+                <a:latin typeface="Segoe UI" panose="020B0502040204020203" pitchFamily="34" charset="0"/>
+              </a:rPr>
+              <a:t>// params Action[] actions to execute</a:t>
             </a:r>
             <a:br>
               <a:rPr lang="en-US" b="1" i="0" dirty="0">
@@ -6882,87 +8070,27 @@
                 <a:effectLst/>
                 <a:latin typeface="Segoe UI" panose="020B0502040204020203" pitchFamily="34" charset="0"/>
               </a:rPr>
-              <a:t>    , Int32                        </a:t>
-            </a:r>
-            <a:r>
-              <a:rPr lang="en-US" b="1" i="0" dirty="0">
-                <a:solidFill>
-                  <a:srgbClr val="00B050"/>
-                </a:solidFill>
-                <a:effectLst/>
-                <a:latin typeface="Segoe UI" panose="020B0502040204020203" pitchFamily="34" charset="0"/>
-              </a:rPr>
-              <a:t>// To exclusive</a:t>
-            </a:r>
-            <a:br>
-              <a:rPr lang="en-US" b="1" i="0" dirty="0">
-                <a:solidFill>
-                  <a:srgbClr val="171717"/>
-                </a:solidFill>
-                <a:effectLst/>
-                <a:latin typeface="Segoe UI" panose="020B0502040204020203" pitchFamily="34" charset="0"/>
-              </a:rPr>
-            </a:br>
-            <a:r>
-              <a:rPr lang="en-US" b="1" i="0" dirty="0">
-                <a:solidFill>
-                  <a:srgbClr val="171717"/>
-                </a:solidFill>
-                <a:effectLst/>
-                <a:latin typeface="Segoe UI" panose="020B0502040204020203" pitchFamily="34" charset="0"/>
-              </a:rPr>
-              <a:t>    , Action&lt;Int32&gt;        </a:t>
-            </a:r>
-            <a:r>
-              <a:rPr lang="en-US" b="1" i="0" dirty="0">
-                <a:solidFill>
-                  <a:srgbClr val="00B050"/>
-                </a:solidFill>
-                <a:effectLst/>
-                <a:latin typeface="Segoe UI" panose="020B0502040204020203" pitchFamily="34" charset="0"/>
-              </a:rPr>
-              <a:t>// Body delegate</a:t>
-            </a:r>
-            <a:br>
-              <a:rPr lang="en-US" b="1" i="0" dirty="0">
-                <a:solidFill>
-                  <a:srgbClr val="171717"/>
-                </a:solidFill>
-                <a:effectLst/>
-                <a:latin typeface="Segoe UI" panose="020B0502040204020203" pitchFamily="34" charset="0"/>
-              </a:rPr>
-            </a:br>
-            <a:r>
-              <a:rPr lang="en-US" b="1" i="0" dirty="0">
-                <a:solidFill>
-                  <a:srgbClr val="171717"/>
-                </a:solidFill>
-                <a:effectLst/>
-                <a:latin typeface="Segoe UI" panose="020B0502040204020203" pitchFamily="34" charset="0"/>
-              </a:rPr>
-              <a:t>     );</a:t>
+              <a:t>                         );</a:t>
+            </a:r>
+          </a:p>
+          <a:p>
+            <a:endParaRPr lang="en-US" b="1" dirty="0">
+              <a:solidFill>
+                <a:srgbClr val="171717"/>
+              </a:solidFill>
+              <a:latin typeface="Segoe UI" panose="020B0502040204020203" pitchFamily="34" charset="0"/>
+            </a:endParaRPr>
+          </a:p>
+          <a:p>
+            <a:r>
+              <a:rPr lang="en-US" b="1" dirty="0"/>
+              <a:t>This example will demonstrate invoking three separate actions.</a:t>
             </a:r>
           </a:p>
           <a:p>
             <a:endParaRPr lang="en-US" b="1" dirty="0"/>
           </a:p>
           <a:p>
-            <a:r>
-              <a:rPr lang="en-US" b="1" dirty="0"/>
-              <a:t>This example will demonstrate tasks running on separate threads.</a:t>
-            </a:r>
-          </a:p>
-          <a:p>
-            <a:endParaRPr lang="en-US" b="1" dirty="0"/>
-          </a:p>
-          <a:p>
-            <a:r>
-              <a:rPr lang="en-US" dirty="0"/>
-              <a:t>Delegates, Anonymous functions, Lambda expressions</a:t>
-            </a:r>
-            <a:br>
-              <a:rPr lang="en-US" dirty="0"/>
-            </a:br>
             <a:r>
               <a:rPr lang="en-US" dirty="0"/>
               <a:t>See: </a:t>
@@ -6971,14 +8099,32 @@
               <a:rPr lang="en-US" dirty="0">
                 <a:hlinkClick r:id="rId2"/>
               </a:rPr>
-              <a:t>Delegates, Lambda Expressions &amp; Closures in C# - Alan </a:t>
+              <a:t>How to: Use </a:t>
             </a:r>
             <a:r>
               <a:rPr lang="en-US" dirty="0" err="1">
                 <a:hlinkClick r:id="rId2"/>
               </a:rPr>
-              <a:t>Zucconi</a:t>
-            </a:r>
+              <a:t>Parallel.Invoke</a:t>
+            </a:r>
+            <a:r>
+              <a:rPr lang="en-US" dirty="0">
+                <a:hlinkClick r:id="rId2"/>
+              </a:rPr>
+              <a:t> to Execute Parallel Operations | Microsoft Docs</a:t>
+            </a:r>
+            <a:endParaRPr lang="en-US" dirty="0"/>
+          </a:p>
+          <a:p>
+            <a:endParaRPr lang="en-US" b="1" i="0" dirty="0">
+              <a:solidFill>
+                <a:srgbClr val="171717"/>
+              </a:solidFill>
+              <a:effectLst/>
+              <a:latin typeface="Segoe UI" panose="020B0502040204020203" pitchFamily="34" charset="0"/>
+            </a:endParaRPr>
+          </a:p>
+          <a:p>
             <a:endParaRPr lang="en-US" dirty="0"/>
           </a:p>
         </p:txBody>
@@ -6986,7 +8132,7 @@
     </p:spTree>
     <p:extLst>
       <p:ext uri="{BB962C8B-B14F-4D97-AF65-F5344CB8AC3E}">
-        <p14:creationId xmlns:p14="http://schemas.microsoft.com/office/powerpoint/2010/main" val="3876481716"/>
+        <p14:creationId xmlns:p14="http://schemas.microsoft.com/office/powerpoint/2010/main" val="61770106"/>
       </p:ext>
     </p:extLst>
   </p:cSld>
@@ -7018,7 +8164,7 @@
           <p:cNvPr id="2" name="Title 1">
             <a:extLst>
               <a:ext uri="{FF2B5EF4-FFF2-40B4-BE49-F238E27FC236}">
-                <a16:creationId xmlns:a16="http://schemas.microsoft.com/office/drawing/2014/main" id="{C6A11083-0C73-4CB2-9203-BD2242664A6B}"/>
+                <a16:creationId xmlns:a16="http://schemas.microsoft.com/office/drawing/2014/main" id="{A71192EF-6ED8-47E0-906A-BC57CD1E9C04}"/>
               </a:ext>
             </a:extLst>
           </p:cNvPr>
@@ -7035,27 +8181,18 @@
           <a:lstStyle/>
           <a:p>
             <a:r>
-              <a:rPr lang="en-US" dirty="0" err="1"/>
-              <a:t>Parallel.ForEach</a:t>
-            </a:r>
-            <a:r>
-              <a:rPr lang="en-US" dirty="0"/>
-              <a:t>(…) with </a:t>
-            </a:r>
-            <a:r>
-              <a:rPr lang="en-US" dirty="0" err="1"/>
-              <a:t>ThreadLocal</a:t>
-            </a:r>
-            <a:endParaRPr lang="en-US" dirty="0"/>
+              <a:rPr lang="en-US" dirty="0"/>
+              <a:t>Loops</a:t>
+            </a:r>
           </a:p>
         </p:txBody>
       </p:sp>
       <p:sp>
         <p:nvSpPr>
-          <p:cNvPr id="3" name="Content Placeholder 2">
+          <p:cNvPr id="3" name="Text Placeholder 2">
             <a:extLst>
               <a:ext uri="{FF2B5EF4-FFF2-40B4-BE49-F238E27FC236}">
-                <a16:creationId xmlns:a16="http://schemas.microsoft.com/office/drawing/2014/main" id="{2763850A-8E65-4294-96B6-193BFD56EC77}"/>
+                <a16:creationId xmlns:a16="http://schemas.microsoft.com/office/drawing/2014/main" id="{AD2CC37C-F3D7-486E-8526-054D492DC6E2}"/>
               </a:ext>
             </a:extLst>
           </p:cNvPr>
@@ -7063,7 +8200,7 @@
             <a:spLocks noGrp="1"/>
           </p:cNvSpPr>
           <p:nvPr>
-            <p:ph idx="1"/>
+            <p:ph type="body" idx="1"/>
           </p:nvPr>
         </p:nvSpPr>
         <p:spPr/>
@@ -7072,410 +8209,293 @@
           <a:lstStyle/>
           <a:p>
             <a:r>
-              <a:rPr lang="en-US" b="1" i="0" dirty="0">
-                <a:solidFill>
-                  <a:srgbClr val="171717"/>
-                </a:solidFill>
-                <a:effectLst/>
-                <a:latin typeface="Segoe UI" panose="020B0502040204020203" pitchFamily="34" charset="0"/>
-              </a:rPr>
-              <a:t>The </a:t>
+              <a:rPr lang="en-US" dirty="0"/>
+              <a:t>Sequential Loop:</a:t>
+            </a:r>
+          </a:p>
+        </p:txBody>
+      </p:sp>
+      <p:sp>
+        <p:nvSpPr>
+          <p:cNvPr id="4" name="Content Placeholder 3">
+            <a:extLst>
+              <a:ext uri="{FF2B5EF4-FFF2-40B4-BE49-F238E27FC236}">
+                <a16:creationId xmlns:a16="http://schemas.microsoft.com/office/drawing/2014/main" id="{8A16A1E7-B170-4215-8D61-C074646FE01B}"/>
+              </a:ext>
+            </a:extLst>
+          </p:cNvPr>
+          <p:cNvSpPr>
+            <a:spLocks noGrp="1"/>
+          </p:cNvSpPr>
+          <p:nvPr>
+            <p:ph sz="half" idx="2"/>
+          </p:nvPr>
+        </p:nvSpPr>
+        <p:spPr>
+          <a:ln>
+            <a:solidFill>
+              <a:schemeClr val="accent1"/>
+            </a:solidFill>
+          </a:ln>
+        </p:spPr>
+        <p:txBody>
+          <a:bodyPr/>
+          <a:lstStyle/>
+          <a:p>
+            <a:pPr marL="0" indent="0">
+              <a:buNone/>
+            </a:pPr>
+            <a:r>
+              <a:rPr lang="en-US" b="1" dirty="0">
+                <a:latin typeface="Arial Nova Cond Light" panose="020B0604020202020204" pitchFamily="34" charset="0"/>
+                <a:cs typeface="Arial" panose="020B0604020202020204" pitchFamily="34" charset="0"/>
+              </a:rPr>
+              <a:t>int n = 10;</a:t>
+            </a:r>
+          </a:p>
+          <a:p>
+            <a:pPr marL="0" indent="0">
+              <a:buNone/>
+            </a:pPr>
+            <a:r>
+              <a:rPr lang="en-US" b="1" dirty="0">
+                <a:latin typeface="Arial Nova Cond Light" panose="020B0604020202020204" pitchFamily="34" charset="0"/>
+                <a:cs typeface="Arial" panose="020B0604020202020204" pitchFamily="34" charset="0"/>
+              </a:rPr>
+              <a:t>for (int </a:t>
             </a:r>
             <a:r>
               <a:rPr lang="en-US" b="1" dirty="0" err="1">
-                <a:solidFill>
-                  <a:srgbClr val="171717"/>
-                </a:solidFill>
-                <a:latin typeface="Segoe UI" panose="020B0502040204020203" pitchFamily="34" charset="0"/>
-              </a:rPr>
-              <a:t>P</a:t>
-            </a:r>
-            <a:r>
-              <a:rPr lang="en-US" b="1" i="0" dirty="0" err="1">
-                <a:solidFill>
-                  <a:srgbClr val="171717"/>
-                </a:solidFill>
-                <a:effectLst/>
-                <a:latin typeface="Segoe UI" panose="020B0502040204020203" pitchFamily="34" charset="0"/>
-              </a:rPr>
-              <a:t>arallel.ForEach</a:t>
-            </a:r>
-            <a:r>
-              <a:rPr lang="en-US" b="1" i="0" dirty="0">
-                <a:solidFill>
-                  <a:srgbClr val="171717"/>
-                </a:solidFill>
-                <a:effectLst/>
-                <a:latin typeface="Segoe UI" panose="020B0502040204020203" pitchFamily="34" charset="0"/>
-              </a:rPr>
-              <a:t> method has 20 overloads.</a:t>
-            </a:r>
-          </a:p>
-          <a:p>
-            <a:endParaRPr lang="en-US" b="1" dirty="0">
-              <a:solidFill>
-                <a:srgbClr val="171717"/>
-              </a:solidFill>
-              <a:latin typeface="Segoe UI" panose="020B0502040204020203" pitchFamily="34" charset="0"/>
-            </a:endParaRPr>
-          </a:p>
-          <a:p>
+                <a:latin typeface="Arial Nova Cond Light" panose="020B0604020202020204" pitchFamily="34" charset="0"/>
+                <a:cs typeface="Arial" panose="020B0604020202020204" pitchFamily="34" charset="0"/>
+              </a:rPr>
+              <a:t>i</a:t>
+            </a:r>
             <a:r>
               <a:rPr lang="en-US" b="1" dirty="0">
-                <a:solidFill>
-                  <a:srgbClr val="171717"/>
-                </a:solidFill>
-                <a:latin typeface="Segoe UI" panose="020B0502040204020203" pitchFamily="34" charset="0"/>
-              </a:rPr>
-              <a:t>We’ll look at one that allows for </a:t>
+                <a:latin typeface="Arial Nova Cond Light" panose="020B0604020202020204" pitchFamily="34" charset="0"/>
+                <a:cs typeface="Arial" panose="020B0604020202020204" pitchFamily="34" charset="0"/>
+              </a:rPr>
+              <a:t> = 0; </a:t>
             </a:r>
             <a:r>
               <a:rPr lang="en-US" b="1" dirty="0" err="1">
-                <a:solidFill>
-                  <a:srgbClr val="171717"/>
-                </a:solidFill>
-                <a:latin typeface="Segoe UI" panose="020B0502040204020203" pitchFamily="34" charset="0"/>
-              </a:rPr>
-              <a:t>ThreadLocal</a:t>
+                <a:latin typeface="Arial Nova Cond Light" panose="020B0604020202020204" pitchFamily="34" charset="0"/>
+                <a:cs typeface="Arial" panose="020B0604020202020204" pitchFamily="34" charset="0"/>
+              </a:rPr>
+              <a:t>i</a:t>
             </a:r>
             <a:r>
               <a:rPr lang="en-US" b="1" dirty="0">
-                <a:solidFill>
-                  <a:srgbClr val="171717"/>
-                </a:solidFill>
-                <a:latin typeface="Segoe UI" panose="020B0502040204020203" pitchFamily="34" charset="0"/>
-              </a:rPr>
-              <a:t> state:</a:t>
-            </a:r>
-          </a:p>
-          <a:p>
-            <a:endParaRPr lang="en-US" b="1" i="0" dirty="0">
-              <a:solidFill>
-                <a:srgbClr val="171717"/>
-              </a:solidFill>
-              <a:effectLst/>
-              <a:latin typeface="Segoe UI" panose="020B0502040204020203" pitchFamily="34" charset="0"/>
-            </a:endParaRPr>
-          </a:p>
-          <a:p>
-            <a:r>
-              <a:rPr lang="en-US" b="1" i="0" dirty="0" err="1">
-                <a:solidFill>
-                  <a:srgbClr val="171717"/>
-                </a:solidFill>
-                <a:effectLst/>
-                <a:latin typeface="Segoe UI" panose="020B0502040204020203" pitchFamily="34" charset="0"/>
-              </a:rPr>
-              <a:t>ForEach</a:t>
-            </a:r>
-            <a:r>
-              <a:rPr lang="en-US" b="1" i="0" dirty="0">
-                <a:solidFill>
-                  <a:srgbClr val="171717"/>
-                </a:solidFill>
-                <a:effectLst/>
-                <a:latin typeface="Segoe UI" panose="020B0502040204020203" pitchFamily="34" charset="0"/>
-              </a:rPr>
-              <a:t>&lt;</a:t>
-            </a:r>
-            <a:r>
-              <a:rPr lang="en-US" b="1" i="0" dirty="0" err="1">
-                <a:solidFill>
-                  <a:srgbClr val="171717"/>
-                </a:solidFill>
-                <a:effectLst/>
-                <a:latin typeface="Segoe UI" panose="020B0502040204020203" pitchFamily="34" charset="0"/>
-              </a:rPr>
-              <a:t>TSource,TLocal</a:t>
-            </a:r>
-            <a:r>
-              <a:rPr lang="en-US" b="1" i="0" dirty="0">
-                <a:solidFill>
-                  <a:srgbClr val="171717"/>
-                </a:solidFill>
-                <a:effectLst/>
-                <a:latin typeface="Segoe UI" panose="020B0502040204020203" pitchFamily="34" charset="0"/>
-              </a:rPr>
-              <a:t>&gt;(</a:t>
-            </a:r>
-            <a:r>
-              <a:rPr lang="en-US" b="1" i="0" dirty="0" err="1">
-                <a:solidFill>
-                  <a:srgbClr val="171717"/>
-                </a:solidFill>
-                <a:effectLst/>
-                <a:latin typeface="Segoe UI" panose="020B0502040204020203" pitchFamily="34" charset="0"/>
-              </a:rPr>
-              <a:t>IEnumerable</a:t>
-            </a:r>
-            <a:r>
-              <a:rPr lang="en-US" b="1" i="0" dirty="0">
-                <a:solidFill>
-                  <a:srgbClr val="171717"/>
-                </a:solidFill>
-                <a:effectLst/>
-                <a:latin typeface="Segoe UI" panose="020B0502040204020203" pitchFamily="34" charset="0"/>
-              </a:rPr>
-              <a:t>&lt;</a:t>
-            </a:r>
-            <a:r>
-              <a:rPr lang="en-US" b="1" i="0" dirty="0" err="1">
-                <a:solidFill>
-                  <a:srgbClr val="171717"/>
-                </a:solidFill>
-                <a:effectLst/>
-                <a:latin typeface="Segoe UI" panose="020B0502040204020203" pitchFamily="34" charset="0"/>
-              </a:rPr>
-              <a:t>TSource</a:t>
-            </a:r>
-            <a:r>
-              <a:rPr lang="en-US" b="1" i="0" dirty="0">
-                <a:solidFill>
-                  <a:srgbClr val="171717"/>
-                </a:solidFill>
-                <a:effectLst/>
-                <a:latin typeface="Segoe UI" panose="020B0502040204020203" pitchFamily="34" charset="0"/>
-              </a:rPr>
-              <a:t>&gt;                                                    </a:t>
-            </a:r>
-            <a:r>
-              <a:rPr lang="en-US" b="1" i="0" dirty="0">
-                <a:solidFill>
-                  <a:srgbClr val="00B050"/>
-                </a:solidFill>
-                <a:effectLst/>
-                <a:latin typeface="Segoe UI" panose="020B0502040204020203" pitchFamily="34" charset="0"/>
-              </a:rPr>
-              <a:t>// Source</a:t>
-            </a:r>
-            <a:br>
-              <a:rPr lang="en-US" b="1" i="0" dirty="0">
-                <a:solidFill>
-                  <a:srgbClr val="171717"/>
-                </a:solidFill>
-                <a:effectLst/>
-                <a:latin typeface="Segoe UI" panose="020B0502040204020203" pitchFamily="34" charset="0"/>
-              </a:rPr>
-            </a:br>
-            <a:r>
-              <a:rPr lang="en-US" b="1" i="0" dirty="0">
-                <a:solidFill>
-                  <a:srgbClr val="171717"/>
-                </a:solidFill>
-                <a:effectLst/>
-                <a:latin typeface="Segoe UI" panose="020B0502040204020203" pitchFamily="34" charset="0"/>
-              </a:rPr>
-              <a:t>                                           , </a:t>
-            </a:r>
-            <a:r>
-              <a:rPr lang="en-US" b="1" i="0" dirty="0" err="1">
-                <a:solidFill>
-                  <a:srgbClr val="171717"/>
-                </a:solidFill>
-                <a:effectLst/>
-                <a:latin typeface="Segoe UI" panose="020B0502040204020203" pitchFamily="34" charset="0"/>
-              </a:rPr>
-              <a:t>Func</a:t>
-            </a:r>
-            <a:r>
-              <a:rPr lang="en-US" b="1" i="0" dirty="0">
-                <a:solidFill>
-                  <a:srgbClr val="171717"/>
-                </a:solidFill>
-                <a:effectLst/>
-                <a:latin typeface="Segoe UI" panose="020B0502040204020203" pitchFamily="34" charset="0"/>
-              </a:rPr>
-              <a:t>&lt;</a:t>
-            </a:r>
-            <a:r>
-              <a:rPr lang="en-US" b="1" i="0" dirty="0" err="1">
-                <a:solidFill>
-                  <a:srgbClr val="171717"/>
-                </a:solidFill>
-                <a:effectLst/>
-                <a:latin typeface="Segoe UI" panose="020B0502040204020203" pitchFamily="34" charset="0"/>
-              </a:rPr>
-              <a:t>TLocal</a:t>
-            </a:r>
-            <a:r>
-              <a:rPr lang="en-US" b="1" i="0" dirty="0">
-                <a:solidFill>
-                  <a:srgbClr val="171717"/>
-                </a:solidFill>
-                <a:effectLst/>
-                <a:latin typeface="Segoe UI" panose="020B0502040204020203" pitchFamily="34" charset="0"/>
-              </a:rPr>
-              <a:t>&gt;                                                                     </a:t>
-            </a:r>
-            <a:r>
-              <a:rPr lang="en-US" b="1" i="0" dirty="0">
-                <a:solidFill>
-                  <a:srgbClr val="00B050"/>
-                </a:solidFill>
-                <a:effectLst/>
-                <a:latin typeface="Segoe UI" panose="020B0502040204020203" pitchFamily="34" charset="0"/>
-              </a:rPr>
-              <a:t>// Initialize the local state</a:t>
-            </a:r>
-            <a:br>
-              <a:rPr lang="en-US" b="1" i="0" dirty="0">
-                <a:solidFill>
-                  <a:srgbClr val="171717"/>
-                </a:solidFill>
-                <a:effectLst/>
-                <a:latin typeface="Segoe UI" panose="020B0502040204020203" pitchFamily="34" charset="0"/>
-              </a:rPr>
-            </a:br>
-            <a:r>
-              <a:rPr lang="en-US" b="1" i="0" dirty="0">
-                <a:solidFill>
-                  <a:srgbClr val="171717"/>
-                </a:solidFill>
-                <a:effectLst/>
-                <a:latin typeface="Segoe UI" panose="020B0502040204020203" pitchFamily="34" charset="0"/>
-              </a:rPr>
-              <a:t>                                           , </a:t>
-            </a:r>
-            <a:r>
-              <a:rPr lang="en-US" b="1" i="0" dirty="0" err="1">
-                <a:solidFill>
-                  <a:srgbClr val="171717"/>
-                </a:solidFill>
-                <a:effectLst/>
-                <a:latin typeface="Segoe UI" panose="020B0502040204020203" pitchFamily="34" charset="0"/>
-              </a:rPr>
-              <a:t>Func</a:t>
-            </a:r>
-            <a:r>
-              <a:rPr lang="en-US" b="1" i="0" dirty="0">
-                <a:solidFill>
-                  <a:srgbClr val="171717"/>
-                </a:solidFill>
-                <a:effectLst/>
-                <a:latin typeface="Segoe UI" panose="020B0502040204020203" pitchFamily="34" charset="0"/>
-              </a:rPr>
-              <a:t>&lt;</a:t>
-            </a:r>
-            <a:r>
-              <a:rPr lang="en-US" b="1" i="0" dirty="0" err="1">
-                <a:solidFill>
-                  <a:srgbClr val="171717"/>
-                </a:solidFill>
-                <a:effectLst/>
-                <a:latin typeface="Segoe UI" panose="020B0502040204020203" pitchFamily="34" charset="0"/>
-              </a:rPr>
-              <a:t>TSource,ParallelLoopState,TLocal,TLocal</a:t>
-            </a:r>
-            <a:r>
-              <a:rPr lang="en-US" b="1" i="0" dirty="0">
-                <a:solidFill>
-                  <a:srgbClr val="171717"/>
-                </a:solidFill>
-                <a:effectLst/>
-                <a:latin typeface="Segoe UI" panose="020B0502040204020203" pitchFamily="34" charset="0"/>
-              </a:rPr>
-              <a:t>&gt;           </a:t>
-            </a:r>
-            <a:r>
-              <a:rPr lang="en-US" b="1" i="0" dirty="0">
-                <a:solidFill>
-                  <a:srgbClr val="00B050"/>
-                </a:solidFill>
-                <a:effectLst/>
-                <a:latin typeface="Segoe UI" panose="020B0502040204020203" pitchFamily="34" charset="0"/>
-              </a:rPr>
-              <a:t>// Body – once per iteration</a:t>
-            </a:r>
-            <a:br>
-              <a:rPr lang="en-US" b="1" i="0" dirty="0">
-                <a:solidFill>
-                  <a:srgbClr val="171717"/>
-                </a:solidFill>
-                <a:effectLst/>
-                <a:latin typeface="Segoe UI" panose="020B0502040204020203" pitchFamily="34" charset="0"/>
-              </a:rPr>
-            </a:br>
-            <a:r>
-              <a:rPr lang="en-US" b="1" i="0" dirty="0">
-                <a:solidFill>
-                  <a:srgbClr val="171717"/>
-                </a:solidFill>
-                <a:effectLst/>
-                <a:latin typeface="Segoe UI" panose="020B0502040204020203" pitchFamily="34" charset="0"/>
-              </a:rPr>
-              <a:t>                                           , Action&lt;</a:t>
-            </a:r>
-            <a:r>
-              <a:rPr lang="en-US" b="1" i="0" dirty="0" err="1">
-                <a:solidFill>
-                  <a:srgbClr val="171717"/>
-                </a:solidFill>
-                <a:effectLst/>
-                <a:latin typeface="Segoe UI" panose="020B0502040204020203" pitchFamily="34" charset="0"/>
-              </a:rPr>
-              <a:t>TLocal</a:t>
-            </a:r>
-            <a:r>
-              <a:rPr lang="en-US" b="1" i="0" dirty="0">
-                <a:solidFill>
-                  <a:srgbClr val="171717"/>
-                </a:solidFill>
-                <a:effectLst/>
-                <a:latin typeface="Segoe UI" panose="020B0502040204020203" pitchFamily="34" charset="0"/>
-              </a:rPr>
-              <a:t>&gt;                                                                 </a:t>
-            </a:r>
-            <a:r>
-              <a:rPr lang="en-US" b="1" i="0" dirty="0">
-                <a:solidFill>
-                  <a:srgbClr val="00B050"/>
-                </a:solidFill>
-                <a:effectLst/>
-                <a:latin typeface="Segoe UI" panose="020B0502040204020203" pitchFamily="34" charset="0"/>
-              </a:rPr>
-              <a:t>// Finalize the local state</a:t>
-            </a:r>
-            <a:br>
-              <a:rPr lang="en-US" b="1" i="0" dirty="0">
-                <a:solidFill>
-                  <a:srgbClr val="171717"/>
-                </a:solidFill>
-                <a:effectLst/>
-                <a:latin typeface="Segoe UI" panose="020B0502040204020203" pitchFamily="34" charset="0"/>
-              </a:rPr>
-            </a:br>
-            <a:r>
-              <a:rPr lang="en-US" b="1" i="0" dirty="0">
-                <a:solidFill>
-                  <a:srgbClr val="171717"/>
-                </a:solidFill>
-                <a:effectLst/>
-                <a:latin typeface="Segoe UI" panose="020B0502040204020203" pitchFamily="34" charset="0"/>
-              </a:rPr>
-              <a:t>                                            );</a:t>
-            </a:r>
-          </a:p>
-          <a:p>
-            <a:endParaRPr lang="en-US" b="1" dirty="0">
-              <a:solidFill>
-                <a:srgbClr val="171717"/>
-              </a:solidFill>
-              <a:latin typeface="Segoe UI" panose="020B0502040204020203" pitchFamily="34" charset="0"/>
-            </a:endParaRPr>
-          </a:p>
-          <a:p>
-            <a:r>
-              <a:rPr lang="en-US" b="1" i="0" dirty="0">
-                <a:solidFill>
-                  <a:srgbClr val="171717"/>
-                </a:solidFill>
-                <a:effectLst/>
-                <a:latin typeface="Segoe UI" panose="020B0502040204020203" pitchFamily="34" charset="0"/>
-              </a:rPr>
-              <a:t>This example will sum the elements in an array.</a:t>
-            </a:r>
-          </a:p>
-          <a:p>
+                <a:latin typeface="Arial Nova Cond Light" panose="020B0604020202020204" pitchFamily="34" charset="0"/>
+                <a:cs typeface="Arial" panose="020B0604020202020204" pitchFamily="34" charset="0"/>
+              </a:rPr>
+              <a:t> &lt; n; </a:t>
+            </a:r>
+            <a:r>
+              <a:rPr lang="en-US" b="1" dirty="0" err="1">
+                <a:latin typeface="Arial Nova Cond Light" panose="020B0604020202020204" pitchFamily="34" charset="0"/>
+                <a:cs typeface="Arial" panose="020B0604020202020204" pitchFamily="34" charset="0"/>
+              </a:rPr>
+              <a:t>i</a:t>
+            </a:r>
+            <a:r>
+              <a:rPr lang="en-US" b="1" dirty="0">
+                <a:latin typeface="Arial Nova Cond Light" panose="020B0604020202020204" pitchFamily="34" charset="0"/>
+                <a:cs typeface="Arial" panose="020B0604020202020204" pitchFamily="34" charset="0"/>
+              </a:rPr>
+              <a:t>++)</a:t>
+            </a:r>
+          </a:p>
+          <a:p>
+            <a:pPr marL="0" indent="0">
+              <a:buNone/>
+            </a:pPr>
+            <a:r>
+              <a:rPr lang="en-US" b="1" dirty="0">
+                <a:latin typeface="Arial Nova Cond Light" panose="020B0604020202020204" pitchFamily="34" charset="0"/>
+                <a:cs typeface="Arial" panose="020B0604020202020204" pitchFamily="34" charset="0"/>
+              </a:rPr>
+              <a:t>{</a:t>
+            </a:r>
+          </a:p>
+          <a:p>
+            <a:pPr marL="0" indent="0">
+              <a:buNone/>
+            </a:pPr>
+            <a:r>
+              <a:rPr lang="en-US" b="1" dirty="0">
+                <a:latin typeface="Arial Nova Cond Light" panose="020B0604020202020204" pitchFamily="34" charset="0"/>
+                <a:cs typeface="Arial" panose="020B0604020202020204" pitchFamily="34" charset="0"/>
+              </a:rPr>
+              <a:t>	// … do work 	</a:t>
+            </a:r>
+          </a:p>
+          <a:p>
+            <a:pPr marL="0" indent="0">
+              <a:buNone/>
+            </a:pPr>
+            <a:r>
+              <a:rPr lang="en-US" b="1" dirty="0">
+                <a:latin typeface="Arial Nova Cond Light" panose="020B0604020202020204" pitchFamily="34" charset="0"/>
+                <a:cs typeface="Arial" panose="020B0604020202020204" pitchFamily="34" charset="0"/>
+              </a:rPr>
+              <a:t>}</a:t>
+            </a:r>
+          </a:p>
+        </p:txBody>
+      </p:sp>
+      <p:sp>
+        <p:nvSpPr>
+          <p:cNvPr id="5" name="Text Placeholder 4">
+            <a:extLst>
+              <a:ext uri="{FF2B5EF4-FFF2-40B4-BE49-F238E27FC236}">
+                <a16:creationId xmlns:a16="http://schemas.microsoft.com/office/drawing/2014/main" id="{80510B19-D9D0-480C-9628-54A1635D38CA}"/>
+              </a:ext>
+            </a:extLst>
+          </p:cNvPr>
+          <p:cNvSpPr>
+            <a:spLocks noGrp="1"/>
+          </p:cNvSpPr>
+          <p:nvPr>
+            <p:ph type="body" sz="quarter" idx="3"/>
+          </p:nvPr>
+        </p:nvSpPr>
+        <p:spPr/>
+        <p:txBody>
+          <a:bodyPr/>
+          <a:lstStyle/>
+          <a:p>
+            <a:r>
+              <a:rPr lang="en-US" dirty="0"/>
+              <a:t>Parallel Loop:</a:t>
+            </a:r>
+          </a:p>
+        </p:txBody>
+      </p:sp>
+      <p:sp>
+        <p:nvSpPr>
+          <p:cNvPr id="6" name="Content Placeholder 5">
+            <a:extLst>
+              <a:ext uri="{FF2B5EF4-FFF2-40B4-BE49-F238E27FC236}">
+                <a16:creationId xmlns:a16="http://schemas.microsoft.com/office/drawing/2014/main" id="{0089E472-2D9C-40F6-A8C2-01D341DBD25C}"/>
+              </a:ext>
+            </a:extLst>
+          </p:cNvPr>
+          <p:cNvSpPr>
+            <a:spLocks noGrp="1"/>
+          </p:cNvSpPr>
+          <p:nvPr>
+            <p:ph sz="quarter" idx="4"/>
+          </p:nvPr>
+        </p:nvSpPr>
+        <p:spPr>
+          <a:ln>
+            <a:solidFill>
+              <a:schemeClr val="accent1"/>
+            </a:solidFill>
+          </a:ln>
+        </p:spPr>
+        <p:txBody>
+          <a:bodyPr/>
+          <a:lstStyle/>
+          <a:p>
+            <a:pPr marL="0" indent="0">
+              <a:buNone/>
+            </a:pPr>
+            <a:r>
+              <a:rPr lang="en-US" b="1" dirty="0">
+                <a:latin typeface="Arial Nova Cond Light" panose="020B0604020202020204" pitchFamily="34" charset="0"/>
+                <a:cs typeface="Arial" panose="020B0604020202020204" pitchFamily="34" charset="0"/>
+              </a:rPr>
+              <a:t>int n = 10;</a:t>
+            </a:r>
+          </a:p>
+          <a:p>
+            <a:pPr marL="0" indent="0">
+              <a:buNone/>
+            </a:pPr>
+            <a:r>
+              <a:rPr lang="en-US" b="1" dirty="0" err="1">
+                <a:latin typeface="Arial Nova Cond Light" panose="020B0604020202020204" pitchFamily="34" charset="0"/>
+                <a:cs typeface="Arial" panose="020B0604020202020204" pitchFamily="34" charset="0"/>
+              </a:rPr>
+              <a:t>Parallel.For</a:t>
+            </a:r>
+            <a:r>
+              <a:rPr lang="en-US" b="1" dirty="0">
+                <a:latin typeface="Arial Nova Cond Light" panose="020B0604020202020204" pitchFamily="34" charset="0"/>
+                <a:cs typeface="Arial" panose="020B0604020202020204" pitchFamily="34" charset="0"/>
+              </a:rPr>
+              <a:t> (0, n, </a:t>
+            </a:r>
+            <a:r>
+              <a:rPr lang="en-US" b="1" dirty="0" err="1">
+                <a:latin typeface="Arial Nova Cond Light" panose="020B0604020202020204" pitchFamily="34" charset="0"/>
+                <a:cs typeface="Arial" panose="020B0604020202020204" pitchFamily="34" charset="0"/>
+              </a:rPr>
+              <a:t>i</a:t>
+            </a:r>
+            <a:r>
+              <a:rPr lang="en-US" b="1" dirty="0">
+                <a:latin typeface="Arial Nova Cond Light" panose="020B0604020202020204" pitchFamily="34" charset="0"/>
+                <a:cs typeface="Arial" panose="020B0604020202020204" pitchFamily="34" charset="0"/>
+              </a:rPr>
+              <a:t> =&gt;</a:t>
+            </a:r>
+          </a:p>
+          <a:p>
+            <a:pPr marL="0" indent="0">
+              <a:buNone/>
+            </a:pPr>
+            <a:r>
+              <a:rPr lang="en-US" b="1" dirty="0">
+                <a:latin typeface="Arial Nova Cond Light" panose="020B0604020202020204" pitchFamily="34" charset="0"/>
+                <a:cs typeface="Arial" panose="020B0604020202020204" pitchFamily="34" charset="0"/>
+              </a:rPr>
+              <a:t>{</a:t>
+            </a:r>
+          </a:p>
+          <a:p>
+            <a:pPr marL="0" indent="0">
+              <a:buNone/>
+            </a:pPr>
+            <a:r>
+              <a:rPr lang="en-US" b="1" dirty="0">
+                <a:latin typeface="Arial Nova Cond Light" panose="020B0604020202020204" pitchFamily="34" charset="0"/>
+                <a:cs typeface="Arial" panose="020B0604020202020204" pitchFamily="34" charset="0"/>
+              </a:rPr>
+              <a:t>	// … do work 	</a:t>
+            </a:r>
+          </a:p>
+          <a:p>
+            <a:pPr marL="0" indent="0">
+              <a:buNone/>
+            </a:pPr>
+            <a:r>
+              <a:rPr lang="en-US" b="1" dirty="0">
+                <a:latin typeface="Arial Nova Cond Light" panose="020B0604020202020204" pitchFamily="34" charset="0"/>
+                <a:cs typeface="Arial" panose="020B0604020202020204" pitchFamily="34" charset="0"/>
+              </a:rPr>
+              <a:t>}</a:t>
+            </a:r>
+          </a:p>
+          <a:p>
+            <a:pPr marL="0" indent="0">
+              <a:buNone/>
+            </a:pPr>
+            <a:r>
+              <a:rPr lang="en-US" b="1" dirty="0">
+                <a:latin typeface="Arial Nova Cond Light" panose="020B0604020202020204" pitchFamily="34" charset="0"/>
+                <a:cs typeface="Arial" panose="020B0604020202020204" pitchFamily="34" charset="0"/>
+              </a:rPr>
+              <a:t>);</a:t>
+            </a:r>
+          </a:p>
+          <a:p>
+            <a:pPr marL="0" indent="0">
+              <a:buNone/>
+            </a:pPr>
             <a:endParaRPr lang="en-US" dirty="0"/>
           </a:p>
         </p:txBody>
@@ -7483,7 +8503,7 @@
     </p:spTree>
     <p:extLst>
       <p:ext uri="{BB962C8B-B14F-4D97-AF65-F5344CB8AC3E}">
-        <p14:creationId xmlns:p14="http://schemas.microsoft.com/office/powerpoint/2010/main" val="3960028411"/>
+        <p14:creationId xmlns:p14="http://schemas.microsoft.com/office/powerpoint/2010/main" val="3056102889"/>
       </p:ext>
     </p:extLst>
   </p:cSld>
@@ -7515,7 +8535,7 @@
           <p:cNvPr id="2" name="Title 1">
             <a:extLst>
               <a:ext uri="{FF2B5EF4-FFF2-40B4-BE49-F238E27FC236}">
-                <a16:creationId xmlns:a16="http://schemas.microsoft.com/office/drawing/2014/main" id="{8F54A00E-658C-4811-9C80-0A7AF54D6FB3}"/>
+                <a16:creationId xmlns:a16="http://schemas.microsoft.com/office/drawing/2014/main" id="{B7E12A10-F3FA-4B0D-B40D-8BA702AF0BCD}"/>
               </a:ext>
             </a:extLst>
           </p:cNvPr>
@@ -7532,8 +8552,12 @@
           <a:lstStyle/>
           <a:p>
             <a:r>
-              <a:rPr lang="en-US" dirty="0"/>
-              <a:t>Parallel Dot Product</a:t>
+              <a:rPr lang="en-US" dirty="0" err="1"/>
+              <a:t>Parallel.For</a:t>
+            </a:r>
+            <a:r>
+              <a:rPr lang="en-US" dirty="0"/>
+              <a:t>(…)</a:t>
             </a:r>
           </a:p>
         </p:txBody>
@@ -7543,7 +8567,7 @@
           <p:cNvPr id="3" name="Content Placeholder 2">
             <a:extLst>
               <a:ext uri="{FF2B5EF4-FFF2-40B4-BE49-F238E27FC236}">
-                <a16:creationId xmlns:a16="http://schemas.microsoft.com/office/drawing/2014/main" id="{F0823412-A03D-4996-8812-ECD93D584DFD}"/>
+                <a16:creationId xmlns:a16="http://schemas.microsoft.com/office/drawing/2014/main" id="{71388D8B-84E2-4EFE-94D1-E35B5594DDCA}"/>
               </a:ext>
             </a:extLst>
           </p:cNvPr>
@@ -7556,14 +8580,168 @@
         </p:nvSpPr>
         <p:spPr/>
         <p:txBody>
-          <a:bodyPr>
-            <a:normAutofit fontScale="92500" lnSpcReduction="20000"/>
-          </a:bodyPr>
+          <a:bodyPr/>
           <a:lstStyle/>
           <a:p>
             <a:r>
+              <a:rPr lang="en-US" b="1" i="0" dirty="0">
+                <a:solidFill>
+                  <a:srgbClr val="171717"/>
+                </a:solidFill>
+                <a:effectLst/>
+                <a:latin typeface="Segoe UI" panose="020B0502040204020203" pitchFamily="34" charset="0"/>
+              </a:rPr>
+              <a:t>The </a:t>
+            </a:r>
+            <a:r>
+              <a:rPr lang="en-US" b="1" dirty="0" err="1">
+                <a:solidFill>
+                  <a:srgbClr val="171717"/>
+                </a:solidFill>
+                <a:latin typeface="Segoe UI" panose="020B0502040204020203" pitchFamily="34" charset="0"/>
+              </a:rPr>
+              <a:t>P</a:t>
+            </a:r>
+            <a:r>
+              <a:rPr lang="en-US" b="1" i="0" dirty="0" err="1">
+                <a:solidFill>
+                  <a:srgbClr val="171717"/>
+                </a:solidFill>
+                <a:effectLst/>
+                <a:latin typeface="Segoe UI" panose="020B0502040204020203" pitchFamily="34" charset="0"/>
+              </a:rPr>
+              <a:t>arallel.For</a:t>
+            </a:r>
+            <a:r>
+              <a:rPr lang="en-US" b="1" i="0" dirty="0">
+                <a:solidFill>
+                  <a:srgbClr val="171717"/>
+                </a:solidFill>
+                <a:effectLst/>
+                <a:latin typeface="Segoe UI" panose="020B0502040204020203" pitchFamily="34" charset="0"/>
+              </a:rPr>
+              <a:t> method has 12 overloads.</a:t>
+            </a:r>
+          </a:p>
+          <a:p>
+            <a:endParaRPr lang="en-US" b="1" dirty="0"/>
+          </a:p>
+          <a:p>
+            <a:r>
+              <a:rPr lang="en-US" b="1" i="0" dirty="0" err="1">
+                <a:solidFill>
+                  <a:srgbClr val="171717"/>
+                </a:solidFill>
+                <a:effectLst/>
+                <a:latin typeface="Segoe UI" panose="020B0502040204020203" pitchFamily="34" charset="0"/>
+              </a:rPr>
+              <a:t>Parallel.For</a:t>
+            </a:r>
+            <a:r>
+              <a:rPr lang="en-US" b="1" i="0" dirty="0">
+                <a:solidFill>
+                  <a:srgbClr val="171717"/>
+                </a:solidFill>
+                <a:effectLst/>
+                <a:latin typeface="Segoe UI" panose="020B0502040204020203" pitchFamily="34" charset="0"/>
+              </a:rPr>
+              <a:t>(Int32                       </a:t>
+            </a:r>
+            <a:r>
+              <a:rPr lang="en-US" b="1" i="0" dirty="0">
+                <a:solidFill>
+                  <a:srgbClr val="00B050"/>
+                </a:solidFill>
+                <a:effectLst/>
+                <a:latin typeface="Segoe UI" panose="020B0502040204020203" pitchFamily="34" charset="0"/>
+              </a:rPr>
+              <a:t>// From inclusive</a:t>
+            </a:r>
+            <a:br>
+              <a:rPr lang="en-US" b="1" i="0" dirty="0">
+                <a:solidFill>
+                  <a:srgbClr val="171717"/>
+                </a:solidFill>
+                <a:effectLst/>
+                <a:latin typeface="Segoe UI" panose="020B0502040204020203" pitchFamily="34" charset="0"/>
+              </a:rPr>
+            </a:br>
+            <a:r>
+              <a:rPr lang="en-US" b="1" i="0" dirty="0">
+                <a:solidFill>
+                  <a:srgbClr val="171717"/>
+                </a:solidFill>
+                <a:effectLst/>
+                <a:latin typeface="Segoe UI" panose="020B0502040204020203" pitchFamily="34" charset="0"/>
+              </a:rPr>
+              <a:t>                  , Int32                        </a:t>
+            </a:r>
+            <a:r>
+              <a:rPr lang="en-US" b="1" i="0" dirty="0">
+                <a:solidFill>
+                  <a:srgbClr val="00B050"/>
+                </a:solidFill>
+                <a:effectLst/>
+                <a:latin typeface="Segoe UI" panose="020B0502040204020203" pitchFamily="34" charset="0"/>
+              </a:rPr>
+              <a:t>// To exclusive</a:t>
+            </a:r>
+            <a:br>
+              <a:rPr lang="en-US" b="1" i="0" dirty="0">
+                <a:solidFill>
+                  <a:srgbClr val="171717"/>
+                </a:solidFill>
+                <a:effectLst/>
+                <a:latin typeface="Segoe UI" panose="020B0502040204020203" pitchFamily="34" charset="0"/>
+              </a:rPr>
+            </a:br>
+            <a:r>
+              <a:rPr lang="en-US" b="1" i="0" dirty="0">
+                <a:solidFill>
+                  <a:srgbClr val="171717"/>
+                </a:solidFill>
+                <a:effectLst/>
+                <a:latin typeface="Segoe UI" panose="020B0502040204020203" pitchFamily="34" charset="0"/>
+              </a:rPr>
+              <a:t>                  , Action&lt;Int32&gt;        </a:t>
+            </a:r>
+            <a:r>
+              <a:rPr lang="en-US" b="1" i="0" dirty="0">
+                <a:solidFill>
+                  <a:srgbClr val="00B050"/>
+                </a:solidFill>
+                <a:effectLst/>
+                <a:latin typeface="Segoe UI" panose="020B0502040204020203" pitchFamily="34" charset="0"/>
+              </a:rPr>
+              <a:t>// Body delegate</a:t>
+            </a:r>
+            <a:br>
+              <a:rPr lang="en-US" b="1" i="0" dirty="0">
+                <a:solidFill>
+                  <a:srgbClr val="171717"/>
+                </a:solidFill>
+                <a:effectLst/>
+                <a:latin typeface="Segoe UI" panose="020B0502040204020203" pitchFamily="34" charset="0"/>
+              </a:rPr>
+            </a:br>
+            <a:r>
+              <a:rPr lang="en-US" b="1" i="0" dirty="0">
+                <a:solidFill>
+                  <a:srgbClr val="171717"/>
+                </a:solidFill>
+                <a:effectLst/>
+                <a:latin typeface="Segoe UI" panose="020B0502040204020203" pitchFamily="34" charset="0"/>
+              </a:rPr>
+              <a:t>                   );</a:t>
+            </a:r>
+          </a:p>
+          <a:p>
+            <a:endParaRPr lang="en-US" b="1" dirty="0"/>
+          </a:p>
+          <a:p>
+            <a:r>
               <a:rPr lang="en-US" b="1" dirty="0"/>
-              <a:t>A more substantial calculation</a:t>
+              <a:t>This example will demonstrate tasks running on separate threads.</a:t>
             </a:r>
           </a:p>
           <a:p>
@@ -7571,182 +8749,36 @@
           </a:p>
           <a:p>
             <a:r>
-              <a:rPr lang="en-US" b="1" dirty="0"/>
-              <a:t>Dot Product:</a:t>
-            </a:r>
-          </a:p>
-          <a:p>
-            <a:pPr lvl="1"/>
-            <a:r>
-              <a:rPr lang="en-US" b="1" dirty="0"/>
-              <a:t>Geometric: A • B = |A| * |B| * cos(</a:t>
-            </a:r>
-            <a:r>
-              <a:rPr lang="el-GR" b="1" dirty="0"/>
-              <a:t>θ</a:t>
-            </a:r>
-            <a:r>
-              <a:rPr lang="en-US" b="1" dirty="0"/>
-              <a:t>)</a:t>
-            </a:r>
-          </a:p>
-          <a:p>
-            <a:pPr lvl="1"/>
-            <a:r>
-              <a:rPr lang="en-US" b="1" dirty="0"/>
-              <a:t>Mathematical: Σ ( a</a:t>
-            </a:r>
-            <a:r>
-              <a:rPr lang="en-US" b="1" baseline="-25000" dirty="0"/>
-              <a:t>i</a:t>
-            </a:r>
-            <a:r>
-              <a:rPr lang="en-US" b="1" dirty="0"/>
-              <a:t> * b</a:t>
-            </a:r>
-            <a:r>
-              <a:rPr lang="en-US" b="1" baseline="-25000" dirty="0"/>
-              <a:t>i</a:t>
-            </a:r>
-            <a:r>
-              <a:rPr lang="en-US" b="1" dirty="0"/>
-              <a:t> )</a:t>
-            </a:r>
-          </a:p>
-          <a:p>
-            <a:pPr lvl="1"/>
-            <a:endParaRPr lang="en-US" b="1" dirty="0"/>
-          </a:p>
-          <a:p>
-            <a:pPr lvl="1"/>
-            <a:endParaRPr lang="en-US" b="1" dirty="0"/>
-          </a:p>
-          <a:p>
-            <a:r>
-              <a:rPr lang="en-US" b="1" dirty="0"/>
-              <a:t>Example shows three (3) alternatives:</a:t>
-            </a:r>
-          </a:p>
-          <a:p>
-            <a:pPr lvl="1"/>
-            <a:r>
-              <a:rPr lang="en-US" b="1" dirty="0"/>
-              <a:t>Sequential</a:t>
-            </a:r>
-          </a:p>
-          <a:p>
-            <a:pPr lvl="1"/>
-            <a:r>
-              <a:rPr lang="en-US" b="1" dirty="0" err="1"/>
-              <a:t>Parallel.For</a:t>
-            </a:r>
-            <a:endParaRPr lang="en-US" b="1" dirty="0"/>
-          </a:p>
-          <a:p>
-            <a:pPr lvl="1"/>
-            <a:r>
-              <a:rPr lang="en-US" b="1" dirty="0" err="1"/>
-              <a:t>Parallel.ForEach</a:t>
-            </a:r>
-            <a:r>
-              <a:rPr lang="en-US" b="1" dirty="0"/>
-              <a:t> w/ range Partitioner</a:t>
-            </a:r>
-          </a:p>
-          <a:p>
-            <a:pPr lvl="1"/>
-            <a:endParaRPr lang="en-US" b="1" dirty="0"/>
-          </a:p>
-          <a:p>
-            <a:r>
-              <a:rPr lang="en-US" b="1" dirty="0"/>
-              <a:t>Partitioner:</a:t>
-            </a:r>
-          </a:p>
-          <a:p>
-            <a:pPr lvl="1"/>
-            <a:r>
-              <a:rPr lang="en-US" b="1" dirty="0"/>
-              <a:t>Range partitioning</a:t>
-            </a:r>
-          </a:p>
-          <a:p>
-            <a:pPr lvl="1"/>
-            <a:r>
-              <a:rPr lang="en-US" b="1" dirty="0"/>
-              <a:t>Chunk partitioning – can dynamically adjust the chunk sizes</a:t>
-            </a:r>
-          </a:p>
-          <a:p>
-            <a:pPr lvl="1"/>
-            <a:r>
-              <a:rPr lang="en-US" b="1" dirty="0"/>
+              <a:rPr lang="en-US" dirty="0"/>
+              <a:t>Delegates, Anonymous functions, Lambda expressions</a:t>
+            </a:r>
+            <a:br>
+              <a:rPr lang="en-US" dirty="0"/>
+            </a:br>
+            <a:r>
+              <a:rPr lang="en-US" dirty="0"/>
               <a:t>See: </a:t>
             </a:r>
             <a:r>
               <a:rPr lang="en-US" dirty="0">
                 <a:hlinkClick r:id="rId2"/>
               </a:rPr>
-              <a:t>Custom Partitioners for PLINQ and TPL | Microsoft Docs</a:t>
-            </a:r>
-            <a:endParaRPr lang="en-US" b="1" dirty="0"/>
-          </a:p>
-          <a:p>
+              <a:t>Delegates, Lambda Expressions &amp; Closures in C# - Alan </a:t>
+            </a:r>
+            <a:r>
+              <a:rPr lang="en-US" dirty="0" err="1">
+                <a:hlinkClick r:id="rId2"/>
+              </a:rPr>
+              <a:t>Zucconi</a:t>
+            </a:r>
             <a:endParaRPr lang="en-US" dirty="0"/>
           </a:p>
         </p:txBody>
       </p:sp>
-      <p:pic>
-        <p:nvPicPr>
-          <p:cNvPr id="1026" name="Picture 2" descr="See the source image">
-            <a:extLst>
-              <a:ext uri="{FF2B5EF4-FFF2-40B4-BE49-F238E27FC236}">
-                <a16:creationId xmlns:a16="http://schemas.microsoft.com/office/drawing/2014/main" id="{D3043118-8501-4E33-BED8-58A1490DE737}"/>
-              </a:ext>
-            </a:extLst>
-          </p:cNvPr>
-          <p:cNvPicPr>
-            <a:picLocks noChangeAspect="1" noChangeArrowheads="1"/>
-          </p:cNvPicPr>
-          <p:nvPr/>
-        </p:nvPicPr>
-        <p:blipFill>
-          <a:blip r:embed="rId3">
-            <a:extLst>
-              <a:ext uri="{28A0092B-C50C-407E-A947-70E740481C1C}">
-                <a14:useLocalDpi xmlns:a14="http://schemas.microsoft.com/office/drawing/2010/main" val="0"/>
-              </a:ext>
-            </a:extLst>
-          </a:blip>
-          <a:srcRect/>
-          <a:stretch>
-            <a:fillRect/>
-          </a:stretch>
-        </p:blipFill>
-        <p:spPr bwMode="auto">
-          <a:xfrm>
-            <a:off x="4575797" y="2658703"/>
-            <a:ext cx="1246269" cy="944390"/>
-          </a:xfrm>
-          <a:prstGeom prst="rect">
-            <a:avLst/>
-          </a:prstGeom>
-          <a:noFill/>
-          <a:extLst>
-            <a:ext uri="{909E8E84-426E-40DD-AFC4-6F175D3DCCD1}">
-              <a14:hiddenFill xmlns:a14="http://schemas.microsoft.com/office/drawing/2010/main">
-                <a:solidFill>
-                  <a:srgbClr val="FFFFFF"/>
-                </a:solidFill>
-              </a14:hiddenFill>
-            </a:ext>
-          </a:extLst>
-        </p:spPr>
-      </p:pic>
     </p:spTree>
     <p:extLst>
       <p:ext uri="{BB962C8B-B14F-4D97-AF65-F5344CB8AC3E}">
-        <p14:creationId xmlns:p14="http://schemas.microsoft.com/office/powerpoint/2010/main" val="3380235699"/>
+        <p14:creationId xmlns:p14="http://schemas.microsoft.com/office/powerpoint/2010/main" val="3876481716"/>
       </p:ext>
     </p:extLst>
   </p:cSld>
@@ -8032,302 +9064,16 @@
 </a:theme>
 </file>
 
-<file path=ppt/theme/theme2.xml><?xml version="1.0" encoding="utf-8"?>
-<a:theme xmlns:a="http://schemas.openxmlformats.org/drawingml/2006/main" name="Office Theme">
-  <a:themeElements>
-    <a:clrScheme name="Office">
-      <a:dk1>
-        <a:sysClr val="windowText" lastClr="000000"/>
-      </a:dk1>
-      <a:lt1>
-        <a:sysClr val="window" lastClr="FFFFFF"/>
-      </a:lt1>
-      <a:dk2>
-        <a:srgbClr val="44546A"/>
-      </a:dk2>
-      <a:lt2>
-        <a:srgbClr val="E7E6E6"/>
-      </a:lt2>
-      <a:accent1>
-        <a:srgbClr val="4472C4"/>
-      </a:accent1>
-      <a:accent2>
-        <a:srgbClr val="ED7D31"/>
-      </a:accent2>
-      <a:accent3>
-        <a:srgbClr val="A5A5A5"/>
-      </a:accent3>
-      <a:accent4>
-        <a:srgbClr val="FFC000"/>
-      </a:accent4>
-      <a:accent5>
-        <a:srgbClr val="5B9BD5"/>
-      </a:accent5>
-      <a:accent6>
-        <a:srgbClr val="70AD47"/>
-      </a:accent6>
-      <a:hlink>
-        <a:srgbClr val="0563C1"/>
-      </a:hlink>
-      <a:folHlink>
-        <a:srgbClr val="954F72"/>
-      </a:folHlink>
-    </a:clrScheme>
-    <a:fontScheme name="Office">
-      <a:majorFont>
-        <a:latin typeface="Calibri Light" panose="020F0302020204030204"/>
-        <a:ea typeface=""/>
-        <a:cs typeface=""/>
-        <a:font script="Jpan" typeface="游ゴシック Light"/>
-        <a:font script="Hang" typeface="맑은 고딕"/>
-        <a:font script="Hans" typeface="等线 Light"/>
-        <a:font script="Hant" typeface="新細明體"/>
-        <a:font script="Arab" typeface="Times New Roman"/>
-        <a:font script="Hebr" typeface="Times New Roman"/>
-        <a:font script="Thai" typeface="Angsana New"/>
-        <a:font script="Ethi" typeface="Nyala"/>
-        <a:font script="Beng" typeface="Vrinda"/>
-        <a:font script="Gujr" typeface="Shruti"/>
-        <a:font script="Khmr" typeface="MoolBoran"/>
-        <a:font script="Knda" typeface="Tunga"/>
-        <a:font script="Guru" typeface="Raavi"/>
-        <a:font script="Cans" typeface="Euphemia"/>
-        <a:font script="Cher" typeface="Plantagenet Cherokee"/>
-        <a:font script="Yiii" typeface="Microsoft Yi Baiti"/>
-        <a:font script="Tibt" typeface="Microsoft Himalaya"/>
-        <a:font script="Thaa" typeface="MV Boli"/>
-        <a:font script="Deva" typeface="Mangal"/>
-        <a:font script="Telu" typeface="Gautami"/>
-        <a:font script="Taml" typeface="Latha"/>
-        <a:font script="Syrc" typeface="Estrangelo Edessa"/>
-        <a:font script="Orya" typeface="Kalinga"/>
-        <a:font script="Mlym" typeface="Kartika"/>
-        <a:font script="Laoo" typeface="DokChampa"/>
-        <a:font script="Sinh" typeface="Iskoola Pota"/>
-        <a:font script="Mong" typeface="Mongolian Baiti"/>
-        <a:font script="Viet" typeface="Times New Roman"/>
-        <a:font script="Uigh" typeface="Microsoft Uighur"/>
-        <a:font script="Geor" typeface="Sylfaen"/>
-        <a:font script="Armn" typeface="Arial"/>
-        <a:font script="Bugi" typeface="Leelawadee UI"/>
-        <a:font script="Bopo" typeface="Microsoft JhengHei"/>
-        <a:font script="Java" typeface="Javanese Text"/>
-        <a:font script="Lisu" typeface="Segoe UI"/>
-        <a:font script="Mymr" typeface="Myanmar Text"/>
-        <a:font script="Nkoo" typeface="Ebrima"/>
-        <a:font script="Olck" typeface="Nirmala UI"/>
-        <a:font script="Osma" typeface="Ebrima"/>
-        <a:font script="Phag" typeface="Phagspa"/>
-        <a:font script="Syrn" typeface="Estrangelo Edessa"/>
-        <a:font script="Syrj" typeface="Estrangelo Edessa"/>
-        <a:font script="Syre" typeface="Estrangelo Edessa"/>
-        <a:font script="Sora" typeface="Nirmala UI"/>
-        <a:font script="Tale" typeface="Microsoft Tai Le"/>
-        <a:font script="Talu" typeface="Microsoft New Tai Lue"/>
-        <a:font script="Tfng" typeface="Ebrima"/>
-      </a:majorFont>
-      <a:minorFont>
-        <a:latin typeface="Calibri" panose="020F0502020204030204"/>
-        <a:ea typeface=""/>
-        <a:cs typeface=""/>
-        <a:font script="Jpan" typeface="游ゴシック"/>
-        <a:font script="Hang" typeface="맑은 고딕"/>
-        <a:font script="Hans" typeface="等线"/>
-        <a:font script="Hant" typeface="新細明體"/>
-        <a:font script="Arab" typeface="Arial"/>
-        <a:font script="Hebr" typeface="Arial"/>
-        <a:font script="Thai" typeface="Cordia New"/>
-        <a:font script="Ethi" typeface="Nyala"/>
-        <a:font script="Beng" typeface="Vrinda"/>
-        <a:font script="Gujr" typeface="Shruti"/>
-        <a:font script="Khmr" typeface="DaunPenh"/>
-        <a:font script="Knda" typeface="Tunga"/>
-        <a:font script="Guru" typeface="Raavi"/>
-        <a:font script="Cans" typeface="Euphemia"/>
-        <a:font script="Cher" typeface="Plantagenet Cherokee"/>
-        <a:font script="Yiii" typeface="Microsoft Yi Baiti"/>
-        <a:font script="Tibt" typeface="Microsoft Himalaya"/>
-        <a:font script="Thaa" typeface="MV Boli"/>
-        <a:font script="Deva" typeface="Mangal"/>
-        <a:font script="Telu" typeface="Gautami"/>
-        <a:font script="Taml" typeface="Latha"/>
-        <a:font script="Syrc" typeface="Estrangelo Edessa"/>
-        <a:font script="Orya" typeface="Kalinga"/>
-        <a:font script="Mlym" typeface="Kartika"/>
-        <a:font script="Laoo" typeface="DokChampa"/>
-        <a:font script="Sinh" typeface="Iskoola Pota"/>
-        <a:font script="Mong" typeface="Mongolian Baiti"/>
-        <a:font script="Viet" typeface="Arial"/>
-        <a:font script="Uigh" typeface="Microsoft Uighur"/>
-        <a:font script="Geor" typeface="Sylfaen"/>
-        <a:font script="Armn" typeface="Arial"/>
-        <a:font script="Bugi" typeface="Leelawadee UI"/>
-        <a:font script="Bopo" typeface="Microsoft JhengHei"/>
-        <a:font script="Java" typeface="Javanese Text"/>
-        <a:font script="Lisu" typeface="Segoe UI"/>
-        <a:font script="Mymr" typeface="Myanmar Text"/>
-        <a:font script="Nkoo" typeface="Ebrima"/>
-        <a:font script="Olck" typeface="Nirmala UI"/>
-        <a:font script="Osma" typeface="Ebrima"/>
-        <a:font script="Phag" typeface="Phagspa"/>
-        <a:font script="Syrn" typeface="Estrangelo Edessa"/>
-        <a:font script="Syrj" typeface="Estrangelo Edessa"/>
-        <a:font script="Syre" typeface="Estrangelo Edessa"/>
-        <a:font script="Sora" typeface="Nirmala UI"/>
-        <a:font script="Tale" typeface="Microsoft Tai Le"/>
-        <a:font script="Talu" typeface="Microsoft New Tai Lue"/>
-        <a:font script="Tfng" typeface="Ebrima"/>
-      </a:minorFont>
-    </a:fontScheme>
-    <a:fmtScheme name="Office">
-      <a:fillStyleLst>
-        <a:solidFill>
-          <a:schemeClr val="phClr"/>
-        </a:solidFill>
-        <a:gradFill rotWithShape="1">
-          <a:gsLst>
-            <a:gs pos="0">
-              <a:schemeClr val="phClr">
-                <a:lumMod val="110000"/>
-                <a:satMod val="105000"/>
-                <a:tint val="67000"/>
-              </a:schemeClr>
-            </a:gs>
-            <a:gs pos="50000">
-              <a:schemeClr val="phClr">
-                <a:lumMod val="105000"/>
-                <a:satMod val="103000"/>
-                <a:tint val="73000"/>
-              </a:schemeClr>
-            </a:gs>
-            <a:gs pos="100000">
-              <a:schemeClr val="phClr">
-                <a:lumMod val="105000"/>
-                <a:satMod val="109000"/>
-                <a:tint val="81000"/>
-              </a:schemeClr>
-            </a:gs>
-          </a:gsLst>
-          <a:lin ang="5400000" scaled="0"/>
-        </a:gradFill>
-        <a:gradFill rotWithShape="1">
-          <a:gsLst>
-            <a:gs pos="0">
-              <a:schemeClr val="phClr">
-                <a:satMod val="103000"/>
-                <a:lumMod val="102000"/>
-                <a:tint val="94000"/>
-              </a:schemeClr>
-            </a:gs>
-            <a:gs pos="50000">
-              <a:schemeClr val="phClr">
-                <a:satMod val="110000"/>
-                <a:lumMod val="100000"/>
-                <a:shade val="100000"/>
-              </a:schemeClr>
-            </a:gs>
-            <a:gs pos="100000">
-              <a:schemeClr val="phClr">
-                <a:lumMod val="99000"/>
-                <a:satMod val="120000"/>
-                <a:shade val="78000"/>
-              </a:schemeClr>
-            </a:gs>
-          </a:gsLst>
-          <a:lin ang="5400000" scaled="0"/>
-        </a:gradFill>
-      </a:fillStyleLst>
-      <a:lnStyleLst>
-        <a:ln w="6350" cap="flat" cmpd="sng" algn="ctr">
-          <a:solidFill>
-            <a:schemeClr val="phClr"/>
-          </a:solidFill>
-          <a:prstDash val="solid"/>
-          <a:miter lim="800000"/>
-        </a:ln>
-        <a:ln w="12700" cap="flat" cmpd="sng" algn="ctr">
-          <a:solidFill>
-            <a:schemeClr val="phClr"/>
-          </a:solidFill>
-          <a:prstDash val="solid"/>
-          <a:miter lim="800000"/>
-        </a:ln>
-        <a:ln w="19050" cap="flat" cmpd="sng" algn="ctr">
-          <a:solidFill>
-            <a:schemeClr val="phClr"/>
-          </a:solidFill>
-          <a:prstDash val="solid"/>
-          <a:miter lim="800000"/>
-        </a:ln>
-      </a:lnStyleLst>
-      <a:effectStyleLst>
-        <a:effectStyle>
-          <a:effectLst/>
-        </a:effectStyle>
-        <a:effectStyle>
-          <a:effectLst/>
-        </a:effectStyle>
-        <a:effectStyle>
-          <a:effectLst>
-            <a:outerShdw blurRad="57150" dist="19050" dir="5400000" algn="ctr" rotWithShape="0">
-              <a:srgbClr val="000000">
-                <a:alpha val="63000"/>
-              </a:srgbClr>
-            </a:outerShdw>
-          </a:effectLst>
-        </a:effectStyle>
-      </a:effectStyleLst>
-      <a:bgFillStyleLst>
-        <a:solidFill>
-          <a:schemeClr val="phClr"/>
-        </a:solidFill>
-        <a:solidFill>
-          <a:schemeClr val="phClr">
-            <a:tint val="95000"/>
-            <a:satMod val="170000"/>
-          </a:schemeClr>
-        </a:solidFill>
-        <a:gradFill rotWithShape="1">
-          <a:gsLst>
-            <a:gs pos="0">
-              <a:schemeClr val="phClr">
-                <a:tint val="93000"/>
-                <a:satMod val="150000"/>
-                <a:shade val="98000"/>
-                <a:lumMod val="102000"/>
-              </a:schemeClr>
-            </a:gs>
-            <a:gs pos="50000">
-              <a:schemeClr val="phClr">
-                <a:tint val="98000"/>
-                <a:satMod val="130000"/>
-                <a:shade val="90000"/>
-                <a:lumMod val="103000"/>
-              </a:schemeClr>
-            </a:gs>
-            <a:gs pos="100000">
-              <a:schemeClr val="phClr">
-                <a:shade val="63000"/>
-                <a:satMod val="120000"/>
-              </a:schemeClr>
-            </a:gs>
-          </a:gsLst>
-          <a:lin ang="5400000" scaled="0"/>
-        </a:gradFill>
-      </a:bgFillStyleLst>
-    </a:fmtScheme>
-  </a:themeElements>
-  <a:objectDefaults/>
-  <a:extraClrSchemeLst/>
-  <a:extLst>
-    <a:ext uri="{05A4C25C-085E-4340-85A3-A5531E510DB2}">
-      <thm15:themeFamily xmlns:thm15="http://schemas.microsoft.com/office/thememl/2012/main" name="Office Theme" id="{62F939B6-93AF-4DB8-9C6B-D6C7DFDC589F}" vid="{4A3C46E8-61CC-4603-A589-7422A47A8E4A}"/>
-    </a:ext>
-  </a:extLst>
-</a:theme>
+<file path=customXml/item1.xml><?xml version="1.0" encoding="utf-8"?>
+<?mso-contentType ?>
+<FormTemplates xmlns="http://schemas.microsoft.com/sharepoint/v3/contenttype/forms">
+  <Display>DocumentLibraryForm</Display>
+  <Edit>DocumentLibraryForm</Edit>
+  <New>DocumentLibraryForm</New>
+</FormTemplates>
 </file>
 
-<file path=customXml/item1.xml><?xml version="1.0" encoding="utf-8"?>
+<file path=customXml/item2.xml><?xml version="1.0" encoding="utf-8"?>
 <ct:contentTypeSchema xmlns:ct="http://schemas.microsoft.com/office/2006/metadata/contentType" xmlns:ma="http://schemas.microsoft.com/office/2006/metadata/properties/metaAttributes" ct:_="" ma:_="" ma:contentTypeName="Document" ma:contentTypeID="0x01010079F111ED35F8CC479449609E8A0923A6" ma:contentTypeVersion="12" ma:contentTypeDescription="Create a new document." ma:contentTypeScope="" ma:versionID="a410dd7f93c95333ffa1b60ed6adedd1">
   <xsd:schema xmlns:xsd="http://www.w3.org/2001/XMLSchema" xmlns:xs="http://www.w3.org/2001/XMLSchema" xmlns:p="http://schemas.microsoft.com/office/2006/metadata/properties" xmlns:ns2="71af3243-3dd4-4a8d-8c0d-dd76da1f02a5" xmlns:ns3="16c05727-aa75-4e4a-9b5f-8a80a1165891" targetNamespace="http://schemas.microsoft.com/office/2006/metadata/properties" ma:root="true" ma:fieldsID="a936d9baba76aa3866493feff160faab" ns2:_="" ns3:_="">
     <xsd:import namespace="71af3243-3dd4-4a8d-8c0d-dd76da1f02a5"/>
@@ -8548,15 +9294,6 @@
 </ct:contentTypeSchema>
 </file>
 
-<file path=customXml/item2.xml><?xml version="1.0" encoding="utf-8"?>
-<?mso-contentType ?>
-<FormTemplates xmlns="http://schemas.microsoft.com/sharepoint/v3/contenttype/forms">
-  <Display>DocumentLibraryForm</Display>
-  <Edit>DocumentLibraryForm</Edit>
-  <New>DocumentLibraryForm</New>
-</FormTemplates>
-</file>
-
 <file path=customXml/item3.xml><?xml version="1.0" encoding="utf-8"?>
 <p:properties xmlns:p="http://schemas.microsoft.com/office/2006/metadata/properties" xmlns:xsi="http://www.w3.org/2001/XMLSchema-instance" xmlns:pc="http://schemas.microsoft.com/office/infopath/2007/PartnerControls">
   <documentManagement>
@@ -8567,6 +9304,14 @@
 </file>
 
 <file path=customXml/itemProps1.xml><?xml version="1.0" encoding="utf-8"?>
+<ds:datastoreItem xmlns:ds="http://schemas.openxmlformats.org/officeDocument/2006/customXml" ds:itemID="{CDB58277-F8DF-46FF-84EC-EF41B835E69F}">
+  <ds:schemaRefs>
+    <ds:schemaRef ds:uri="http://schemas.microsoft.com/sharepoint/v3/contenttype/forms"/>
+  </ds:schemaRefs>
+</ds:datastoreItem>
+</file>
+
+<file path=customXml/itemProps2.xml><?xml version="1.0" encoding="utf-8"?>
 <ds:datastoreItem xmlns:ds="http://schemas.openxmlformats.org/officeDocument/2006/customXml" ds:itemID="{2D276E62-80A3-44DD-9BCC-97ED2B99B57F}">
   <ds:schemaRefs>
     <ds:schemaRef ds:uri="http://schemas.microsoft.com/office/2006/metadata/contentType"/>
@@ -8585,14 +9330,6 @@
 </ds:datastoreItem>
 </file>
 
-<file path=customXml/itemProps2.xml><?xml version="1.0" encoding="utf-8"?>
-<ds:datastoreItem xmlns:ds="http://schemas.openxmlformats.org/officeDocument/2006/customXml" ds:itemID="{CDB58277-F8DF-46FF-84EC-EF41B835E69F}">
-  <ds:schemaRefs>
-    <ds:schemaRef ds:uri="http://schemas.microsoft.com/sharepoint/v3/contenttype/forms"/>
-  </ds:schemaRefs>
-</ds:datastoreItem>
-</file>
-
 <file path=customXml/itemProps3.xml><?xml version="1.0" encoding="utf-8"?>
 <ds:datastoreItem xmlns:ds="http://schemas.openxmlformats.org/officeDocument/2006/customXml" ds:itemID="{137651BA-F45C-4845-9AB3-E0A65B39F5E1}">
   <ds:schemaRefs>

--- a/CSC543FinalProject/CSC 543 - Spring 2021 - Final Project - Bob Elward.pptx
+++ b/CSC543FinalProject/CSC 543 - Spring 2021 - Final Project - Bob Elward.pptx
@@ -7,9 +7,9 @@
   <p:sldIdLst>
     <p:sldId id="257" r:id="rId5"/>
     <p:sldId id="272" r:id="rId6"/>
-    <p:sldId id="285" r:id="rId7"/>
-    <p:sldId id="269" r:id="rId8"/>
-    <p:sldId id="267" r:id="rId9"/>
+    <p:sldId id="269" r:id="rId7"/>
+    <p:sldId id="267" r:id="rId8"/>
+    <p:sldId id="285" r:id="rId9"/>
     <p:sldId id="278" r:id="rId10"/>
     <p:sldId id="286" r:id="rId11"/>
     <p:sldId id="271" r:id="rId12"/>
@@ -24,7 +24,7 @@
     <p:sldId id="281" r:id="rId21"/>
   </p:sldIdLst>
   <p:sldSz cx="12192000" cy="6858000"/>
-  <p:notesSz cx="6858000" cy="9144000"/>
+  <p:notesSz cx="6858000" cy="9239250"/>
   <p:defaultTextStyle>
     <a:defPPr>
       <a:defRPr lang="en-US"/>
@@ -131,7 +131,7 @@
 <file path=ppt/revisionInfo.xml><?xml version="1.0" encoding="utf-8"?>
 <p1510:revInfo xmlns:a="http://schemas.openxmlformats.org/drawingml/2006/main" xmlns:r="http://schemas.openxmlformats.org/officeDocument/2006/relationships" xmlns:p1510="http://schemas.microsoft.com/office/powerpoint/2015/10/main">
   <p1510:revLst>
-    <p1510:client id="{607681AF-7AAC-4B91-A1BC-14E95AC55DD5}" v="45" dt="2021-04-26T20:04:44.550"/>
+    <p1510:client id="{607681AF-7AAC-4B91-A1BC-14E95AC55DD5}" v="46" dt="2021-04-27T16:04:34.803"/>
   </p1510:revLst>
 </p1510:revInfo>
 </file>
@@ -141,18 +141,93 @@
   <pc:docChgLst>
     <pc:chgData name="Bob E" userId="3e98a89c1d755d3b" providerId="LiveId" clId="{607681AF-7AAC-4B91-A1BC-14E95AC55DD5}"/>
     <pc:docChg chg="custSel addSld delSld modSld sldOrd">
-      <pc:chgData name="Bob E" userId="3e98a89c1d755d3b" providerId="LiveId" clId="{607681AF-7AAC-4B91-A1BC-14E95AC55DD5}" dt="2021-04-26T21:30:15.790" v="675"/>
+      <pc:chgData name="Bob E" userId="3e98a89c1d755d3b" providerId="LiveId" clId="{607681AF-7AAC-4B91-A1BC-14E95AC55DD5}" dt="2021-04-27T18:48:21.664" v="878" actId="478"/>
       <pc:docMkLst>
         <pc:docMk/>
       </pc:docMkLst>
+      <pc:sldChg chg="modSp mod">
+        <pc:chgData name="Bob E" userId="3e98a89c1d755d3b" providerId="LiveId" clId="{607681AF-7AAC-4B91-A1BC-14E95AC55DD5}" dt="2021-04-27T18:16:26.237" v="739" actId="20577"/>
+        <pc:sldMkLst>
+          <pc:docMk/>
+          <pc:sldMk cId="3056102889" sldId="271"/>
+        </pc:sldMkLst>
+        <pc:spChg chg="mod">
+          <ac:chgData name="Bob E" userId="3e98a89c1d755d3b" providerId="LiveId" clId="{607681AF-7AAC-4B91-A1BC-14E95AC55DD5}" dt="2021-04-27T18:16:26.237" v="739" actId="20577"/>
+          <ac:spMkLst>
+            <pc:docMk/>
+            <pc:sldMk cId="3056102889" sldId="271"/>
+            <ac:spMk id="2" creationId="{A71192EF-6ED8-47E0-906A-BC57CD1E9C04}"/>
+          </ac:spMkLst>
+        </pc:spChg>
+      </pc:sldChg>
+      <pc:sldChg chg="modSp mod">
+        <pc:chgData name="Bob E" userId="3e98a89c1d755d3b" providerId="LiveId" clId="{607681AF-7AAC-4B91-A1BC-14E95AC55DD5}" dt="2021-04-27T18:14:35.016" v="717" actId="20577"/>
+        <pc:sldMkLst>
+          <pc:docMk/>
+          <pc:sldMk cId="434758405" sldId="272"/>
+        </pc:sldMkLst>
+        <pc:spChg chg="mod">
+          <ac:chgData name="Bob E" userId="3e98a89c1d755d3b" providerId="LiveId" clId="{607681AF-7AAC-4B91-A1BC-14E95AC55DD5}" dt="2021-04-27T18:14:35.016" v="717" actId="20577"/>
+          <ac:spMkLst>
+            <pc:docMk/>
+            <pc:sldMk cId="434758405" sldId="272"/>
+            <ac:spMk id="3" creationId="{3C650AA7-245A-451B-B604-B9C5108457AB}"/>
+          </ac:spMkLst>
+        </pc:spChg>
+      </pc:sldChg>
+      <pc:sldChg chg="addSp delSp modSp mod">
+        <pc:chgData name="Bob E" userId="3e98a89c1d755d3b" providerId="LiveId" clId="{607681AF-7AAC-4B91-A1BC-14E95AC55DD5}" dt="2021-04-27T18:48:21.664" v="878" actId="478"/>
+        <pc:sldMkLst>
+          <pc:docMk/>
+          <pc:sldMk cId="413717029" sldId="276"/>
+        </pc:sldMkLst>
+        <pc:picChg chg="add mod">
+          <ac:chgData name="Bob E" userId="3e98a89c1d755d3b" providerId="LiveId" clId="{607681AF-7AAC-4B91-A1BC-14E95AC55DD5}" dt="2021-04-27T18:48:18.967" v="877" actId="14100"/>
+          <ac:picMkLst>
+            <pc:docMk/>
+            <pc:sldMk cId="413717029" sldId="276"/>
+            <ac:picMk id="4" creationId="{2F063A17-EA11-4DDD-BF66-A72D5EF116A3}"/>
+          </ac:picMkLst>
+        </pc:picChg>
+        <pc:picChg chg="del mod">
+          <ac:chgData name="Bob E" userId="3e98a89c1d755d3b" providerId="LiveId" clId="{607681AF-7AAC-4B91-A1BC-14E95AC55DD5}" dt="2021-04-27T18:48:21.664" v="878" actId="478"/>
+          <ac:picMkLst>
+            <pc:docMk/>
+            <pc:sldMk cId="413717029" sldId="276"/>
+            <ac:picMk id="5" creationId="{DC77C3F0-9D52-43DA-AC9D-8205E88E1C5B}"/>
+          </ac:picMkLst>
+        </pc:picChg>
+      </pc:sldChg>
+      <pc:sldChg chg="mod modShow">
+        <pc:chgData name="Bob E" userId="3e98a89c1d755d3b" providerId="LiveId" clId="{607681AF-7AAC-4B91-A1BC-14E95AC55DD5}" dt="2021-04-27T18:21:28.142" v="744" actId="729"/>
+        <pc:sldMkLst>
+          <pc:docMk/>
+          <pc:sldMk cId="2739083090" sldId="279"/>
+        </pc:sldMkLst>
+      </pc:sldChg>
+      <pc:sldChg chg="modSp mod">
+        <pc:chgData name="Bob E" userId="3e98a89c1d755d3b" providerId="LiveId" clId="{607681AF-7AAC-4B91-A1BC-14E95AC55DD5}" dt="2021-04-27T18:29:36.768" v="872" actId="20577"/>
+        <pc:sldMkLst>
+          <pc:docMk/>
+          <pc:sldMk cId="1934120175" sldId="281"/>
+        </pc:sldMkLst>
+        <pc:spChg chg="mod">
+          <ac:chgData name="Bob E" userId="3e98a89c1d755d3b" providerId="LiveId" clId="{607681AF-7AAC-4B91-A1BC-14E95AC55DD5}" dt="2021-04-27T18:29:36.768" v="872" actId="20577"/>
+          <ac:spMkLst>
+            <pc:docMk/>
+            <pc:sldMk cId="1934120175" sldId="281"/>
+            <ac:spMk id="4" creationId="{72A6EEA7-3DFE-418E-AF6C-19A291525633}"/>
+          </ac:spMkLst>
+        </pc:spChg>
+      </pc:sldChg>
       <pc:sldChg chg="modSp mod ord">
-        <pc:chgData name="Bob E" userId="3e98a89c1d755d3b" providerId="LiveId" clId="{607681AF-7AAC-4B91-A1BC-14E95AC55DD5}" dt="2021-04-26T21:30:15.790" v="675"/>
+        <pc:chgData name="Bob E" userId="3e98a89c1d755d3b" providerId="LiveId" clId="{607681AF-7AAC-4B91-A1BC-14E95AC55DD5}" dt="2021-04-27T18:18:38.202" v="743" actId="13926"/>
         <pc:sldMkLst>
           <pc:docMk/>
           <pc:sldMk cId="787778358" sldId="282"/>
         </pc:sldMkLst>
         <pc:spChg chg="mod">
-          <ac:chgData name="Bob E" userId="3e98a89c1d755d3b" providerId="LiveId" clId="{607681AF-7AAC-4B91-A1BC-14E95AC55DD5}" dt="2021-04-26T21:21:37.977" v="452" actId="27636"/>
+          <ac:chgData name="Bob E" userId="3e98a89c1d755d3b" providerId="LiveId" clId="{607681AF-7AAC-4B91-A1BC-14E95AC55DD5}" dt="2021-04-27T18:18:38.202" v="743" actId="13926"/>
           <ac:spMkLst>
             <pc:docMk/>
             <pc:sldMk cId="787778358" sldId="282"/>
@@ -183,8 +258,8 @@
           </ac:picMkLst>
         </pc:picChg>
       </pc:sldChg>
-      <pc:sldChg chg="addSp delSp modSp new mod">
-        <pc:chgData name="Bob E" userId="3e98a89c1d755d3b" providerId="LiveId" clId="{607681AF-7AAC-4B91-A1BC-14E95AC55DD5}" dt="2021-04-26T20:05:10.548" v="419"/>
+      <pc:sldChg chg="addSp delSp modSp new mod ord">
+        <pc:chgData name="Bob E" userId="3e98a89c1d755d3b" providerId="LiveId" clId="{607681AF-7AAC-4B91-A1BC-14E95AC55DD5}" dt="2021-04-27T18:13:41.903" v="677"/>
         <pc:sldMkLst>
           <pc:docMk/>
           <pc:sldMk cId="2846210679" sldId="285"/>
@@ -726,7 +801,7 @@
           <a:p>
             <a:fld id="{EA0C0817-A112-4847-8014-A94B7D2A4EA3}" type="datetime1">
               <a:rPr lang="en-US" smtClean="0"/>
-              <a:t>4/23/2021</a:t>
+              <a:t>4/27/2021</a:t>
             </a:fld>
             <a:endParaRPr lang="en-US" dirty="0"/>
           </a:p>
@@ -928,7 +1003,7 @@
           <a:p>
             <a:fld id="{7332B432-ACDA-4023-A761-2BAB76577B62}" type="datetime1">
               <a:rPr lang="en-US" smtClean="0"/>
-              <a:t>4/23/2021</a:t>
+              <a:t>4/27/2021</a:t>
             </a:fld>
             <a:endParaRPr lang="en-US" dirty="0"/>
           </a:p>
@@ -1527,7 +1602,7 @@
           <a:p>
             <a:fld id="{D9C646AA-F36E-4540-911D-FFFC0A0EF24A}" type="datetime1">
               <a:rPr lang="en-US" smtClean="0"/>
-              <a:t>4/23/2021</a:t>
+              <a:t>4/27/2021</a:t>
             </a:fld>
             <a:endParaRPr lang="en-US" dirty="0"/>
           </a:p>
@@ -1847,7 +1922,7 @@
           <a:p>
             <a:fld id="{69186D26-FA5F-4637-B602-B7C2DC34CFD4}" type="datetime1">
               <a:rPr lang="en-US" smtClean="0"/>
-              <a:t>4/23/2021</a:t>
+              <a:t>4/27/2021</a:t>
             </a:fld>
             <a:endParaRPr lang="en-US" dirty="0"/>
           </a:p>
@@ -2284,7 +2359,7 @@
           <a:p>
             <a:fld id="{8A7F15D8-96D1-4781-BC50-CA8A088B2FE4}" type="datetime1">
               <a:rPr lang="en-US" smtClean="0"/>
-              <a:t>4/23/2021</a:t>
+              <a:t>4/27/2021</a:t>
             </a:fld>
             <a:endParaRPr lang="en-US" dirty="0"/>
           </a:p>
@@ -2402,7 +2477,7 @@
           <a:p>
             <a:fld id="{F9A96C99-B8F8-4528-BD05-0E16E943DC09}" type="datetime1">
               <a:rPr lang="en-US" smtClean="0"/>
-              <a:t>4/23/2021</a:t>
+              <a:t>4/27/2021</a:t>
             </a:fld>
             <a:endParaRPr lang="en-US" dirty="0"/>
           </a:p>
@@ -2497,7 +2572,7 @@
           <a:p>
             <a:fld id="{03636942-C211-4B28-8DBD-C953E00AF71B}" type="datetime1">
               <a:rPr lang="en-US" smtClean="0"/>
-              <a:t>4/23/2021</a:t>
+              <a:t>4/27/2021</a:t>
             </a:fld>
             <a:endParaRPr lang="en-US" dirty="0"/>
           </a:p>
@@ -2914,7 +2989,7 @@
           <a:p>
             <a:fld id="{7E8D12A6-918A-48BD-8CB9-CA713993B0EA}" type="datetime1">
               <a:rPr lang="en-US" smtClean="0"/>
-              <a:t>4/23/2021</a:t>
+              <a:t>4/27/2021</a:t>
             </a:fld>
             <a:endParaRPr lang="en-US" dirty="0"/>
           </a:p>
@@ -3176,7 +3251,7 @@
             <a:fld id="{E778CE86-875F-4587-BCF6-FA054AFC0D53}" type="datetime1">
               <a:rPr lang="en-US" smtClean="0"/>
               <a:pPr/>
-              <a:t>4/23/2021</a:t>
+              <a:t>4/27/2021</a:t>
             </a:fld>
             <a:endParaRPr lang="en-US" dirty="0"/>
           </a:p>
@@ -3692,7 +3767,7 @@
           <a:p>
             <a:fld id="{F6FA2B21-3FCD-4721-B95C-427943F61125}" type="datetime1">
               <a:rPr lang="en-US" smtClean="0"/>
-              <a:t>4/23/2021</a:t>
+              <a:t>4/27/2021</a:t>
             </a:fld>
             <a:endParaRPr lang="en-US" dirty="0"/>
           </a:p>
@@ -4554,7 +4629,11 @@
               <a:t>(0, n, </a:t>
             </a:r>
             <a:r>
-              <a:rPr lang="en-US" dirty="0" err="1"/>
+              <a:rPr lang="en-US" dirty="0" err="1">
+                <a:highlight>
+                  <a:srgbClr val="FFFF00"/>
+                </a:highlight>
+              </a:rPr>
               <a:t>DoWork</a:t>
             </a:r>
             <a:r>
@@ -4572,19 +4651,35 @@
               <a:t>public void </a:t>
             </a:r>
             <a:r>
-              <a:rPr lang="en-US" dirty="0" err="1"/>
+              <a:rPr lang="en-US" dirty="0" err="1">
+                <a:highlight>
+                  <a:srgbClr val="FFFF00"/>
+                </a:highlight>
+              </a:rPr>
               <a:t>DoWork</a:t>
             </a:r>
             <a:r>
-              <a:rPr lang="en-US" dirty="0"/>
+              <a:rPr lang="en-US" dirty="0">
+                <a:highlight>
+                  <a:srgbClr val="FFFF00"/>
+                </a:highlight>
+              </a:rPr>
               <a:t>(int </a:t>
             </a:r>
             <a:r>
-              <a:rPr lang="en-US" dirty="0" err="1"/>
+              <a:rPr lang="en-US" dirty="0" err="1">
+                <a:highlight>
+                  <a:srgbClr val="FFFF00"/>
+                </a:highlight>
+              </a:rPr>
               <a:t>i</a:t>
             </a:r>
             <a:r>
-              <a:rPr lang="en-US" dirty="0"/>
+              <a:rPr lang="en-US" dirty="0">
+                <a:highlight>
+                  <a:srgbClr val="FFFF00"/>
+                </a:highlight>
+              </a:rPr>
               <a:t>)</a:t>
             </a:r>
             <a:br>
@@ -4624,18 +4719,38 @@
             </a:r>
             <a:r>
               <a:rPr lang="en-US" dirty="0"/>
-              <a:t>(0, n, delegate(int </a:t>
-            </a:r>
-            <a:r>
-              <a:rPr lang="en-US" dirty="0" err="1"/>
+              <a:t>(0, n, </a:t>
+            </a:r>
+            <a:r>
+              <a:rPr lang="en-US" dirty="0">
+                <a:highlight>
+                  <a:srgbClr val="FFFF00"/>
+                </a:highlight>
+              </a:rPr>
+              <a:t>delegate(int </a:t>
+            </a:r>
+            <a:r>
+              <a:rPr lang="en-US" dirty="0" err="1">
+                <a:highlight>
+                  <a:srgbClr val="FFFF00"/>
+                </a:highlight>
+              </a:rPr>
               <a:t>i</a:t>
             </a:r>
             <a:r>
-              <a:rPr lang="en-US" dirty="0"/>
+              <a:rPr lang="en-US" dirty="0">
+                <a:highlight>
+                  <a:srgbClr val="FFFF00"/>
+                </a:highlight>
+              </a:rPr>
               <a:t>)</a:t>
             </a:r>
             <a:br>
-              <a:rPr lang="en-US" dirty="0"/>
+              <a:rPr lang="en-US" dirty="0">
+                <a:highlight>
+                  <a:srgbClr val="FFFF00"/>
+                </a:highlight>
+              </a:rPr>
             </a:br>
             <a:r>
               <a:rPr lang="en-US" dirty="0"/>
@@ -4678,14 +4793,30 @@
             </a:r>
             <a:r>
               <a:rPr lang="en-US" dirty="0"/>
-              <a:t>(0, n, (</a:t>
-            </a:r>
-            <a:r>
-              <a:rPr lang="en-US" dirty="0" err="1"/>
+              <a:t>(0, n, </a:t>
+            </a:r>
+            <a:r>
+              <a:rPr lang="en-US" dirty="0">
+                <a:highlight>
+                  <a:srgbClr val="FFFF00"/>
+                </a:highlight>
+              </a:rPr>
+              <a:t>(</a:t>
+            </a:r>
+            <a:r>
+              <a:rPr lang="en-US" dirty="0" err="1">
+                <a:highlight>
+                  <a:srgbClr val="FFFF00"/>
+                </a:highlight>
+              </a:rPr>
               <a:t>i</a:t>
             </a:r>
             <a:r>
-              <a:rPr lang="en-US" dirty="0"/>
+              <a:rPr lang="en-US" dirty="0">
+                <a:highlight>
+                  <a:srgbClr val="FFFF00"/>
+                </a:highlight>
+              </a:rPr>
               <a:t>) =&gt; </a:t>
             </a:r>
             <a:br>
@@ -4750,7 +4881,7 @@
 </file>
 
 <file path=ppt/slides/slide11.xml><?xml version="1.0" encoding="utf-8"?>
-<p:sld xmlns:a="http://schemas.openxmlformats.org/drawingml/2006/main" xmlns:r="http://schemas.openxmlformats.org/officeDocument/2006/relationships" xmlns:p="http://schemas.openxmlformats.org/presentationml/2006/main">
+<p:sld xmlns:a="http://schemas.openxmlformats.org/drawingml/2006/main" xmlns:r="http://schemas.openxmlformats.org/officeDocument/2006/relationships" xmlns:p="http://schemas.openxmlformats.org/presentationml/2006/main" show="0">
   <p:cSld>
     <p:spTree>
       <p:nvGrpSpPr>
@@ -6139,10 +6270,10 @@
       </p:sp>
       <p:pic>
         <p:nvPicPr>
-          <p:cNvPr id="5" name="Picture 4">
+          <p:cNvPr id="4" name="Picture 3">
             <a:extLst>
               <a:ext uri="{FF2B5EF4-FFF2-40B4-BE49-F238E27FC236}">
-                <a16:creationId xmlns:a16="http://schemas.microsoft.com/office/drawing/2014/main" id="{DC77C3F0-9D52-43DA-AC9D-8205E88E1C5B}"/>
+                <a16:creationId xmlns:a16="http://schemas.microsoft.com/office/drawing/2014/main" id="{2F063A17-EA11-4DDD-BF66-A72D5EF116A3}"/>
               </a:ext>
             </a:extLst>
           </p:cNvPr>
@@ -6159,13 +6290,12 @@
         </p:blipFill>
         <p:spPr>
           <a:xfrm>
-            <a:off x="1066800" y="2161918"/>
-            <a:ext cx="8983884" cy="2898027"/>
+            <a:off x="1066800" y="2014193"/>
+            <a:ext cx="9151942" cy="3895759"/>
           </a:xfrm>
           <a:prstGeom prst="rect">
             <a:avLst/>
           </a:prstGeom>
-          <a:noFill/>
         </p:spPr>
       </p:pic>
     </p:spTree>
@@ -6525,14 +6655,21 @@
           <a:p>
             <a:r>
               <a:rPr lang="en-US" b="1" dirty="0"/>
-              <a:t>Pro C# 7 With .NET and .NET Core</a:t>
+              <a:t>Pro C# 9 With .NET 5</a:t>
             </a:r>
             <a:br>
-              <a:rPr lang="en-US" dirty="0"/>
+              <a:rPr lang="en-US" b="1" dirty="0"/>
             </a:br>
             <a:r>
-              <a:rPr lang="en-US" dirty="0"/>
-              <a:t>Eighth Edition, 2017</a:t>
+              <a:rPr lang="en-US" b="1" dirty="0"/>
+              <a:t>Foundational Principles and Practices in Programming</a:t>
+            </a:r>
+            <a:br>
+              <a:rPr lang="en-US" dirty="0"/>
+            </a:br>
+            <a:r>
+              <a:rPr lang="en-US" dirty="0"/>
+              <a:t>Tenth Edition, 2021 (Release May 12)</a:t>
             </a:r>
             <a:br>
               <a:rPr lang="en-US" dirty="0"/>
@@ -6558,14 +6695,7 @@
             </a:br>
             <a:r>
               <a:rPr lang="en-US" dirty="0"/>
-              <a:t>ISBN-13: 978-1-4842-3017-6 (Paperback)</a:t>
-            </a:r>
-            <a:br>
-              <a:rPr lang="en-US" dirty="0"/>
-            </a:br>
-            <a:r>
-              <a:rPr lang="en-US" dirty="0"/>
-              <a:t>               978-1-4842-3018-3 (Electronic)</a:t>
+              <a:t>ISBN-13: 978-1484269381</a:t>
             </a:r>
             <a:br>
               <a:rPr lang="en-US" dirty="0"/>
@@ -7008,7 +7138,7 @@
           <a:p>
             <a:r>
               <a:rPr lang="en-US" sz="2000" b="1" dirty="0"/>
-              <a:t>Microsoft C# has numerous Concurrent and Parallel processing options</a:t>
+              <a:t>Microsoft C# has numerous Concurrent and Parallel processing options.</a:t>
             </a:r>
           </a:p>
           <a:p>
@@ -7018,13 +7148,13 @@
             </a:r>
             <a:r>
               <a:rPr lang="en-US" sz="2000" b="1" u="sng" dirty="0"/>
-              <a:t>Task Parallel Library (TPL)</a:t>
+              <a:t>Task Parallel Library (TPL).</a:t>
             </a:r>
           </a:p>
           <a:p>
             <a:r>
               <a:rPr lang="en-US" sz="2000" b="1" dirty="0"/>
-              <a:t>The samples will use .NET Core 5 and C# 9.0.</a:t>
+              <a:t>The samples will use .NET Core 5, C# 9.0 and Visual Studio Community 2019.</a:t>
             </a:r>
           </a:p>
           <a:p>
@@ -7097,6 +7227,509 @@
 </file>
 
 <file path=ppt/slides/slide3.xml><?xml version="1.0" encoding="utf-8"?>
+<p:sld xmlns:a="http://schemas.openxmlformats.org/drawingml/2006/main" xmlns:r="http://schemas.openxmlformats.org/officeDocument/2006/relationships" xmlns:p="http://schemas.openxmlformats.org/presentationml/2006/main">
+  <p:cSld>
+    <p:spTree>
+      <p:nvGrpSpPr>
+        <p:cNvPr id="1" name=""/>
+        <p:cNvGrpSpPr/>
+        <p:nvPr/>
+      </p:nvGrpSpPr>
+      <p:grpSpPr>
+        <a:xfrm>
+          <a:off x="0" y="0"/>
+          <a:ext cx="0" cy="0"/>
+          <a:chOff x="0" y="0"/>
+          <a:chExt cx="0" cy="0"/>
+        </a:xfrm>
+      </p:grpSpPr>
+      <p:sp>
+        <p:nvSpPr>
+          <p:cNvPr id="2" name="Title 1">
+            <a:extLst>
+              <a:ext uri="{FF2B5EF4-FFF2-40B4-BE49-F238E27FC236}">
+                <a16:creationId xmlns:a16="http://schemas.microsoft.com/office/drawing/2014/main" id="{3EFC642B-5DA3-45EF-908B-CC1F95652283}"/>
+              </a:ext>
+            </a:extLst>
+          </p:cNvPr>
+          <p:cNvSpPr>
+            <a:spLocks noGrp="1"/>
+          </p:cNvSpPr>
+          <p:nvPr>
+            <p:ph type="title"/>
+          </p:nvPr>
+        </p:nvSpPr>
+        <p:spPr/>
+        <p:txBody>
+          <a:bodyPr/>
+          <a:lstStyle/>
+          <a:p>
+            <a:r>
+              <a:rPr lang="en-US" dirty="0"/>
+              <a:t>Threads, Tasks and Thread Pools</a:t>
+            </a:r>
+          </a:p>
+        </p:txBody>
+      </p:sp>
+      <p:sp>
+        <p:nvSpPr>
+          <p:cNvPr id="3" name="Content Placeholder 2">
+            <a:extLst>
+              <a:ext uri="{FF2B5EF4-FFF2-40B4-BE49-F238E27FC236}">
+                <a16:creationId xmlns:a16="http://schemas.microsoft.com/office/drawing/2014/main" id="{230180E4-A9C7-4733-B4AB-D1546D5F16AE}"/>
+              </a:ext>
+            </a:extLst>
+          </p:cNvPr>
+          <p:cNvSpPr>
+            <a:spLocks noGrp="1"/>
+          </p:cNvSpPr>
+          <p:nvPr>
+            <p:ph idx="1"/>
+          </p:nvPr>
+        </p:nvSpPr>
+        <p:spPr/>
+        <p:txBody>
+          <a:bodyPr>
+            <a:normAutofit lnSpcReduction="10000"/>
+          </a:bodyPr>
+          <a:lstStyle/>
+          <a:p>
+            <a:pPr algn="l">
+              <a:buFont typeface="Arial" panose="020B0604020202020204" pitchFamily="34" charset="0"/>
+              <a:buChar char="•"/>
+            </a:pPr>
+            <a:r>
+              <a:rPr lang="en-US" b="1" i="0" dirty="0">
+                <a:solidFill>
+                  <a:srgbClr val="3A4145"/>
+                </a:solidFill>
+                <a:effectLst/>
+                <a:latin typeface="Merriweather"/>
+              </a:rPr>
+              <a:t>Tasks are a higher-level concept:</a:t>
+            </a:r>
+            <a:r>
+              <a:rPr lang="en-US" b="0" i="0" dirty="0">
+                <a:solidFill>
+                  <a:srgbClr val="3A4145"/>
+                </a:solidFill>
+                <a:effectLst/>
+                <a:latin typeface="Merriweather"/>
+              </a:rPr>
+              <a:t> tasks are basically a promise to run a method and return when it is done.</a:t>
+            </a:r>
+          </a:p>
+          <a:p>
+            <a:pPr algn="l">
+              <a:buFont typeface="Arial" panose="020B0604020202020204" pitchFamily="34" charset="0"/>
+              <a:buChar char="•"/>
+            </a:pPr>
+            <a:r>
+              <a:rPr lang="en-US" b="1" i="0" dirty="0">
+                <a:solidFill>
+                  <a:srgbClr val="3A4145"/>
+                </a:solidFill>
+                <a:effectLst/>
+                <a:latin typeface="Merriweather"/>
+              </a:rPr>
+              <a:t>Threads are a lower-level concept:</a:t>
+            </a:r>
+            <a:r>
+              <a:rPr lang="en-US" b="0" i="0" dirty="0">
+                <a:solidFill>
+                  <a:srgbClr val="3A4145"/>
+                </a:solidFill>
+                <a:effectLst/>
+                <a:latin typeface="Merriweather"/>
+              </a:rPr>
+              <a:t> Threads are a part of your operating system, and the thread class is a way to manage them.</a:t>
+            </a:r>
+          </a:p>
+          <a:p>
+            <a:pPr algn="l">
+              <a:buFont typeface="Arial" panose="020B0604020202020204" pitchFamily="34" charset="0"/>
+              <a:buChar char="•"/>
+            </a:pPr>
+            <a:r>
+              <a:rPr lang="en-US" b="1" i="0" dirty="0">
+                <a:solidFill>
+                  <a:srgbClr val="3A4145"/>
+                </a:solidFill>
+                <a:effectLst/>
+                <a:latin typeface="Merriweather"/>
+              </a:rPr>
+              <a:t>Leveraging the thread pool:</a:t>
+            </a:r>
+            <a:r>
+              <a:rPr lang="en-US" b="0" i="0" dirty="0">
+                <a:solidFill>
+                  <a:srgbClr val="3A4145"/>
+                </a:solidFill>
+                <a:effectLst/>
+                <a:latin typeface="Merriweather"/>
+              </a:rPr>
+              <a:t> tasks use the thread pool, which is a "pool" of threads that can be used and reused. Creating threads can be expensive, which is why we have the thread pool.</a:t>
+            </a:r>
+          </a:p>
+          <a:p>
+            <a:pPr algn="l">
+              <a:buFont typeface="Arial" panose="020B0604020202020204" pitchFamily="34" charset="0"/>
+              <a:buChar char="•"/>
+            </a:pPr>
+            <a:r>
+              <a:rPr lang="en-US" b="1" i="0" dirty="0">
+                <a:solidFill>
+                  <a:srgbClr val="3A4145"/>
+                </a:solidFill>
+                <a:effectLst/>
+                <a:latin typeface="Merriweather"/>
+              </a:rPr>
+              <a:t>Threads do not naturally return anything:</a:t>
+            </a:r>
+            <a:r>
+              <a:rPr lang="en-US" b="0" i="0" dirty="0">
+                <a:solidFill>
+                  <a:srgbClr val="3A4145"/>
+                </a:solidFill>
+                <a:effectLst/>
+                <a:latin typeface="Merriweather"/>
+              </a:rPr>
+              <a:t> Tasks are able to return an object when they are completed. Which makes them great for executing a method and returning the result asynchronously.</a:t>
+            </a:r>
+          </a:p>
+          <a:p>
+            <a:pPr algn="l">
+              <a:buFont typeface="Arial" panose="020B0604020202020204" pitchFamily="34" charset="0"/>
+              <a:buChar char="•"/>
+            </a:pPr>
+            <a:r>
+              <a:rPr lang="en-US" b="1" i="0" dirty="0">
+                <a:solidFill>
+                  <a:srgbClr val="3A4145"/>
+                </a:solidFill>
+                <a:effectLst/>
+                <a:latin typeface="Merriweather"/>
+              </a:rPr>
+              <a:t>Cancellation tokens:</a:t>
+            </a:r>
+            <a:r>
+              <a:rPr lang="en-US" b="0" i="0" dirty="0">
+                <a:solidFill>
+                  <a:srgbClr val="3A4145"/>
+                </a:solidFill>
+                <a:effectLst/>
+                <a:latin typeface="Merriweather"/>
+              </a:rPr>
+              <a:t> Tasks can use cancellation tokens so that they can be requested to be canceled. This token can be passed along to other tasks which will be canceled as well.</a:t>
+            </a:r>
+          </a:p>
+          <a:p>
+            <a:pPr algn="l">
+              <a:buFont typeface="Arial" panose="020B0604020202020204" pitchFamily="34" charset="0"/>
+              <a:buChar char="•"/>
+            </a:pPr>
+            <a:r>
+              <a:rPr lang="en-US" b="1" i="0" dirty="0">
+                <a:solidFill>
+                  <a:srgbClr val="3A4145"/>
+                </a:solidFill>
+                <a:effectLst/>
+                <a:latin typeface="Merriweather"/>
+              </a:rPr>
+              <a:t>Tasks support async/await:</a:t>
+            </a:r>
+            <a:r>
+              <a:rPr lang="en-US" b="0" i="0" dirty="0">
+                <a:solidFill>
+                  <a:srgbClr val="3A4145"/>
+                </a:solidFill>
+                <a:effectLst/>
+                <a:latin typeface="Merriweather"/>
+              </a:rPr>
+              <a:t> async/await is a simple way to wait for an asynchronous method to finish without blocking the parent method.</a:t>
+            </a:r>
+          </a:p>
+          <a:p>
+            <a:pPr>
+              <a:buFont typeface="Arial" panose="020B0604020202020204" pitchFamily="34" charset="0"/>
+              <a:buChar char="•"/>
+            </a:pPr>
+            <a:r>
+              <a:rPr lang="en-US" b="1" i="0" dirty="0">
+                <a:solidFill>
+                  <a:srgbClr val="3A4145"/>
+                </a:solidFill>
+                <a:effectLst/>
+                <a:latin typeface="Merriweather"/>
+              </a:rPr>
+              <a:t>Exceptions:</a:t>
+            </a:r>
+            <a:r>
+              <a:rPr lang="en-US" b="0" i="0" dirty="0">
+                <a:solidFill>
+                  <a:srgbClr val="3A4145"/>
+                </a:solidFill>
+                <a:effectLst/>
+                <a:latin typeface="Merriweather"/>
+              </a:rPr>
+              <a:t> Threads cannot cascade an Exception to its parent method. A Task does cascade exceptions to the parent method and are caught via a </a:t>
+            </a:r>
+            <a:r>
+              <a:rPr lang="en-US" b="0" i="0" dirty="0" err="1">
+                <a:solidFill>
+                  <a:srgbClr val="3A4145"/>
+                </a:solidFill>
+                <a:effectLst/>
+                <a:latin typeface="Merriweather"/>
+              </a:rPr>
+              <a:t>AggregateException</a:t>
+            </a:r>
+            <a:r>
+              <a:rPr lang="en-US" b="0" i="0" dirty="0">
+                <a:solidFill>
+                  <a:srgbClr val="3A4145"/>
+                </a:solidFill>
+                <a:effectLst/>
+                <a:latin typeface="Merriweather"/>
+              </a:rPr>
+              <a:t>.</a:t>
+            </a:r>
+          </a:p>
+          <a:p>
+            <a:pPr algn="l">
+              <a:buFont typeface="Arial" panose="020B0604020202020204" pitchFamily="34" charset="0"/>
+              <a:buChar char="•"/>
+            </a:pPr>
+            <a:endParaRPr lang="en-US" b="0" i="0" dirty="0">
+              <a:solidFill>
+                <a:srgbClr val="3A4145"/>
+              </a:solidFill>
+              <a:effectLst/>
+              <a:latin typeface="Merriweather"/>
+            </a:endParaRPr>
+          </a:p>
+          <a:p>
+            <a:endParaRPr lang="en-US" dirty="0"/>
+          </a:p>
+        </p:txBody>
+      </p:sp>
+    </p:spTree>
+    <p:extLst>
+      <p:ext uri="{BB962C8B-B14F-4D97-AF65-F5344CB8AC3E}">
+        <p14:creationId xmlns:p14="http://schemas.microsoft.com/office/powerpoint/2010/main" val="1784674450"/>
+      </p:ext>
+    </p:extLst>
+  </p:cSld>
+  <p:clrMapOvr>
+    <a:masterClrMapping/>
+  </p:clrMapOvr>
+</p:sld>
+</file>
+
+<file path=ppt/slides/slide4.xml><?xml version="1.0" encoding="utf-8"?>
+<p:sld xmlns:a="http://schemas.openxmlformats.org/drawingml/2006/main" xmlns:r="http://schemas.openxmlformats.org/officeDocument/2006/relationships" xmlns:p="http://schemas.openxmlformats.org/presentationml/2006/main">
+  <p:cSld>
+    <p:spTree>
+      <p:nvGrpSpPr>
+        <p:cNvPr id="1" name=""/>
+        <p:cNvGrpSpPr/>
+        <p:nvPr/>
+      </p:nvGrpSpPr>
+      <p:grpSpPr>
+        <a:xfrm>
+          <a:off x="0" y="0"/>
+          <a:ext cx="0" cy="0"/>
+          <a:chOff x="0" y="0"/>
+          <a:chExt cx="0" cy="0"/>
+        </a:xfrm>
+      </p:grpSpPr>
+      <p:sp>
+        <p:nvSpPr>
+          <p:cNvPr id="2" name="Title 1">
+            <a:extLst>
+              <a:ext uri="{FF2B5EF4-FFF2-40B4-BE49-F238E27FC236}">
+                <a16:creationId xmlns:a16="http://schemas.microsoft.com/office/drawing/2014/main" id="{9C3BF11D-EEE1-42AF-A8AC-06927C1C09A5}"/>
+              </a:ext>
+            </a:extLst>
+          </p:cNvPr>
+          <p:cNvSpPr>
+            <a:spLocks noGrp="1"/>
+          </p:cNvSpPr>
+          <p:nvPr>
+            <p:ph type="title"/>
+          </p:nvPr>
+        </p:nvSpPr>
+        <p:spPr/>
+        <p:txBody>
+          <a:bodyPr/>
+          <a:lstStyle/>
+          <a:p>
+            <a:r>
+              <a:rPr lang="en-US" dirty="0"/>
+              <a:t>Task Parallel Library (TPL)</a:t>
+            </a:r>
+          </a:p>
+        </p:txBody>
+      </p:sp>
+      <p:sp>
+        <p:nvSpPr>
+          <p:cNvPr id="3" name="Content Placeholder 2">
+            <a:extLst>
+              <a:ext uri="{FF2B5EF4-FFF2-40B4-BE49-F238E27FC236}">
+                <a16:creationId xmlns:a16="http://schemas.microsoft.com/office/drawing/2014/main" id="{49F8B2BF-9EF6-405E-AB29-5929962501F9}"/>
+              </a:ext>
+            </a:extLst>
+          </p:cNvPr>
+          <p:cNvSpPr>
+            <a:spLocks noGrp="1"/>
+          </p:cNvSpPr>
+          <p:nvPr>
+            <p:ph idx="1"/>
+          </p:nvPr>
+        </p:nvSpPr>
+        <p:spPr/>
+        <p:txBody>
+          <a:bodyPr/>
+          <a:lstStyle/>
+          <a:p>
+            <a:r>
+              <a:rPr lang="en-US" b="1" i="0" dirty="0">
+                <a:solidFill>
+                  <a:srgbClr val="171717"/>
+                </a:solidFill>
+                <a:effectLst/>
+                <a:latin typeface="Segoe UI" panose="020B0502040204020203" pitchFamily="34" charset="0"/>
+              </a:rPr>
+              <a:t>Starting with .NET Framework 4, the TPL is the preferred way to write multithreaded and parallel code.</a:t>
+            </a:r>
+          </a:p>
+          <a:p>
+            <a:r>
+              <a:rPr lang="en-US" b="1" dirty="0">
+                <a:solidFill>
+                  <a:srgbClr val="171717"/>
+                </a:solidFill>
+                <a:latin typeface="Segoe UI" panose="020B0502040204020203" pitchFamily="34" charset="0"/>
+              </a:rPr>
+              <a:t>According to Microsoft:</a:t>
+            </a:r>
+            <a:br>
+              <a:rPr lang="en-US" b="1" dirty="0">
+                <a:solidFill>
+                  <a:srgbClr val="171717"/>
+                </a:solidFill>
+                <a:latin typeface="Segoe UI" panose="020B0502040204020203" pitchFamily="34" charset="0"/>
+              </a:rPr>
+            </a:br>
+            <a:br>
+              <a:rPr lang="en-US" b="1" dirty="0">
+                <a:solidFill>
+                  <a:srgbClr val="171717"/>
+                </a:solidFill>
+                <a:latin typeface="Segoe UI" panose="020B0502040204020203" pitchFamily="34" charset="0"/>
+              </a:rPr>
+            </a:br>
+            <a:r>
+              <a:rPr lang="en-US" b="1" dirty="0">
+                <a:solidFill>
+                  <a:srgbClr val="171717"/>
+                </a:solidFill>
+                <a:latin typeface="Segoe UI" panose="020B0502040204020203" pitchFamily="34" charset="0"/>
+              </a:rPr>
+              <a:t>“</a:t>
+            </a:r>
+            <a:r>
+              <a:rPr lang="en-US" b="1" i="0" dirty="0">
+                <a:solidFill>
+                  <a:srgbClr val="171717"/>
+                </a:solidFill>
+                <a:effectLst/>
+                <a:latin typeface="Segoe UI" panose="020B0502040204020203" pitchFamily="34" charset="0"/>
+              </a:rPr>
+              <a:t>The purpose of the TPL is to make developers more productive by simplifying the process of adding parallelism and concurrency to applications. The TPL scales the degree of concurrency dynamically to most efficiently use all the processors that are available. In addition, the TPL handles the partitioning of the work, the scheduling of threads on the </a:t>
+            </a:r>
+            <a:r>
+              <a:rPr lang="en-US" b="1" i="0" u="none" strike="noStrike" dirty="0" err="1">
+                <a:solidFill>
+                  <a:srgbClr val="344529"/>
+                </a:solidFill>
+                <a:effectLst/>
+                <a:latin typeface="Segoe UI" panose="020B0502040204020203" pitchFamily="34" charset="0"/>
+                <a:hlinkClick r:id="rId2">
+                  <a:extLst>
+                    <a:ext uri="{A12FA001-AC4F-418D-AE19-62706E023703}">
+                      <ahyp:hlinkClr xmlns:ahyp="http://schemas.microsoft.com/office/drawing/2018/hyperlinkcolor" val="tx"/>
+                    </a:ext>
+                  </a:extLst>
+                </a:hlinkClick>
+              </a:rPr>
+              <a:t>ThreadPool</a:t>
+            </a:r>
+            <a:r>
+              <a:rPr lang="en-US" b="1" i="0" dirty="0">
+                <a:solidFill>
+                  <a:srgbClr val="171717"/>
+                </a:solidFill>
+                <a:effectLst/>
+                <a:latin typeface="Segoe UI" panose="020B0502040204020203" pitchFamily="34" charset="0"/>
+              </a:rPr>
+              <a:t>, cancellation support, state management, and other low-level details. </a:t>
+            </a:r>
+            <a:br>
+              <a:rPr lang="en-US" b="1" i="0" dirty="0">
+                <a:solidFill>
+                  <a:srgbClr val="171717"/>
+                </a:solidFill>
+                <a:effectLst/>
+                <a:latin typeface="Segoe UI" panose="020B0502040204020203" pitchFamily="34" charset="0"/>
+              </a:rPr>
+            </a:br>
+            <a:br>
+              <a:rPr lang="en-US" b="1" i="0" dirty="0">
+                <a:solidFill>
+                  <a:srgbClr val="171717"/>
+                </a:solidFill>
+                <a:effectLst/>
+                <a:latin typeface="Segoe UI" panose="020B0502040204020203" pitchFamily="34" charset="0"/>
+              </a:rPr>
+            </a:br>
+            <a:r>
+              <a:rPr lang="en-US" b="1" i="0" u="sng" dirty="0">
+                <a:solidFill>
+                  <a:srgbClr val="171717"/>
+                </a:solidFill>
+                <a:effectLst/>
+                <a:latin typeface="Segoe UI" panose="020B0502040204020203" pitchFamily="34" charset="0"/>
+              </a:rPr>
+              <a:t>By using TPL, you can maximize the performance of your code while focusing on the work that your program is designed to accomplish.</a:t>
+            </a:r>
+            <a:r>
+              <a:rPr lang="en-US" b="1" dirty="0">
+                <a:solidFill>
+                  <a:srgbClr val="171717"/>
+                </a:solidFill>
+                <a:latin typeface="Segoe UI" panose="020B0502040204020203" pitchFamily="34" charset="0"/>
+              </a:rPr>
+              <a:t>”</a:t>
+            </a:r>
+            <a:endParaRPr lang="en-US" b="1" dirty="0"/>
+          </a:p>
+        </p:txBody>
+      </p:sp>
+    </p:spTree>
+    <p:extLst>
+      <p:ext uri="{BB962C8B-B14F-4D97-AF65-F5344CB8AC3E}">
+        <p14:creationId xmlns:p14="http://schemas.microsoft.com/office/powerpoint/2010/main" val="2879498837"/>
+      </p:ext>
+    </p:extLst>
+  </p:cSld>
+  <p:clrMapOvr>
+    <a:masterClrMapping/>
+  </p:clrMapOvr>
+</p:sld>
+</file>
+
+<file path=ppt/slides/slide5.xml><?xml version="1.0" encoding="utf-8"?>
 <p:sld xmlns:a="http://schemas.openxmlformats.org/drawingml/2006/main" xmlns:r="http://schemas.openxmlformats.org/officeDocument/2006/relationships" xmlns:p="http://schemas.openxmlformats.org/presentationml/2006/main">
   <p:cSld>
     <p:spTree>
@@ -7243,509 +7876,6 @@
 </p:sld>
 </file>
 
-<file path=ppt/slides/slide4.xml><?xml version="1.0" encoding="utf-8"?>
-<p:sld xmlns:a="http://schemas.openxmlformats.org/drawingml/2006/main" xmlns:r="http://schemas.openxmlformats.org/officeDocument/2006/relationships" xmlns:p="http://schemas.openxmlformats.org/presentationml/2006/main">
-  <p:cSld>
-    <p:spTree>
-      <p:nvGrpSpPr>
-        <p:cNvPr id="1" name=""/>
-        <p:cNvGrpSpPr/>
-        <p:nvPr/>
-      </p:nvGrpSpPr>
-      <p:grpSpPr>
-        <a:xfrm>
-          <a:off x="0" y="0"/>
-          <a:ext cx="0" cy="0"/>
-          <a:chOff x="0" y="0"/>
-          <a:chExt cx="0" cy="0"/>
-        </a:xfrm>
-      </p:grpSpPr>
-      <p:sp>
-        <p:nvSpPr>
-          <p:cNvPr id="2" name="Title 1">
-            <a:extLst>
-              <a:ext uri="{FF2B5EF4-FFF2-40B4-BE49-F238E27FC236}">
-                <a16:creationId xmlns:a16="http://schemas.microsoft.com/office/drawing/2014/main" id="{3EFC642B-5DA3-45EF-908B-CC1F95652283}"/>
-              </a:ext>
-            </a:extLst>
-          </p:cNvPr>
-          <p:cNvSpPr>
-            <a:spLocks noGrp="1"/>
-          </p:cNvSpPr>
-          <p:nvPr>
-            <p:ph type="title"/>
-          </p:nvPr>
-        </p:nvSpPr>
-        <p:spPr/>
-        <p:txBody>
-          <a:bodyPr/>
-          <a:lstStyle/>
-          <a:p>
-            <a:r>
-              <a:rPr lang="en-US" dirty="0"/>
-              <a:t>Threads, Tasks and Thread Pools</a:t>
-            </a:r>
-          </a:p>
-        </p:txBody>
-      </p:sp>
-      <p:sp>
-        <p:nvSpPr>
-          <p:cNvPr id="3" name="Content Placeholder 2">
-            <a:extLst>
-              <a:ext uri="{FF2B5EF4-FFF2-40B4-BE49-F238E27FC236}">
-                <a16:creationId xmlns:a16="http://schemas.microsoft.com/office/drawing/2014/main" id="{230180E4-A9C7-4733-B4AB-D1546D5F16AE}"/>
-              </a:ext>
-            </a:extLst>
-          </p:cNvPr>
-          <p:cNvSpPr>
-            <a:spLocks noGrp="1"/>
-          </p:cNvSpPr>
-          <p:nvPr>
-            <p:ph idx="1"/>
-          </p:nvPr>
-        </p:nvSpPr>
-        <p:spPr/>
-        <p:txBody>
-          <a:bodyPr>
-            <a:normAutofit lnSpcReduction="10000"/>
-          </a:bodyPr>
-          <a:lstStyle/>
-          <a:p>
-            <a:pPr algn="l">
-              <a:buFont typeface="Arial" panose="020B0604020202020204" pitchFamily="34" charset="0"/>
-              <a:buChar char="•"/>
-            </a:pPr>
-            <a:r>
-              <a:rPr lang="en-US" b="1" i="0" dirty="0">
-                <a:solidFill>
-                  <a:srgbClr val="3A4145"/>
-                </a:solidFill>
-                <a:effectLst/>
-                <a:latin typeface="Merriweather"/>
-              </a:rPr>
-              <a:t>Tasks are a higher-level concept:</a:t>
-            </a:r>
-            <a:r>
-              <a:rPr lang="en-US" b="0" i="0" dirty="0">
-                <a:solidFill>
-                  <a:srgbClr val="3A4145"/>
-                </a:solidFill>
-                <a:effectLst/>
-                <a:latin typeface="Merriweather"/>
-              </a:rPr>
-              <a:t> tasks are basically a promise to run a method and return when it is done.</a:t>
-            </a:r>
-          </a:p>
-          <a:p>
-            <a:pPr algn="l">
-              <a:buFont typeface="Arial" panose="020B0604020202020204" pitchFamily="34" charset="0"/>
-              <a:buChar char="•"/>
-            </a:pPr>
-            <a:r>
-              <a:rPr lang="en-US" b="1" i="0" dirty="0">
-                <a:solidFill>
-                  <a:srgbClr val="3A4145"/>
-                </a:solidFill>
-                <a:effectLst/>
-                <a:latin typeface="Merriweather"/>
-              </a:rPr>
-              <a:t>Threads are a lower-level concept:</a:t>
-            </a:r>
-            <a:r>
-              <a:rPr lang="en-US" b="0" i="0" dirty="0">
-                <a:solidFill>
-                  <a:srgbClr val="3A4145"/>
-                </a:solidFill>
-                <a:effectLst/>
-                <a:latin typeface="Merriweather"/>
-              </a:rPr>
-              <a:t> Threads are a part of your operating system, and the thread class is a way to manage them.</a:t>
-            </a:r>
-          </a:p>
-          <a:p>
-            <a:pPr algn="l">
-              <a:buFont typeface="Arial" panose="020B0604020202020204" pitchFamily="34" charset="0"/>
-              <a:buChar char="•"/>
-            </a:pPr>
-            <a:r>
-              <a:rPr lang="en-US" b="1" i="0" dirty="0">
-                <a:solidFill>
-                  <a:srgbClr val="3A4145"/>
-                </a:solidFill>
-                <a:effectLst/>
-                <a:latin typeface="Merriweather"/>
-              </a:rPr>
-              <a:t>Leveraging the thread pool:</a:t>
-            </a:r>
-            <a:r>
-              <a:rPr lang="en-US" b="0" i="0" dirty="0">
-                <a:solidFill>
-                  <a:srgbClr val="3A4145"/>
-                </a:solidFill>
-                <a:effectLst/>
-                <a:latin typeface="Merriweather"/>
-              </a:rPr>
-              <a:t> tasks use the thread pool, which is a "pool" of threads that can be used and reused. Creating threads can be expensive, which is why we have the thread pool.</a:t>
-            </a:r>
-          </a:p>
-          <a:p>
-            <a:pPr algn="l">
-              <a:buFont typeface="Arial" panose="020B0604020202020204" pitchFamily="34" charset="0"/>
-              <a:buChar char="•"/>
-            </a:pPr>
-            <a:r>
-              <a:rPr lang="en-US" b="1" i="0" dirty="0">
-                <a:solidFill>
-                  <a:srgbClr val="3A4145"/>
-                </a:solidFill>
-                <a:effectLst/>
-                <a:latin typeface="Merriweather"/>
-              </a:rPr>
-              <a:t>Threads do not naturally return anything:</a:t>
-            </a:r>
-            <a:r>
-              <a:rPr lang="en-US" b="0" i="0" dirty="0">
-                <a:solidFill>
-                  <a:srgbClr val="3A4145"/>
-                </a:solidFill>
-                <a:effectLst/>
-                <a:latin typeface="Merriweather"/>
-              </a:rPr>
-              <a:t> Tasks are able to return an object when they are completed. Which makes them great for executing a method and returning the result asynchronously.</a:t>
-            </a:r>
-          </a:p>
-          <a:p>
-            <a:pPr algn="l">
-              <a:buFont typeface="Arial" panose="020B0604020202020204" pitchFamily="34" charset="0"/>
-              <a:buChar char="•"/>
-            </a:pPr>
-            <a:r>
-              <a:rPr lang="en-US" b="1" i="0" dirty="0">
-                <a:solidFill>
-                  <a:srgbClr val="3A4145"/>
-                </a:solidFill>
-                <a:effectLst/>
-                <a:latin typeface="Merriweather"/>
-              </a:rPr>
-              <a:t>Cancellation tokens:</a:t>
-            </a:r>
-            <a:r>
-              <a:rPr lang="en-US" b="0" i="0" dirty="0">
-                <a:solidFill>
-                  <a:srgbClr val="3A4145"/>
-                </a:solidFill>
-                <a:effectLst/>
-                <a:latin typeface="Merriweather"/>
-              </a:rPr>
-              <a:t> Tasks can use cancellation tokens so that they can be requested to be canceled. This token can be passed along to other tasks which will be canceled as well.</a:t>
-            </a:r>
-          </a:p>
-          <a:p>
-            <a:pPr algn="l">
-              <a:buFont typeface="Arial" panose="020B0604020202020204" pitchFamily="34" charset="0"/>
-              <a:buChar char="•"/>
-            </a:pPr>
-            <a:r>
-              <a:rPr lang="en-US" b="1" i="0" dirty="0">
-                <a:solidFill>
-                  <a:srgbClr val="3A4145"/>
-                </a:solidFill>
-                <a:effectLst/>
-                <a:latin typeface="Merriweather"/>
-              </a:rPr>
-              <a:t>Tasks support async/await:</a:t>
-            </a:r>
-            <a:r>
-              <a:rPr lang="en-US" b="0" i="0" dirty="0">
-                <a:solidFill>
-                  <a:srgbClr val="3A4145"/>
-                </a:solidFill>
-                <a:effectLst/>
-                <a:latin typeface="Merriweather"/>
-              </a:rPr>
-              <a:t> async/await is a simple way to wait for an asynchronous method to finish without blocking the parent method.</a:t>
-            </a:r>
-          </a:p>
-          <a:p>
-            <a:pPr>
-              <a:buFont typeface="Arial" panose="020B0604020202020204" pitchFamily="34" charset="0"/>
-              <a:buChar char="•"/>
-            </a:pPr>
-            <a:r>
-              <a:rPr lang="en-US" b="1" i="0" dirty="0">
-                <a:solidFill>
-                  <a:srgbClr val="3A4145"/>
-                </a:solidFill>
-                <a:effectLst/>
-                <a:latin typeface="Merriweather"/>
-              </a:rPr>
-              <a:t>Exceptions:</a:t>
-            </a:r>
-            <a:r>
-              <a:rPr lang="en-US" b="0" i="0" dirty="0">
-                <a:solidFill>
-                  <a:srgbClr val="3A4145"/>
-                </a:solidFill>
-                <a:effectLst/>
-                <a:latin typeface="Merriweather"/>
-              </a:rPr>
-              <a:t> Threads cannot cascade an Exception to its parent method. A Task does cascade exceptions to the parent method and are caught via a </a:t>
-            </a:r>
-            <a:r>
-              <a:rPr lang="en-US" b="0" i="0" dirty="0" err="1">
-                <a:solidFill>
-                  <a:srgbClr val="3A4145"/>
-                </a:solidFill>
-                <a:effectLst/>
-                <a:latin typeface="Merriweather"/>
-              </a:rPr>
-              <a:t>AggregateException</a:t>
-            </a:r>
-            <a:r>
-              <a:rPr lang="en-US" b="0" i="0" dirty="0">
-                <a:solidFill>
-                  <a:srgbClr val="3A4145"/>
-                </a:solidFill>
-                <a:effectLst/>
-                <a:latin typeface="Merriweather"/>
-              </a:rPr>
-              <a:t>.</a:t>
-            </a:r>
-          </a:p>
-          <a:p>
-            <a:pPr algn="l">
-              <a:buFont typeface="Arial" panose="020B0604020202020204" pitchFamily="34" charset="0"/>
-              <a:buChar char="•"/>
-            </a:pPr>
-            <a:endParaRPr lang="en-US" b="0" i="0" dirty="0">
-              <a:solidFill>
-                <a:srgbClr val="3A4145"/>
-              </a:solidFill>
-              <a:effectLst/>
-              <a:latin typeface="Merriweather"/>
-            </a:endParaRPr>
-          </a:p>
-          <a:p>
-            <a:endParaRPr lang="en-US" dirty="0"/>
-          </a:p>
-        </p:txBody>
-      </p:sp>
-    </p:spTree>
-    <p:extLst>
-      <p:ext uri="{BB962C8B-B14F-4D97-AF65-F5344CB8AC3E}">
-        <p14:creationId xmlns:p14="http://schemas.microsoft.com/office/powerpoint/2010/main" val="1784674450"/>
-      </p:ext>
-    </p:extLst>
-  </p:cSld>
-  <p:clrMapOvr>
-    <a:masterClrMapping/>
-  </p:clrMapOvr>
-</p:sld>
-</file>
-
-<file path=ppt/slides/slide5.xml><?xml version="1.0" encoding="utf-8"?>
-<p:sld xmlns:a="http://schemas.openxmlformats.org/drawingml/2006/main" xmlns:r="http://schemas.openxmlformats.org/officeDocument/2006/relationships" xmlns:p="http://schemas.openxmlformats.org/presentationml/2006/main">
-  <p:cSld>
-    <p:spTree>
-      <p:nvGrpSpPr>
-        <p:cNvPr id="1" name=""/>
-        <p:cNvGrpSpPr/>
-        <p:nvPr/>
-      </p:nvGrpSpPr>
-      <p:grpSpPr>
-        <a:xfrm>
-          <a:off x="0" y="0"/>
-          <a:ext cx="0" cy="0"/>
-          <a:chOff x="0" y="0"/>
-          <a:chExt cx="0" cy="0"/>
-        </a:xfrm>
-      </p:grpSpPr>
-      <p:sp>
-        <p:nvSpPr>
-          <p:cNvPr id="2" name="Title 1">
-            <a:extLst>
-              <a:ext uri="{FF2B5EF4-FFF2-40B4-BE49-F238E27FC236}">
-                <a16:creationId xmlns:a16="http://schemas.microsoft.com/office/drawing/2014/main" id="{9C3BF11D-EEE1-42AF-A8AC-06927C1C09A5}"/>
-              </a:ext>
-            </a:extLst>
-          </p:cNvPr>
-          <p:cNvSpPr>
-            <a:spLocks noGrp="1"/>
-          </p:cNvSpPr>
-          <p:nvPr>
-            <p:ph type="title"/>
-          </p:nvPr>
-        </p:nvSpPr>
-        <p:spPr/>
-        <p:txBody>
-          <a:bodyPr/>
-          <a:lstStyle/>
-          <a:p>
-            <a:r>
-              <a:rPr lang="en-US" dirty="0"/>
-              <a:t>Task Parallel Library (TPL)</a:t>
-            </a:r>
-          </a:p>
-        </p:txBody>
-      </p:sp>
-      <p:sp>
-        <p:nvSpPr>
-          <p:cNvPr id="3" name="Content Placeholder 2">
-            <a:extLst>
-              <a:ext uri="{FF2B5EF4-FFF2-40B4-BE49-F238E27FC236}">
-                <a16:creationId xmlns:a16="http://schemas.microsoft.com/office/drawing/2014/main" id="{49F8B2BF-9EF6-405E-AB29-5929962501F9}"/>
-              </a:ext>
-            </a:extLst>
-          </p:cNvPr>
-          <p:cNvSpPr>
-            <a:spLocks noGrp="1"/>
-          </p:cNvSpPr>
-          <p:nvPr>
-            <p:ph idx="1"/>
-          </p:nvPr>
-        </p:nvSpPr>
-        <p:spPr/>
-        <p:txBody>
-          <a:bodyPr/>
-          <a:lstStyle/>
-          <a:p>
-            <a:r>
-              <a:rPr lang="en-US" b="1" i="0" dirty="0">
-                <a:solidFill>
-                  <a:srgbClr val="171717"/>
-                </a:solidFill>
-                <a:effectLst/>
-                <a:latin typeface="Segoe UI" panose="020B0502040204020203" pitchFamily="34" charset="0"/>
-              </a:rPr>
-              <a:t>Starting with .NET Framework 4, the TPL is the preferred way to write multithreaded and parallel code.</a:t>
-            </a:r>
-          </a:p>
-          <a:p>
-            <a:r>
-              <a:rPr lang="en-US" b="1" dirty="0">
-                <a:solidFill>
-                  <a:srgbClr val="171717"/>
-                </a:solidFill>
-                <a:latin typeface="Segoe UI" panose="020B0502040204020203" pitchFamily="34" charset="0"/>
-              </a:rPr>
-              <a:t>According to Microsoft:</a:t>
-            </a:r>
-            <a:br>
-              <a:rPr lang="en-US" b="1" dirty="0">
-                <a:solidFill>
-                  <a:srgbClr val="171717"/>
-                </a:solidFill>
-                <a:latin typeface="Segoe UI" panose="020B0502040204020203" pitchFamily="34" charset="0"/>
-              </a:rPr>
-            </a:br>
-            <a:br>
-              <a:rPr lang="en-US" b="1" dirty="0">
-                <a:solidFill>
-                  <a:srgbClr val="171717"/>
-                </a:solidFill>
-                <a:latin typeface="Segoe UI" panose="020B0502040204020203" pitchFamily="34" charset="0"/>
-              </a:rPr>
-            </a:br>
-            <a:r>
-              <a:rPr lang="en-US" b="1" dirty="0">
-                <a:solidFill>
-                  <a:srgbClr val="171717"/>
-                </a:solidFill>
-                <a:latin typeface="Segoe UI" panose="020B0502040204020203" pitchFamily="34" charset="0"/>
-              </a:rPr>
-              <a:t>“</a:t>
-            </a:r>
-            <a:r>
-              <a:rPr lang="en-US" b="1" i="0" dirty="0">
-                <a:solidFill>
-                  <a:srgbClr val="171717"/>
-                </a:solidFill>
-                <a:effectLst/>
-                <a:latin typeface="Segoe UI" panose="020B0502040204020203" pitchFamily="34" charset="0"/>
-              </a:rPr>
-              <a:t>The purpose of the TPL is to make developers more productive by simplifying the process of adding parallelism and concurrency to applications. The TPL scales the degree of concurrency dynamically to most efficiently use all the processors that are available. In addition, the TPL handles the partitioning of the work, the scheduling of threads on the </a:t>
-            </a:r>
-            <a:r>
-              <a:rPr lang="en-US" b="1" i="0" u="none" strike="noStrike" dirty="0" err="1">
-                <a:solidFill>
-                  <a:srgbClr val="344529"/>
-                </a:solidFill>
-                <a:effectLst/>
-                <a:latin typeface="Segoe UI" panose="020B0502040204020203" pitchFamily="34" charset="0"/>
-                <a:hlinkClick r:id="rId2">
-                  <a:extLst>
-                    <a:ext uri="{A12FA001-AC4F-418D-AE19-62706E023703}">
-                      <ahyp:hlinkClr xmlns:ahyp="http://schemas.microsoft.com/office/drawing/2018/hyperlinkcolor" val="tx"/>
-                    </a:ext>
-                  </a:extLst>
-                </a:hlinkClick>
-              </a:rPr>
-              <a:t>ThreadPool</a:t>
-            </a:r>
-            <a:r>
-              <a:rPr lang="en-US" b="1" i="0" dirty="0">
-                <a:solidFill>
-                  <a:srgbClr val="171717"/>
-                </a:solidFill>
-                <a:effectLst/>
-                <a:latin typeface="Segoe UI" panose="020B0502040204020203" pitchFamily="34" charset="0"/>
-              </a:rPr>
-              <a:t>, cancellation support, state management, and other low-level details. </a:t>
-            </a:r>
-            <a:br>
-              <a:rPr lang="en-US" b="1" i="0" dirty="0">
-                <a:solidFill>
-                  <a:srgbClr val="171717"/>
-                </a:solidFill>
-                <a:effectLst/>
-                <a:latin typeface="Segoe UI" panose="020B0502040204020203" pitchFamily="34" charset="0"/>
-              </a:rPr>
-            </a:br>
-            <a:br>
-              <a:rPr lang="en-US" b="1" i="0" dirty="0">
-                <a:solidFill>
-                  <a:srgbClr val="171717"/>
-                </a:solidFill>
-                <a:effectLst/>
-                <a:latin typeface="Segoe UI" panose="020B0502040204020203" pitchFamily="34" charset="0"/>
-              </a:rPr>
-            </a:br>
-            <a:r>
-              <a:rPr lang="en-US" b="1" i="0" u="sng" dirty="0">
-                <a:solidFill>
-                  <a:srgbClr val="171717"/>
-                </a:solidFill>
-                <a:effectLst/>
-                <a:latin typeface="Segoe UI" panose="020B0502040204020203" pitchFamily="34" charset="0"/>
-              </a:rPr>
-              <a:t>By using TPL, you can maximize the performance of your code while focusing on the work that your program is designed to accomplish.</a:t>
-            </a:r>
-            <a:r>
-              <a:rPr lang="en-US" b="1" dirty="0">
-                <a:solidFill>
-                  <a:srgbClr val="171717"/>
-                </a:solidFill>
-                <a:latin typeface="Segoe UI" panose="020B0502040204020203" pitchFamily="34" charset="0"/>
-              </a:rPr>
-              <a:t>”</a:t>
-            </a:r>
-            <a:endParaRPr lang="en-US" b="1" dirty="0"/>
-          </a:p>
-        </p:txBody>
-      </p:sp>
-    </p:spTree>
-    <p:extLst>
-      <p:ext uri="{BB962C8B-B14F-4D97-AF65-F5344CB8AC3E}">
-        <p14:creationId xmlns:p14="http://schemas.microsoft.com/office/powerpoint/2010/main" val="2879498837"/>
-      </p:ext>
-    </p:extLst>
-  </p:cSld>
-  <p:clrMapOvr>
-    <a:masterClrMapping/>
-  </p:clrMapOvr>
-</p:sld>
-</file>
-
 <file path=ppt/slides/slide6.xml><?xml version="1.0" encoding="utf-8"?>
 <p:sld xmlns:a="http://schemas.openxmlformats.org/drawingml/2006/main" xmlns:r="http://schemas.openxmlformats.org/officeDocument/2006/relationships" xmlns:p="http://schemas.openxmlformats.org/presentationml/2006/main">
   <p:cSld>
@@ -8182,7 +8312,7 @@
           <a:p>
             <a:r>
               <a:rPr lang="en-US" dirty="0"/>
-              <a:t>Loops</a:t>
+              <a:t>Loops (for and foreach)</a:t>
             </a:r>
           </a:p>
         </p:txBody>
@@ -9065,15 +9195,6 @@
 </file>
 
 <file path=customXml/item1.xml><?xml version="1.0" encoding="utf-8"?>
-<?mso-contentType ?>
-<FormTemplates xmlns="http://schemas.microsoft.com/sharepoint/v3/contenttype/forms">
-  <Display>DocumentLibraryForm</Display>
-  <Edit>DocumentLibraryForm</Edit>
-  <New>DocumentLibraryForm</New>
-</FormTemplates>
-</file>
-
-<file path=customXml/item2.xml><?xml version="1.0" encoding="utf-8"?>
 <ct:contentTypeSchema xmlns:ct="http://schemas.microsoft.com/office/2006/metadata/contentType" xmlns:ma="http://schemas.microsoft.com/office/2006/metadata/properties/metaAttributes" ct:_="" ma:_="" ma:contentTypeName="Document" ma:contentTypeID="0x01010079F111ED35F8CC479449609E8A0923A6" ma:contentTypeVersion="12" ma:contentTypeDescription="Create a new document." ma:contentTypeScope="" ma:versionID="a410dd7f93c95333ffa1b60ed6adedd1">
   <xsd:schema xmlns:xsd="http://www.w3.org/2001/XMLSchema" xmlns:xs="http://www.w3.org/2001/XMLSchema" xmlns:p="http://schemas.microsoft.com/office/2006/metadata/properties" xmlns:ns2="71af3243-3dd4-4a8d-8c0d-dd76da1f02a5" xmlns:ns3="16c05727-aa75-4e4a-9b5f-8a80a1165891" targetNamespace="http://schemas.microsoft.com/office/2006/metadata/properties" ma:root="true" ma:fieldsID="a936d9baba76aa3866493feff160faab" ns2:_="" ns3:_="">
     <xsd:import namespace="71af3243-3dd4-4a8d-8c0d-dd76da1f02a5"/>
@@ -9294,6 +9415,15 @@
 </ct:contentTypeSchema>
 </file>
 
+<file path=customXml/item2.xml><?xml version="1.0" encoding="utf-8"?>
+<?mso-contentType ?>
+<FormTemplates xmlns="http://schemas.microsoft.com/sharepoint/v3/contenttype/forms">
+  <Display>DocumentLibraryForm</Display>
+  <Edit>DocumentLibraryForm</Edit>
+  <New>DocumentLibraryForm</New>
+</FormTemplates>
+</file>
+
 <file path=customXml/item3.xml><?xml version="1.0" encoding="utf-8"?>
 <p:properties xmlns:p="http://schemas.microsoft.com/office/2006/metadata/properties" xmlns:xsi="http://www.w3.org/2001/XMLSchema-instance" xmlns:pc="http://schemas.microsoft.com/office/infopath/2007/PartnerControls">
   <documentManagement>
@@ -9304,14 +9434,6 @@
 </file>
 
 <file path=customXml/itemProps1.xml><?xml version="1.0" encoding="utf-8"?>
-<ds:datastoreItem xmlns:ds="http://schemas.openxmlformats.org/officeDocument/2006/customXml" ds:itemID="{CDB58277-F8DF-46FF-84EC-EF41B835E69F}">
-  <ds:schemaRefs>
-    <ds:schemaRef ds:uri="http://schemas.microsoft.com/sharepoint/v3/contenttype/forms"/>
-  </ds:schemaRefs>
-</ds:datastoreItem>
-</file>
-
-<file path=customXml/itemProps2.xml><?xml version="1.0" encoding="utf-8"?>
 <ds:datastoreItem xmlns:ds="http://schemas.openxmlformats.org/officeDocument/2006/customXml" ds:itemID="{2D276E62-80A3-44DD-9BCC-97ED2B99B57F}">
   <ds:schemaRefs>
     <ds:schemaRef ds:uri="http://schemas.microsoft.com/office/2006/metadata/contentType"/>
@@ -9330,12 +9452,27 @@
 </ds:datastoreItem>
 </file>
 
+<file path=customXml/itemProps2.xml><?xml version="1.0" encoding="utf-8"?>
+<ds:datastoreItem xmlns:ds="http://schemas.openxmlformats.org/officeDocument/2006/customXml" ds:itemID="{CDB58277-F8DF-46FF-84EC-EF41B835E69F}">
+  <ds:schemaRefs>
+    <ds:schemaRef ds:uri="http://schemas.microsoft.com/sharepoint/v3/contenttype/forms"/>
+  </ds:schemaRefs>
+</ds:datastoreItem>
+</file>
+
 <file path=customXml/itemProps3.xml><?xml version="1.0" encoding="utf-8"?>
 <ds:datastoreItem xmlns:ds="http://schemas.openxmlformats.org/officeDocument/2006/customXml" ds:itemID="{137651BA-F45C-4845-9AB3-E0A65B39F5E1}">
   <ds:schemaRefs>
+    <ds:schemaRef ds:uri="16c05727-aa75-4e4a-9b5f-8a80a1165891"/>
+    <ds:schemaRef ds:uri="http://purl.org/dc/dcmitype/"/>
     <ds:schemaRef ds:uri="http://schemas.microsoft.com/office/2006/metadata/properties"/>
+    <ds:schemaRef ds:uri="http://schemas.microsoft.com/office/2006/documentManagement/types"/>
+    <ds:schemaRef ds:uri="http://purl.org/dc/elements/1.1/"/>
+    <ds:schemaRef ds:uri="http://purl.org/dc/terms/"/>
+    <ds:schemaRef ds:uri="71af3243-3dd4-4a8d-8c0d-dd76da1f02a5"/>
     <ds:schemaRef ds:uri="http://schemas.microsoft.com/office/infopath/2007/PartnerControls"/>
-    <ds:schemaRef ds:uri="71af3243-3dd4-4a8d-8c0d-dd76da1f02a5"/>
+    <ds:schemaRef ds:uri="http://schemas.openxmlformats.org/package/2006/metadata/core-properties"/>
+    <ds:schemaRef ds:uri="http://www.w3.org/XML/1998/namespace"/>
   </ds:schemaRefs>
 </ds:datastoreItem>
 </file>
--- a/CSC543FinalProject/CSC 543 - Spring 2021 - Final Project - Bob Elward.pptx
+++ b/CSC543FinalProject/CSC 543 - Spring 2021 - Final Project - Bob Elward.pptx
@@ -132,12 +132,197 @@
 <p1510:revInfo xmlns:a="http://schemas.openxmlformats.org/drawingml/2006/main" xmlns:r="http://schemas.openxmlformats.org/officeDocument/2006/relationships" xmlns:p1510="http://schemas.microsoft.com/office/powerpoint/2015/10/main">
   <p1510:revLst>
     <p1510:client id="{607681AF-7AAC-4B91-A1BC-14E95AC55DD5}" v="46" dt="2021-04-27T16:04:34.803"/>
+    <p1510:client id="{B43381DC-EAC8-4956-A75B-3D69100996E3}" v="3" dt="2021-04-28T13:54:07.732"/>
   </p1510:revLst>
 </p1510:revInfo>
 </file>
 
 <file path=ppt/changesInfos/changesInfo1.xml><?xml version="1.0" encoding="utf-8"?>
 <pc:chgInfo xmlns:a="http://schemas.openxmlformats.org/drawingml/2006/main" xmlns:r="http://schemas.openxmlformats.org/officeDocument/2006/relationships" xmlns:ac="http://schemas.microsoft.com/office/drawing/2013/main/command" xmlns:pc="http://schemas.microsoft.com/office/powerpoint/2013/main/command">
+  <pc:docChgLst>
+    <pc:chgData name="Bob E" userId="3e98a89c1d755d3b" providerId="LiveId" clId="{B43381DC-EAC8-4956-A75B-3D69100996E3}"/>
+    <pc:docChg chg="custSel addSld delSld modSld">
+      <pc:chgData name="Bob E" userId="3e98a89c1d755d3b" providerId="LiveId" clId="{B43381DC-EAC8-4956-A75B-3D69100996E3}" dt="2021-04-28T14:29:18.356" v="372" actId="13926"/>
+      <pc:docMkLst>
+        <pc:docMk/>
+      </pc:docMkLst>
+      <pc:sldChg chg="modSp mod">
+        <pc:chgData name="Bob E" userId="3e98a89c1d755d3b" providerId="LiveId" clId="{B43381DC-EAC8-4956-A75B-3D69100996E3}" dt="2021-04-28T14:04:13.927" v="363" actId="20577"/>
+        <pc:sldMkLst>
+          <pc:docMk/>
+          <pc:sldMk cId="3056102889" sldId="271"/>
+        </pc:sldMkLst>
+        <pc:spChg chg="mod">
+          <ac:chgData name="Bob E" userId="3e98a89c1d755d3b" providerId="LiveId" clId="{B43381DC-EAC8-4956-A75B-3D69100996E3}" dt="2021-04-28T14:00:24.387" v="229" actId="255"/>
+          <ac:spMkLst>
+            <pc:docMk/>
+            <pc:sldMk cId="3056102889" sldId="271"/>
+            <ac:spMk id="3" creationId="{AD2CC37C-F3D7-486E-8526-054D492DC6E2}"/>
+          </ac:spMkLst>
+        </pc:spChg>
+        <pc:spChg chg="mod">
+          <ac:chgData name="Bob E" userId="3e98a89c1d755d3b" providerId="LiveId" clId="{B43381DC-EAC8-4956-A75B-3D69100996E3}" dt="2021-04-28T14:00:45.971" v="231" actId="255"/>
+          <ac:spMkLst>
+            <pc:docMk/>
+            <pc:sldMk cId="3056102889" sldId="271"/>
+            <ac:spMk id="4" creationId="{8A16A1E7-B170-4215-8D61-C074646FE01B}"/>
+          </ac:spMkLst>
+        </pc:spChg>
+        <pc:spChg chg="mod">
+          <ac:chgData name="Bob E" userId="3e98a89c1d755d3b" providerId="LiveId" clId="{B43381DC-EAC8-4956-A75B-3D69100996E3}" dt="2021-04-28T14:03:20.318" v="360" actId="20577"/>
+          <ac:spMkLst>
+            <pc:docMk/>
+            <pc:sldMk cId="3056102889" sldId="271"/>
+            <ac:spMk id="5" creationId="{80510B19-D9D0-480C-9628-54A1635D38CA}"/>
+          </ac:spMkLst>
+        </pc:spChg>
+        <pc:spChg chg="mod">
+          <ac:chgData name="Bob E" userId="3e98a89c1d755d3b" providerId="LiveId" clId="{B43381DC-EAC8-4956-A75B-3D69100996E3}" dt="2021-04-28T14:04:13.927" v="363" actId="20577"/>
+          <ac:spMkLst>
+            <pc:docMk/>
+            <pc:sldMk cId="3056102889" sldId="271"/>
+            <ac:spMk id="6" creationId="{0089E472-2D9C-40F6-A8C2-01D341DBD25C}"/>
+          </ac:spMkLst>
+        </pc:spChg>
+      </pc:sldChg>
+      <pc:sldChg chg="modSp mod">
+        <pc:chgData name="Bob E" userId="3e98a89c1d755d3b" providerId="LiveId" clId="{B43381DC-EAC8-4956-A75B-3D69100996E3}" dt="2021-04-28T13:50:03.686" v="133" actId="20577"/>
+        <pc:sldMkLst>
+          <pc:docMk/>
+          <pc:sldMk cId="434758405" sldId="272"/>
+        </pc:sldMkLst>
+        <pc:spChg chg="mod">
+          <ac:chgData name="Bob E" userId="3e98a89c1d755d3b" providerId="LiveId" clId="{B43381DC-EAC8-4956-A75B-3D69100996E3}" dt="2021-04-28T13:50:03.686" v="133" actId="20577"/>
+          <ac:spMkLst>
+            <pc:docMk/>
+            <pc:sldMk cId="434758405" sldId="272"/>
+            <ac:spMk id="3" creationId="{3C650AA7-245A-451B-B604-B9C5108457AB}"/>
+          </ac:spMkLst>
+        </pc:spChg>
+      </pc:sldChg>
+      <pc:sldChg chg="modSp mod">
+        <pc:chgData name="Bob E" userId="3e98a89c1d755d3b" providerId="LiveId" clId="{B43381DC-EAC8-4956-A75B-3D69100996E3}" dt="2021-04-28T13:59:16.080" v="216" actId="20577"/>
+        <pc:sldMkLst>
+          <pc:docMk/>
+          <pc:sldMk cId="3960028411" sldId="273"/>
+        </pc:sldMkLst>
+        <pc:spChg chg="mod">
+          <ac:chgData name="Bob E" userId="3e98a89c1d755d3b" providerId="LiveId" clId="{B43381DC-EAC8-4956-A75B-3D69100996E3}" dt="2021-04-28T13:59:16.080" v="216" actId="20577"/>
+          <ac:spMkLst>
+            <pc:docMk/>
+            <pc:sldMk cId="3960028411" sldId="273"/>
+            <ac:spMk id="3" creationId="{2763850A-8E65-4294-96B6-193BFD56EC77}"/>
+          </ac:spMkLst>
+        </pc:spChg>
+      </pc:sldChg>
+      <pc:sldChg chg="addSp delSp modSp mod">
+        <pc:chgData name="Bob E" userId="3e98a89c1d755d3b" providerId="LiveId" clId="{B43381DC-EAC8-4956-A75B-3D69100996E3}" dt="2021-04-28T14:15:30.577" v="368" actId="1076"/>
+        <pc:sldMkLst>
+          <pc:docMk/>
+          <pc:sldMk cId="413717029" sldId="276"/>
+        </pc:sldMkLst>
+        <pc:picChg chg="del">
+          <ac:chgData name="Bob E" userId="3e98a89c1d755d3b" providerId="LiveId" clId="{B43381DC-EAC8-4956-A75B-3D69100996E3}" dt="2021-04-28T14:15:00.801" v="364" actId="478"/>
+          <ac:picMkLst>
+            <pc:docMk/>
+            <pc:sldMk cId="413717029" sldId="276"/>
+            <ac:picMk id="4" creationId="{2F063A17-EA11-4DDD-BF66-A72D5EF116A3}"/>
+          </ac:picMkLst>
+        </pc:picChg>
+        <pc:picChg chg="add mod">
+          <ac:chgData name="Bob E" userId="3e98a89c1d755d3b" providerId="LiveId" clId="{B43381DC-EAC8-4956-A75B-3D69100996E3}" dt="2021-04-28T14:15:30.577" v="368" actId="1076"/>
+          <ac:picMkLst>
+            <pc:docMk/>
+            <pc:sldMk cId="413717029" sldId="276"/>
+            <ac:picMk id="5" creationId="{D0FEEAF9-B904-45C6-A3F1-C1285BCC0F3C}"/>
+          </ac:picMkLst>
+        </pc:picChg>
+      </pc:sldChg>
+      <pc:sldChg chg="modSp mod">
+        <pc:chgData name="Bob E" userId="3e98a89c1d755d3b" providerId="LiveId" clId="{B43381DC-EAC8-4956-A75B-3D69100996E3}" dt="2021-04-28T13:59:26.846" v="222" actId="20577"/>
+        <pc:sldMkLst>
+          <pc:docMk/>
+          <pc:sldMk cId="3876481716" sldId="277"/>
+        </pc:sldMkLst>
+        <pc:spChg chg="mod">
+          <ac:chgData name="Bob E" userId="3e98a89c1d755d3b" providerId="LiveId" clId="{B43381DC-EAC8-4956-A75B-3D69100996E3}" dt="2021-04-28T13:59:26.846" v="222" actId="20577"/>
+          <ac:spMkLst>
+            <pc:docMk/>
+            <pc:sldMk cId="3876481716" sldId="277"/>
+            <ac:spMk id="3" creationId="{71388D8B-84E2-4EFE-94D1-E35B5594DDCA}"/>
+          </ac:spMkLst>
+        </pc:spChg>
+      </pc:sldChg>
+      <pc:sldChg chg="modSp mod">
+        <pc:chgData name="Bob E" userId="3e98a89c1d755d3b" providerId="LiveId" clId="{B43381DC-EAC8-4956-A75B-3D69100996E3}" dt="2021-04-28T14:29:18.356" v="372" actId="13926"/>
+        <pc:sldMkLst>
+          <pc:docMk/>
+          <pc:sldMk cId="787778358" sldId="282"/>
+        </pc:sldMkLst>
+        <pc:spChg chg="mod">
+          <ac:chgData name="Bob E" userId="3e98a89c1d755d3b" providerId="LiveId" clId="{B43381DC-EAC8-4956-A75B-3D69100996E3}" dt="2021-04-28T14:29:18.356" v="372" actId="13926"/>
+          <ac:spMkLst>
+            <pc:docMk/>
+            <pc:sldMk cId="787778358" sldId="282"/>
+            <ac:spMk id="3" creationId="{744DE119-C9E2-4C9C-8D9F-E99A95CF9765}"/>
+          </ac:spMkLst>
+        </pc:spChg>
+      </pc:sldChg>
+      <pc:sldChg chg="modSp mod modClrScheme chgLayout">
+        <pc:chgData name="Bob E" userId="3e98a89c1d755d3b" providerId="LiveId" clId="{B43381DC-EAC8-4956-A75B-3D69100996E3}" dt="2021-04-28T13:55:10.884" v="210" actId="27636"/>
+        <pc:sldMkLst>
+          <pc:docMk/>
+          <pc:sldMk cId="2846210679" sldId="285"/>
+        </pc:sldMkLst>
+        <pc:spChg chg="mod ord">
+          <ac:chgData name="Bob E" userId="3e98a89c1d755d3b" providerId="LiveId" clId="{B43381DC-EAC8-4956-A75B-3D69100996E3}" dt="2021-04-28T13:50:54.957" v="134" actId="26606"/>
+          <ac:spMkLst>
+            <pc:docMk/>
+            <pc:sldMk cId="2846210679" sldId="285"/>
+            <ac:spMk id="2" creationId="{3586AC00-70B6-435A-80D8-4128CD18660F}"/>
+          </ac:spMkLst>
+        </pc:spChg>
+        <pc:spChg chg="mod">
+          <ac:chgData name="Bob E" userId="3e98a89c1d755d3b" providerId="LiveId" clId="{B43381DC-EAC8-4956-A75B-3D69100996E3}" dt="2021-04-28T13:55:10.884" v="210" actId="27636"/>
+          <ac:spMkLst>
+            <pc:docMk/>
+            <pc:sldMk cId="2846210679" sldId="285"/>
+            <ac:spMk id="4" creationId="{586318B1-D1B6-41AF-BBAF-C5D79AB2F4F6}"/>
+          </ac:spMkLst>
+        </pc:spChg>
+        <pc:picChg chg="mod">
+          <ac:chgData name="Bob E" userId="3e98a89c1d755d3b" providerId="LiveId" clId="{B43381DC-EAC8-4956-A75B-3D69100996E3}" dt="2021-04-28T13:54:07.732" v="206" actId="14100"/>
+          <ac:picMkLst>
+            <pc:docMk/>
+            <pc:sldMk cId="2846210679" sldId="285"/>
+            <ac:picMk id="1026" creationId="{18D10FDE-B2FE-42A4-BF68-FC805D327059}"/>
+          </ac:picMkLst>
+        </pc:picChg>
+      </pc:sldChg>
+      <pc:sldChg chg="modSp mod">
+        <pc:chgData name="Bob E" userId="3e98a89c1d755d3b" providerId="LiveId" clId="{B43381DC-EAC8-4956-A75B-3D69100996E3}" dt="2021-04-28T13:59:38.076" v="228" actId="20577"/>
+        <pc:sldMkLst>
+          <pc:docMk/>
+          <pc:sldMk cId="61770106" sldId="286"/>
+        </pc:sldMkLst>
+        <pc:spChg chg="mod">
+          <ac:chgData name="Bob E" userId="3e98a89c1d755d3b" providerId="LiveId" clId="{B43381DC-EAC8-4956-A75B-3D69100996E3}" dt="2021-04-28T13:59:38.076" v="228" actId="20577"/>
+          <ac:spMkLst>
+            <pc:docMk/>
+            <pc:sldMk cId="61770106" sldId="286"/>
+            <ac:spMk id="3" creationId="{9F2B14E6-F391-4132-9B7B-8C540A64788E}"/>
+          </ac:spMkLst>
+        </pc:spChg>
+      </pc:sldChg>
+      <pc:sldChg chg="new del">
+        <pc:chgData name="Bob E" userId="3e98a89c1d755d3b" providerId="LiveId" clId="{B43381DC-EAC8-4956-A75B-3D69100996E3}" dt="2021-04-28T13:54:57.242" v="208" actId="47"/>
+        <pc:sldMkLst>
+          <pc:docMk/>
+          <pc:sldMk cId="312658338" sldId="287"/>
+        </pc:sldMkLst>
+      </pc:sldChg>
+    </pc:docChg>
+  </pc:docChgLst>
   <pc:docChgLst>
     <pc:chgData name="Bob E" userId="3e98a89c1d755d3b" providerId="LiveId" clId="{607681AF-7AAC-4B91-A1BC-14E95AC55DD5}"/>
     <pc:docChg chg="custSel addSld delSld modSld sldOrd">
@@ -801,7 +986,7 @@
           <a:p>
             <a:fld id="{EA0C0817-A112-4847-8014-A94B7D2A4EA3}" type="datetime1">
               <a:rPr lang="en-US" smtClean="0"/>
-              <a:t>4/27/2021</a:t>
+              <a:t>4/28/2021</a:t>
             </a:fld>
             <a:endParaRPr lang="en-US" dirty="0"/>
           </a:p>
@@ -1003,7 +1188,7 @@
           <a:p>
             <a:fld id="{7332B432-ACDA-4023-A761-2BAB76577B62}" type="datetime1">
               <a:rPr lang="en-US" smtClean="0"/>
-              <a:t>4/27/2021</a:t>
+              <a:t>4/28/2021</a:t>
             </a:fld>
             <a:endParaRPr lang="en-US" dirty="0"/>
           </a:p>
@@ -1602,7 +1787,7 @@
           <a:p>
             <a:fld id="{D9C646AA-F36E-4540-911D-FFFC0A0EF24A}" type="datetime1">
               <a:rPr lang="en-US" smtClean="0"/>
-              <a:t>4/27/2021</a:t>
+              <a:t>4/28/2021</a:t>
             </a:fld>
             <a:endParaRPr lang="en-US" dirty="0"/>
           </a:p>
@@ -1922,7 +2107,7 @@
           <a:p>
             <a:fld id="{69186D26-FA5F-4637-B602-B7C2DC34CFD4}" type="datetime1">
               <a:rPr lang="en-US" smtClean="0"/>
-              <a:t>4/27/2021</a:t>
+              <a:t>4/28/2021</a:t>
             </a:fld>
             <a:endParaRPr lang="en-US" dirty="0"/>
           </a:p>
@@ -2359,7 +2544,7 @@
           <a:p>
             <a:fld id="{8A7F15D8-96D1-4781-BC50-CA8A088B2FE4}" type="datetime1">
               <a:rPr lang="en-US" smtClean="0"/>
-              <a:t>4/27/2021</a:t>
+              <a:t>4/28/2021</a:t>
             </a:fld>
             <a:endParaRPr lang="en-US" dirty="0"/>
           </a:p>
@@ -2477,7 +2662,7 @@
           <a:p>
             <a:fld id="{F9A96C99-B8F8-4528-BD05-0E16E943DC09}" type="datetime1">
               <a:rPr lang="en-US" smtClean="0"/>
-              <a:t>4/27/2021</a:t>
+              <a:t>4/28/2021</a:t>
             </a:fld>
             <a:endParaRPr lang="en-US" dirty="0"/>
           </a:p>
@@ -2572,7 +2757,7 @@
           <a:p>
             <a:fld id="{03636942-C211-4B28-8DBD-C953E00AF71B}" type="datetime1">
               <a:rPr lang="en-US" smtClean="0"/>
-              <a:t>4/27/2021</a:t>
+              <a:t>4/28/2021</a:t>
             </a:fld>
             <a:endParaRPr lang="en-US" dirty="0"/>
           </a:p>
@@ -2989,7 +3174,7 @@
           <a:p>
             <a:fld id="{7E8D12A6-918A-48BD-8CB9-CA713993B0EA}" type="datetime1">
               <a:rPr lang="en-US" smtClean="0"/>
-              <a:t>4/27/2021</a:t>
+              <a:t>4/28/2021</a:t>
             </a:fld>
             <a:endParaRPr lang="en-US" dirty="0"/>
           </a:p>
@@ -3251,7 +3436,7 @@
             <a:fld id="{E778CE86-875F-4587-BCF6-FA054AFC0D53}" type="datetime1">
               <a:rPr lang="en-US" smtClean="0"/>
               <a:pPr/>
-              <a:t>4/27/2021</a:t>
+              <a:t>4/28/2021</a:t>
             </a:fld>
             <a:endParaRPr lang="en-US" dirty="0"/>
           </a:p>
@@ -3767,7 +3952,7 @@
           <a:p>
             <a:fld id="{F6FA2B21-3FCD-4721-B95C-427943F61125}" type="datetime1">
               <a:rPr lang="en-US" smtClean="0"/>
-              <a:t>4/27/2021</a:t>
+              <a:t>4/28/2021</a:t>
             </a:fld>
             <a:endParaRPr lang="en-US" dirty="0"/>
           </a:p>
@@ -4629,11 +4814,7 @@
               <a:t>(0, n, </a:t>
             </a:r>
             <a:r>
-              <a:rPr lang="en-US" dirty="0" err="1">
-                <a:highlight>
-                  <a:srgbClr val="FFFF00"/>
-                </a:highlight>
-              </a:rPr>
+              <a:rPr lang="en-US" dirty="0" err="1"/>
               <a:t>DoWork</a:t>
             </a:r>
             <a:r>
@@ -4651,35 +4832,19 @@
               <a:t>public void </a:t>
             </a:r>
             <a:r>
-              <a:rPr lang="en-US" dirty="0" err="1">
-                <a:highlight>
-                  <a:srgbClr val="FFFF00"/>
-                </a:highlight>
-              </a:rPr>
+              <a:rPr lang="en-US" dirty="0" err="1"/>
               <a:t>DoWork</a:t>
             </a:r>
             <a:r>
-              <a:rPr lang="en-US" dirty="0">
-                <a:highlight>
-                  <a:srgbClr val="FFFF00"/>
-                </a:highlight>
-              </a:rPr>
+              <a:rPr lang="en-US" dirty="0"/>
               <a:t>(int </a:t>
             </a:r>
             <a:r>
-              <a:rPr lang="en-US" dirty="0" err="1">
-                <a:highlight>
-                  <a:srgbClr val="FFFF00"/>
-                </a:highlight>
-              </a:rPr>
+              <a:rPr lang="en-US" dirty="0" err="1"/>
               <a:t>i</a:t>
             </a:r>
             <a:r>
-              <a:rPr lang="en-US" dirty="0">
-                <a:highlight>
-                  <a:srgbClr val="FFFF00"/>
-                </a:highlight>
-              </a:rPr>
+              <a:rPr lang="en-US" dirty="0"/>
               <a:t>)</a:t>
             </a:r>
             <a:br>
@@ -4719,38 +4884,18 @@
             </a:r>
             <a:r>
               <a:rPr lang="en-US" dirty="0"/>
-              <a:t>(0, n, </a:t>
-            </a:r>
-            <a:r>
-              <a:rPr lang="en-US" dirty="0">
-                <a:highlight>
-                  <a:srgbClr val="FFFF00"/>
-                </a:highlight>
-              </a:rPr>
-              <a:t>delegate(int </a:t>
-            </a:r>
-            <a:r>
-              <a:rPr lang="en-US" dirty="0" err="1">
-                <a:highlight>
-                  <a:srgbClr val="FFFF00"/>
-                </a:highlight>
-              </a:rPr>
+              <a:t>(0, n, delegate(int </a:t>
+            </a:r>
+            <a:r>
+              <a:rPr lang="en-US" dirty="0" err="1"/>
               <a:t>i</a:t>
             </a:r>
             <a:r>
-              <a:rPr lang="en-US" dirty="0">
-                <a:highlight>
-                  <a:srgbClr val="FFFF00"/>
-                </a:highlight>
-              </a:rPr>
+              <a:rPr lang="en-US" dirty="0"/>
               <a:t>)</a:t>
             </a:r>
             <a:br>
-              <a:rPr lang="en-US" dirty="0">
-                <a:highlight>
-                  <a:srgbClr val="FFFF00"/>
-                </a:highlight>
-              </a:rPr>
+              <a:rPr lang="en-US" dirty="0"/>
             </a:br>
             <a:r>
               <a:rPr lang="en-US" dirty="0"/>
@@ -4793,30 +4938,14 @@
             </a:r>
             <a:r>
               <a:rPr lang="en-US" dirty="0"/>
-              <a:t>(0, n, </a:t>
-            </a:r>
-            <a:r>
-              <a:rPr lang="en-US" dirty="0">
-                <a:highlight>
-                  <a:srgbClr val="FFFF00"/>
-                </a:highlight>
-              </a:rPr>
-              <a:t>(</a:t>
-            </a:r>
-            <a:r>
-              <a:rPr lang="en-US" dirty="0" err="1">
-                <a:highlight>
-                  <a:srgbClr val="FFFF00"/>
-                </a:highlight>
-              </a:rPr>
+              <a:t>(0, n, (</a:t>
+            </a:r>
+            <a:r>
+              <a:rPr lang="en-US" dirty="0" err="1"/>
               <a:t>i</a:t>
             </a:r>
             <a:r>
-              <a:rPr lang="en-US" dirty="0">
-                <a:highlight>
-                  <a:srgbClr val="FFFF00"/>
-                </a:highlight>
-              </a:rPr>
+              <a:rPr lang="en-US" dirty="0"/>
               <a:t>) =&gt; </a:t>
             </a:r>
             <a:br>
@@ -5120,7 +5249,7 @@
                 <a:effectLst/>
                 <a:latin typeface="Segoe UI" panose="020B0502040204020203" pitchFamily="34" charset="0"/>
               </a:rPr>
-              <a:t> method has 20 overloads.</a:t>
+              <a:t>(…) method has 20 overloads.</a:t>
             </a:r>
           </a:p>
           <a:p>
@@ -6270,10 +6399,10 @@
       </p:sp>
       <p:pic>
         <p:nvPicPr>
-          <p:cNvPr id="4" name="Picture 3">
+          <p:cNvPr id="5" name="Picture 4">
             <a:extLst>
               <a:ext uri="{FF2B5EF4-FFF2-40B4-BE49-F238E27FC236}">
-                <a16:creationId xmlns:a16="http://schemas.microsoft.com/office/drawing/2014/main" id="{2F063A17-EA11-4DDD-BF66-A72D5EF116A3}"/>
+                <a16:creationId xmlns:a16="http://schemas.microsoft.com/office/drawing/2014/main" id="{D0FEEAF9-B904-45C6-A3F1-C1285BCC0F3C}"/>
               </a:ext>
             </a:extLst>
           </p:cNvPr>
@@ -6290,8 +6419,8 @@
         </p:blipFill>
         <p:spPr>
           <a:xfrm>
-            <a:off x="1066800" y="2014193"/>
-            <a:ext cx="9151942" cy="3895759"/>
+            <a:off x="1066800" y="2014194"/>
+            <a:ext cx="9847719" cy="4189273"/>
           </a:xfrm>
           <a:prstGeom prst="rect">
             <a:avLst/>
@@ -7132,7 +7261,7 @@
         <p:spPr/>
         <p:txBody>
           <a:bodyPr>
-            <a:normAutofit lnSpcReduction="10000"/>
+            <a:normAutofit fontScale="85000" lnSpcReduction="20000"/>
           </a:bodyPr>
           <a:lstStyle/>
           <a:p>
@@ -7160,7 +7289,7 @@
           <a:p>
             <a:r>
               <a:rPr lang="en-US" sz="2000" dirty="0"/>
-              <a:t>Keep in mind that this version of .NET and C# runs on:</a:t>
+              <a:t>Keep in mind that these tools can be used to develop applications for:</a:t>
             </a:r>
           </a:p>
           <a:p>
@@ -7210,6 +7339,26 @@
               <a:t>https://github.com/belward1/CSC543FinalProject</a:t>
             </a:r>
             <a:endParaRPr lang="en-US" sz="2000" dirty="0"/>
+          </a:p>
+          <a:p>
+            <a:r>
+              <a:rPr lang="en-US" sz="2100" dirty="0"/>
+              <a:t>Microsoft Tools for KU Students: </a:t>
+            </a:r>
+            <a:r>
+              <a:rPr lang="en-US" sz="2100" dirty="0">
+                <a:hlinkClick r:id="rId3"/>
+              </a:rPr>
+              <a:t>Student Resources - Computer Science and Information Technology - Kutztown University</a:t>
+            </a:r>
+            <a:endParaRPr lang="en-US" sz="2100" dirty="0"/>
+          </a:p>
+          <a:p>
+            <a:pPr lvl="1"/>
+            <a:r>
+              <a:rPr lang="en-US" sz="1800" dirty="0"/>
+              <a:t>Then click on Software -&gt; Azure Dev Tools</a:t>
+            </a:r>
           </a:p>
         </p:txBody>
       </p:sp>
@@ -7746,34 +7895,6 @@
           <a:chExt cx="0" cy="0"/>
         </a:xfrm>
       </p:grpSpPr>
-      <p:sp>
-        <p:nvSpPr>
-          <p:cNvPr id="2" name="Title 1">
-            <a:extLst>
-              <a:ext uri="{FF2B5EF4-FFF2-40B4-BE49-F238E27FC236}">
-                <a16:creationId xmlns:a16="http://schemas.microsoft.com/office/drawing/2014/main" id="{3586AC00-70B6-435A-80D8-4128CD18660F}"/>
-              </a:ext>
-            </a:extLst>
-          </p:cNvPr>
-          <p:cNvSpPr>
-            <a:spLocks noGrp="1"/>
-          </p:cNvSpPr>
-          <p:nvPr>
-            <p:ph type="title"/>
-          </p:nvPr>
-        </p:nvSpPr>
-        <p:spPr/>
-        <p:txBody>
-          <a:bodyPr/>
-          <a:lstStyle/>
-          <a:p>
-            <a:r>
-              <a:rPr lang="en-US" dirty="0"/>
-              <a:t>Parallel Programming in .NET</a:t>
-            </a:r>
-          </a:p>
-        </p:txBody>
-      </p:sp>
       <p:pic>
         <p:nvPicPr>
           <p:cNvPr id="1026" name="Picture 2" descr=".NET Parallel Programming Architecture">
@@ -7796,20 +7917,24 @@
               </a:ext>
             </a:extLst>
           </a:blip>
-          <a:srcRect/>
           <a:stretch>
             <a:fillRect/>
           </a:stretch>
         </p:blipFill>
         <p:spPr bwMode="auto">
           <a:xfrm>
-            <a:off x="1066801" y="1903662"/>
-            <a:ext cx="7403960" cy="3955389"/>
+            <a:off x="228599" y="1373244"/>
+            <a:ext cx="7696201" cy="4111512"/>
           </a:xfrm>
           <a:prstGeom prst="rect">
             <a:avLst/>
           </a:prstGeom>
-          <a:noFill/>
+          <a:solidFill>
+            <a:srgbClr val="FFFFFF"/>
+          </a:solidFill>
+          <a:ln>
+            <a:noFill/>
+          </a:ln>
           <a:extLst>
             <a:ext uri="{909E8E84-426E-40DD-AFC4-6F175D3DCCD1}">
               <a14:hiddenFill xmlns:a14="http://schemas.microsoft.com/office/drawing/2010/main">
@@ -7821,6 +7946,46 @@
           </a:extLst>
         </p:spPr>
       </p:pic>
+      <p:sp>
+        <p:nvSpPr>
+          <p:cNvPr id="2" name="Title 1">
+            <a:extLst>
+              <a:ext uri="{FF2B5EF4-FFF2-40B4-BE49-F238E27FC236}">
+                <a16:creationId xmlns:a16="http://schemas.microsoft.com/office/drawing/2014/main" id="{3586AC00-70B6-435A-80D8-4128CD18660F}"/>
+              </a:ext>
+            </a:extLst>
+          </p:cNvPr>
+          <p:cNvSpPr>
+            <a:spLocks noGrp="1"/>
+          </p:cNvSpPr>
+          <p:nvPr>
+            <p:ph type="title"/>
+          </p:nvPr>
+        </p:nvSpPr>
+        <p:spPr>
+          <a:xfrm>
+            <a:off x="8477250" y="603504"/>
+            <a:ext cx="3144774" cy="1645920"/>
+          </a:xfrm>
+        </p:spPr>
+        <p:txBody>
+          <a:bodyPr vert="horz" lIns="91440" tIns="45720" rIns="91440" bIns="45720" rtlCol="0" anchor="b">
+            <a:normAutofit/>
+          </a:bodyPr>
+          <a:lstStyle/>
+          <a:p>
+            <a:r>
+              <a:rPr lang="en-US" b="0" i="0" kern="1200" cap="none" spc="0" baseline="0" dirty="0">
+                <a:effectLst/>
+                <a:latin typeface="+mj-lt"/>
+                <a:ea typeface="+mn-ea"/>
+                <a:cs typeface="+mn-cs"/>
+              </a:rPr>
+              <a:t>Parallel Programming in .NET</a:t>
+            </a:r>
+          </a:p>
+        </p:txBody>
+      </p:sp>
       <p:sp>
         <p:nvSpPr>
           <p:cNvPr id="4" name="TextBox 3">
@@ -7835,31 +8000,203 @@
         </p:nvSpPr>
         <p:spPr>
           <a:xfrm>
-            <a:off x="1066800" y="5948623"/>
-            <a:ext cx="10343605" cy="369332"/>
+            <a:off x="8477249" y="2386584"/>
+            <a:ext cx="3308941" cy="3511296"/>
           </a:xfrm>
           <a:prstGeom prst="rect">
             <a:avLst/>
           </a:prstGeom>
-          <a:noFill/>
         </p:spPr>
         <p:txBody>
-          <a:bodyPr wrap="square" rtlCol="0">
-            <a:spAutoFit/>
+          <a:bodyPr vert="horz" lIns="91440" tIns="45720" rIns="91440" bIns="45720" rtlCol="0">
+            <a:normAutofit lnSpcReduction="10000"/>
           </a:bodyPr>
           <a:lstStyle/>
           <a:p>
-            <a:r>
-              <a:rPr lang="en-US" dirty="0"/>
+            <a:pPr marL="285750" indent="-285750">
+              <a:lnSpc>
+                <a:spcPct val="110000"/>
+              </a:lnSpc>
+              <a:spcBef>
+                <a:spcPts val="800"/>
+              </a:spcBef>
+              <a:buClr>
+                <a:schemeClr val="tx1">
+                  <a:lumMod val="85000"/>
+                  <a:lumOff val="15000"/>
+                </a:schemeClr>
+              </a:buClr>
+              <a:buFont typeface="Arial" panose="020B0604020202020204" pitchFamily="34" charset="0"/>
+              <a:buChar char="•"/>
+            </a:pPr>
+            <a:r>
+              <a:rPr lang="en-US" b="1" kern="1200" dirty="0">
+                <a:latin typeface="+mn-lt"/>
+                <a:ea typeface="+mn-ea"/>
+                <a:cs typeface="+mn-cs"/>
+              </a:rPr>
+              <a:t>TPL Parallel Class Methods:</a:t>
+            </a:r>
+          </a:p>
+          <a:p>
+            <a:pPr marL="742950" lvl="1" indent="-285750">
+              <a:lnSpc>
+                <a:spcPct val="110000"/>
+              </a:lnSpc>
+              <a:spcBef>
+                <a:spcPts val="800"/>
+              </a:spcBef>
+              <a:buClr>
+                <a:schemeClr val="tx1">
+                  <a:lumMod val="85000"/>
+                  <a:lumOff val="15000"/>
+                </a:schemeClr>
+              </a:buClr>
+              <a:buFont typeface="Arial" panose="020B0604020202020204" pitchFamily="34" charset="0"/>
+              <a:buChar char="•"/>
+            </a:pPr>
+            <a:r>
+              <a:rPr lang="en-US" b="1" dirty="0"/>
+              <a:t>Invoke(…)</a:t>
+            </a:r>
+          </a:p>
+          <a:p>
+            <a:pPr marL="742950" lvl="1" indent="-285750">
+              <a:lnSpc>
+                <a:spcPct val="110000"/>
+              </a:lnSpc>
+              <a:spcBef>
+                <a:spcPts val="800"/>
+              </a:spcBef>
+              <a:buClr>
+                <a:schemeClr val="tx1">
+                  <a:lumMod val="85000"/>
+                  <a:lumOff val="15000"/>
+                </a:schemeClr>
+              </a:buClr>
+              <a:buFont typeface="Arial" panose="020B0604020202020204" pitchFamily="34" charset="0"/>
+              <a:buChar char="•"/>
+            </a:pPr>
+            <a:r>
+              <a:rPr lang="en-US" b="1" kern="1200" dirty="0">
+                <a:latin typeface="+mn-lt"/>
+                <a:ea typeface="+mn-ea"/>
+                <a:cs typeface="+mn-cs"/>
+              </a:rPr>
+              <a:t>For(…)</a:t>
+            </a:r>
+          </a:p>
+          <a:p>
+            <a:pPr marL="742950" lvl="1" indent="-285750">
+              <a:lnSpc>
+                <a:spcPct val="110000"/>
+              </a:lnSpc>
+              <a:spcBef>
+                <a:spcPts val="800"/>
+              </a:spcBef>
+              <a:buClr>
+                <a:schemeClr val="tx1">
+                  <a:lumMod val="85000"/>
+                  <a:lumOff val="15000"/>
+                </a:schemeClr>
+              </a:buClr>
+              <a:buFont typeface="Arial" panose="020B0604020202020204" pitchFamily="34" charset="0"/>
+              <a:buChar char="•"/>
+            </a:pPr>
+            <a:r>
+              <a:rPr lang="en-US" b="1" dirty="0" err="1"/>
+              <a:t>ForEach</a:t>
+            </a:r>
+            <a:r>
+              <a:rPr lang="en-US" b="1" dirty="0"/>
+              <a:t>(…)</a:t>
+            </a:r>
+          </a:p>
+          <a:p>
+            <a:pPr marL="742950" lvl="1" indent="-285750">
+              <a:lnSpc>
+                <a:spcPct val="110000"/>
+              </a:lnSpc>
+              <a:spcBef>
+                <a:spcPts val="800"/>
+              </a:spcBef>
+              <a:buClr>
+                <a:schemeClr val="tx1">
+                  <a:lumMod val="85000"/>
+                  <a:lumOff val="15000"/>
+                </a:schemeClr>
+              </a:buClr>
+              <a:buFont typeface="Arial" panose="020B0604020202020204" pitchFamily="34" charset="0"/>
+              <a:buChar char="•"/>
+            </a:pPr>
+            <a:endParaRPr lang="en-US" kern="1200" dirty="0">
+              <a:latin typeface="+mn-lt"/>
+              <a:ea typeface="+mn-ea"/>
+              <a:cs typeface="+mn-cs"/>
+            </a:endParaRPr>
+          </a:p>
+          <a:p>
+            <a:pPr marL="285750" indent="-285750">
+              <a:lnSpc>
+                <a:spcPct val="110000"/>
+              </a:lnSpc>
+              <a:spcBef>
+                <a:spcPts val="800"/>
+              </a:spcBef>
+              <a:buClr>
+                <a:schemeClr val="tx1">
+                  <a:lumMod val="85000"/>
+                  <a:lumOff val="15000"/>
+                </a:schemeClr>
+              </a:buClr>
+              <a:buFont typeface="Arial" panose="020B0604020202020204" pitchFamily="34" charset="0"/>
+              <a:buChar char="•"/>
+            </a:pPr>
+            <a:endParaRPr lang="en-US" kern="1200" dirty="0">
+              <a:latin typeface="+mn-lt"/>
+              <a:ea typeface="+mn-ea"/>
+              <a:cs typeface="+mn-cs"/>
+            </a:endParaRPr>
+          </a:p>
+          <a:p>
+            <a:pPr marL="285750" indent="-285750">
+              <a:lnSpc>
+                <a:spcPct val="110000"/>
+              </a:lnSpc>
+              <a:spcBef>
+                <a:spcPts val="800"/>
+              </a:spcBef>
+              <a:buClr>
+                <a:schemeClr val="tx1">
+                  <a:lumMod val="85000"/>
+                  <a:lumOff val="15000"/>
+                </a:schemeClr>
+              </a:buClr>
+              <a:buFont typeface="Arial" panose="020B0604020202020204" pitchFamily="34" charset="0"/>
+              <a:buChar char="•"/>
+            </a:pPr>
+            <a:r>
+              <a:rPr lang="en-US" kern="1200" dirty="0">
+                <a:latin typeface="+mn-lt"/>
+                <a:ea typeface="+mn-ea"/>
+                <a:cs typeface="+mn-cs"/>
+              </a:rPr>
               <a:t>Source: </a:t>
             </a:r>
             <a:r>
-              <a:rPr lang="nl-NL" dirty="0">
+              <a:rPr lang="en-US" kern="1200" dirty="0">
+                <a:latin typeface="+mn-lt"/>
+                <a:ea typeface="+mn-ea"/>
+                <a:cs typeface="+mn-cs"/>
                 <a:hlinkClick r:id="rId3"/>
               </a:rPr>
               <a:t>Parallel Programming in .NET | Microsoft Docs</a:t>
             </a:r>
-            <a:endParaRPr lang="en-US" dirty="0"/>
+            <a:endParaRPr lang="en-US" kern="1200" dirty="0">
+              <a:latin typeface="+mn-lt"/>
+              <a:ea typeface="+mn-ea"/>
+              <a:cs typeface="+mn-cs"/>
+            </a:endParaRPr>
           </a:p>
         </p:txBody>
       </p:sp>
@@ -8140,7 +8477,7 @@
                 <a:effectLst/>
                 <a:latin typeface="Segoe UI" panose="020B0502040204020203" pitchFamily="34" charset="0"/>
               </a:rPr>
-              <a:t> method has a single signature.</a:t>
+              <a:t>(…) method has a single signature.</a:t>
             </a:r>
           </a:p>
           <a:p>
@@ -8335,11 +8672,13 @@
         </p:nvSpPr>
         <p:spPr/>
         <p:txBody>
-          <a:bodyPr/>
+          <a:bodyPr>
+            <a:normAutofit/>
+          </a:bodyPr>
           <a:lstStyle/>
           <a:p>
             <a:r>
-              <a:rPr lang="en-US" dirty="0"/>
+              <a:rPr lang="en-US" sz="2000" dirty="0"/>
               <a:t>Sequential Loop:</a:t>
             </a:r>
           </a:p>
@@ -8369,14 +8708,16 @@
           </a:ln>
         </p:spPr>
         <p:txBody>
-          <a:bodyPr/>
+          <a:bodyPr>
+            <a:normAutofit/>
+          </a:bodyPr>
           <a:lstStyle/>
           <a:p>
             <a:pPr marL="0" indent="0">
               <a:buNone/>
             </a:pPr>
             <a:r>
-              <a:rPr lang="en-US" b="1" dirty="0">
+              <a:rPr lang="en-US" sz="2000" b="1" dirty="0">
                 <a:latin typeface="Arial Nova Cond Light" panose="020B0604020202020204" pitchFamily="34" charset="0"/>
                 <a:cs typeface="Arial" panose="020B0604020202020204" pitchFamily="34" charset="0"/>
               </a:rPr>
@@ -8388,49 +8729,49 @@
               <a:buNone/>
             </a:pPr>
             <a:r>
-              <a:rPr lang="en-US" b="1" dirty="0">
+              <a:rPr lang="en-US" sz="2000" b="1" dirty="0">
                 <a:latin typeface="Arial Nova Cond Light" panose="020B0604020202020204" pitchFamily="34" charset="0"/>
                 <a:cs typeface="Arial" panose="020B0604020202020204" pitchFamily="34" charset="0"/>
               </a:rPr>
               <a:t>for (int </a:t>
             </a:r>
             <a:r>
-              <a:rPr lang="en-US" b="1" dirty="0" err="1">
+              <a:rPr lang="en-US" sz="2000" b="1" dirty="0" err="1">
                 <a:latin typeface="Arial Nova Cond Light" panose="020B0604020202020204" pitchFamily="34" charset="0"/>
                 <a:cs typeface="Arial" panose="020B0604020202020204" pitchFamily="34" charset="0"/>
               </a:rPr>
               <a:t>i</a:t>
             </a:r>
             <a:r>
-              <a:rPr lang="en-US" b="1" dirty="0">
+              <a:rPr lang="en-US" sz="2000" b="1" dirty="0">
                 <a:latin typeface="Arial Nova Cond Light" panose="020B0604020202020204" pitchFamily="34" charset="0"/>
                 <a:cs typeface="Arial" panose="020B0604020202020204" pitchFamily="34" charset="0"/>
               </a:rPr>
               <a:t> = 0; </a:t>
             </a:r>
             <a:r>
-              <a:rPr lang="en-US" b="1" dirty="0" err="1">
+              <a:rPr lang="en-US" sz="2000" b="1" dirty="0" err="1">
                 <a:latin typeface="Arial Nova Cond Light" panose="020B0604020202020204" pitchFamily="34" charset="0"/>
                 <a:cs typeface="Arial" panose="020B0604020202020204" pitchFamily="34" charset="0"/>
               </a:rPr>
               <a:t>i</a:t>
             </a:r>
             <a:r>
-              <a:rPr lang="en-US" b="1" dirty="0">
+              <a:rPr lang="en-US" sz="2000" b="1" dirty="0">
                 <a:latin typeface="Arial Nova Cond Light" panose="020B0604020202020204" pitchFamily="34" charset="0"/>
                 <a:cs typeface="Arial" panose="020B0604020202020204" pitchFamily="34" charset="0"/>
               </a:rPr>
               <a:t> &lt; n; </a:t>
             </a:r>
             <a:r>
-              <a:rPr lang="en-US" b="1" dirty="0" err="1">
+              <a:rPr lang="en-US" sz="2000" b="1" dirty="0" err="1">
                 <a:latin typeface="Arial Nova Cond Light" panose="020B0604020202020204" pitchFamily="34" charset="0"/>
                 <a:cs typeface="Arial" panose="020B0604020202020204" pitchFamily="34" charset="0"/>
               </a:rPr>
               <a:t>i</a:t>
             </a:r>
             <a:r>
-              <a:rPr lang="en-US" b="1" dirty="0">
+              <a:rPr lang="en-US" sz="2000" b="1" dirty="0">
                 <a:latin typeface="Arial Nova Cond Light" panose="020B0604020202020204" pitchFamily="34" charset="0"/>
                 <a:cs typeface="Arial" panose="020B0604020202020204" pitchFamily="34" charset="0"/>
               </a:rPr>
@@ -8442,7 +8783,7 @@
               <a:buNone/>
             </a:pPr>
             <a:r>
-              <a:rPr lang="en-US" b="1" dirty="0">
+              <a:rPr lang="en-US" sz="2000" b="1" dirty="0">
                 <a:latin typeface="Arial Nova Cond Light" panose="020B0604020202020204" pitchFamily="34" charset="0"/>
                 <a:cs typeface="Arial" panose="020B0604020202020204" pitchFamily="34" charset="0"/>
               </a:rPr>
@@ -8454,7 +8795,7 @@
               <a:buNone/>
             </a:pPr>
             <a:r>
-              <a:rPr lang="en-US" b="1" dirty="0">
+              <a:rPr lang="en-US" sz="2000" b="1" dirty="0">
                 <a:latin typeface="Arial Nova Cond Light" panose="020B0604020202020204" pitchFamily="34" charset="0"/>
                 <a:cs typeface="Arial" panose="020B0604020202020204" pitchFamily="34" charset="0"/>
               </a:rPr>
@@ -8466,7 +8807,7 @@
               <a:buNone/>
             </a:pPr>
             <a:r>
-              <a:rPr lang="en-US" b="1" dirty="0">
+              <a:rPr lang="en-US" sz="2000" b="1" dirty="0">
                 <a:latin typeface="Arial Nova Cond Light" panose="020B0604020202020204" pitchFamily="34" charset="0"/>
                 <a:cs typeface="Arial" panose="020B0604020202020204" pitchFamily="34" charset="0"/>
               </a:rPr>
@@ -8493,12 +8834,22 @@
         </p:nvSpPr>
         <p:spPr/>
         <p:txBody>
-          <a:bodyPr/>
+          <a:bodyPr>
+            <a:normAutofit/>
+          </a:bodyPr>
           <a:lstStyle/>
           <a:p>
             <a:r>
-              <a:rPr lang="en-US" dirty="0"/>
-              <a:t>Parallel Loop:</a:t>
+              <a:rPr lang="en-US" sz="2000" dirty="0"/>
+              <a:t>Parallel </a:t>
+            </a:r>
+            <a:r>
+              <a:rPr lang="en-US" sz="2000" dirty="0" err="1"/>
+              <a:t>Parallel.For</a:t>
+            </a:r>
+            <a:r>
+              <a:rPr lang="en-US" sz="2000" dirty="0"/>
+              <a:t>(…) Loop:</a:t>
             </a:r>
           </a:p>
         </p:txBody>
@@ -8527,14 +8878,16 @@
           </a:ln>
         </p:spPr>
         <p:txBody>
-          <a:bodyPr/>
+          <a:bodyPr>
+            <a:normAutofit/>
+          </a:bodyPr>
           <a:lstStyle/>
           <a:p>
             <a:pPr marL="0" indent="0">
               <a:buNone/>
             </a:pPr>
             <a:r>
-              <a:rPr lang="en-US" b="1" dirty="0">
+              <a:rPr lang="en-US" sz="2000" b="1" dirty="0">
                 <a:latin typeface="Arial Nova Cond Light" panose="020B0604020202020204" pitchFamily="34" charset="0"/>
                 <a:cs typeface="Arial" panose="020B0604020202020204" pitchFamily="34" charset="0"/>
               </a:rPr>
@@ -8546,28 +8899,28 @@
               <a:buNone/>
             </a:pPr>
             <a:r>
-              <a:rPr lang="en-US" b="1" dirty="0" err="1">
+              <a:rPr lang="en-US" sz="2000" b="1" dirty="0" err="1">
                 <a:latin typeface="Arial Nova Cond Light" panose="020B0604020202020204" pitchFamily="34" charset="0"/>
                 <a:cs typeface="Arial" panose="020B0604020202020204" pitchFamily="34" charset="0"/>
               </a:rPr>
               <a:t>Parallel.For</a:t>
             </a:r>
             <a:r>
-              <a:rPr lang="en-US" b="1" dirty="0">
+              <a:rPr lang="en-US" sz="2000" b="1" dirty="0">
                 <a:latin typeface="Arial Nova Cond Light" panose="020B0604020202020204" pitchFamily="34" charset="0"/>
                 <a:cs typeface="Arial" panose="020B0604020202020204" pitchFamily="34" charset="0"/>
               </a:rPr>
               <a:t> (0, n, </a:t>
             </a:r>
             <a:r>
-              <a:rPr lang="en-US" b="1" dirty="0" err="1">
+              <a:rPr lang="en-US" sz="2000" b="1" dirty="0" err="1">
                 <a:latin typeface="Arial Nova Cond Light" panose="020B0604020202020204" pitchFamily="34" charset="0"/>
                 <a:cs typeface="Arial" panose="020B0604020202020204" pitchFamily="34" charset="0"/>
               </a:rPr>
               <a:t>i</a:t>
             </a:r>
             <a:r>
-              <a:rPr lang="en-US" b="1" dirty="0">
+              <a:rPr lang="en-US" sz="2000" b="1" dirty="0">
                 <a:latin typeface="Arial Nova Cond Light" panose="020B0604020202020204" pitchFamily="34" charset="0"/>
                 <a:cs typeface="Arial" panose="020B0604020202020204" pitchFamily="34" charset="0"/>
               </a:rPr>
@@ -8579,11 +8932,11 @@
               <a:buNone/>
             </a:pPr>
             <a:r>
-              <a:rPr lang="en-US" b="1" dirty="0">
+              <a:rPr lang="en-US" sz="2000" b="1" dirty="0">
                 <a:latin typeface="Arial Nova Cond Light" panose="020B0604020202020204" pitchFamily="34" charset="0"/>
                 <a:cs typeface="Arial" panose="020B0604020202020204" pitchFamily="34" charset="0"/>
               </a:rPr>
-              <a:t>{</a:t>
+              <a:t>                         {</a:t>
             </a:r>
           </a:p>
           <a:p>
@@ -8591,11 +8944,11 @@
               <a:buNone/>
             </a:pPr>
             <a:r>
-              <a:rPr lang="en-US" b="1" dirty="0">
+              <a:rPr lang="en-US" sz="2000" b="1" dirty="0">
                 <a:latin typeface="Arial Nova Cond Light" panose="020B0604020202020204" pitchFamily="34" charset="0"/>
                 <a:cs typeface="Arial" panose="020B0604020202020204" pitchFamily="34" charset="0"/>
               </a:rPr>
-              <a:t>	// … do work 	</a:t>
+              <a:t>	                      // … do work	</a:t>
             </a:r>
           </a:p>
           <a:p>
@@ -8603,11 +8956,11 @@
               <a:buNone/>
             </a:pPr>
             <a:r>
-              <a:rPr lang="en-US" b="1" dirty="0">
+              <a:rPr lang="en-US" sz="2000" b="1" dirty="0">
                 <a:latin typeface="Arial Nova Cond Light" panose="020B0604020202020204" pitchFamily="34" charset="0"/>
                 <a:cs typeface="Arial" panose="020B0604020202020204" pitchFamily="34" charset="0"/>
               </a:rPr>
-              <a:t>}</a:t>
+              <a:t>                         }</a:t>
             </a:r>
           </a:p>
           <a:p>
@@ -8615,18 +8968,18 @@
               <a:buNone/>
             </a:pPr>
             <a:r>
-              <a:rPr lang="en-US" b="1" dirty="0">
+              <a:rPr lang="en-US" sz="2000" b="1" dirty="0">
                 <a:latin typeface="Arial Nova Cond Light" panose="020B0604020202020204" pitchFamily="34" charset="0"/>
                 <a:cs typeface="Arial" panose="020B0604020202020204" pitchFamily="34" charset="0"/>
               </a:rPr>
-              <a:t>);</a:t>
+              <a:t>                 );</a:t>
             </a:r>
           </a:p>
           <a:p>
             <a:pPr marL="0" indent="0">
               <a:buNone/>
             </a:pPr>
-            <a:endParaRPr lang="en-US" dirty="0"/>
+            <a:endParaRPr lang="en-US" sz="2000" dirty="0"/>
           </a:p>
         </p:txBody>
       </p:sp>
@@ -8750,7 +9103,7 @@
                 <a:effectLst/>
                 <a:latin typeface="Segoe UI" panose="020B0502040204020203" pitchFamily="34" charset="0"/>
               </a:rPr>
-              <a:t> method has 12 overloads.</a:t>
+              <a:t>(…) method has 12 overloads.</a:t>
             </a:r>
           </a:p>
           <a:p>
@@ -9195,6 +9548,15 @@
 </file>
 
 <file path=customXml/item1.xml><?xml version="1.0" encoding="utf-8"?>
+<?mso-contentType ?>
+<FormTemplates xmlns="http://schemas.microsoft.com/sharepoint/v3/contenttype/forms">
+  <Display>DocumentLibraryForm</Display>
+  <Edit>DocumentLibraryForm</Edit>
+  <New>DocumentLibraryForm</New>
+</FormTemplates>
+</file>
+
+<file path=customXml/item2.xml><?xml version="1.0" encoding="utf-8"?>
 <ct:contentTypeSchema xmlns:ct="http://schemas.microsoft.com/office/2006/metadata/contentType" xmlns:ma="http://schemas.microsoft.com/office/2006/metadata/properties/metaAttributes" ct:_="" ma:_="" ma:contentTypeName="Document" ma:contentTypeID="0x01010079F111ED35F8CC479449609E8A0923A6" ma:contentTypeVersion="12" ma:contentTypeDescription="Create a new document." ma:contentTypeScope="" ma:versionID="a410dd7f93c95333ffa1b60ed6adedd1">
   <xsd:schema xmlns:xsd="http://www.w3.org/2001/XMLSchema" xmlns:xs="http://www.w3.org/2001/XMLSchema" xmlns:p="http://schemas.microsoft.com/office/2006/metadata/properties" xmlns:ns2="71af3243-3dd4-4a8d-8c0d-dd76da1f02a5" xmlns:ns3="16c05727-aa75-4e4a-9b5f-8a80a1165891" targetNamespace="http://schemas.microsoft.com/office/2006/metadata/properties" ma:root="true" ma:fieldsID="a936d9baba76aa3866493feff160faab" ns2:_="" ns3:_="">
     <xsd:import namespace="71af3243-3dd4-4a8d-8c0d-dd76da1f02a5"/>
@@ -9415,15 +9777,6 @@
 </ct:contentTypeSchema>
 </file>
 
-<file path=customXml/item2.xml><?xml version="1.0" encoding="utf-8"?>
-<?mso-contentType ?>
-<FormTemplates xmlns="http://schemas.microsoft.com/sharepoint/v3/contenttype/forms">
-  <Display>DocumentLibraryForm</Display>
-  <Edit>DocumentLibraryForm</Edit>
-  <New>DocumentLibraryForm</New>
-</FormTemplates>
-</file>
-
 <file path=customXml/item3.xml><?xml version="1.0" encoding="utf-8"?>
 <p:properties xmlns:p="http://schemas.microsoft.com/office/2006/metadata/properties" xmlns:xsi="http://www.w3.org/2001/XMLSchema-instance" xmlns:pc="http://schemas.microsoft.com/office/infopath/2007/PartnerControls">
   <documentManagement>
@@ -9434,6 +9787,14 @@
 </file>
 
 <file path=customXml/itemProps1.xml><?xml version="1.0" encoding="utf-8"?>
+<ds:datastoreItem xmlns:ds="http://schemas.openxmlformats.org/officeDocument/2006/customXml" ds:itemID="{CDB58277-F8DF-46FF-84EC-EF41B835E69F}">
+  <ds:schemaRefs>
+    <ds:schemaRef ds:uri="http://schemas.microsoft.com/sharepoint/v3/contenttype/forms"/>
+  </ds:schemaRefs>
+</ds:datastoreItem>
+</file>
+
+<file path=customXml/itemProps2.xml><?xml version="1.0" encoding="utf-8"?>
 <ds:datastoreItem xmlns:ds="http://schemas.openxmlformats.org/officeDocument/2006/customXml" ds:itemID="{2D276E62-80A3-44DD-9BCC-97ED2B99B57F}">
   <ds:schemaRefs>
     <ds:schemaRef ds:uri="http://schemas.microsoft.com/office/2006/metadata/contentType"/>
@@ -9448,14 +9809,6 @@
     <ds:schemaRef ds:uri="http://purl.org/dc/elements/1.1/"/>
     <ds:schemaRef ds:uri="http://purl.org/dc/terms/"/>
     <ds:schemaRef ds:uri="http://schemas.microsoft.com/internal/obd"/>
-  </ds:schemaRefs>
-</ds:datastoreItem>
-</file>
-
-<file path=customXml/itemProps2.xml><?xml version="1.0" encoding="utf-8"?>
-<ds:datastoreItem xmlns:ds="http://schemas.openxmlformats.org/officeDocument/2006/customXml" ds:itemID="{CDB58277-F8DF-46FF-84EC-EF41B835E69F}">
-  <ds:schemaRefs>
-    <ds:schemaRef ds:uri="http://schemas.microsoft.com/sharepoint/v3/contenttype/forms"/>
   </ds:schemaRefs>
 </ds:datastoreItem>
 </file>

--- a/CSC543FinalProject/CSC 543 - Spring 2021 - Final Project - Bob Elward.pptx
+++ b/CSC543FinalProject/CSC 543 - Spring 2021 - Final Project - Bob Elward.pptx
@@ -4,6 +4,9 @@
   <p:sldMasterIdLst>
     <p:sldMasterId id="2147483673" r:id="rId4"/>
   </p:sldMasterIdLst>
+  <p:notesMasterIdLst>
+    <p:notesMasterId r:id="rId22"/>
+  </p:notesMasterIdLst>
   <p:sldIdLst>
     <p:sldId id="257" r:id="rId5"/>
     <p:sldId id="272" r:id="rId6"/>
@@ -13,8 +16,8 @@
     <p:sldId id="278" r:id="rId10"/>
     <p:sldId id="286" r:id="rId11"/>
     <p:sldId id="271" r:id="rId12"/>
-    <p:sldId id="277" r:id="rId13"/>
-    <p:sldId id="282" r:id="rId14"/>
+    <p:sldId id="282" r:id="rId13"/>
+    <p:sldId id="277" r:id="rId14"/>
     <p:sldId id="279" r:id="rId15"/>
     <p:sldId id="273" r:id="rId16"/>
     <p:sldId id="275" r:id="rId17"/>
@@ -131,7 +134,6 @@
 <file path=ppt/revisionInfo.xml><?xml version="1.0" encoding="utf-8"?>
 <p1510:revInfo xmlns:a="http://schemas.openxmlformats.org/drawingml/2006/main" xmlns:r="http://schemas.openxmlformats.org/officeDocument/2006/relationships" xmlns:p1510="http://schemas.microsoft.com/office/powerpoint/2015/10/main">
   <p1510:revLst>
-    <p1510:client id="{607681AF-7AAC-4B91-A1BC-14E95AC55DD5}" v="46" dt="2021-04-27T16:04:34.803"/>
     <p1510:client id="{B43381DC-EAC8-4956-A75B-3D69100996E3}" v="3" dt="2021-04-28T13:54:07.732"/>
   </p1510:revLst>
 </p1510:revInfo>
@@ -141,11 +143,26 @@
 <pc:chgInfo xmlns:a="http://schemas.openxmlformats.org/drawingml/2006/main" xmlns:r="http://schemas.openxmlformats.org/officeDocument/2006/relationships" xmlns:ac="http://schemas.microsoft.com/office/drawing/2013/main/command" xmlns:pc="http://schemas.microsoft.com/office/powerpoint/2013/main/command">
   <pc:docChgLst>
     <pc:chgData name="Bob E" userId="3e98a89c1d755d3b" providerId="LiveId" clId="{B43381DC-EAC8-4956-A75B-3D69100996E3}"/>
-    <pc:docChg chg="custSel addSld delSld modSld">
-      <pc:chgData name="Bob E" userId="3e98a89c1d755d3b" providerId="LiveId" clId="{B43381DC-EAC8-4956-A75B-3D69100996E3}" dt="2021-04-28T14:29:18.356" v="372" actId="13926"/>
+    <pc:docChg chg="custSel addSld delSld modSld sldOrd">
+      <pc:chgData name="Bob E" userId="3e98a89c1d755d3b" providerId="LiveId" clId="{B43381DC-EAC8-4956-A75B-3D69100996E3}" dt="2021-04-28T21:55:47.097" v="404" actId="20577"/>
       <pc:docMkLst>
         <pc:docMk/>
       </pc:docMkLst>
+      <pc:sldChg chg="modSp mod">
+        <pc:chgData name="Bob E" userId="3e98a89c1d755d3b" providerId="LiveId" clId="{B43381DC-EAC8-4956-A75B-3D69100996E3}" dt="2021-04-28T21:55:47.097" v="404" actId="20577"/>
+        <pc:sldMkLst>
+          <pc:docMk/>
+          <pc:sldMk cId="2584280759" sldId="257"/>
+        </pc:sldMkLst>
+        <pc:spChg chg="mod">
+          <ac:chgData name="Bob E" userId="3e98a89c1d755d3b" providerId="LiveId" clId="{B43381DC-EAC8-4956-A75B-3D69100996E3}" dt="2021-04-28T21:55:47.097" v="404" actId="20577"/>
+          <ac:spMkLst>
+            <pc:docMk/>
+            <pc:sldMk cId="2584280759" sldId="257"/>
+            <ac:spMk id="3" creationId="{C8722DDC-8EEE-4A06-8DFE-B44871EAA2CF}"/>
+          </ac:spMkLst>
+        </pc:spChg>
+      </pc:sldChg>
       <pc:sldChg chg="modSp mod">
         <pc:chgData name="Bob E" userId="3e98a89c1d755d3b" providerId="LiveId" clId="{B43381DC-EAC8-4956-A75B-3D69100996E3}" dt="2021-04-28T14:04:13.927" v="363" actId="20577"/>
         <pc:sldMkLst>
@@ -185,8 +202,8 @@
           </ac:spMkLst>
         </pc:spChg>
       </pc:sldChg>
-      <pc:sldChg chg="modSp mod">
-        <pc:chgData name="Bob E" userId="3e98a89c1d755d3b" providerId="LiveId" clId="{B43381DC-EAC8-4956-A75B-3D69100996E3}" dt="2021-04-28T13:50:03.686" v="133" actId="20577"/>
+      <pc:sldChg chg="modSp mod modNotesTx">
+        <pc:chgData name="Bob E" userId="3e98a89c1d755d3b" providerId="LiveId" clId="{B43381DC-EAC8-4956-A75B-3D69100996E3}" dt="2021-04-28T19:45:26.409" v="373"/>
         <pc:sldMkLst>
           <pc:docMk/>
           <pc:sldMk cId="434758405" sldId="272"/>
@@ -238,8 +255,8 @@
           </ac:picMkLst>
         </pc:picChg>
       </pc:sldChg>
-      <pc:sldChg chg="modSp mod">
-        <pc:chgData name="Bob E" userId="3e98a89c1d755d3b" providerId="LiveId" clId="{B43381DC-EAC8-4956-A75B-3D69100996E3}" dt="2021-04-28T13:59:26.846" v="222" actId="20577"/>
+      <pc:sldChg chg="modSp mod ord">
+        <pc:chgData name="Bob E" userId="3e98a89c1d755d3b" providerId="LiveId" clId="{B43381DC-EAC8-4956-A75B-3D69100996E3}" dt="2021-04-28T20:01:40.781" v="375"/>
         <pc:sldMkLst>
           <pc:docMk/>
           <pc:sldMk cId="3876481716" sldId="277"/>
@@ -515,6 +532,442 @@
     </pc:docChg>
   </pc:docChgLst>
 </pc:chgInfo>
+</file>
+
+<file path=ppt/notesMasters/notesMaster1.xml><?xml version="1.0" encoding="utf-8"?>
+<p:notesMaster xmlns:a="http://schemas.openxmlformats.org/drawingml/2006/main" xmlns:r="http://schemas.openxmlformats.org/officeDocument/2006/relationships" xmlns:p="http://schemas.openxmlformats.org/presentationml/2006/main">
+  <p:cSld>
+    <p:bg>
+      <p:bgRef idx="1001">
+        <a:schemeClr val="bg1"/>
+      </p:bgRef>
+    </p:bg>
+    <p:spTree>
+      <p:nvGrpSpPr>
+        <p:cNvPr id="1" name=""/>
+        <p:cNvGrpSpPr/>
+        <p:nvPr/>
+      </p:nvGrpSpPr>
+      <p:grpSpPr>
+        <a:xfrm>
+          <a:off x="0" y="0"/>
+          <a:ext cx="0" cy="0"/>
+          <a:chOff x="0" y="0"/>
+          <a:chExt cx="0" cy="0"/>
+        </a:xfrm>
+      </p:grpSpPr>
+      <p:sp>
+        <p:nvSpPr>
+          <p:cNvPr id="2" name="Header Placeholder 1"/>
+          <p:cNvSpPr>
+            <a:spLocks noGrp="1"/>
+          </p:cNvSpPr>
+          <p:nvPr>
+            <p:ph type="hdr" sz="quarter"/>
+          </p:nvPr>
+        </p:nvSpPr>
+        <p:spPr>
+          <a:xfrm>
+            <a:off x="0" y="0"/>
+            <a:ext cx="2971800" cy="463550"/>
+          </a:xfrm>
+          <a:prstGeom prst="rect">
+            <a:avLst/>
+          </a:prstGeom>
+        </p:spPr>
+        <p:txBody>
+          <a:bodyPr vert="horz" lIns="91440" tIns="45720" rIns="91440" bIns="45720" rtlCol="0"/>
+          <a:lstStyle>
+            <a:lvl1pPr algn="l">
+              <a:defRPr sz="1200"/>
+            </a:lvl1pPr>
+          </a:lstStyle>
+          <a:p>
+            <a:endParaRPr lang="en-US"/>
+          </a:p>
+        </p:txBody>
+      </p:sp>
+      <p:sp>
+        <p:nvSpPr>
+          <p:cNvPr id="3" name="Date Placeholder 2"/>
+          <p:cNvSpPr>
+            <a:spLocks noGrp="1"/>
+          </p:cNvSpPr>
+          <p:nvPr>
+            <p:ph type="dt" idx="1"/>
+          </p:nvPr>
+        </p:nvSpPr>
+        <p:spPr>
+          <a:xfrm>
+            <a:off x="3884613" y="0"/>
+            <a:ext cx="2971800" cy="463550"/>
+          </a:xfrm>
+          <a:prstGeom prst="rect">
+            <a:avLst/>
+          </a:prstGeom>
+        </p:spPr>
+        <p:txBody>
+          <a:bodyPr vert="horz" lIns="91440" tIns="45720" rIns="91440" bIns="45720" rtlCol="0"/>
+          <a:lstStyle>
+            <a:lvl1pPr algn="r">
+              <a:defRPr sz="1200"/>
+            </a:lvl1pPr>
+          </a:lstStyle>
+          <a:p>
+            <a:fld id="{DDD8BA44-7F0A-4FC8-A6DE-B37B3D7DAC2D}" type="datetimeFigureOut">
+              <a:rPr lang="en-US" smtClean="0"/>
+              <a:t>4/28/2021</a:t>
+            </a:fld>
+            <a:endParaRPr lang="en-US"/>
+          </a:p>
+        </p:txBody>
+      </p:sp>
+      <p:sp>
+        <p:nvSpPr>
+          <p:cNvPr id="4" name="Slide Image Placeholder 3"/>
+          <p:cNvSpPr>
+            <a:spLocks noGrp="1" noRot="1" noChangeAspect="1"/>
+          </p:cNvSpPr>
+          <p:nvPr>
+            <p:ph type="sldImg" idx="2"/>
+          </p:nvPr>
+        </p:nvSpPr>
+        <p:spPr>
+          <a:xfrm>
+            <a:off x="658813" y="1155700"/>
+            <a:ext cx="5540375" cy="3117850"/>
+          </a:xfrm>
+          <a:prstGeom prst="rect">
+            <a:avLst/>
+          </a:prstGeom>
+          <a:noFill/>
+          <a:ln w="12700">
+            <a:solidFill>
+              <a:prstClr val="black"/>
+            </a:solidFill>
+          </a:ln>
+        </p:spPr>
+        <p:txBody>
+          <a:bodyPr vert="horz" lIns="91440" tIns="45720" rIns="91440" bIns="45720" rtlCol="0" anchor="ctr"/>
+          <a:lstStyle/>
+          <a:p>
+            <a:endParaRPr lang="en-US"/>
+          </a:p>
+        </p:txBody>
+      </p:sp>
+      <p:sp>
+        <p:nvSpPr>
+          <p:cNvPr id="5" name="Notes Placeholder 4"/>
+          <p:cNvSpPr>
+            <a:spLocks noGrp="1"/>
+          </p:cNvSpPr>
+          <p:nvPr>
+            <p:ph type="body" sz="quarter" idx="3"/>
+          </p:nvPr>
+        </p:nvSpPr>
+        <p:spPr>
+          <a:xfrm>
+            <a:off x="685800" y="4446588"/>
+            <a:ext cx="5486400" cy="3638550"/>
+          </a:xfrm>
+          <a:prstGeom prst="rect">
+            <a:avLst/>
+          </a:prstGeom>
+        </p:spPr>
+        <p:txBody>
+          <a:bodyPr vert="horz" lIns="91440" tIns="45720" rIns="91440" bIns="45720" rtlCol="0"/>
+          <a:lstStyle/>
+          <a:p>
+            <a:pPr lvl="0"/>
+            <a:r>
+              <a:rPr lang="en-US"/>
+              <a:t>Click to edit Master text styles</a:t>
+            </a:r>
+          </a:p>
+          <a:p>
+            <a:pPr lvl="1"/>
+            <a:r>
+              <a:rPr lang="en-US"/>
+              <a:t>Second level</a:t>
+            </a:r>
+          </a:p>
+          <a:p>
+            <a:pPr lvl="2"/>
+            <a:r>
+              <a:rPr lang="en-US"/>
+              <a:t>Third level</a:t>
+            </a:r>
+          </a:p>
+          <a:p>
+            <a:pPr lvl="3"/>
+            <a:r>
+              <a:rPr lang="en-US"/>
+              <a:t>Fourth level</a:t>
+            </a:r>
+          </a:p>
+          <a:p>
+            <a:pPr lvl="4"/>
+            <a:r>
+              <a:rPr lang="en-US"/>
+              <a:t>Fifth level</a:t>
+            </a:r>
+          </a:p>
+        </p:txBody>
+      </p:sp>
+      <p:sp>
+        <p:nvSpPr>
+          <p:cNvPr id="6" name="Footer Placeholder 5"/>
+          <p:cNvSpPr>
+            <a:spLocks noGrp="1"/>
+          </p:cNvSpPr>
+          <p:nvPr>
+            <p:ph type="ftr" sz="quarter" idx="4"/>
+          </p:nvPr>
+        </p:nvSpPr>
+        <p:spPr>
+          <a:xfrm>
+            <a:off x="0" y="8775700"/>
+            <a:ext cx="2971800" cy="463550"/>
+          </a:xfrm>
+          <a:prstGeom prst="rect">
+            <a:avLst/>
+          </a:prstGeom>
+        </p:spPr>
+        <p:txBody>
+          <a:bodyPr vert="horz" lIns="91440" tIns="45720" rIns="91440" bIns="45720" rtlCol="0" anchor="b"/>
+          <a:lstStyle>
+            <a:lvl1pPr algn="l">
+              <a:defRPr sz="1200"/>
+            </a:lvl1pPr>
+          </a:lstStyle>
+          <a:p>
+            <a:endParaRPr lang="en-US"/>
+          </a:p>
+        </p:txBody>
+      </p:sp>
+      <p:sp>
+        <p:nvSpPr>
+          <p:cNvPr id="7" name="Slide Number Placeholder 6"/>
+          <p:cNvSpPr>
+            <a:spLocks noGrp="1"/>
+          </p:cNvSpPr>
+          <p:nvPr>
+            <p:ph type="sldNum" sz="quarter" idx="5"/>
+          </p:nvPr>
+        </p:nvSpPr>
+        <p:spPr>
+          <a:xfrm>
+            <a:off x="3884613" y="8775700"/>
+            <a:ext cx="2971800" cy="463550"/>
+          </a:xfrm>
+          <a:prstGeom prst="rect">
+            <a:avLst/>
+          </a:prstGeom>
+        </p:spPr>
+        <p:txBody>
+          <a:bodyPr vert="horz" lIns="91440" tIns="45720" rIns="91440" bIns="45720" rtlCol="0" anchor="b"/>
+          <a:lstStyle>
+            <a:lvl1pPr algn="r">
+              <a:defRPr sz="1200"/>
+            </a:lvl1pPr>
+          </a:lstStyle>
+          <a:p>
+            <a:fld id="{19B21BD7-FF02-46DB-8A2F-92427E587F8E}" type="slidenum">
+              <a:rPr lang="en-US" smtClean="0"/>
+              <a:t>‹#›</a:t>
+            </a:fld>
+            <a:endParaRPr lang="en-US"/>
+          </a:p>
+        </p:txBody>
+      </p:sp>
+    </p:spTree>
+    <p:extLst>
+      <p:ext uri="{BB962C8B-B14F-4D97-AF65-F5344CB8AC3E}">
+        <p14:creationId xmlns:p14="http://schemas.microsoft.com/office/powerpoint/2010/main" val="3790485804"/>
+      </p:ext>
+    </p:extLst>
+  </p:cSld>
+  <p:clrMap bg1="lt1" tx1="dk1" bg2="lt2" tx2="dk2" accent1="accent1" accent2="accent2" accent3="accent3" accent4="accent4" accent5="accent5" accent6="accent6" hlink="hlink" folHlink="folHlink"/>
+  <p:notesStyle>
+    <a:lvl1pPr marL="0" algn="l" defTabSz="914400" rtl="0" eaLnBrk="1" latinLnBrk="0" hangingPunct="1">
+      <a:defRPr sz="1200" kern="1200">
+        <a:solidFill>
+          <a:schemeClr val="tx1"/>
+        </a:solidFill>
+        <a:latin typeface="+mn-lt"/>
+        <a:ea typeface="+mn-ea"/>
+        <a:cs typeface="+mn-cs"/>
+      </a:defRPr>
+    </a:lvl1pPr>
+    <a:lvl2pPr marL="457200" algn="l" defTabSz="914400" rtl="0" eaLnBrk="1" latinLnBrk="0" hangingPunct="1">
+      <a:defRPr sz="1200" kern="1200">
+        <a:solidFill>
+          <a:schemeClr val="tx1"/>
+        </a:solidFill>
+        <a:latin typeface="+mn-lt"/>
+        <a:ea typeface="+mn-ea"/>
+        <a:cs typeface="+mn-cs"/>
+      </a:defRPr>
+    </a:lvl2pPr>
+    <a:lvl3pPr marL="914400" algn="l" defTabSz="914400" rtl="0" eaLnBrk="1" latinLnBrk="0" hangingPunct="1">
+      <a:defRPr sz="1200" kern="1200">
+        <a:solidFill>
+          <a:schemeClr val="tx1"/>
+        </a:solidFill>
+        <a:latin typeface="+mn-lt"/>
+        <a:ea typeface="+mn-ea"/>
+        <a:cs typeface="+mn-cs"/>
+      </a:defRPr>
+    </a:lvl3pPr>
+    <a:lvl4pPr marL="1371600" algn="l" defTabSz="914400" rtl="0" eaLnBrk="1" latinLnBrk="0" hangingPunct="1">
+      <a:defRPr sz="1200" kern="1200">
+        <a:solidFill>
+          <a:schemeClr val="tx1"/>
+        </a:solidFill>
+        <a:latin typeface="+mn-lt"/>
+        <a:ea typeface="+mn-ea"/>
+        <a:cs typeface="+mn-cs"/>
+      </a:defRPr>
+    </a:lvl4pPr>
+    <a:lvl5pPr marL="1828800" algn="l" defTabSz="914400" rtl="0" eaLnBrk="1" latinLnBrk="0" hangingPunct="1">
+      <a:defRPr sz="1200" kern="1200">
+        <a:solidFill>
+          <a:schemeClr val="tx1"/>
+        </a:solidFill>
+        <a:latin typeface="+mn-lt"/>
+        <a:ea typeface="+mn-ea"/>
+        <a:cs typeface="+mn-cs"/>
+      </a:defRPr>
+    </a:lvl5pPr>
+    <a:lvl6pPr marL="2286000" algn="l" defTabSz="914400" rtl="0" eaLnBrk="1" latinLnBrk="0" hangingPunct="1">
+      <a:defRPr sz="1200" kern="1200">
+        <a:solidFill>
+          <a:schemeClr val="tx1"/>
+        </a:solidFill>
+        <a:latin typeface="+mn-lt"/>
+        <a:ea typeface="+mn-ea"/>
+        <a:cs typeface="+mn-cs"/>
+      </a:defRPr>
+    </a:lvl6pPr>
+    <a:lvl7pPr marL="2743200" algn="l" defTabSz="914400" rtl="0" eaLnBrk="1" latinLnBrk="0" hangingPunct="1">
+      <a:defRPr sz="1200" kern="1200">
+        <a:solidFill>
+          <a:schemeClr val="tx1"/>
+        </a:solidFill>
+        <a:latin typeface="+mn-lt"/>
+        <a:ea typeface="+mn-ea"/>
+        <a:cs typeface="+mn-cs"/>
+      </a:defRPr>
+    </a:lvl7pPr>
+    <a:lvl8pPr marL="3200400" algn="l" defTabSz="914400" rtl="0" eaLnBrk="1" latinLnBrk="0" hangingPunct="1">
+      <a:defRPr sz="1200" kern="1200">
+        <a:solidFill>
+          <a:schemeClr val="tx1"/>
+        </a:solidFill>
+        <a:latin typeface="+mn-lt"/>
+        <a:ea typeface="+mn-ea"/>
+        <a:cs typeface="+mn-cs"/>
+      </a:defRPr>
+    </a:lvl8pPr>
+    <a:lvl9pPr marL="3657600" algn="l" defTabSz="914400" rtl="0" eaLnBrk="1" latinLnBrk="0" hangingPunct="1">
+      <a:defRPr sz="1200" kern="1200">
+        <a:solidFill>
+          <a:schemeClr val="tx1"/>
+        </a:solidFill>
+        <a:latin typeface="+mn-lt"/>
+        <a:ea typeface="+mn-ea"/>
+        <a:cs typeface="+mn-cs"/>
+      </a:defRPr>
+    </a:lvl9pPr>
+  </p:notesStyle>
+</p:notesMaster>
+</file>
+
+<file path=ppt/notesSlides/notesSlide1.xml><?xml version="1.0" encoding="utf-8"?>
+<p:notes xmlns:a="http://schemas.openxmlformats.org/drawingml/2006/main" xmlns:r="http://schemas.openxmlformats.org/officeDocument/2006/relationships" xmlns:p="http://schemas.openxmlformats.org/presentationml/2006/main">
+  <p:cSld>
+    <p:spTree>
+      <p:nvGrpSpPr>
+        <p:cNvPr id="1" name=""/>
+        <p:cNvGrpSpPr/>
+        <p:nvPr/>
+      </p:nvGrpSpPr>
+      <p:grpSpPr>
+        <a:xfrm>
+          <a:off x="0" y="0"/>
+          <a:ext cx="0" cy="0"/>
+          <a:chOff x="0" y="0"/>
+          <a:chExt cx="0" cy="0"/>
+        </a:xfrm>
+      </p:grpSpPr>
+      <p:sp>
+        <p:nvSpPr>
+          <p:cNvPr id="2" name="Slide Image Placeholder 1"/>
+          <p:cNvSpPr>
+            <a:spLocks noGrp="1" noRot="1" noChangeAspect="1"/>
+          </p:cNvSpPr>
+          <p:nvPr>
+            <p:ph type="sldImg"/>
+          </p:nvPr>
+        </p:nvSpPr>
+        <p:spPr/>
+      </p:sp>
+      <p:sp>
+        <p:nvSpPr>
+          <p:cNvPr id="3" name="Notes Placeholder 2"/>
+          <p:cNvSpPr>
+            <a:spLocks noGrp="1"/>
+          </p:cNvSpPr>
+          <p:nvPr>
+            <p:ph type="body" idx="1"/>
+          </p:nvPr>
+        </p:nvSpPr>
+        <p:spPr/>
+        <p:txBody>
+          <a:bodyPr/>
+          <a:lstStyle/>
+          <a:p>
+            <a:r>
+              <a:rPr lang="en-US" dirty="0"/>
+              <a:t>https://github.com/belward1/CSC543FinalProject</a:t>
+            </a:r>
+          </a:p>
+        </p:txBody>
+      </p:sp>
+      <p:sp>
+        <p:nvSpPr>
+          <p:cNvPr id="4" name="Slide Number Placeholder 3"/>
+          <p:cNvSpPr>
+            <a:spLocks noGrp="1"/>
+          </p:cNvSpPr>
+          <p:nvPr>
+            <p:ph type="sldNum" sz="quarter" idx="5"/>
+          </p:nvPr>
+        </p:nvSpPr>
+        <p:spPr/>
+        <p:txBody>
+          <a:bodyPr/>
+          <a:lstStyle/>
+          <a:p>
+            <a:fld id="{19B21BD7-FF02-46DB-8A2F-92427E587F8E}" type="slidenum">
+              <a:rPr lang="en-US" smtClean="0"/>
+              <a:t>2</a:t>
+            </a:fld>
+            <a:endParaRPr lang="en-US"/>
+          </a:p>
+        </p:txBody>
+      </p:sp>
+    </p:spTree>
+    <p:extLst>
+      <p:ext uri="{BB962C8B-B14F-4D97-AF65-F5344CB8AC3E}">
+        <p14:creationId xmlns:p14="http://schemas.microsoft.com/office/powerpoint/2010/main" val="455436211"/>
+      </p:ext>
+    </p:extLst>
+  </p:cSld>
+  <p:clrMapOvr>
+    <a:masterClrMapping/>
+  </p:clrMapOvr>
+</p:notes>
 </file>
 
 <file path=ppt/slideLayouts/slideLayout1.xml><?xml version="1.0" encoding="utf-8"?>
@@ -4681,7 +5134,7 @@
         </p:spPr>
         <p:txBody>
           <a:bodyPr>
-            <a:normAutofit/>
+            <a:normAutofit fontScale="92500" lnSpcReduction="20000"/>
           </a:bodyPr>
           <a:lstStyle/>
           <a:p>
@@ -4697,6 +5150,21 @@
                 </a:solidFill>
               </a:rPr>
               <a:t>Bob Elward</a:t>
+            </a:r>
+            <a:br>
+              <a:rPr lang="en-US" dirty="0">
+                <a:solidFill>
+                  <a:schemeClr val="tx1"/>
+                </a:solidFill>
+              </a:rPr>
+            </a:br>
+            <a:r>
+              <a:rPr lang="en-US" dirty="0">
+                <a:solidFill>
+                  <a:schemeClr val="tx1"/>
+                </a:solidFill>
+              </a:rPr>
+              <a:t>relwa136@live.Kutztown.edu</a:t>
             </a:r>
           </a:p>
         </p:txBody>
@@ -4736,7 +5204,7 @@
           <p:cNvPr id="2" name="Title 1">
             <a:extLst>
               <a:ext uri="{FF2B5EF4-FFF2-40B4-BE49-F238E27FC236}">
-                <a16:creationId xmlns:a16="http://schemas.microsoft.com/office/drawing/2014/main" id="{835451C7-C4E7-48E9-8BAE-F5F97200CCD4}"/>
+                <a16:creationId xmlns:a16="http://schemas.microsoft.com/office/drawing/2014/main" id="{B7E12A10-F3FA-4B0D-B40D-8BA702AF0BCD}"/>
               </a:ext>
             </a:extLst>
           </p:cNvPr>
@@ -4753,8 +5221,12 @@
           <a:lstStyle/>
           <a:p>
             <a:r>
+              <a:rPr lang="en-US" dirty="0" err="1"/>
+              <a:t>Parallel.For</a:t>
+            </a:r>
+            <a:r>
               <a:rPr lang="en-US" dirty="0"/>
-              <a:t>Delegate, Anonymous Method and Lambda Expression</a:t>
+              <a:t>(…)</a:t>
             </a:r>
           </a:p>
         </p:txBody>
@@ -4764,7 +5236,7 @@
           <p:cNvPr id="3" name="Content Placeholder 2">
             <a:extLst>
               <a:ext uri="{FF2B5EF4-FFF2-40B4-BE49-F238E27FC236}">
-                <a16:creationId xmlns:a16="http://schemas.microsoft.com/office/drawing/2014/main" id="{744DE119-C9E2-4C9C-8D9F-E99A95CF9765}"/>
+                <a16:creationId xmlns:a16="http://schemas.microsoft.com/office/drawing/2014/main" id="{71388D8B-84E2-4EFE-94D1-E35B5594DDCA}"/>
               </a:ext>
             </a:extLst>
           </p:cNvPr>
@@ -4775,210 +5247,184 @@
             <p:ph idx="1"/>
           </p:nvPr>
         </p:nvSpPr>
-        <p:spPr>
-          <a:xfrm>
-            <a:off x="1066800" y="2103120"/>
-            <a:ext cx="10058400" cy="4112286"/>
-          </a:xfrm>
-        </p:spPr>
+        <p:spPr/>
         <p:txBody>
-          <a:bodyPr>
-            <a:normAutofit fontScale="92500" lnSpcReduction="10000"/>
-          </a:bodyPr>
+          <a:bodyPr/>
           <a:lstStyle/>
           <a:p>
             <a:r>
-              <a:rPr lang="en-US" b="1" dirty="0" err="1"/>
+              <a:rPr lang="en-US" b="1" i="0" dirty="0">
+                <a:solidFill>
+                  <a:srgbClr val="171717"/>
+                </a:solidFill>
+                <a:effectLst/>
+                <a:latin typeface="Segoe UI" panose="020B0502040204020203" pitchFamily="34" charset="0"/>
+              </a:rPr>
+              <a:t>The </a:t>
+            </a:r>
+            <a:r>
+              <a:rPr lang="en-US" b="1" dirty="0" err="1">
+                <a:solidFill>
+                  <a:srgbClr val="171717"/>
+                </a:solidFill>
+                <a:latin typeface="Segoe UI" panose="020B0502040204020203" pitchFamily="34" charset="0"/>
+              </a:rPr>
+              <a:t>P</a:t>
+            </a:r>
+            <a:r>
+              <a:rPr lang="en-US" b="1" i="0" dirty="0" err="1">
+                <a:solidFill>
+                  <a:srgbClr val="171717"/>
+                </a:solidFill>
+                <a:effectLst/>
+                <a:latin typeface="Segoe UI" panose="020B0502040204020203" pitchFamily="34" charset="0"/>
+              </a:rPr>
+              <a:t>arallel.For</a:t>
+            </a:r>
+            <a:r>
+              <a:rPr lang="en-US" b="1" i="0" dirty="0">
+                <a:solidFill>
+                  <a:srgbClr val="171717"/>
+                </a:solidFill>
+                <a:effectLst/>
+                <a:latin typeface="Segoe UI" panose="020B0502040204020203" pitchFamily="34" charset="0"/>
+              </a:rPr>
+              <a:t>(…) method has 12 overloads.</a:t>
+            </a:r>
+          </a:p>
+          <a:p>
+            <a:endParaRPr lang="en-US" b="1" dirty="0"/>
+          </a:p>
+          <a:p>
+            <a:r>
+              <a:rPr lang="en-US" b="1" i="0" dirty="0" err="1">
+                <a:solidFill>
+                  <a:srgbClr val="171717"/>
+                </a:solidFill>
+                <a:effectLst/>
+                <a:latin typeface="Segoe UI" panose="020B0502040204020203" pitchFamily="34" charset="0"/>
+              </a:rPr>
               <a:t>Parallel.For</a:t>
             </a:r>
             <a:r>
+              <a:rPr lang="en-US" b="1" i="0" dirty="0">
+                <a:solidFill>
+                  <a:srgbClr val="171717"/>
+                </a:solidFill>
+                <a:effectLst/>
+                <a:latin typeface="Segoe UI" panose="020B0502040204020203" pitchFamily="34" charset="0"/>
+              </a:rPr>
+              <a:t>(Int32                       </a:t>
+            </a:r>
+            <a:r>
+              <a:rPr lang="en-US" b="1" i="0" dirty="0">
+                <a:solidFill>
+                  <a:srgbClr val="00B050"/>
+                </a:solidFill>
+                <a:effectLst/>
+                <a:latin typeface="Segoe UI" panose="020B0502040204020203" pitchFamily="34" charset="0"/>
+              </a:rPr>
+              <a:t>// From inclusive</a:t>
+            </a:r>
+            <a:br>
+              <a:rPr lang="en-US" b="1" i="0" dirty="0">
+                <a:solidFill>
+                  <a:srgbClr val="171717"/>
+                </a:solidFill>
+                <a:effectLst/>
+                <a:latin typeface="Segoe UI" panose="020B0502040204020203" pitchFamily="34" charset="0"/>
+              </a:rPr>
+            </a:br>
+            <a:r>
+              <a:rPr lang="en-US" b="1" i="0" dirty="0">
+                <a:solidFill>
+                  <a:srgbClr val="171717"/>
+                </a:solidFill>
+                <a:effectLst/>
+                <a:latin typeface="Segoe UI" panose="020B0502040204020203" pitchFamily="34" charset="0"/>
+              </a:rPr>
+              <a:t>                  , Int32                        </a:t>
+            </a:r>
+            <a:r>
+              <a:rPr lang="en-US" b="1" i="0" dirty="0">
+                <a:solidFill>
+                  <a:srgbClr val="00B050"/>
+                </a:solidFill>
+                <a:effectLst/>
+                <a:latin typeface="Segoe UI" panose="020B0502040204020203" pitchFamily="34" charset="0"/>
+              </a:rPr>
+              <a:t>// To exclusive</a:t>
+            </a:r>
+            <a:br>
+              <a:rPr lang="en-US" b="1" i="0" dirty="0">
+                <a:solidFill>
+                  <a:srgbClr val="171717"/>
+                </a:solidFill>
+                <a:effectLst/>
+                <a:latin typeface="Segoe UI" panose="020B0502040204020203" pitchFamily="34" charset="0"/>
+              </a:rPr>
+            </a:br>
+            <a:r>
+              <a:rPr lang="en-US" b="1" i="0" dirty="0">
+                <a:solidFill>
+                  <a:srgbClr val="171717"/>
+                </a:solidFill>
+                <a:effectLst/>
+                <a:latin typeface="Segoe UI" panose="020B0502040204020203" pitchFamily="34" charset="0"/>
+              </a:rPr>
+              <a:t>                  , Action&lt;Int32&gt;        </a:t>
+            </a:r>
+            <a:r>
+              <a:rPr lang="en-US" b="1" i="0" dirty="0">
+                <a:solidFill>
+                  <a:srgbClr val="00B050"/>
+                </a:solidFill>
+                <a:effectLst/>
+                <a:latin typeface="Segoe UI" panose="020B0502040204020203" pitchFamily="34" charset="0"/>
+              </a:rPr>
+              <a:t>// Body delegate</a:t>
+            </a:r>
+            <a:br>
+              <a:rPr lang="en-US" b="1" i="0" dirty="0">
+                <a:solidFill>
+                  <a:srgbClr val="171717"/>
+                </a:solidFill>
+                <a:effectLst/>
+                <a:latin typeface="Segoe UI" panose="020B0502040204020203" pitchFamily="34" charset="0"/>
+              </a:rPr>
+            </a:br>
+            <a:r>
+              <a:rPr lang="en-US" b="1" i="0" dirty="0">
+                <a:solidFill>
+                  <a:srgbClr val="171717"/>
+                </a:solidFill>
+                <a:effectLst/>
+                <a:latin typeface="Segoe UI" panose="020B0502040204020203" pitchFamily="34" charset="0"/>
+              </a:rPr>
+              <a:t>                   );</a:t>
+            </a:r>
+          </a:p>
+          <a:p>
+            <a:endParaRPr lang="en-US" b="1" dirty="0"/>
+          </a:p>
+          <a:p>
+            <a:r>
               <a:rPr lang="en-US" b="1" dirty="0"/>
-              <a:t> third parameter: Action&lt;int&gt;</a:t>
-            </a:r>
-          </a:p>
-          <a:p>
-            <a:pPr lvl="1"/>
-            <a:r>
-              <a:rPr lang="en-US" b="1" dirty="0"/>
-              <a:t>Named Delegate: </a:t>
+              <a:t>This example will demonstrate tasks running on separate threads.</a:t>
+            </a:r>
+          </a:p>
+          <a:p>
+            <a:endParaRPr lang="en-US" b="1" dirty="0"/>
+          </a:p>
+          <a:p>
+            <a:r>
+              <a:rPr lang="en-US" dirty="0"/>
+              <a:t>Delegates, Anonymous functions, Lambda expressions</a:t>
             </a:r>
             <a:br>
               <a:rPr lang="en-US" dirty="0"/>
             </a:br>
             <a:r>
-              <a:rPr lang="en-US" dirty="0" err="1"/>
-              <a:t>Parallel.For</a:t>
-            </a:r>
-            <a:r>
-              <a:rPr lang="en-US" dirty="0"/>
-              <a:t>(0, n, </a:t>
-            </a:r>
-            <a:r>
-              <a:rPr lang="en-US" dirty="0" err="1"/>
-              <a:t>DoWork</a:t>
-            </a:r>
-            <a:r>
-              <a:rPr lang="en-US" dirty="0"/>
-              <a:t>);</a:t>
-            </a:r>
-            <a:br>
-              <a:rPr lang="en-US" dirty="0"/>
-            </a:br>
-            <a:br>
-              <a:rPr lang="en-US" dirty="0"/>
-            </a:br>
-            <a:r>
-              <a:rPr lang="en-US" dirty="0"/>
-              <a:t>public void </a:t>
-            </a:r>
-            <a:r>
-              <a:rPr lang="en-US" dirty="0" err="1"/>
-              <a:t>DoWork</a:t>
-            </a:r>
-            <a:r>
-              <a:rPr lang="en-US" dirty="0"/>
-              <a:t>(int </a:t>
-            </a:r>
-            <a:r>
-              <a:rPr lang="en-US" dirty="0" err="1"/>
-              <a:t>i</a:t>
-            </a:r>
-            <a:r>
-              <a:rPr lang="en-US" dirty="0"/>
-              <a:t>)</a:t>
-            </a:r>
-            <a:br>
-              <a:rPr lang="en-US" dirty="0"/>
-            </a:br>
-            <a:r>
-              <a:rPr lang="en-US" dirty="0"/>
-              <a:t>{</a:t>
-            </a:r>
-            <a:br>
-              <a:rPr lang="en-US" dirty="0"/>
-            </a:br>
-            <a:r>
-              <a:rPr lang="en-US" dirty="0"/>
-              <a:t>    // … do work</a:t>
-            </a:r>
-            <a:br>
-              <a:rPr lang="en-US" dirty="0"/>
-            </a:br>
-            <a:r>
-              <a:rPr lang="en-US" dirty="0"/>
-              <a:t>}</a:t>
-            </a:r>
-          </a:p>
-          <a:p>
-            <a:pPr lvl="1"/>
-            <a:r>
-              <a:rPr lang="en-US" b="1" dirty="0"/>
-              <a:t>Anonymous Method:</a:t>
-            </a:r>
-            <a:br>
-              <a:rPr lang="en-US" b="1" dirty="0"/>
-            </a:br>
-            <a:r>
-              <a:rPr lang="en-US" dirty="0" err="1"/>
-              <a:t>Parallel.For</a:t>
-            </a:r>
-            <a:r>
-              <a:rPr lang="en-US" dirty="0"/>
-              <a:t>(0, n, delegate(int </a:t>
-            </a:r>
-            <a:r>
-              <a:rPr lang="en-US" dirty="0" err="1"/>
-              <a:t>i</a:t>
-            </a:r>
-            <a:r>
-              <a:rPr lang="en-US" dirty="0"/>
-              <a:t>)</a:t>
-            </a:r>
-            <a:br>
-              <a:rPr lang="en-US" dirty="0"/>
-            </a:br>
-            <a:r>
-              <a:rPr lang="en-US" dirty="0"/>
-              <a:t>                            {</a:t>
-            </a:r>
-            <a:br>
-              <a:rPr lang="en-US" dirty="0"/>
-            </a:br>
-            <a:r>
-              <a:rPr lang="en-US" dirty="0"/>
-              <a:t>                                 // … do work</a:t>
-            </a:r>
-            <a:br>
-              <a:rPr lang="en-US" dirty="0"/>
-            </a:br>
-            <a:r>
-              <a:rPr lang="en-US" dirty="0"/>
-              <a:t>                            }</a:t>
-            </a:r>
-            <a:br>
-              <a:rPr lang="en-US" dirty="0"/>
-            </a:br>
-            <a:r>
-              <a:rPr lang="en-US" dirty="0"/>
-              <a:t>                   );</a:t>
-            </a:r>
-          </a:p>
-          <a:p>
-            <a:pPr lvl="1"/>
-            <a:r>
-              <a:rPr lang="en-US" b="1" dirty="0"/>
-              <a:t>Lambda Expression:</a:t>
-            </a:r>
-            <a:br>
-              <a:rPr lang="en-US" b="1" dirty="0"/>
-            </a:br>
-            <a:r>
-              <a:rPr lang="en-US" dirty="0" err="1"/>
-              <a:t>Parallel.For</a:t>
-            </a:r>
-            <a:r>
-              <a:rPr lang="en-US" dirty="0"/>
-              <a:t>(0, n, (</a:t>
-            </a:r>
-            <a:r>
-              <a:rPr lang="en-US" dirty="0" err="1"/>
-              <a:t>i</a:t>
-            </a:r>
-            <a:r>
-              <a:rPr lang="en-US" dirty="0"/>
-              <a:t>) =&gt; </a:t>
-            </a:r>
-            <a:br>
-              <a:rPr lang="en-US" dirty="0"/>
-            </a:br>
-            <a:r>
-              <a:rPr lang="en-US" dirty="0"/>
-              <a:t>                            {</a:t>
-            </a:r>
-            <a:br>
-              <a:rPr lang="en-US" dirty="0"/>
-            </a:br>
-            <a:r>
-              <a:rPr lang="en-US" dirty="0"/>
-              <a:t>                                 // … do work</a:t>
-            </a:r>
-            <a:br>
-              <a:rPr lang="en-US" dirty="0"/>
-            </a:br>
-            <a:r>
-              <a:rPr lang="en-US" dirty="0"/>
-              <a:t>                            }</a:t>
-            </a:r>
-            <a:br>
-              <a:rPr lang="en-US" dirty="0"/>
-            </a:br>
-            <a:r>
-              <a:rPr lang="en-US" dirty="0"/>
-              <a:t>                   );</a:t>
-            </a:r>
-          </a:p>
-          <a:p>
-            <a:r>
               <a:rPr lang="en-US" dirty="0"/>
               <a:t>See: </a:t>
             </a:r>
@@ -4986,12 +5432,14 @@
               <a:rPr lang="en-US" dirty="0">
                 <a:hlinkClick r:id="rId2"/>
               </a:rPr>
-              <a:t>Lambda Expressions in PLINQ and TPL | Microsoft Docs</a:t>
-            </a:r>
-            <a:endParaRPr lang="en-US" dirty="0"/>
-          </a:p>
-          <a:p>
-            <a:pPr lvl="1"/>
+              <a:t>Delegates, Lambda Expressions &amp; Closures in C# - Alan </a:t>
+            </a:r>
+            <a:r>
+              <a:rPr lang="en-US" dirty="0" err="1">
+                <a:hlinkClick r:id="rId2"/>
+              </a:rPr>
+              <a:t>Zucconi</a:t>
+            </a:r>
             <a:endParaRPr lang="en-US" dirty="0"/>
           </a:p>
         </p:txBody>
@@ -4999,7 +5447,7 @@
     </p:spTree>
     <p:extLst>
       <p:ext uri="{BB962C8B-B14F-4D97-AF65-F5344CB8AC3E}">
-        <p14:creationId xmlns:p14="http://schemas.microsoft.com/office/powerpoint/2010/main" val="787778358"/>
+        <p14:creationId xmlns:p14="http://schemas.microsoft.com/office/powerpoint/2010/main" val="3876481716"/>
       </p:ext>
     </p:extLst>
   </p:cSld>
@@ -7334,7 +7782,7 @@
             </a:r>
             <a:r>
               <a:rPr lang="en-US" sz="2000" dirty="0">
-                <a:hlinkClick r:id="rId2"/>
+                <a:hlinkClick r:id="rId3"/>
               </a:rPr>
               <a:t>https://github.com/belward1/CSC543FinalProject</a:t>
             </a:r>
@@ -7347,7 +7795,7 @@
             </a:r>
             <a:r>
               <a:rPr lang="en-US" sz="2100" dirty="0">
-                <a:hlinkClick r:id="rId3"/>
+                <a:hlinkClick r:id="rId4"/>
               </a:rPr>
               <a:t>Student Resources - Computer Science and Information Technology - Kutztown University</a:t>
             </a:r>
@@ -7935,15 +8383,6 @@
           <a:ln>
             <a:noFill/>
           </a:ln>
-          <a:extLst>
-            <a:ext uri="{909E8E84-426E-40DD-AFC4-6F175D3DCCD1}">
-              <a14:hiddenFill xmlns:a14="http://schemas.microsoft.com/office/drawing/2010/main">
-                <a:solidFill>
-                  <a:srgbClr val="FFFFFF"/>
-                </a:solidFill>
-              </a14:hiddenFill>
-            </a:ext>
-          </a:extLst>
         </p:spPr>
       </p:pic>
       <p:sp>
@@ -9018,7 +9457,7 @@
           <p:cNvPr id="2" name="Title 1">
             <a:extLst>
               <a:ext uri="{FF2B5EF4-FFF2-40B4-BE49-F238E27FC236}">
-                <a16:creationId xmlns:a16="http://schemas.microsoft.com/office/drawing/2014/main" id="{B7E12A10-F3FA-4B0D-B40D-8BA702AF0BCD}"/>
+                <a16:creationId xmlns:a16="http://schemas.microsoft.com/office/drawing/2014/main" id="{835451C7-C4E7-48E9-8BAE-F5F97200CCD4}"/>
               </a:ext>
             </a:extLst>
           </p:cNvPr>
@@ -9035,12 +9474,8 @@
           <a:lstStyle/>
           <a:p>
             <a:r>
-              <a:rPr lang="en-US" dirty="0" err="1"/>
-              <a:t>Parallel.For</a:t>
-            </a:r>
-            <a:r>
               <a:rPr lang="en-US" dirty="0"/>
-              <a:t>(…)</a:t>
+              <a:t>Delegate, Anonymous Method and Lambda Expression</a:t>
             </a:r>
           </a:p>
         </p:txBody>
@@ -9050,7 +9485,7 @@
           <p:cNvPr id="3" name="Content Placeholder 2">
             <a:extLst>
               <a:ext uri="{FF2B5EF4-FFF2-40B4-BE49-F238E27FC236}">
-                <a16:creationId xmlns:a16="http://schemas.microsoft.com/office/drawing/2014/main" id="{71388D8B-84E2-4EFE-94D1-E35B5594DDCA}"/>
+                <a16:creationId xmlns:a16="http://schemas.microsoft.com/office/drawing/2014/main" id="{744DE119-C9E2-4C9C-8D9F-E99A95CF9765}"/>
               </a:ext>
             </a:extLst>
           </p:cNvPr>
@@ -9061,184 +9496,210 @@
             <p:ph idx="1"/>
           </p:nvPr>
         </p:nvSpPr>
-        <p:spPr/>
+        <p:spPr>
+          <a:xfrm>
+            <a:off x="1066800" y="2103120"/>
+            <a:ext cx="10058400" cy="4112286"/>
+          </a:xfrm>
+        </p:spPr>
         <p:txBody>
-          <a:bodyPr/>
+          <a:bodyPr>
+            <a:normAutofit fontScale="92500" lnSpcReduction="10000"/>
+          </a:bodyPr>
           <a:lstStyle/>
           <a:p>
             <a:r>
-              <a:rPr lang="en-US" b="1" i="0" dirty="0">
-                <a:solidFill>
-                  <a:srgbClr val="171717"/>
-                </a:solidFill>
-                <a:effectLst/>
-                <a:latin typeface="Segoe UI" panose="020B0502040204020203" pitchFamily="34" charset="0"/>
-              </a:rPr>
-              <a:t>The </a:t>
-            </a:r>
-            <a:r>
-              <a:rPr lang="en-US" b="1" dirty="0" err="1">
-                <a:solidFill>
-                  <a:srgbClr val="171717"/>
-                </a:solidFill>
-                <a:latin typeface="Segoe UI" panose="020B0502040204020203" pitchFamily="34" charset="0"/>
-              </a:rPr>
-              <a:t>P</a:t>
-            </a:r>
-            <a:r>
-              <a:rPr lang="en-US" b="1" i="0" dirty="0" err="1">
-                <a:solidFill>
-                  <a:srgbClr val="171717"/>
-                </a:solidFill>
-                <a:effectLst/>
-                <a:latin typeface="Segoe UI" panose="020B0502040204020203" pitchFamily="34" charset="0"/>
-              </a:rPr>
-              <a:t>arallel.For</a:t>
-            </a:r>
-            <a:r>
-              <a:rPr lang="en-US" b="1" i="0" dirty="0">
-                <a:solidFill>
-                  <a:srgbClr val="171717"/>
-                </a:solidFill>
-                <a:effectLst/>
-                <a:latin typeface="Segoe UI" panose="020B0502040204020203" pitchFamily="34" charset="0"/>
-              </a:rPr>
-              <a:t>(…) method has 12 overloads.</a:t>
-            </a:r>
-          </a:p>
-          <a:p>
-            <a:endParaRPr lang="en-US" b="1" dirty="0"/>
-          </a:p>
-          <a:p>
-            <a:r>
-              <a:rPr lang="en-US" b="1" i="0" dirty="0" err="1">
-                <a:solidFill>
-                  <a:srgbClr val="171717"/>
-                </a:solidFill>
-                <a:effectLst/>
-                <a:latin typeface="Segoe UI" panose="020B0502040204020203" pitchFamily="34" charset="0"/>
-              </a:rPr>
+              <a:rPr lang="en-US" b="1" dirty="0" err="1"/>
               <a:t>Parallel.For</a:t>
             </a:r>
             <a:r>
-              <a:rPr lang="en-US" b="1" i="0" dirty="0">
-                <a:solidFill>
-                  <a:srgbClr val="171717"/>
-                </a:solidFill>
-                <a:effectLst/>
-                <a:latin typeface="Segoe UI" panose="020B0502040204020203" pitchFamily="34" charset="0"/>
-              </a:rPr>
-              <a:t>(Int32                       </a:t>
-            </a:r>
-            <a:r>
-              <a:rPr lang="en-US" b="1" i="0" dirty="0">
-                <a:solidFill>
-                  <a:srgbClr val="00B050"/>
-                </a:solidFill>
-                <a:effectLst/>
-                <a:latin typeface="Segoe UI" panose="020B0502040204020203" pitchFamily="34" charset="0"/>
-              </a:rPr>
-              <a:t>// From inclusive</a:t>
-            </a:r>
-            <a:br>
-              <a:rPr lang="en-US" b="1" i="0" dirty="0">
-                <a:solidFill>
-                  <a:srgbClr val="171717"/>
-                </a:solidFill>
-                <a:effectLst/>
-                <a:latin typeface="Segoe UI" panose="020B0502040204020203" pitchFamily="34" charset="0"/>
-              </a:rPr>
-            </a:br>
-            <a:r>
-              <a:rPr lang="en-US" b="1" i="0" dirty="0">
-                <a:solidFill>
-                  <a:srgbClr val="171717"/>
-                </a:solidFill>
-                <a:effectLst/>
-                <a:latin typeface="Segoe UI" panose="020B0502040204020203" pitchFamily="34" charset="0"/>
-              </a:rPr>
-              <a:t>                  , Int32                        </a:t>
-            </a:r>
-            <a:r>
-              <a:rPr lang="en-US" b="1" i="0" dirty="0">
-                <a:solidFill>
-                  <a:srgbClr val="00B050"/>
-                </a:solidFill>
-                <a:effectLst/>
-                <a:latin typeface="Segoe UI" panose="020B0502040204020203" pitchFamily="34" charset="0"/>
-              </a:rPr>
-              <a:t>// To exclusive</a:t>
-            </a:r>
-            <a:br>
-              <a:rPr lang="en-US" b="1" i="0" dirty="0">
-                <a:solidFill>
-                  <a:srgbClr val="171717"/>
-                </a:solidFill>
-                <a:effectLst/>
-                <a:latin typeface="Segoe UI" panose="020B0502040204020203" pitchFamily="34" charset="0"/>
-              </a:rPr>
-            </a:br>
-            <a:r>
-              <a:rPr lang="en-US" b="1" i="0" dirty="0">
-                <a:solidFill>
-                  <a:srgbClr val="171717"/>
-                </a:solidFill>
-                <a:effectLst/>
-                <a:latin typeface="Segoe UI" panose="020B0502040204020203" pitchFamily="34" charset="0"/>
-              </a:rPr>
-              <a:t>                  , Action&lt;Int32&gt;        </a:t>
-            </a:r>
-            <a:r>
-              <a:rPr lang="en-US" b="1" i="0" dirty="0">
-                <a:solidFill>
-                  <a:srgbClr val="00B050"/>
-                </a:solidFill>
-                <a:effectLst/>
-                <a:latin typeface="Segoe UI" panose="020B0502040204020203" pitchFamily="34" charset="0"/>
-              </a:rPr>
-              <a:t>// Body delegate</a:t>
-            </a:r>
-            <a:br>
-              <a:rPr lang="en-US" b="1" i="0" dirty="0">
-                <a:solidFill>
-                  <a:srgbClr val="171717"/>
-                </a:solidFill>
-                <a:effectLst/>
-                <a:latin typeface="Segoe UI" panose="020B0502040204020203" pitchFamily="34" charset="0"/>
-              </a:rPr>
-            </a:br>
-            <a:r>
-              <a:rPr lang="en-US" b="1" i="0" dirty="0">
-                <a:solidFill>
-                  <a:srgbClr val="171717"/>
-                </a:solidFill>
-                <a:effectLst/>
-                <a:latin typeface="Segoe UI" panose="020B0502040204020203" pitchFamily="34" charset="0"/>
-              </a:rPr>
-              <a:t>                   );</a:t>
-            </a:r>
-          </a:p>
-          <a:p>
-            <a:endParaRPr lang="en-US" b="1" dirty="0"/>
-          </a:p>
-          <a:p>
-            <a:r>
               <a:rPr lang="en-US" b="1" dirty="0"/>
-              <a:t>This example will demonstrate tasks running on separate threads.</a:t>
-            </a:r>
-          </a:p>
-          <a:p>
-            <a:endParaRPr lang="en-US" b="1" dirty="0"/>
-          </a:p>
-          <a:p>
-            <a:r>
-              <a:rPr lang="en-US" dirty="0"/>
-              <a:t>Delegates, Anonymous functions, Lambda expressions</a:t>
+              <a:t> third parameter: Action&lt;int&gt;</a:t>
+            </a:r>
+          </a:p>
+          <a:p>
+            <a:pPr lvl="1"/>
+            <a:r>
+              <a:rPr lang="en-US" b="1" dirty="0"/>
+              <a:t>Named Delegate: </a:t>
             </a:r>
             <a:br>
               <a:rPr lang="en-US" dirty="0"/>
             </a:br>
             <a:r>
+              <a:rPr lang="en-US" dirty="0" err="1"/>
+              <a:t>Parallel.For</a:t>
+            </a:r>
+            <a:r>
+              <a:rPr lang="en-US" dirty="0"/>
+              <a:t>(0, n, </a:t>
+            </a:r>
+            <a:r>
+              <a:rPr lang="en-US" dirty="0" err="1"/>
+              <a:t>DoWork</a:t>
+            </a:r>
+            <a:r>
+              <a:rPr lang="en-US" dirty="0"/>
+              <a:t>);</a:t>
+            </a:r>
+            <a:br>
+              <a:rPr lang="en-US" dirty="0"/>
+            </a:br>
+            <a:br>
+              <a:rPr lang="en-US" dirty="0"/>
+            </a:br>
+            <a:r>
+              <a:rPr lang="en-US" dirty="0"/>
+              <a:t>public void </a:t>
+            </a:r>
+            <a:r>
+              <a:rPr lang="en-US" dirty="0" err="1"/>
+              <a:t>DoWork</a:t>
+            </a:r>
+            <a:r>
+              <a:rPr lang="en-US" dirty="0"/>
+              <a:t>(int </a:t>
+            </a:r>
+            <a:r>
+              <a:rPr lang="en-US" dirty="0" err="1"/>
+              <a:t>i</a:t>
+            </a:r>
+            <a:r>
+              <a:rPr lang="en-US" dirty="0"/>
+              <a:t>)</a:t>
+            </a:r>
+            <a:br>
+              <a:rPr lang="en-US" dirty="0"/>
+            </a:br>
+            <a:r>
+              <a:rPr lang="en-US" dirty="0"/>
+              <a:t>{</a:t>
+            </a:r>
+            <a:br>
+              <a:rPr lang="en-US" dirty="0"/>
+            </a:br>
+            <a:r>
+              <a:rPr lang="en-US" dirty="0"/>
+              <a:t>    // … do work</a:t>
+            </a:r>
+            <a:br>
+              <a:rPr lang="en-US" dirty="0"/>
+            </a:br>
+            <a:r>
+              <a:rPr lang="en-US" dirty="0"/>
+              <a:t>}</a:t>
+            </a:r>
+          </a:p>
+          <a:p>
+            <a:pPr lvl="1"/>
+            <a:r>
+              <a:rPr lang="en-US" b="1" dirty="0"/>
+              <a:t>Anonymous Method:</a:t>
+            </a:r>
+            <a:br>
+              <a:rPr lang="en-US" b="1" dirty="0"/>
+            </a:br>
+            <a:r>
+              <a:rPr lang="en-US" dirty="0" err="1"/>
+              <a:t>Parallel.For</a:t>
+            </a:r>
+            <a:r>
+              <a:rPr lang="en-US" dirty="0"/>
+              <a:t>(0, n, delegate(int </a:t>
+            </a:r>
+            <a:r>
+              <a:rPr lang="en-US" dirty="0" err="1"/>
+              <a:t>i</a:t>
+            </a:r>
+            <a:r>
+              <a:rPr lang="en-US" dirty="0"/>
+              <a:t>)</a:t>
+            </a:r>
+            <a:br>
+              <a:rPr lang="en-US" dirty="0"/>
+            </a:br>
+            <a:r>
+              <a:rPr lang="en-US" dirty="0"/>
+              <a:t>                            {</a:t>
+            </a:r>
+            <a:br>
+              <a:rPr lang="en-US" dirty="0"/>
+            </a:br>
+            <a:r>
+              <a:rPr lang="en-US" dirty="0"/>
+              <a:t>                                 // … do work</a:t>
+            </a:r>
+            <a:br>
+              <a:rPr lang="en-US" dirty="0"/>
+            </a:br>
+            <a:r>
+              <a:rPr lang="en-US" dirty="0"/>
+              <a:t>                            }</a:t>
+            </a:r>
+            <a:br>
+              <a:rPr lang="en-US" dirty="0"/>
+            </a:br>
+            <a:r>
+              <a:rPr lang="en-US" dirty="0"/>
+              <a:t>                   );</a:t>
+            </a:r>
+          </a:p>
+          <a:p>
+            <a:pPr lvl="1"/>
+            <a:r>
+              <a:rPr lang="en-US" b="1" dirty="0"/>
+              <a:t>Lambda Expression:</a:t>
+            </a:r>
+            <a:br>
+              <a:rPr lang="en-US" b="1" dirty="0"/>
+            </a:br>
+            <a:r>
+              <a:rPr lang="en-US" dirty="0" err="1"/>
+              <a:t>Parallel.For</a:t>
+            </a:r>
+            <a:r>
+              <a:rPr lang="en-US" dirty="0"/>
+              <a:t>(0, n, (</a:t>
+            </a:r>
+            <a:r>
+              <a:rPr lang="en-US" dirty="0" err="1"/>
+              <a:t>i</a:t>
+            </a:r>
+            <a:r>
+              <a:rPr lang="en-US" dirty="0"/>
+              <a:t>) =&gt; </a:t>
+            </a:r>
+            <a:br>
+              <a:rPr lang="en-US" dirty="0"/>
+            </a:br>
+            <a:r>
+              <a:rPr lang="en-US" dirty="0"/>
+              <a:t>                            {</a:t>
+            </a:r>
+            <a:br>
+              <a:rPr lang="en-US" dirty="0"/>
+            </a:br>
+            <a:r>
+              <a:rPr lang="en-US" dirty="0"/>
+              <a:t>                                 // … do work</a:t>
+            </a:r>
+            <a:br>
+              <a:rPr lang="en-US" dirty="0"/>
+            </a:br>
+            <a:r>
+              <a:rPr lang="en-US" dirty="0"/>
+              <a:t>                            }</a:t>
+            </a:r>
+            <a:br>
+              <a:rPr lang="en-US" dirty="0"/>
+            </a:br>
+            <a:r>
+              <a:rPr lang="en-US" dirty="0"/>
+              <a:t>                   );</a:t>
+            </a:r>
+          </a:p>
+          <a:p>
+            <a:r>
               <a:rPr lang="en-US" dirty="0"/>
               <a:t>See: </a:t>
             </a:r>
@@ -9246,14 +9707,12 @@
               <a:rPr lang="en-US" dirty="0">
                 <a:hlinkClick r:id="rId2"/>
               </a:rPr>
-              <a:t>Delegates, Lambda Expressions &amp; Closures in C# - Alan </a:t>
-            </a:r>
-            <a:r>
-              <a:rPr lang="en-US" dirty="0" err="1">
-                <a:hlinkClick r:id="rId2"/>
-              </a:rPr>
-              <a:t>Zucconi</a:t>
-            </a:r>
+              <a:t>Lambda Expressions in PLINQ and TPL | Microsoft Docs</a:t>
+            </a:r>
+            <a:endParaRPr lang="en-US" dirty="0"/>
+          </a:p>
+          <a:p>
+            <a:pPr lvl="1"/>
             <a:endParaRPr lang="en-US" dirty="0"/>
           </a:p>
         </p:txBody>
@@ -9261,7 +9720,7 @@
     </p:spTree>
     <p:extLst>
       <p:ext uri="{BB962C8B-B14F-4D97-AF65-F5344CB8AC3E}">
-        <p14:creationId xmlns:p14="http://schemas.microsoft.com/office/powerpoint/2010/main" val="3876481716"/>
+        <p14:creationId xmlns:p14="http://schemas.microsoft.com/office/powerpoint/2010/main" val="787778358"/>
       </p:ext>
     </p:extLst>
   </p:cSld>
@@ -9547,16 +10006,302 @@
 </a:theme>
 </file>
 
-<file path=customXml/item1.xml><?xml version="1.0" encoding="utf-8"?>
-<?mso-contentType ?>
-<FormTemplates xmlns="http://schemas.microsoft.com/sharepoint/v3/contenttype/forms">
-  <Display>DocumentLibraryForm</Display>
-  <Edit>DocumentLibraryForm</Edit>
-  <New>DocumentLibraryForm</New>
-</FormTemplates>
+<file path=ppt/theme/theme2.xml><?xml version="1.0" encoding="utf-8"?>
+<a:theme xmlns:a="http://schemas.openxmlformats.org/drawingml/2006/main" name="Office Theme">
+  <a:themeElements>
+    <a:clrScheme name="Office">
+      <a:dk1>
+        <a:sysClr val="windowText" lastClr="000000"/>
+      </a:dk1>
+      <a:lt1>
+        <a:sysClr val="window" lastClr="FFFFFF"/>
+      </a:lt1>
+      <a:dk2>
+        <a:srgbClr val="44546A"/>
+      </a:dk2>
+      <a:lt2>
+        <a:srgbClr val="E7E6E6"/>
+      </a:lt2>
+      <a:accent1>
+        <a:srgbClr val="4472C4"/>
+      </a:accent1>
+      <a:accent2>
+        <a:srgbClr val="ED7D31"/>
+      </a:accent2>
+      <a:accent3>
+        <a:srgbClr val="A5A5A5"/>
+      </a:accent3>
+      <a:accent4>
+        <a:srgbClr val="FFC000"/>
+      </a:accent4>
+      <a:accent5>
+        <a:srgbClr val="5B9BD5"/>
+      </a:accent5>
+      <a:accent6>
+        <a:srgbClr val="70AD47"/>
+      </a:accent6>
+      <a:hlink>
+        <a:srgbClr val="0563C1"/>
+      </a:hlink>
+      <a:folHlink>
+        <a:srgbClr val="954F72"/>
+      </a:folHlink>
+    </a:clrScheme>
+    <a:fontScheme name="Office">
+      <a:majorFont>
+        <a:latin typeface="Calibri Light" panose="020F0302020204030204"/>
+        <a:ea typeface=""/>
+        <a:cs typeface=""/>
+        <a:font script="Jpan" typeface="游ゴシック Light"/>
+        <a:font script="Hang" typeface="맑은 고딕"/>
+        <a:font script="Hans" typeface="等线 Light"/>
+        <a:font script="Hant" typeface="新細明體"/>
+        <a:font script="Arab" typeface="Times New Roman"/>
+        <a:font script="Hebr" typeface="Times New Roman"/>
+        <a:font script="Thai" typeface="Angsana New"/>
+        <a:font script="Ethi" typeface="Nyala"/>
+        <a:font script="Beng" typeface="Vrinda"/>
+        <a:font script="Gujr" typeface="Shruti"/>
+        <a:font script="Khmr" typeface="MoolBoran"/>
+        <a:font script="Knda" typeface="Tunga"/>
+        <a:font script="Guru" typeface="Raavi"/>
+        <a:font script="Cans" typeface="Euphemia"/>
+        <a:font script="Cher" typeface="Plantagenet Cherokee"/>
+        <a:font script="Yiii" typeface="Microsoft Yi Baiti"/>
+        <a:font script="Tibt" typeface="Microsoft Himalaya"/>
+        <a:font script="Thaa" typeface="MV Boli"/>
+        <a:font script="Deva" typeface="Mangal"/>
+        <a:font script="Telu" typeface="Gautami"/>
+        <a:font script="Taml" typeface="Latha"/>
+        <a:font script="Syrc" typeface="Estrangelo Edessa"/>
+        <a:font script="Orya" typeface="Kalinga"/>
+        <a:font script="Mlym" typeface="Kartika"/>
+        <a:font script="Laoo" typeface="DokChampa"/>
+        <a:font script="Sinh" typeface="Iskoola Pota"/>
+        <a:font script="Mong" typeface="Mongolian Baiti"/>
+        <a:font script="Viet" typeface="Times New Roman"/>
+        <a:font script="Uigh" typeface="Microsoft Uighur"/>
+        <a:font script="Geor" typeface="Sylfaen"/>
+        <a:font script="Armn" typeface="Arial"/>
+        <a:font script="Bugi" typeface="Leelawadee UI"/>
+        <a:font script="Bopo" typeface="Microsoft JhengHei"/>
+        <a:font script="Java" typeface="Javanese Text"/>
+        <a:font script="Lisu" typeface="Segoe UI"/>
+        <a:font script="Mymr" typeface="Myanmar Text"/>
+        <a:font script="Nkoo" typeface="Ebrima"/>
+        <a:font script="Olck" typeface="Nirmala UI"/>
+        <a:font script="Osma" typeface="Ebrima"/>
+        <a:font script="Phag" typeface="Phagspa"/>
+        <a:font script="Syrn" typeface="Estrangelo Edessa"/>
+        <a:font script="Syrj" typeface="Estrangelo Edessa"/>
+        <a:font script="Syre" typeface="Estrangelo Edessa"/>
+        <a:font script="Sora" typeface="Nirmala UI"/>
+        <a:font script="Tale" typeface="Microsoft Tai Le"/>
+        <a:font script="Talu" typeface="Microsoft New Tai Lue"/>
+        <a:font script="Tfng" typeface="Ebrima"/>
+      </a:majorFont>
+      <a:minorFont>
+        <a:latin typeface="Calibri" panose="020F0502020204030204"/>
+        <a:ea typeface=""/>
+        <a:cs typeface=""/>
+        <a:font script="Jpan" typeface="游ゴシック"/>
+        <a:font script="Hang" typeface="맑은 고딕"/>
+        <a:font script="Hans" typeface="等线"/>
+        <a:font script="Hant" typeface="新細明體"/>
+        <a:font script="Arab" typeface="Arial"/>
+        <a:font script="Hebr" typeface="Arial"/>
+        <a:font script="Thai" typeface="Cordia New"/>
+        <a:font script="Ethi" typeface="Nyala"/>
+        <a:font script="Beng" typeface="Vrinda"/>
+        <a:font script="Gujr" typeface="Shruti"/>
+        <a:font script="Khmr" typeface="DaunPenh"/>
+        <a:font script="Knda" typeface="Tunga"/>
+        <a:font script="Guru" typeface="Raavi"/>
+        <a:font script="Cans" typeface="Euphemia"/>
+        <a:font script="Cher" typeface="Plantagenet Cherokee"/>
+        <a:font script="Yiii" typeface="Microsoft Yi Baiti"/>
+        <a:font script="Tibt" typeface="Microsoft Himalaya"/>
+        <a:font script="Thaa" typeface="MV Boli"/>
+        <a:font script="Deva" typeface="Mangal"/>
+        <a:font script="Telu" typeface="Gautami"/>
+        <a:font script="Taml" typeface="Latha"/>
+        <a:font script="Syrc" typeface="Estrangelo Edessa"/>
+        <a:font script="Orya" typeface="Kalinga"/>
+        <a:font script="Mlym" typeface="Kartika"/>
+        <a:font script="Laoo" typeface="DokChampa"/>
+        <a:font script="Sinh" typeface="Iskoola Pota"/>
+        <a:font script="Mong" typeface="Mongolian Baiti"/>
+        <a:font script="Viet" typeface="Arial"/>
+        <a:font script="Uigh" typeface="Microsoft Uighur"/>
+        <a:font script="Geor" typeface="Sylfaen"/>
+        <a:font script="Armn" typeface="Arial"/>
+        <a:font script="Bugi" typeface="Leelawadee UI"/>
+        <a:font script="Bopo" typeface="Microsoft JhengHei"/>
+        <a:font script="Java" typeface="Javanese Text"/>
+        <a:font script="Lisu" typeface="Segoe UI"/>
+        <a:font script="Mymr" typeface="Myanmar Text"/>
+        <a:font script="Nkoo" typeface="Ebrima"/>
+        <a:font script="Olck" typeface="Nirmala UI"/>
+        <a:font script="Osma" typeface="Ebrima"/>
+        <a:font script="Phag" typeface="Phagspa"/>
+        <a:font script="Syrn" typeface="Estrangelo Edessa"/>
+        <a:font script="Syrj" typeface="Estrangelo Edessa"/>
+        <a:font script="Syre" typeface="Estrangelo Edessa"/>
+        <a:font script="Sora" typeface="Nirmala UI"/>
+        <a:font script="Tale" typeface="Microsoft Tai Le"/>
+        <a:font script="Talu" typeface="Microsoft New Tai Lue"/>
+        <a:font script="Tfng" typeface="Ebrima"/>
+      </a:minorFont>
+    </a:fontScheme>
+    <a:fmtScheme name="Office">
+      <a:fillStyleLst>
+        <a:solidFill>
+          <a:schemeClr val="phClr"/>
+        </a:solidFill>
+        <a:gradFill rotWithShape="1">
+          <a:gsLst>
+            <a:gs pos="0">
+              <a:schemeClr val="phClr">
+                <a:lumMod val="110000"/>
+                <a:satMod val="105000"/>
+                <a:tint val="67000"/>
+              </a:schemeClr>
+            </a:gs>
+            <a:gs pos="50000">
+              <a:schemeClr val="phClr">
+                <a:lumMod val="105000"/>
+                <a:satMod val="103000"/>
+                <a:tint val="73000"/>
+              </a:schemeClr>
+            </a:gs>
+            <a:gs pos="100000">
+              <a:schemeClr val="phClr">
+                <a:lumMod val="105000"/>
+                <a:satMod val="109000"/>
+                <a:tint val="81000"/>
+              </a:schemeClr>
+            </a:gs>
+          </a:gsLst>
+          <a:lin ang="5400000" scaled="0"/>
+        </a:gradFill>
+        <a:gradFill rotWithShape="1">
+          <a:gsLst>
+            <a:gs pos="0">
+              <a:schemeClr val="phClr">
+                <a:satMod val="103000"/>
+                <a:lumMod val="102000"/>
+                <a:tint val="94000"/>
+              </a:schemeClr>
+            </a:gs>
+            <a:gs pos="50000">
+              <a:schemeClr val="phClr">
+                <a:satMod val="110000"/>
+                <a:lumMod val="100000"/>
+                <a:shade val="100000"/>
+              </a:schemeClr>
+            </a:gs>
+            <a:gs pos="100000">
+              <a:schemeClr val="phClr">
+                <a:lumMod val="99000"/>
+                <a:satMod val="120000"/>
+                <a:shade val="78000"/>
+              </a:schemeClr>
+            </a:gs>
+          </a:gsLst>
+          <a:lin ang="5400000" scaled="0"/>
+        </a:gradFill>
+      </a:fillStyleLst>
+      <a:lnStyleLst>
+        <a:ln w="6350" cap="flat" cmpd="sng" algn="ctr">
+          <a:solidFill>
+            <a:schemeClr val="phClr"/>
+          </a:solidFill>
+          <a:prstDash val="solid"/>
+          <a:miter lim="800000"/>
+        </a:ln>
+        <a:ln w="12700" cap="flat" cmpd="sng" algn="ctr">
+          <a:solidFill>
+            <a:schemeClr val="phClr"/>
+          </a:solidFill>
+          <a:prstDash val="solid"/>
+          <a:miter lim="800000"/>
+        </a:ln>
+        <a:ln w="19050" cap="flat" cmpd="sng" algn="ctr">
+          <a:solidFill>
+            <a:schemeClr val="phClr"/>
+          </a:solidFill>
+          <a:prstDash val="solid"/>
+          <a:miter lim="800000"/>
+        </a:ln>
+      </a:lnStyleLst>
+      <a:effectStyleLst>
+        <a:effectStyle>
+          <a:effectLst/>
+        </a:effectStyle>
+        <a:effectStyle>
+          <a:effectLst/>
+        </a:effectStyle>
+        <a:effectStyle>
+          <a:effectLst>
+            <a:outerShdw blurRad="57150" dist="19050" dir="5400000" algn="ctr" rotWithShape="0">
+              <a:srgbClr val="000000">
+                <a:alpha val="63000"/>
+              </a:srgbClr>
+            </a:outerShdw>
+          </a:effectLst>
+        </a:effectStyle>
+      </a:effectStyleLst>
+      <a:bgFillStyleLst>
+        <a:solidFill>
+          <a:schemeClr val="phClr"/>
+        </a:solidFill>
+        <a:solidFill>
+          <a:schemeClr val="phClr">
+            <a:tint val="95000"/>
+            <a:satMod val="170000"/>
+          </a:schemeClr>
+        </a:solidFill>
+        <a:gradFill rotWithShape="1">
+          <a:gsLst>
+            <a:gs pos="0">
+              <a:schemeClr val="phClr">
+                <a:tint val="93000"/>
+                <a:satMod val="150000"/>
+                <a:shade val="98000"/>
+                <a:lumMod val="102000"/>
+              </a:schemeClr>
+            </a:gs>
+            <a:gs pos="50000">
+              <a:schemeClr val="phClr">
+                <a:tint val="98000"/>
+                <a:satMod val="130000"/>
+                <a:shade val="90000"/>
+                <a:lumMod val="103000"/>
+              </a:schemeClr>
+            </a:gs>
+            <a:gs pos="100000">
+              <a:schemeClr val="phClr">
+                <a:shade val="63000"/>
+                <a:satMod val="120000"/>
+              </a:schemeClr>
+            </a:gs>
+          </a:gsLst>
+          <a:lin ang="5400000" scaled="0"/>
+        </a:gradFill>
+      </a:bgFillStyleLst>
+    </a:fmtScheme>
+  </a:themeElements>
+  <a:objectDefaults/>
+  <a:extraClrSchemeLst/>
+  <a:extLst>
+    <a:ext uri="{05A4C25C-085E-4340-85A3-A5531E510DB2}">
+      <thm15:themeFamily xmlns:thm15="http://schemas.microsoft.com/office/thememl/2012/main" name="Office Theme" id="{62F939B6-93AF-4DB8-9C6B-D6C7DFDC589F}" vid="{4A3C46E8-61CC-4603-A589-7422A47A8E4A}"/>
+    </a:ext>
+  </a:extLst>
+</a:theme>
 </file>
 
-<file path=customXml/item2.xml><?xml version="1.0" encoding="utf-8"?>
+<file path=customXml/item1.xml><?xml version="1.0" encoding="utf-8"?>
 <ct:contentTypeSchema xmlns:ct="http://schemas.microsoft.com/office/2006/metadata/contentType" xmlns:ma="http://schemas.microsoft.com/office/2006/metadata/properties/metaAttributes" ct:_="" ma:_="" ma:contentTypeName="Document" ma:contentTypeID="0x01010079F111ED35F8CC479449609E8A0923A6" ma:contentTypeVersion="12" ma:contentTypeDescription="Create a new document." ma:contentTypeScope="" ma:versionID="a410dd7f93c95333ffa1b60ed6adedd1">
   <xsd:schema xmlns:xsd="http://www.w3.org/2001/XMLSchema" xmlns:xs="http://www.w3.org/2001/XMLSchema" xmlns:p="http://schemas.microsoft.com/office/2006/metadata/properties" xmlns:ns2="71af3243-3dd4-4a8d-8c0d-dd76da1f02a5" xmlns:ns3="16c05727-aa75-4e4a-9b5f-8a80a1165891" targetNamespace="http://schemas.microsoft.com/office/2006/metadata/properties" ma:root="true" ma:fieldsID="a936d9baba76aa3866493feff160faab" ns2:_="" ns3:_="">
     <xsd:import namespace="71af3243-3dd4-4a8d-8c0d-dd76da1f02a5"/>
@@ -9777,6 +10522,15 @@
 </ct:contentTypeSchema>
 </file>
 
+<file path=customXml/item2.xml><?xml version="1.0" encoding="utf-8"?>
+<?mso-contentType ?>
+<FormTemplates xmlns="http://schemas.microsoft.com/sharepoint/v3/contenttype/forms">
+  <Display>DocumentLibraryForm</Display>
+  <Edit>DocumentLibraryForm</Edit>
+  <New>DocumentLibraryForm</New>
+</FormTemplates>
+</file>
+
 <file path=customXml/item3.xml><?xml version="1.0" encoding="utf-8"?>
 <p:properties xmlns:p="http://schemas.microsoft.com/office/2006/metadata/properties" xmlns:xsi="http://www.w3.org/2001/XMLSchema-instance" xmlns:pc="http://schemas.microsoft.com/office/infopath/2007/PartnerControls">
   <documentManagement>
@@ -9787,14 +10541,6 @@
 </file>
 
 <file path=customXml/itemProps1.xml><?xml version="1.0" encoding="utf-8"?>
-<ds:datastoreItem xmlns:ds="http://schemas.openxmlformats.org/officeDocument/2006/customXml" ds:itemID="{CDB58277-F8DF-46FF-84EC-EF41B835E69F}">
-  <ds:schemaRefs>
-    <ds:schemaRef ds:uri="http://schemas.microsoft.com/sharepoint/v3/contenttype/forms"/>
-  </ds:schemaRefs>
-</ds:datastoreItem>
-</file>
-
-<file path=customXml/itemProps2.xml><?xml version="1.0" encoding="utf-8"?>
 <ds:datastoreItem xmlns:ds="http://schemas.openxmlformats.org/officeDocument/2006/customXml" ds:itemID="{2D276E62-80A3-44DD-9BCC-97ED2B99B57F}">
   <ds:schemaRefs>
     <ds:schemaRef ds:uri="http://schemas.microsoft.com/office/2006/metadata/contentType"/>
@@ -9813,19 +10559,27 @@
 </ds:datastoreItem>
 </file>
 
+<file path=customXml/itemProps2.xml><?xml version="1.0" encoding="utf-8"?>
+<ds:datastoreItem xmlns:ds="http://schemas.openxmlformats.org/officeDocument/2006/customXml" ds:itemID="{CDB58277-F8DF-46FF-84EC-EF41B835E69F}">
+  <ds:schemaRefs>
+    <ds:schemaRef ds:uri="http://schemas.microsoft.com/sharepoint/v3/contenttype/forms"/>
+  </ds:schemaRefs>
+</ds:datastoreItem>
+</file>
+
 <file path=customXml/itemProps3.xml><?xml version="1.0" encoding="utf-8"?>
 <ds:datastoreItem xmlns:ds="http://schemas.openxmlformats.org/officeDocument/2006/customXml" ds:itemID="{137651BA-F45C-4845-9AB3-E0A65B39F5E1}">
   <ds:schemaRefs>
-    <ds:schemaRef ds:uri="16c05727-aa75-4e4a-9b5f-8a80a1165891"/>
-    <ds:schemaRef ds:uri="http://purl.org/dc/dcmitype/"/>
+    <ds:schemaRef ds:uri="http://purl.org/dc/terms/"/>
     <ds:schemaRef ds:uri="http://schemas.microsoft.com/office/2006/metadata/properties"/>
     <ds:schemaRef ds:uri="http://schemas.microsoft.com/office/2006/documentManagement/types"/>
     <ds:schemaRef ds:uri="http://purl.org/dc/elements/1.1/"/>
-    <ds:schemaRef ds:uri="http://purl.org/dc/terms/"/>
+    <ds:schemaRef ds:uri="http://www.w3.org/XML/1998/namespace"/>
+    <ds:schemaRef ds:uri="http://schemas.openxmlformats.org/package/2006/metadata/core-properties"/>
     <ds:schemaRef ds:uri="71af3243-3dd4-4a8d-8c0d-dd76da1f02a5"/>
     <ds:schemaRef ds:uri="http://schemas.microsoft.com/office/infopath/2007/PartnerControls"/>
-    <ds:schemaRef ds:uri="http://schemas.openxmlformats.org/package/2006/metadata/core-properties"/>
-    <ds:schemaRef ds:uri="http://www.w3.org/XML/1998/namespace"/>
+    <ds:schemaRef ds:uri="16c05727-aa75-4e4a-9b5f-8a80a1165891"/>
+    <ds:schemaRef ds:uri="http://purl.org/dc/dcmitype/"/>
   </ds:schemaRefs>
 </ds:datastoreItem>
 </file>